--- a/Conception/Rotten potatoes.pptx
+++ b/Conception/Rotten potatoes.pptx
@@ -5,30 +5,31 @@
     <p:sldMasterId id="2147483648" r:id="rId1"/>
   </p:sldMasterIdLst>
   <p:notesMasterIdLst>
-    <p:notesMasterId r:id="rId23"/>
+    <p:notesMasterId r:id="rId24"/>
   </p:notesMasterIdLst>
   <p:sldIdLst>
     <p:sldId id="256" r:id="rId2"/>
     <p:sldId id="257" r:id="rId3"/>
     <p:sldId id="262" r:id="rId4"/>
     <p:sldId id="258" r:id="rId5"/>
-    <p:sldId id="259" r:id="rId6"/>
-    <p:sldId id="278" r:id="rId7"/>
-    <p:sldId id="279" r:id="rId8"/>
+    <p:sldId id="278" r:id="rId6"/>
+    <p:sldId id="279" r:id="rId7"/>
+    <p:sldId id="283" r:id="rId8"/>
     <p:sldId id="260" r:id="rId9"/>
-    <p:sldId id="261" r:id="rId10"/>
-    <p:sldId id="263" r:id="rId11"/>
-    <p:sldId id="268" r:id="rId12"/>
-    <p:sldId id="264" r:id="rId13"/>
-    <p:sldId id="281" r:id="rId14"/>
-    <p:sldId id="265" r:id="rId15"/>
-    <p:sldId id="266" r:id="rId16"/>
-    <p:sldId id="269" r:id="rId17"/>
-    <p:sldId id="271" r:id="rId18"/>
-    <p:sldId id="280" r:id="rId19"/>
-    <p:sldId id="272" r:id="rId20"/>
-    <p:sldId id="276" r:id="rId21"/>
-    <p:sldId id="270" r:id="rId22"/>
+    <p:sldId id="282" r:id="rId10"/>
+    <p:sldId id="261" r:id="rId11"/>
+    <p:sldId id="263" r:id="rId12"/>
+    <p:sldId id="268" r:id="rId13"/>
+    <p:sldId id="264" r:id="rId14"/>
+    <p:sldId id="281" r:id="rId15"/>
+    <p:sldId id="265" r:id="rId16"/>
+    <p:sldId id="266" r:id="rId17"/>
+    <p:sldId id="269" r:id="rId18"/>
+    <p:sldId id="271" r:id="rId19"/>
+    <p:sldId id="280" r:id="rId20"/>
+    <p:sldId id="272" r:id="rId21"/>
+    <p:sldId id="276" r:id="rId22"/>
+    <p:sldId id="270" r:id="rId23"/>
   </p:sldIdLst>
   <p:sldSz cx="12192000" cy="6858000"/>
   <p:notesSz cx="6858000" cy="9144000"/>
@@ -217,7 +218,7 @@
           <a:p>
             <a:fld id="{16A0A46D-C829-4EBD-AAD7-A55184284880}" type="datetimeFigureOut">
               <a:rPr lang="fr-FR" smtClean="0"/>
-              <a:t>01/03/2022</a:t>
+              <a:t>25/05/2022</a:t>
             </a:fld>
             <a:endParaRPr lang="fr-FR"/>
           </a:p>
@@ -616,7 +617,7 @@
           <a:p>
             <a:fld id="{5821E773-4264-4C0B-914D-52CA1BA25049}" type="datetime1">
               <a:rPr lang="fr-FR" smtClean="0"/>
-              <a:t>01/03/2022</a:t>
+              <a:t>25/05/2022</a:t>
             </a:fld>
             <a:endParaRPr lang="fr-FR"/>
           </a:p>
@@ -674,13 +675,13 @@
   <p:clrMapOvr>
     <a:masterClrMapping/>
   </p:clrMapOvr>
-  <mc:AlternateContent xmlns:mc="http://schemas.openxmlformats.org/markup-compatibility/2006">
-    <mc:Choice xmlns:p14="http://schemas.microsoft.com/office/powerpoint/2010/main" Requires="p14">
+  <mc:AlternateContent xmlns:mc="http://schemas.openxmlformats.org/markup-compatibility/2006" xmlns:p14="http://schemas.microsoft.com/office/powerpoint/2010/main">
+    <mc:Choice Requires="p14">
       <p:transition spd="med" p14:dur="700">
         <p:fade/>
       </p:transition>
     </mc:Choice>
-    <mc:Fallback>
+    <mc:Fallback xmlns="">
       <p:transition spd="med">
         <p:fade/>
       </p:transition>
@@ -798,7 +799,7 @@
           <a:p>
             <a:fld id="{A9F66D1B-627C-4E1D-89AF-2E8F890F9514}" type="datetime1">
               <a:rPr lang="fr-FR" smtClean="0"/>
-              <a:t>01/03/2022</a:t>
+              <a:t>25/05/2022</a:t>
             </a:fld>
             <a:endParaRPr lang="fr-FR"/>
           </a:p>
@@ -856,13 +857,13 @@
   <p:clrMapOvr>
     <a:masterClrMapping/>
   </p:clrMapOvr>
-  <mc:AlternateContent xmlns:mc="http://schemas.openxmlformats.org/markup-compatibility/2006">
-    <mc:Choice xmlns:p14="http://schemas.microsoft.com/office/powerpoint/2010/main" Requires="p14">
+  <mc:AlternateContent xmlns:mc="http://schemas.openxmlformats.org/markup-compatibility/2006" xmlns:p14="http://schemas.microsoft.com/office/powerpoint/2010/main">
+    <mc:Choice Requires="p14">
       <p:transition spd="med" p14:dur="700">
         <p:fade/>
       </p:transition>
     </mc:Choice>
-    <mc:Fallback>
+    <mc:Fallback xmlns="">
       <p:transition spd="med">
         <p:fade/>
       </p:transition>
@@ -990,7 +991,7 @@
           <a:p>
             <a:fld id="{91A022CD-5137-4B96-8C68-DD451FB79E9D}" type="datetime1">
               <a:rPr lang="fr-FR" smtClean="0"/>
-              <a:t>01/03/2022</a:t>
+              <a:t>25/05/2022</a:t>
             </a:fld>
             <a:endParaRPr lang="fr-FR"/>
           </a:p>
@@ -1048,13 +1049,13 @@
   <p:clrMapOvr>
     <a:masterClrMapping/>
   </p:clrMapOvr>
-  <mc:AlternateContent xmlns:mc="http://schemas.openxmlformats.org/markup-compatibility/2006">
-    <mc:Choice xmlns:p14="http://schemas.microsoft.com/office/powerpoint/2010/main" Requires="p14">
+  <mc:AlternateContent xmlns:mc="http://schemas.openxmlformats.org/markup-compatibility/2006" xmlns:p14="http://schemas.microsoft.com/office/powerpoint/2010/main">
+    <mc:Choice Requires="p14">
       <p:transition spd="med" p14:dur="700">
         <p:fade/>
       </p:transition>
     </mc:Choice>
-    <mc:Fallback>
+    <mc:Fallback xmlns="">
       <p:transition spd="med">
         <p:fade/>
       </p:transition>
@@ -1172,7 +1173,7 @@
           <a:p>
             <a:fld id="{5EEA446D-3454-4378-AF65-697581B873C2}" type="datetime1">
               <a:rPr lang="fr-FR" smtClean="0"/>
-              <a:t>01/03/2022</a:t>
+              <a:t>25/05/2022</a:t>
             </a:fld>
             <a:endParaRPr lang="fr-FR"/>
           </a:p>
@@ -1230,13 +1231,13 @@
   <p:clrMapOvr>
     <a:masterClrMapping/>
   </p:clrMapOvr>
-  <mc:AlternateContent xmlns:mc="http://schemas.openxmlformats.org/markup-compatibility/2006">
-    <mc:Choice xmlns:p14="http://schemas.microsoft.com/office/powerpoint/2010/main" Requires="p14">
+  <mc:AlternateContent xmlns:mc="http://schemas.openxmlformats.org/markup-compatibility/2006" xmlns:p14="http://schemas.microsoft.com/office/powerpoint/2010/main">
+    <mc:Choice Requires="p14">
       <p:transition spd="med" p14:dur="700">
         <p:fade/>
       </p:transition>
     </mc:Choice>
-    <mc:Fallback>
+    <mc:Fallback xmlns="">
       <p:transition spd="med">
         <p:fade/>
       </p:transition>
@@ -1430,7 +1431,7 @@
           <a:p>
             <a:fld id="{1261EA1A-9269-4455-A4A4-092C7C6C762E}" type="datetime1">
               <a:rPr lang="fr-FR" smtClean="0"/>
-              <a:t>01/03/2022</a:t>
+              <a:t>25/05/2022</a:t>
             </a:fld>
             <a:endParaRPr lang="fr-FR"/>
           </a:p>
@@ -1488,13 +1489,13 @@
   <p:clrMapOvr>
     <a:masterClrMapping/>
   </p:clrMapOvr>
-  <mc:AlternateContent xmlns:mc="http://schemas.openxmlformats.org/markup-compatibility/2006">
-    <mc:Choice xmlns:p14="http://schemas.microsoft.com/office/powerpoint/2010/main" Requires="p14">
+  <mc:AlternateContent xmlns:mc="http://schemas.openxmlformats.org/markup-compatibility/2006" xmlns:p14="http://schemas.microsoft.com/office/powerpoint/2010/main">
+    <mc:Choice Requires="p14">
       <p:transition spd="med" p14:dur="700">
         <p:fade/>
       </p:transition>
     </mc:Choice>
-    <mc:Fallback>
+    <mc:Fallback xmlns="">
       <p:transition spd="med">
         <p:fade/>
       </p:transition>
@@ -1674,7 +1675,7 @@
           <a:p>
             <a:fld id="{D74A0CD3-62AE-462B-96C0-A05526B93549}" type="datetime1">
               <a:rPr lang="fr-FR" smtClean="0"/>
-              <a:t>01/03/2022</a:t>
+              <a:t>25/05/2022</a:t>
             </a:fld>
             <a:endParaRPr lang="fr-FR"/>
           </a:p>
@@ -1732,13 +1733,13 @@
   <p:clrMapOvr>
     <a:masterClrMapping/>
   </p:clrMapOvr>
-  <mc:AlternateContent xmlns:mc="http://schemas.openxmlformats.org/markup-compatibility/2006">
-    <mc:Choice xmlns:p14="http://schemas.microsoft.com/office/powerpoint/2010/main" Requires="p14">
+  <mc:AlternateContent xmlns:mc="http://schemas.openxmlformats.org/markup-compatibility/2006" xmlns:p14="http://schemas.microsoft.com/office/powerpoint/2010/main">
+    <mc:Choice Requires="p14">
       <p:transition spd="med" p14:dur="700">
         <p:fade/>
       </p:transition>
     </mc:Choice>
-    <mc:Fallback>
+    <mc:Fallback xmlns="">
       <p:transition spd="med">
         <p:fade/>
       </p:transition>
@@ -2053,7 +2054,7 @@
           <a:p>
             <a:fld id="{A81707A5-C57D-4C13-B0B2-C410CB119169}" type="datetime1">
               <a:rPr lang="fr-FR" smtClean="0"/>
-              <a:t>01/03/2022</a:t>
+              <a:t>25/05/2022</a:t>
             </a:fld>
             <a:endParaRPr lang="fr-FR"/>
           </a:p>
@@ -2111,13 +2112,13 @@
   <p:clrMapOvr>
     <a:masterClrMapping/>
   </p:clrMapOvr>
-  <mc:AlternateContent xmlns:mc="http://schemas.openxmlformats.org/markup-compatibility/2006">
-    <mc:Choice xmlns:p14="http://schemas.microsoft.com/office/powerpoint/2010/main" Requires="p14">
+  <mc:AlternateContent xmlns:mc="http://schemas.openxmlformats.org/markup-compatibility/2006" xmlns:p14="http://schemas.microsoft.com/office/powerpoint/2010/main">
+    <mc:Choice Requires="p14">
       <p:transition spd="med" p14:dur="700">
         <p:fade/>
       </p:transition>
     </mc:Choice>
-    <mc:Fallback>
+    <mc:Fallback xmlns="">
       <p:transition spd="med">
         <p:fade/>
       </p:transition>
@@ -2183,7 +2184,7 @@
           <a:p>
             <a:fld id="{2D94D4E3-E571-403F-83C1-DE016EBAC48F}" type="datetime1">
               <a:rPr lang="fr-FR" smtClean="0"/>
-              <a:t>01/03/2022</a:t>
+              <a:t>25/05/2022</a:t>
             </a:fld>
             <a:endParaRPr lang="fr-FR"/>
           </a:p>
@@ -2241,13 +2242,13 @@
   <p:clrMapOvr>
     <a:masterClrMapping/>
   </p:clrMapOvr>
-  <mc:AlternateContent xmlns:mc="http://schemas.openxmlformats.org/markup-compatibility/2006">
-    <mc:Choice xmlns:p14="http://schemas.microsoft.com/office/powerpoint/2010/main" Requires="p14">
+  <mc:AlternateContent xmlns:mc="http://schemas.openxmlformats.org/markup-compatibility/2006" xmlns:p14="http://schemas.microsoft.com/office/powerpoint/2010/main">
+    <mc:Choice Requires="p14">
       <p:transition spd="med" p14:dur="700">
         <p:fade/>
       </p:transition>
     </mc:Choice>
-    <mc:Fallback>
+    <mc:Fallback xmlns="">
       <p:transition spd="med">
         <p:fade/>
       </p:transition>
@@ -2290,7 +2291,7 @@
           <a:p>
             <a:fld id="{7F6BA79B-3428-484D-BF3B-454B9EF21F7A}" type="datetime1">
               <a:rPr lang="fr-FR" smtClean="0"/>
-              <a:t>01/03/2022</a:t>
+              <a:t>25/05/2022</a:t>
             </a:fld>
             <a:endParaRPr lang="fr-FR"/>
           </a:p>
@@ -2348,13 +2349,13 @@
   <p:clrMapOvr>
     <a:masterClrMapping/>
   </p:clrMapOvr>
-  <mc:AlternateContent xmlns:mc="http://schemas.openxmlformats.org/markup-compatibility/2006">
-    <mc:Choice xmlns:p14="http://schemas.microsoft.com/office/powerpoint/2010/main" Requires="p14">
+  <mc:AlternateContent xmlns:mc="http://schemas.openxmlformats.org/markup-compatibility/2006" xmlns:p14="http://schemas.microsoft.com/office/powerpoint/2010/main">
+    <mc:Choice Requires="p14">
       <p:transition spd="med" p14:dur="700">
         <p:fade/>
       </p:transition>
     </mc:Choice>
-    <mc:Fallback>
+    <mc:Fallback xmlns="">
       <p:transition spd="med">
         <p:fade/>
       </p:transition>
@@ -2579,7 +2580,7 @@
           <a:p>
             <a:fld id="{9A97EAC5-3E25-40D6-BB07-19CD34D25F54}" type="datetime1">
               <a:rPr lang="fr-FR" smtClean="0"/>
-              <a:t>01/03/2022</a:t>
+              <a:t>25/05/2022</a:t>
             </a:fld>
             <a:endParaRPr lang="fr-FR"/>
           </a:p>
@@ -2637,13 +2638,13 @@
   <p:clrMapOvr>
     <a:masterClrMapping/>
   </p:clrMapOvr>
-  <mc:AlternateContent xmlns:mc="http://schemas.openxmlformats.org/markup-compatibility/2006">
-    <mc:Choice xmlns:p14="http://schemas.microsoft.com/office/powerpoint/2010/main" Requires="p14">
+  <mc:AlternateContent xmlns:mc="http://schemas.openxmlformats.org/markup-compatibility/2006" xmlns:p14="http://schemas.microsoft.com/office/powerpoint/2010/main">
+    <mc:Choice Requires="p14">
       <p:transition spd="med" p14:dur="700">
         <p:fade/>
       </p:transition>
     </mc:Choice>
-    <mc:Fallback>
+    <mc:Fallback xmlns="">
       <p:transition spd="med">
         <p:fade/>
       </p:transition>
@@ -2844,7 +2845,7 @@
           <a:p>
             <a:fld id="{57C304E1-A05B-47DC-9219-381A31C9D7F1}" type="datetime1">
               <a:rPr lang="fr-FR" smtClean="0"/>
-              <a:t>01/03/2022</a:t>
+              <a:t>25/05/2022</a:t>
             </a:fld>
             <a:endParaRPr lang="fr-FR"/>
           </a:p>
@@ -2902,13 +2903,13 @@
   <p:clrMapOvr>
     <a:masterClrMapping/>
   </p:clrMapOvr>
-  <mc:AlternateContent xmlns:mc="http://schemas.openxmlformats.org/markup-compatibility/2006">
-    <mc:Choice xmlns:p14="http://schemas.microsoft.com/office/powerpoint/2010/main" Requires="p14">
+  <mc:AlternateContent xmlns:mc="http://schemas.openxmlformats.org/markup-compatibility/2006" xmlns:p14="http://schemas.microsoft.com/office/powerpoint/2010/main">
+    <mc:Choice Requires="p14">
       <p:transition spd="med" p14:dur="700">
         <p:fade/>
       </p:transition>
     </mc:Choice>
-    <mc:Fallback>
+    <mc:Fallback xmlns="">
       <p:transition spd="med">
         <p:fade/>
       </p:transition>
@@ -3069,7 +3070,7 @@
           <a:p>
             <a:fld id="{280618CC-9874-44EB-B6D7-2758B980B41B}" type="datetime1">
               <a:rPr lang="fr-FR" smtClean="0"/>
-              <a:t>01/03/2022</a:t>
+              <a:t>25/05/2022</a:t>
             </a:fld>
             <a:endParaRPr lang="fr-FR"/>
           </a:p>
@@ -3174,13 +3175,13 @@
     <p:sldLayoutId id="2147483658" r:id="rId10"/>
     <p:sldLayoutId id="2147483659" r:id="rId11"/>
   </p:sldLayoutIdLst>
-  <mc:AlternateContent xmlns:mc="http://schemas.openxmlformats.org/markup-compatibility/2006">
-    <mc:Choice xmlns:p14="http://schemas.microsoft.com/office/powerpoint/2010/main" Requires="p14">
+  <mc:AlternateContent xmlns:mc="http://schemas.openxmlformats.org/markup-compatibility/2006" xmlns:p14="http://schemas.microsoft.com/office/powerpoint/2010/main">
+    <mc:Choice Requires="p14">
       <p:transition spd="med" p14:dur="700">
         <p:fade/>
       </p:transition>
     </mc:Choice>
-    <mc:Fallback>
+    <mc:Fallback xmlns="">
       <p:transition spd="med">
         <p:fade/>
       </p:transition>
@@ -3535,18 +3536,26 @@
           <a:lstStyle/>
           <a:p>
             <a:r>
-              <a:rPr lang="fr-FR" b="1" dirty="0" err="1" smtClean="0"/>
+              <a:rPr lang="fr-FR" b="1" dirty="0" err="1" smtClean="0">
+                <a:latin typeface="Berlin Sans FB Demi" panose="020E0802020502020306" pitchFamily="34" charset="0"/>
+              </a:rPr>
               <a:t>Rotten</a:t>
             </a:r>
             <a:r>
-              <a:rPr lang="fr-FR" b="1" dirty="0" smtClean="0"/>
+              <a:rPr lang="fr-FR" b="1" dirty="0" smtClean="0">
+                <a:latin typeface="Berlin Sans FB Demi" panose="020E0802020502020306" pitchFamily="34" charset="0"/>
+              </a:rPr>
               <a:t> </a:t>
             </a:r>
             <a:r>
-              <a:rPr lang="fr-FR" b="1" dirty="0" err="1" smtClean="0"/>
+              <a:rPr lang="fr-FR" b="1" dirty="0" err="1" smtClean="0">
+                <a:latin typeface="Berlin Sans FB Demi" panose="020E0802020502020306" pitchFamily="34" charset="0"/>
+              </a:rPr>
               <a:t>potatoes</a:t>
             </a:r>
-            <a:endParaRPr lang="fr-FR" b="1" dirty="0"/>
+            <a:endParaRPr lang="fr-FR" b="1" dirty="0">
+              <a:latin typeface="Berlin Sans FB Demi" panose="020E0802020502020306" pitchFamily="34" charset="0"/>
+            </a:endParaRPr>
           </a:p>
         </p:txBody>
       </p:sp>
@@ -3586,9 +3595,40 @@
           </a:p>
         </p:txBody>
       </p:sp>
+      <p:sp>
+        <p:nvSpPr>
+          <p:cNvPr id="6" name="Espace réservé du numéro de diapositive 5"/>
+          <p:cNvSpPr>
+            <a:spLocks noGrp="1"/>
+          </p:cNvSpPr>
+          <p:nvPr>
+            <p:ph type="sldNum" sz="quarter" idx="12"/>
+          </p:nvPr>
+        </p:nvSpPr>
+        <p:spPr/>
+        <p:txBody>
+          <a:bodyPr/>
+          <a:lstStyle/>
+          <a:p>
+            <a:fld id="{C71BCE76-17DE-481D-8B88-0224F5084139}" type="slidenum">
+              <a:rPr lang="fr-FR" smtClean="0">
+                <a:solidFill>
+                  <a:schemeClr val="tx1"/>
+                </a:solidFill>
+              </a:rPr>
+              <a:t>1</a:t>
+            </a:fld>
+            <a:endParaRPr lang="fr-FR" dirty="0">
+              <a:solidFill>
+                <a:schemeClr val="tx1"/>
+              </a:solidFill>
+            </a:endParaRPr>
+          </a:p>
+        </p:txBody>
+      </p:sp>
       <p:pic>
         <p:nvPicPr>
-          <p:cNvPr id="4" name="Image 3"/>
+          <p:cNvPr id="5" name="Image 4"/>
           <p:cNvPicPr>
             <a:picLocks noChangeAspect="1"/>
           </p:cNvPicPr>
@@ -3608,71 +3648,14 @@
         </p:blipFill>
         <p:spPr>
           <a:xfrm>
-            <a:off x="4813465" y="2668258"/>
-            <a:ext cx="2608526" cy="2608526"/>
+            <a:off x="4278580" y="2137558"/>
+            <a:ext cx="3634839" cy="3634839"/>
           </a:xfrm>
           <a:prstGeom prst="rect">
             <a:avLst/>
           </a:prstGeom>
-          <a:gradFill flip="none" rotWithShape="1">
-            <a:gsLst>
-              <a:gs pos="0">
-                <a:schemeClr val="accent4">
-                  <a:lumMod val="40000"/>
-                  <a:lumOff val="60000"/>
-                </a:schemeClr>
-              </a:gs>
-              <a:gs pos="46000">
-                <a:schemeClr val="accent4">
-                  <a:lumMod val="95000"/>
-                  <a:lumOff val="5000"/>
-                </a:schemeClr>
-              </a:gs>
-              <a:gs pos="100000">
-                <a:schemeClr val="accent4">
-                  <a:lumMod val="60000"/>
-                </a:schemeClr>
-              </a:gs>
-            </a:gsLst>
-            <a:path path="circle">
-              <a:fillToRect l="50000" t="50000" r="50000" b="50000"/>
-            </a:path>
-            <a:tileRect/>
-          </a:gradFill>
-          <a:effectLst/>
         </p:spPr>
       </p:pic>
-      <p:sp>
-        <p:nvSpPr>
-          <p:cNvPr id="6" name="Espace réservé du numéro de diapositive 5"/>
-          <p:cNvSpPr>
-            <a:spLocks noGrp="1"/>
-          </p:cNvSpPr>
-          <p:nvPr>
-            <p:ph type="sldNum" sz="quarter" idx="12"/>
-          </p:nvPr>
-        </p:nvSpPr>
-        <p:spPr/>
-        <p:txBody>
-          <a:bodyPr/>
-          <a:lstStyle/>
-          <a:p>
-            <a:fld id="{C71BCE76-17DE-481D-8B88-0224F5084139}" type="slidenum">
-              <a:rPr lang="fr-FR" smtClean="0">
-                <a:solidFill>
-                  <a:schemeClr val="tx1"/>
-                </a:solidFill>
-              </a:rPr>
-              <a:t>1</a:t>
-            </a:fld>
-            <a:endParaRPr lang="fr-FR" dirty="0">
-              <a:solidFill>
-                <a:schemeClr val="tx1"/>
-              </a:solidFill>
-            </a:endParaRPr>
-          </a:p>
-        </p:txBody>
-      </p:sp>
     </p:spTree>
     <p:extLst>
       <p:ext uri="{BB962C8B-B14F-4D97-AF65-F5344CB8AC3E}">
@@ -3683,13 +3666,13 @@
   <p:clrMapOvr>
     <a:masterClrMapping/>
   </p:clrMapOvr>
-  <mc:AlternateContent xmlns:mc="http://schemas.openxmlformats.org/markup-compatibility/2006">
-    <mc:Choice xmlns:p14="http://schemas.microsoft.com/office/powerpoint/2010/main" Requires="p14">
+  <mc:AlternateContent xmlns:mc="http://schemas.openxmlformats.org/markup-compatibility/2006" xmlns:p14="http://schemas.microsoft.com/office/powerpoint/2010/main">
+    <mc:Choice Requires="p14">
       <p:transition spd="med" p14:dur="700">
         <p:fade/>
       </p:transition>
     </mc:Choice>
-    <mc:Fallback>
+    <mc:Fallback xmlns="">
       <p:transition spd="med">
         <p:fade/>
       </p:transition>
@@ -3771,6 +3754,137 @@
                 </a:solidFill>
               </a:rPr>
               <a:t>10</a:t>
+            </a:fld>
+            <a:endParaRPr lang="fr-FR" dirty="0">
+              <a:solidFill>
+                <a:schemeClr val="tx1"/>
+              </a:solidFill>
+            </a:endParaRPr>
+          </a:p>
+        </p:txBody>
+      </p:sp>
+      <p:pic>
+        <p:nvPicPr>
+          <p:cNvPr id="5" name="Image 4"/>
+          <p:cNvPicPr>
+            <a:picLocks noChangeAspect="1"/>
+          </p:cNvPicPr>
+          <p:nvPr/>
+        </p:nvPicPr>
+        <p:blipFill>
+          <a:blip r:embed="rId2"/>
+          <a:stretch>
+            <a:fillRect/>
+          </a:stretch>
+        </p:blipFill>
+        <p:spPr>
+          <a:xfrm>
+            <a:off x="2082800" y="9867"/>
+            <a:ext cx="7988300" cy="6848133"/>
+          </a:xfrm>
+          <a:prstGeom prst="rect">
+            <a:avLst/>
+          </a:prstGeom>
+        </p:spPr>
+      </p:pic>
+    </p:spTree>
+    <p:extLst>
+      <p:ext uri="{BB962C8B-B14F-4D97-AF65-F5344CB8AC3E}">
+        <p14:creationId xmlns:p14="http://schemas.microsoft.com/office/powerpoint/2010/main" val="3248359539"/>
+      </p:ext>
+    </p:extLst>
+  </p:cSld>
+  <p:clrMapOvr>
+    <a:masterClrMapping/>
+  </p:clrMapOvr>
+  <mc:AlternateContent xmlns:mc="http://schemas.openxmlformats.org/markup-compatibility/2006" xmlns:p14="http://schemas.microsoft.com/office/powerpoint/2010/main">
+    <mc:Choice Requires="p14">
+      <p:transition spd="med" p14:dur="700">
+        <p:fade/>
+      </p:transition>
+    </mc:Choice>
+    <mc:Fallback xmlns="">
+      <p:transition spd="med">
+        <p:fade/>
+      </p:transition>
+    </mc:Fallback>
+  </mc:AlternateContent>
+  <p:timing>
+    <p:tnLst>
+      <p:par>
+        <p:cTn id="1" dur="indefinite" restart="never" nodeType="tmRoot"/>
+      </p:par>
+    </p:tnLst>
+  </p:timing>
+</p:sld>
+</file>
+
+<file path=ppt/slides/slide11.xml><?xml version="1.0" encoding="utf-8"?>
+<p:sld xmlns:a="http://schemas.openxmlformats.org/drawingml/2006/main" xmlns:r="http://schemas.openxmlformats.org/officeDocument/2006/relationships" xmlns:p="http://schemas.openxmlformats.org/presentationml/2006/main">
+  <p:cSld>
+    <p:bg>
+      <p:bgPr>
+        <a:gradFill>
+          <a:gsLst>
+            <a:gs pos="0">
+              <a:schemeClr val="accent1">
+                <a:lumMod val="5000"/>
+                <a:lumOff val="95000"/>
+              </a:schemeClr>
+            </a:gs>
+            <a:gs pos="100000">
+              <a:schemeClr val="accent4">
+                <a:lumMod val="75000"/>
+              </a:schemeClr>
+            </a:gs>
+            <a:gs pos="30000">
+              <a:schemeClr val="accent4"/>
+            </a:gs>
+            <a:gs pos="100000">
+              <a:schemeClr val="bg1"/>
+            </a:gs>
+          </a:gsLst>
+          <a:lin ang="5400000" scaled="1"/>
+        </a:gradFill>
+        <a:effectLst/>
+      </p:bgPr>
+    </p:bg>
+    <p:spTree>
+      <p:nvGrpSpPr>
+        <p:cNvPr id="1" name=""/>
+        <p:cNvGrpSpPr/>
+        <p:nvPr/>
+      </p:nvGrpSpPr>
+      <p:grpSpPr>
+        <a:xfrm>
+          <a:off x="0" y="0"/>
+          <a:ext cx="0" cy="0"/>
+          <a:chOff x="0" y="0"/>
+          <a:chExt cx="0" cy="0"/>
+        </a:xfrm>
+      </p:grpSpPr>
+      <p:sp>
+        <p:nvSpPr>
+          <p:cNvPr id="4" name="Espace réservé du numéro de diapositive 3"/>
+          <p:cNvSpPr>
+            <a:spLocks noGrp="1"/>
+          </p:cNvSpPr>
+          <p:nvPr>
+            <p:ph type="sldNum" sz="quarter" idx="12"/>
+          </p:nvPr>
+        </p:nvSpPr>
+        <p:spPr/>
+        <p:txBody>
+          <a:bodyPr/>
+          <a:lstStyle/>
+          <a:p>
+            <a:fld id="{C71BCE76-17DE-481D-8B88-0224F5084139}" type="slidenum">
+              <a:rPr lang="fr-FR" smtClean="0">
+                <a:solidFill>
+                  <a:schemeClr val="tx1"/>
+                </a:solidFill>
+              </a:rPr>
+              <a:t>11</a:t>
             </a:fld>
             <a:endParaRPr lang="fr-FR" dirty="0">
               <a:solidFill>
@@ -3814,13 +3928,13 @@
   <p:clrMapOvr>
     <a:masterClrMapping/>
   </p:clrMapOvr>
-  <mc:AlternateContent xmlns:mc="http://schemas.openxmlformats.org/markup-compatibility/2006">
-    <mc:Choice xmlns:p14="http://schemas.microsoft.com/office/powerpoint/2010/main" Requires="p14">
+  <mc:AlternateContent xmlns:mc="http://schemas.openxmlformats.org/markup-compatibility/2006" xmlns:p14="http://schemas.microsoft.com/office/powerpoint/2010/main">
+    <mc:Choice Requires="p14">
       <p:transition spd="med" p14:dur="700">
         <p:fade/>
       </p:transition>
     </mc:Choice>
-    <mc:Fallback>
+    <mc:Fallback xmlns="">
       <p:transition spd="med">
         <p:fade/>
       </p:transition>
@@ -3836,7 +3950,7 @@
 </p:sld>
 </file>
 
-<file path=ppt/slides/slide11.xml><?xml version="1.0" encoding="utf-8"?>
+<file path=ppt/slides/slide12.xml><?xml version="1.0" encoding="utf-8"?>
 <p:sld xmlns:a="http://schemas.openxmlformats.org/drawingml/2006/main" xmlns:r="http://schemas.openxmlformats.org/officeDocument/2006/relationships" xmlns:p="http://schemas.openxmlformats.org/presentationml/2006/main">
   <p:cSld>
     <p:bg>
@@ -3924,7 +4038,7 @@
                   <a:schemeClr val="tx1"/>
                 </a:solidFill>
               </a:rPr>
-              <a:t>11</a:t>
+              <a:t>12</a:t>
             </a:fld>
             <a:endParaRPr lang="fr-FR" dirty="0">
               <a:solidFill>
@@ -4052,13 +4166,13 @@
   <p:clrMapOvr>
     <a:masterClrMapping/>
   </p:clrMapOvr>
-  <mc:AlternateContent xmlns:mc="http://schemas.openxmlformats.org/markup-compatibility/2006">
-    <mc:Choice xmlns:p14="http://schemas.microsoft.com/office/powerpoint/2010/main" Requires="p14">
+  <mc:AlternateContent xmlns:mc="http://schemas.openxmlformats.org/markup-compatibility/2006" xmlns:p14="http://schemas.microsoft.com/office/powerpoint/2010/main">
+    <mc:Choice Requires="p14">
       <p:transition spd="med" p14:dur="700">
         <p:fade/>
       </p:transition>
     </mc:Choice>
-    <mc:Fallback>
+    <mc:Fallback xmlns="">
       <p:transition spd="med">
         <p:fade/>
       </p:transition>
@@ -4074,7 +4188,7 @@
 </p:sld>
 </file>
 
-<file path=ppt/slides/slide12.xml><?xml version="1.0" encoding="utf-8"?>
+<file path=ppt/slides/slide13.xml><?xml version="1.0" encoding="utf-8"?>
 <p:sld xmlns:a="http://schemas.openxmlformats.org/drawingml/2006/main" xmlns:r="http://schemas.openxmlformats.org/officeDocument/2006/relationships" xmlns:p="http://schemas.openxmlformats.org/presentationml/2006/main">
   <p:cSld>
     <p:bg>
@@ -4162,7 +4276,7 @@
                   <a:schemeClr val="tx1"/>
                 </a:solidFill>
               </a:rPr>
-              <a:t>12</a:t>
+              <a:t>13</a:t>
             </a:fld>
             <a:endParaRPr lang="fr-FR" dirty="0">
               <a:solidFill>
@@ -4271,13 +4385,13 @@
   <p:clrMapOvr>
     <a:masterClrMapping/>
   </p:clrMapOvr>
-  <mc:AlternateContent xmlns:mc="http://schemas.openxmlformats.org/markup-compatibility/2006">
-    <mc:Choice xmlns:p14="http://schemas.microsoft.com/office/powerpoint/2010/main" Requires="p14">
+  <mc:AlternateContent xmlns:mc="http://schemas.openxmlformats.org/markup-compatibility/2006" xmlns:p14="http://schemas.microsoft.com/office/powerpoint/2010/main">
+    <mc:Choice Requires="p14">
       <p:transition spd="med" p14:dur="700">
         <p:fade/>
       </p:transition>
     </mc:Choice>
-    <mc:Fallback>
+    <mc:Fallback xmlns="">
       <p:transition spd="med">
         <p:fade/>
       </p:transition>
@@ -4293,7 +4407,7 @@
 </p:sld>
 </file>
 
-<file path=ppt/slides/slide13.xml><?xml version="1.0" encoding="utf-8"?>
+<file path=ppt/slides/slide14.xml><?xml version="1.0" encoding="utf-8"?>
 <p:sld xmlns:a="http://schemas.openxmlformats.org/drawingml/2006/main" xmlns:r="http://schemas.openxmlformats.org/officeDocument/2006/relationships" xmlns:p="http://schemas.openxmlformats.org/presentationml/2006/main">
   <p:cSld>
     <p:bg>
@@ -4381,7 +4495,7 @@
                   <a:schemeClr val="tx1"/>
                 </a:solidFill>
               </a:rPr>
-              <a:t>13</a:t>
+              <a:t>14</a:t>
             </a:fld>
             <a:endParaRPr lang="fr-FR" dirty="0">
               <a:solidFill>
@@ -4479,13 +4593,13 @@
   <p:clrMapOvr>
     <a:masterClrMapping/>
   </p:clrMapOvr>
-  <mc:AlternateContent xmlns:mc="http://schemas.openxmlformats.org/markup-compatibility/2006">
-    <mc:Choice xmlns:p14="http://schemas.microsoft.com/office/powerpoint/2010/main" Requires="p14">
+  <mc:AlternateContent xmlns:mc="http://schemas.openxmlformats.org/markup-compatibility/2006" xmlns:p14="http://schemas.microsoft.com/office/powerpoint/2010/main">
+    <mc:Choice Requires="p14">
       <p:transition spd="med" p14:dur="700">
         <p:fade/>
       </p:transition>
     </mc:Choice>
-    <mc:Fallback>
+    <mc:Fallback xmlns="">
       <p:transition spd="med">
         <p:fade/>
       </p:transition>
@@ -4501,7 +4615,7 @@
 </p:sld>
 </file>
 
-<file path=ppt/slides/slide14.xml><?xml version="1.0" encoding="utf-8"?>
+<file path=ppt/slides/slide15.xml><?xml version="1.0" encoding="utf-8"?>
 <p:sld xmlns:a="http://schemas.openxmlformats.org/drawingml/2006/main" xmlns:r="http://schemas.openxmlformats.org/officeDocument/2006/relationships" xmlns:p="http://schemas.openxmlformats.org/presentationml/2006/main">
   <p:cSld>
     <p:bg>
@@ -4590,7 +4704,7 @@
                   <a:schemeClr val="bg1"/>
                 </a:solidFill>
               </a:rPr>
-              <a:t>14</a:t>
+              <a:t>15</a:t>
             </a:fld>
             <a:endParaRPr lang="fr-FR" dirty="0">
               <a:solidFill>
@@ -4640,13 +4754,13 @@
   <p:clrMapOvr>
     <a:masterClrMapping/>
   </p:clrMapOvr>
-  <mc:AlternateContent xmlns:mc="http://schemas.openxmlformats.org/markup-compatibility/2006">
-    <mc:Choice xmlns:p14="http://schemas.microsoft.com/office/powerpoint/2010/main" Requires="p14">
+  <mc:AlternateContent xmlns:mc="http://schemas.openxmlformats.org/markup-compatibility/2006" xmlns:p14="http://schemas.microsoft.com/office/powerpoint/2010/main">
+    <mc:Choice Requires="p14">
       <p:transition spd="med" p14:dur="700">
         <p:fade/>
       </p:transition>
     </mc:Choice>
-    <mc:Fallback>
+    <mc:Fallback xmlns="">
       <p:transition spd="med">
         <p:fade/>
       </p:transition>
@@ -4662,7 +4776,7 @@
 </p:sld>
 </file>
 
-<file path=ppt/slides/slide15.xml><?xml version="1.0" encoding="utf-8"?>
+<file path=ppt/slides/slide16.xml><?xml version="1.0" encoding="utf-8"?>
 <p:sld xmlns:a="http://schemas.openxmlformats.org/drawingml/2006/main" xmlns:r="http://schemas.openxmlformats.org/officeDocument/2006/relationships" xmlns:p="http://schemas.openxmlformats.org/presentationml/2006/main">
   <p:cSld>
     <p:bg>
@@ -4727,7 +4841,7 @@
                   <a:schemeClr val="tx1"/>
                 </a:solidFill>
               </a:rPr>
-              <a:t>15</a:t>
+              <a:t>16</a:t>
             </a:fld>
             <a:endParaRPr lang="fr-FR" dirty="0">
               <a:solidFill>
@@ -4825,13 +4939,13 @@
   <p:clrMapOvr>
     <a:masterClrMapping/>
   </p:clrMapOvr>
-  <mc:AlternateContent xmlns:mc="http://schemas.openxmlformats.org/markup-compatibility/2006">
-    <mc:Choice xmlns:p14="http://schemas.microsoft.com/office/powerpoint/2010/main" Requires="p14">
+  <mc:AlternateContent xmlns:mc="http://schemas.openxmlformats.org/markup-compatibility/2006" xmlns:p14="http://schemas.microsoft.com/office/powerpoint/2010/main">
+    <mc:Choice Requires="p14">
       <p:transition spd="med" p14:dur="700">
         <p:fade/>
       </p:transition>
     </mc:Choice>
-    <mc:Fallback>
+    <mc:Fallback xmlns="">
       <p:transition spd="med">
         <p:fade/>
       </p:transition>
@@ -4847,7 +4961,7 @@
 </p:sld>
 </file>
 
-<file path=ppt/slides/slide16.xml><?xml version="1.0" encoding="utf-8"?>
+<file path=ppt/slides/slide17.xml><?xml version="1.0" encoding="utf-8"?>
 <p:sld xmlns:a="http://schemas.openxmlformats.org/drawingml/2006/main" xmlns:r="http://schemas.openxmlformats.org/officeDocument/2006/relationships" xmlns:p="http://schemas.openxmlformats.org/presentationml/2006/main">
   <p:cSld>
     <p:bg>
@@ -4955,7 +5069,7 @@
                 <a:tabLst/>
                 <a:defRPr/>
               </a:pPr>
-              <a:t>16</a:t>
+              <a:t>17</a:t>
             </a:fld>
             <a:endParaRPr kumimoji="0" lang="fr-FR" sz="1200" b="0" i="0" u="none" strike="noStrike" kern="1200" cap="none" spc="0" normalizeH="0" baseline="0" noProof="0" dirty="0">
               <a:ln>
@@ -5114,13 +5228,13 @@
   <p:clrMapOvr>
     <a:masterClrMapping/>
   </p:clrMapOvr>
-  <mc:AlternateContent xmlns:mc="http://schemas.openxmlformats.org/markup-compatibility/2006">
-    <mc:Choice xmlns:p14="http://schemas.microsoft.com/office/powerpoint/2010/main" Requires="p14">
+  <mc:AlternateContent xmlns:mc="http://schemas.openxmlformats.org/markup-compatibility/2006" xmlns:p14="http://schemas.microsoft.com/office/powerpoint/2010/main">
+    <mc:Choice Requires="p14">
       <p:transition spd="med" p14:dur="700">
         <p:fade/>
       </p:transition>
     </mc:Choice>
-    <mc:Fallback>
+    <mc:Fallback xmlns="">
       <p:transition spd="med">
         <p:fade/>
       </p:transition>
@@ -5136,7 +5250,7 @@
 </p:sld>
 </file>
 
-<file path=ppt/slides/slide17.xml><?xml version="1.0" encoding="utf-8"?>
+<file path=ppt/slides/slide18.xml><?xml version="1.0" encoding="utf-8"?>
 <p:sld xmlns:a="http://schemas.openxmlformats.org/drawingml/2006/main" xmlns:r="http://schemas.openxmlformats.org/officeDocument/2006/relationships" xmlns:p="http://schemas.openxmlformats.org/presentationml/2006/main">
   <p:cSld>
     <p:bg>
@@ -5224,7 +5338,7 @@
                   <a:schemeClr val="tx1"/>
                 </a:solidFill>
               </a:rPr>
-              <a:t>17</a:t>
+              <a:t>18</a:t>
             </a:fld>
             <a:endParaRPr lang="fr-FR" dirty="0">
               <a:solidFill>
@@ -5309,13 +5423,13 @@
   <p:clrMapOvr>
     <a:masterClrMapping/>
   </p:clrMapOvr>
-  <mc:AlternateContent xmlns:mc="http://schemas.openxmlformats.org/markup-compatibility/2006">
-    <mc:Choice xmlns:p14="http://schemas.microsoft.com/office/powerpoint/2010/main" Requires="p14">
+  <mc:AlternateContent xmlns:mc="http://schemas.openxmlformats.org/markup-compatibility/2006" xmlns:p14="http://schemas.microsoft.com/office/powerpoint/2010/main">
+    <mc:Choice Requires="p14">
       <p:transition spd="med" p14:dur="700">
         <p:fade/>
       </p:transition>
     </mc:Choice>
-    <mc:Fallback>
+    <mc:Fallback xmlns="">
       <p:transition spd="med">
         <p:fade/>
       </p:transition>
@@ -5331,7 +5445,7 @@
 </p:sld>
 </file>
 
-<file path=ppt/slides/slide18.xml><?xml version="1.0" encoding="utf-8"?>
+<file path=ppt/slides/slide19.xml><?xml version="1.0" encoding="utf-8"?>
 <p:sld xmlns:a="http://schemas.openxmlformats.org/drawingml/2006/main" xmlns:r="http://schemas.openxmlformats.org/officeDocument/2006/relationships" xmlns:p="http://schemas.openxmlformats.org/presentationml/2006/main">
   <p:cSld>
     <p:bg>
@@ -5443,7 +5557,7 @@
                   <a:schemeClr val="bg1"/>
                 </a:solidFill>
               </a:rPr>
-              <a:t>18</a:t>
+              <a:t>19</a:t>
             </a:fld>
             <a:endParaRPr lang="fr-FR" dirty="0">
               <a:solidFill>
@@ -5517,13 +5631,13 @@
   <p:clrMapOvr>
     <a:masterClrMapping/>
   </p:clrMapOvr>
-  <mc:AlternateContent xmlns:mc="http://schemas.openxmlformats.org/markup-compatibility/2006">
-    <mc:Choice xmlns:p14="http://schemas.microsoft.com/office/powerpoint/2010/main" Requires="p14">
+  <mc:AlternateContent xmlns:mc="http://schemas.openxmlformats.org/markup-compatibility/2006" xmlns:p14="http://schemas.microsoft.com/office/powerpoint/2010/main">
+    <mc:Choice Requires="p14">
       <p:transition spd="med" p14:dur="700">
         <p:fade/>
       </p:transition>
     </mc:Choice>
-    <mc:Fallback>
+    <mc:Fallback xmlns="">
       <p:transition spd="med">
         <p:fade/>
       </p:transition>
@@ -5539,7 +5653,7 @@
 </p:sld>
 </file>
 
-<file path=ppt/slides/slide19.xml><?xml version="1.0" encoding="utf-8"?>
+<file path=ppt/slides/slide2.xml><?xml version="1.0" encoding="utf-8"?>
 <p:sld xmlns:a="http://schemas.openxmlformats.org/drawingml/2006/main" xmlns:r="http://schemas.openxmlformats.org/officeDocument/2006/relationships" xmlns:p="http://schemas.openxmlformats.org/presentationml/2006/main">
   <p:cSld>
     <p:bg>
@@ -5585,7 +5699,103 @@
       </p:grpSpPr>
       <p:sp>
         <p:nvSpPr>
-          <p:cNvPr id="4" name="Espace réservé du numéro de diapositive 3"/>
+          <p:cNvPr id="2" name="Titre 1"/>
+          <p:cNvSpPr>
+            <a:spLocks noGrp="1"/>
+          </p:cNvSpPr>
+          <p:nvPr>
+            <p:ph type="title"/>
+          </p:nvPr>
+        </p:nvSpPr>
+        <p:spPr/>
+        <p:txBody>
+          <a:bodyPr/>
+          <a:lstStyle/>
+          <a:p>
+            <a:r>
+              <a:rPr lang="fr-FR" dirty="0" smtClean="0"/>
+              <a:t>Sommaire</a:t>
+            </a:r>
+            <a:endParaRPr lang="fr-FR" dirty="0"/>
+          </a:p>
+        </p:txBody>
+      </p:sp>
+      <p:sp>
+        <p:nvSpPr>
+          <p:cNvPr id="3" name="Espace réservé du contenu 2"/>
+          <p:cNvSpPr>
+            <a:spLocks noGrp="1"/>
+          </p:cNvSpPr>
+          <p:nvPr>
+            <p:ph idx="1"/>
+          </p:nvPr>
+        </p:nvSpPr>
+        <p:spPr/>
+        <p:txBody>
+          <a:bodyPr/>
+          <a:lstStyle/>
+          <a:p>
+            <a:r>
+              <a:rPr lang="fr-FR" dirty="0" smtClean="0"/>
+              <a:t>Présentation </a:t>
+            </a:r>
+            <a:r>
+              <a:rPr lang="fr-FR" dirty="0" smtClean="0"/>
+              <a:t>de l’entreprise</a:t>
+            </a:r>
+          </a:p>
+          <a:p>
+            <a:r>
+              <a:rPr lang="fr-FR" dirty="0" smtClean="0"/>
+              <a:t>Présentation </a:t>
+            </a:r>
+            <a:r>
+              <a:rPr lang="fr-FR" dirty="0"/>
+              <a:t>du </a:t>
+            </a:r>
+            <a:r>
+              <a:rPr lang="fr-FR" dirty="0" smtClean="0"/>
+              <a:t>besoin</a:t>
+            </a:r>
+            <a:endParaRPr lang="fr-FR" dirty="0" smtClean="0"/>
+          </a:p>
+          <a:p>
+            <a:r>
+              <a:rPr lang="fr-FR" dirty="0" smtClean="0"/>
+              <a:t>Conception </a:t>
+            </a:r>
+            <a:r>
+              <a:rPr lang="fr-FR" dirty="0"/>
+              <a:t>générale</a:t>
+            </a:r>
+          </a:p>
+          <a:p>
+            <a:r>
+              <a:rPr lang="fr-FR" dirty="0" smtClean="0"/>
+              <a:t>Maquette</a:t>
+            </a:r>
+          </a:p>
+          <a:p>
+            <a:r>
+              <a:rPr lang="fr-FR" dirty="0" smtClean="0"/>
+              <a:t>Fonctionnalités détaillées</a:t>
+            </a:r>
+          </a:p>
+          <a:p>
+            <a:r>
+              <a:rPr lang="fr-FR" dirty="0"/>
+              <a:t>À venir</a:t>
+            </a:r>
+            <a:endParaRPr lang="fr-FR" dirty="0" smtClean="0"/>
+          </a:p>
+          <a:p>
+            <a:endParaRPr lang="fr-FR" dirty="0" smtClean="0"/>
+          </a:p>
+        </p:txBody>
+      </p:sp>
+      <p:sp>
+        <p:nvSpPr>
+          <p:cNvPr id="5" name="Espace réservé du numéro de diapositive 4"/>
           <p:cNvSpPr>
             <a:spLocks noGrp="1"/>
           </p:cNvSpPr>
@@ -5604,7 +5814,114 @@
                   <a:schemeClr val="tx1"/>
                 </a:solidFill>
               </a:rPr>
-              <a:t>19</a:t>
+              <a:t>2</a:t>
+            </a:fld>
+            <a:endParaRPr lang="fr-FR" dirty="0">
+              <a:solidFill>
+                <a:schemeClr val="tx1"/>
+              </a:solidFill>
+            </a:endParaRPr>
+          </a:p>
+        </p:txBody>
+      </p:sp>
+    </p:spTree>
+    <p:extLst>
+      <p:ext uri="{BB962C8B-B14F-4D97-AF65-F5344CB8AC3E}">
+        <p14:creationId xmlns:p14="http://schemas.microsoft.com/office/powerpoint/2010/main" val="2321908121"/>
+      </p:ext>
+    </p:extLst>
+  </p:cSld>
+  <p:clrMapOvr>
+    <a:masterClrMapping/>
+  </p:clrMapOvr>
+  <mc:AlternateContent xmlns:mc="http://schemas.openxmlformats.org/markup-compatibility/2006" xmlns:p14="http://schemas.microsoft.com/office/powerpoint/2010/main">
+    <mc:Choice Requires="p14">
+      <p:transition spd="med" p14:dur="700">
+        <p:fade/>
+      </p:transition>
+    </mc:Choice>
+    <mc:Fallback xmlns="">
+      <p:transition spd="med">
+        <p:fade/>
+      </p:transition>
+    </mc:Fallback>
+  </mc:AlternateContent>
+  <p:timing>
+    <p:tnLst>
+      <p:par>
+        <p:cTn id="1" dur="indefinite" restart="never" nodeType="tmRoot"/>
+      </p:par>
+    </p:tnLst>
+  </p:timing>
+</p:sld>
+</file>
+
+<file path=ppt/slides/slide20.xml><?xml version="1.0" encoding="utf-8"?>
+<p:sld xmlns:a="http://schemas.openxmlformats.org/drawingml/2006/main" xmlns:r="http://schemas.openxmlformats.org/officeDocument/2006/relationships" xmlns:p="http://schemas.openxmlformats.org/presentationml/2006/main">
+  <p:cSld>
+    <p:bg>
+      <p:bgPr>
+        <a:gradFill>
+          <a:gsLst>
+            <a:gs pos="0">
+              <a:schemeClr val="accent1">
+                <a:lumMod val="5000"/>
+                <a:lumOff val="95000"/>
+              </a:schemeClr>
+            </a:gs>
+            <a:gs pos="100000">
+              <a:schemeClr val="accent4">
+                <a:lumMod val="75000"/>
+              </a:schemeClr>
+            </a:gs>
+            <a:gs pos="30000">
+              <a:schemeClr val="accent4"/>
+            </a:gs>
+            <a:gs pos="100000">
+              <a:schemeClr val="bg1"/>
+            </a:gs>
+          </a:gsLst>
+          <a:lin ang="5400000" scaled="1"/>
+        </a:gradFill>
+        <a:effectLst/>
+      </p:bgPr>
+    </p:bg>
+    <p:spTree>
+      <p:nvGrpSpPr>
+        <p:cNvPr id="1" name=""/>
+        <p:cNvGrpSpPr/>
+        <p:nvPr/>
+      </p:nvGrpSpPr>
+      <p:grpSpPr>
+        <a:xfrm>
+          <a:off x="0" y="0"/>
+          <a:ext cx="0" cy="0"/>
+          <a:chOff x="0" y="0"/>
+          <a:chExt cx="0" cy="0"/>
+        </a:xfrm>
+      </p:grpSpPr>
+      <p:sp>
+        <p:nvSpPr>
+          <p:cNvPr id="4" name="Espace réservé du numéro de diapositive 3"/>
+          <p:cNvSpPr>
+            <a:spLocks noGrp="1"/>
+          </p:cNvSpPr>
+          <p:nvPr>
+            <p:ph type="sldNum" sz="quarter" idx="12"/>
+          </p:nvPr>
+        </p:nvSpPr>
+        <p:spPr/>
+        <p:txBody>
+          <a:bodyPr/>
+          <a:lstStyle/>
+          <a:p>
+            <a:fld id="{C71BCE76-17DE-481D-8B88-0224F5084139}" type="slidenum">
+              <a:rPr lang="fr-FR" smtClean="0">
+                <a:solidFill>
+                  <a:schemeClr val="tx1"/>
+                </a:solidFill>
+              </a:rPr>
+              <a:t>20</a:t>
             </a:fld>
             <a:endParaRPr lang="fr-FR" dirty="0">
               <a:solidFill>
@@ -5678,13 +5995,13 @@
   <p:clrMapOvr>
     <a:masterClrMapping/>
   </p:clrMapOvr>
-  <mc:AlternateContent xmlns:mc="http://schemas.openxmlformats.org/markup-compatibility/2006">
-    <mc:Choice xmlns:p14="http://schemas.microsoft.com/office/powerpoint/2010/main" Requires="p14">
+  <mc:AlternateContent xmlns:mc="http://schemas.openxmlformats.org/markup-compatibility/2006" xmlns:p14="http://schemas.microsoft.com/office/powerpoint/2010/main">
+    <mc:Choice Requires="p14">
       <p:transition spd="med" p14:dur="700">
         <p:fade/>
       </p:transition>
     </mc:Choice>
-    <mc:Fallback>
+    <mc:Fallback xmlns="">
       <p:transition spd="med">
         <p:fade/>
       </p:transition>
@@ -5700,192 +6017,7 @@
 </p:sld>
 </file>
 
-<file path=ppt/slides/slide2.xml><?xml version="1.0" encoding="utf-8"?>
-<p:sld xmlns:a="http://schemas.openxmlformats.org/drawingml/2006/main" xmlns:r="http://schemas.openxmlformats.org/officeDocument/2006/relationships" xmlns:p="http://schemas.openxmlformats.org/presentationml/2006/main">
-  <p:cSld>
-    <p:bg>
-      <p:bgPr>
-        <a:gradFill>
-          <a:gsLst>
-            <a:gs pos="0">
-              <a:schemeClr val="accent1">
-                <a:lumMod val="5000"/>
-                <a:lumOff val="95000"/>
-              </a:schemeClr>
-            </a:gs>
-            <a:gs pos="100000">
-              <a:schemeClr val="accent4">
-                <a:lumMod val="75000"/>
-              </a:schemeClr>
-            </a:gs>
-            <a:gs pos="30000">
-              <a:schemeClr val="accent4"/>
-            </a:gs>
-            <a:gs pos="100000">
-              <a:schemeClr val="bg1"/>
-            </a:gs>
-          </a:gsLst>
-          <a:lin ang="5400000" scaled="1"/>
-        </a:gradFill>
-        <a:effectLst/>
-      </p:bgPr>
-    </p:bg>
-    <p:spTree>
-      <p:nvGrpSpPr>
-        <p:cNvPr id="1" name=""/>
-        <p:cNvGrpSpPr/>
-        <p:nvPr/>
-      </p:nvGrpSpPr>
-      <p:grpSpPr>
-        <a:xfrm>
-          <a:off x="0" y="0"/>
-          <a:ext cx="0" cy="0"/>
-          <a:chOff x="0" y="0"/>
-          <a:chExt cx="0" cy="0"/>
-        </a:xfrm>
-      </p:grpSpPr>
-      <p:sp>
-        <p:nvSpPr>
-          <p:cNvPr id="2" name="Titre 1"/>
-          <p:cNvSpPr>
-            <a:spLocks noGrp="1"/>
-          </p:cNvSpPr>
-          <p:nvPr>
-            <p:ph type="title"/>
-          </p:nvPr>
-        </p:nvSpPr>
-        <p:spPr/>
-        <p:txBody>
-          <a:bodyPr/>
-          <a:lstStyle/>
-          <a:p>
-            <a:r>
-              <a:rPr lang="fr-FR" dirty="0" smtClean="0"/>
-              <a:t>Sommaire</a:t>
-            </a:r>
-            <a:endParaRPr lang="fr-FR" dirty="0"/>
-          </a:p>
-        </p:txBody>
-      </p:sp>
-      <p:sp>
-        <p:nvSpPr>
-          <p:cNvPr id="3" name="Espace réservé du contenu 2"/>
-          <p:cNvSpPr>
-            <a:spLocks noGrp="1"/>
-          </p:cNvSpPr>
-          <p:nvPr>
-            <p:ph idx="1"/>
-          </p:nvPr>
-        </p:nvSpPr>
-        <p:spPr/>
-        <p:txBody>
-          <a:bodyPr/>
-          <a:lstStyle/>
-          <a:p>
-            <a:r>
-              <a:rPr lang="fr-FR" dirty="0" smtClean="0"/>
-              <a:t>Présentation du projet</a:t>
-            </a:r>
-            <a:endParaRPr lang="fr-FR" dirty="0" smtClean="0"/>
-          </a:p>
-          <a:p>
-            <a:r>
-              <a:rPr lang="fr-FR" dirty="0"/>
-              <a:t>Conception générale</a:t>
-            </a:r>
-          </a:p>
-          <a:p>
-            <a:r>
-              <a:rPr lang="fr-FR" dirty="0" smtClean="0"/>
-              <a:t>Maquette</a:t>
-            </a:r>
-          </a:p>
-          <a:p>
-            <a:r>
-              <a:rPr lang="fr-FR" dirty="0" smtClean="0"/>
-              <a:t>Fonctionnalités </a:t>
-            </a:r>
-            <a:r>
-              <a:rPr lang="fr-FR" dirty="0" smtClean="0"/>
-              <a:t>détaillées</a:t>
-            </a:r>
-          </a:p>
-          <a:p>
-            <a:r>
-              <a:rPr lang="fr-FR" dirty="0"/>
-              <a:t>À venir</a:t>
-            </a:r>
-            <a:endParaRPr lang="fr-FR" dirty="0" smtClean="0"/>
-          </a:p>
-          <a:p>
-            <a:endParaRPr lang="fr-FR" dirty="0" smtClean="0"/>
-          </a:p>
-        </p:txBody>
-      </p:sp>
-      <p:sp>
-        <p:nvSpPr>
-          <p:cNvPr id="5" name="Espace réservé du numéro de diapositive 4"/>
-          <p:cNvSpPr>
-            <a:spLocks noGrp="1"/>
-          </p:cNvSpPr>
-          <p:nvPr>
-            <p:ph type="sldNum" sz="quarter" idx="12"/>
-          </p:nvPr>
-        </p:nvSpPr>
-        <p:spPr/>
-        <p:txBody>
-          <a:bodyPr/>
-          <a:lstStyle/>
-          <a:p>
-            <a:fld id="{C71BCE76-17DE-481D-8B88-0224F5084139}" type="slidenum">
-              <a:rPr lang="fr-FR" smtClean="0">
-                <a:solidFill>
-                  <a:schemeClr val="tx1"/>
-                </a:solidFill>
-              </a:rPr>
-              <a:t>2</a:t>
-            </a:fld>
-            <a:endParaRPr lang="fr-FR" dirty="0">
-              <a:solidFill>
-                <a:schemeClr val="tx1"/>
-              </a:solidFill>
-            </a:endParaRPr>
-          </a:p>
-        </p:txBody>
-      </p:sp>
-    </p:spTree>
-    <p:extLst>
-      <p:ext uri="{BB962C8B-B14F-4D97-AF65-F5344CB8AC3E}">
-        <p14:creationId xmlns:p14="http://schemas.microsoft.com/office/powerpoint/2010/main" val="2321908121"/>
-      </p:ext>
-    </p:extLst>
-  </p:cSld>
-  <p:clrMapOvr>
-    <a:masterClrMapping/>
-  </p:clrMapOvr>
-  <mc:AlternateContent xmlns:mc="http://schemas.openxmlformats.org/markup-compatibility/2006">
-    <mc:Choice xmlns:p14="http://schemas.microsoft.com/office/powerpoint/2010/main" Requires="p14">
-      <p:transition spd="med" p14:dur="700">
-        <p:fade/>
-      </p:transition>
-    </mc:Choice>
-    <mc:Fallback>
-      <p:transition spd="med">
-        <p:fade/>
-      </p:transition>
-    </mc:Fallback>
-  </mc:AlternateContent>
-  <p:timing>
-    <p:tnLst>
-      <p:par>
-        <p:cTn id="1" dur="indefinite" restart="never" nodeType="tmRoot"/>
-      </p:par>
-    </p:tnLst>
-  </p:timing>
-</p:sld>
-</file>
-
-<file path=ppt/slides/slide20.xml><?xml version="1.0" encoding="utf-8"?>
+<file path=ppt/slides/slide21.xml><?xml version="1.0" encoding="utf-8"?>
 <p:sld xmlns:a="http://schemas.openxmlformats.org/drawingml/2006/main" xmlns:r="http://schemas.openxmlformats.org/officeDocument/2006/relationships" xmlns:p="http://schemas.openxmlformats.org/presentationml/2006/main">
   <p:cSld>
     <p:bg>
@@ -5974,7 +6106,7 @@
                   <a:schemeClr val="bg1"/>
                 </a:solidFill>
               </a:rPr>
-              <a:t>20</a:t>
+              <a:t>21</a:t>
             </a:fld>
             <a:endParaRPr lang="fr-FR" dirty="0">
               <a:solidFill>
@@ -6048,13 +6180,13 @@
   <p:clrMapOvr>
     <a:masterClrMapping/>
   </p:clrMapOvr>
-  <mc:AlternateContent xmlns:mc="http://schemas.openxmlformats.org/markup-compatibility/2006">
-    <mc:Choice xmlns:p14="http://schemas.microsoft.com/office/powerpoint/2010/main" Requires="p14">
+  <mc:AlternateContent xmlns:mc="http://schemas.openxmlformats.org/markup-compatibility/2006" xmlns:p14="http://schemas.microsoft.com/office/powerpoint/2010/main">
+    <mc:Choice Requires="p14">
       <p:transition spd="med" p14:dur="700">
         <p:fade/>
       </p:transition>
     </mc:Choice>
-    <mc:Fallback>
+    <mc:Fallback xmlns="">
       <p:transition spd="med">
         <p:fade/>
       </p:transition>
@@ -6070,7 +6202,7 @@
 </p:sld>
 </file>
 
-<file path=ppt/slides/slide21.xml><?xml version="1.0" encoding="utf-8"?>
+<file path=ppt/slides/slide22.xml><?xml version="1.0" encoding="utf-8"?>
 <p:sld xmlns:a="http://schemas.openxmlformats.org/drawingml/2006/main" xmlns:r="http://schemas.openxmlformats.org/officeDocument/2006/relationships" xmlns:p="http://schemas.openxmlformats.org/presentationml/2006/main">
   <p:cSld>
     <p:bg>
@@ -6166,11 +6298,7 @@
           <a:p>
             <a:r>
               <a:rPr lang="fr-FR" dirty="0" smtClean="0"/>
-              <a:t>Notation et critique avec modification possible pour les </a:t>
-            </a:r>
-            <a:r>
-              <a:rPr lang="fr-FR" dirty="0" smtClean="0"/>
-              <a:t>utilisateurs</a:t>
+              <a:t>Notation et critique avec modification possible pour les utilisateurs</a:t>
             </a:r>
           </a:p>
           <a:p>
@@ -6203,7 +6331,7 @@
                   <a:schemeClr val="tx1"/>
                 </a:solidFill>
               </a:rPr>
-              <a:t>21</a:t>
+              <a:t>22</a:t>
             </a:fld>
             <a:endParaRPr lang="fr-FR" dirty="0">
               <a:solidFill>
@@ -6223,13 +6351,13 @@
   <p:clrMapOvr>
     <a:masterClrMapping/>
   </p:clrMapOvr>
-  <mc:AlternateContent xmlns:mc="http://schemas.openxmlformats.org/markup-compatibility/2006">
-    <mc:Choice xmlns:p14="http://schemas.microsoft.com/office/powerpoint/2010/main" Requires="p14">
+  <mc:AlternateContent xmlns:mc="http://schemas.openxmlformats.org/markup-compatibility/2006" xmlns:p14="http://schemas.microsoft.com/office/powerpoint/2010/main">
+    <mc:Choice Requires="p14">
       <p:transition spd="med" p14:dur="700">
         <p:fade/>
       </p:transition>
     </mc:Choice>
-    <mc:Fallback>
+    <mc:Fallback xmlns="">
       <p:transition spd="med">
         <p:fade/>
       </p:transition>
@@ -6305,10 +6433,18 @@
           <a:lstStyle/>
           <a:p>
             <a:fld id="{C71BCE76-17DE-481D-8B88-0224F5084139}" type="slidenum">
-              <a:rPr lang="fr-FR" smtClean="0"/>
+              <a:rPr lang="fr-FR" smtClean="0">
+                <a:solidFill>
+                  <a:schemeClr val="tx1"/>
+                </a:solidFill>
+              </a:rPr>
               <a:t>3</a:t>
             </a:fld>
-            <a:endParaRPr lang="fr-FR"/>
+            <a:endParaRPr lang="fr-FR" dirty="0">
+              <a:solidFill>
+                <a:schemeClr val="tx1"/>
+              </a:solidFill>
+            </a:endParaRPr>
           </a:p>
         </p:txBody>
       </p:sp>
@@ -6404,13 +6540,13 @@
   <p:clrMapOvr>
     <a:masterClrMapping/>
   </p:clrMapOvr>
-  <mc:AlternateContent xmlns:mc="http://schemas.openxmlformats.org/markup-compatibility/2006">
-    <mc:Choice xmlns:p14="http://schemas.microsoft.com/office/powerpoint/2010/main" Requires="p14">
+  <mc:AlternateContent xmlns:mc="http://schemas.openxmlformats.org/markup-compatibility/2006" xmlns:p14="http://schemas.microsoft.com/office/powerpoint/2010/main">
+    <mc:Choice Requires="p14">
       <p:transition spd="med" p14:dur="700">
         <p:fade/>
       </p:transition>
     </mc:Choice>
-    <mc:Fallback>
+    <mc:Fallback xmlns="">
       <p:transition spd="med">
         <p:fade/>
       </p:transition>
@@ -6427,6 +6563,666 @@
 </file>
 
 <file path=ppt/slides/slide4.xml><?xml version="1.0" encoding="utf-8"?>
+<p:sld xmlns:a="http://schemas.openxmlformats.org/drawingml/2006/main" xmlns:r="http://schemas.openxmlformats.org/officeDocument/2006/relationships" xmlns:p="http://schemas.openxmlformats.org/presentationml/2006/main">
+  <p:cSld>
+    <p:bg>
+      <p:bgPr>
+        <a:gradFill>
+          <a:gsLst>
+            <a:gs pos="0">
+              <a:schemeClr val="accent1">
+                <a:lumMod val="5000"/>
+                <a:lumOff val="95000"/>
+              </a:schemeClr>
+            </a:gs>
+            <a:gs pos="100000">
+              <a:schemeClr val="accent4">
+                <a:lumMod val="75000"/>
+              </a:schemeClr>
+            </a:gs>
+            <a:gs pos="30000">
+              <a:schemeClr val="accent4"/>
+            </a:gs>
+            <a:gs pos="100000">
+              <a:schemeClr val="bg1"/>
+            </a:gs>
+          </a:gsLst>
+          <a:lin ang="5400000" scaled="1"/>
+        </a:gradFill>
+        <a:effectLst/>
+      </p:bgPr>
+    </p:bg>
+    <p:spTree>
+      <p:nvGrpSpPr>
+        <p:cNvPr id="1" name=""/>
+        <p:cNvGrpSpPr/>
+        <p:nvPr/>
+      </p:nvGrpSpPr>
+      <p:grpSpPr>
+        <a:xfrm>
+          <a:off x="0" y="0"/>
+          <a:ext cx="0" cy="0"/>
+          <a:chOff x="0" y="0"/>
+          <a:chExt cx="0" cy="0"/>
+        </a:xfrm>
+      </p:grpSpPr>
+      <p:sp>
+        <p:nvSpPr>
+          <p:cNvPr id="6" name="Espace réservé du numéro de diapositive 5"/>
+          <p:cNvSpPr>
+            <a:spLocks noGrp="1"/>
+          </p:cNvSpPr>
+          <p:nvPr>
+            <p:ph type="sldNum" sz="quarter" idx="12"/>
+          </p:nvPr>
+        </p:nvSpPr>
+        <p:spPr/>
+        <p:txBody>
+          <a:bodyPr/>
+          <a:lstStyle/>
+          <a:p>
+            <a:fld id="{C71BCE76-17DE-481D-8B88-0224F5084139}" type="slidenum">
+              <a:rPr lang="fr-FR" smtClean="0">
+                <a:solidFill>
+                  <a:schemeClr val="tx1"/>
+                </a:solidFill>
+              </a:rPr>
+              <a:t>4</a:t>
+            </a:fld>
+            <a:endParaRPr lang="fr-FR" dirty="0">
+              <a:solidFill>
+                <a:schemeClr val="tx1"/>
+              </a:solidFill>
+            </a:endParaRPr>
+          </a:p>
+        </p:txBody>
+      </p:sp>
+      <p:pic>
+        <p:nvPicPr>
+          <p:cNvPr id="2" name="Image 1"/>
+          <p:cNvPicPr>
+            <a:picLocks noChangeAspect="1"/>
+          </p:cNvPicPr>
+          <p:nvPr/>
+        </p:nvPicPr>
+        <p:blipFill>
+          <a:blip r:embed="rId2"/>
+          <a:stretch>
+            <a:fillRect/>
+          </a:stretch>
+        </p:blipFill>
+        <p:spPr>
+          <a:xfrm>
+            <a:off x="-47501" y="201880"/>
+            <a:ext cx="8329631" cy="5516088"/>
+          </a:xfrm>
+          <a:prstGeom prst="rect">
+            <a:avLst/>
+          </a:prstGeom>
+        </p:spPr>
+      </p:pic>
+      <p:pic>
+        <p:nvPicPr>
+          <p:cNvPr id="3" name="Image 2"/>
+          <p:cNvPicPr>
+            <a:picLocks noChangeAspect="1"/>
+          </p:cNvPicPr>
+          <p:nvPr/>
+        </p:nvPicPr>
+        <p:blipFill>
+          <a:blip r:embed="rId3"/>
+          <a:stretch>
+            <a:fillRect/>
+          </a:stretch>
+        </p:blipFill>
+        <p:spPr>
+          <a:xfrm>
+            <a:off x="8282130" y="587827"/>
+            <a:ext cx="3845148" cy="4744193"/>
+          </a:xfrm>
+          <a:prstGeom prst="rect">
+            <a:avLst/>
+          </a:prstGeom>
+        </p:spPr>
+      </p:pic>
+    </p:spTree>
+    <p:extLst>
+      <p:ext uri="{BB962C8B-B14F-4D97-AF65-F5344CB8AC3E}">
+        <p14:creationId xmlns:p14="http://schemas.microsoft.com/office/powerpoint/2010/main" val="503809983"/>
+      </p:ext>
+    </p:extLst>
+  </p:cSld>
+  <p:clrMapOvr>
+    <a:masterClrMapping/>
+  </p:clrMapOvr>
+  <mc:AlternateContent xmlns:mc="http://schemas.openxmlformats.org/markup-compatibility/2006" xmlns:p14="http://schemas.microsoft.com/office/powerpoint/2010/main">
+    <mc:Choice Requires="p14">
+      <p:transition spd="med" p14:dur="700">
+        <p:fade/>
+      </p:transition>
+    </mc:Choice>
+    <mc:Fallback xmlns="">
+      <p:transition spd="med">
+        <p:fade/>
+      </p:transition>
+    </mc:Fallback>
+  </mc:AlternateContent>
+  <p:timing>
+    <p:tnLst>
+      <p:par>
+        <p:cTn id="1" dur="indefinite" restart="never" nodeType="tmRoot"/>
+      </p:par>
+    </p:tnLst>
+  </p:timing>
+</p:sld>
+</file>
+
+<file path=ppt/slides/slide5.xml><?xml version="1.0" encoding="utf-8"?>
+<p:sld xmlns:a="http://schemas.openxmlformats.org/drawingml/2006/main" xmlns:r="http://schemas.openxmlformats.org/officeDocument/2006/relationships" xmlns:p="http://schemas.openxmlformats.org/presentationml/2006/main">
+  <p:cSld>
+    <p:bg>
+      <p:bgPr>
+        <a:gradFill>
+          <a:gsLst>
+            <a:gs pos="0">
+              <a:schemeClr val="accent1">
+                <a:lumMod val="5000"/>
+                <a:lumOff val="95000"/>
+              </a:schemeClr>
+            </a:gs>
+            <a:gs pos="100000">
+              <a:schemeClr val="accent4">
+                <a:lumMod val="75000"/>
+              </a:schemeClr>
+            </a:gs>
+            <a:gs pos="30000">
+              <a:schemeClr val="accent4"/>
+            </a:gs>
+            <a:gs pos="100000">
+              <a:schemeClr val="bg1"/>
+            </a:gs>
+          </a:gsLst>
+          <a:lin ang="5400000" scaled="1"/>
+        </a:gradFill>
+        <a:effectLst/>
+      </p:bgPr>
+    </p:bg>
+    <p:spTree>
+      <p:nvGrpSpPr>
+        <p:cNvPr id="1" name=""/>
+        <p:cNvGrpSpPr/>
+        <p:nvPr/>
+      </p:nvGrpSpPr>
+      <p:grpSpPr>
+        <a:xfrm>
+          <a:off x="0" y="0"/>
+          <a:ext cx="0" cy="0"/>
+          <a:chOff x="0" y="0"/>
+          <a:chExt cx="0" cy="0"/>
+        </a:xfrm>
+      </p:grpSpPr>
+      <p:sp>
+        <p:nvSpPr>
+          <p:cNvPr id="6" name="Espace réservé du numéro de diapositive 5"/>
+          <p:cNvSpPr>
+            <a:spLocks noGrp="1"/>
+          </p:cNvSpPr>
+          <p:nvPr>
+            <p:ph type="sldNum" sz="quarter" idx="12"/>
+          </p:nvPr>
+        </p:nvSpPr>
+        <p:spPr/>
+        <p:txBody>
+          <a:bodyPr/>
+          <a:lstStyle/>
+          <a:p>
+            <a:fld id="{C71BCE76-17DE-481D-8B88-0224F5084139}" type="slidenum">
+              <a:rPr lang="fr-FR" smtClean="0">
+                <a:solidFill>
+                  <a:schemeClr val="tx1"/>
+                </a:solidFill>
+              </a:rPr>
+              <a:t>5</a:t>
+            </a:fld>
+            <a:endParaRPr lang="fr-FR" dirty="0">
+              <a:solidFill>
+                <a:schemeClr val="tx1"/>
+              </a:solidFill>
+            </a:endParaRPr>
+          </a:p>
+        </p:txBody>
+      </p:sp>
+      <p:sp>
+        <p:nvSpPr>
+          <p:cNvPr id="7" name="Titre 1"/>
+          <p:cNvSpPr>
+            <a:spLocks noGrp="1"/>
+          </p:cNvSpPr>
+          <p:nvPr>
+            <p:ph type="title"/>
+          </p:nvPr>
+        </p:nvSpPr>
+        <p:spPr>
+          <a:xfrm>
+            <a:off x="838200" y="365125"/>
+            <a:ext cx="10515600" cy="1325563"/>
+          </a:xfrm>
+        </p:spPr>
+        <p:txBody>
+          <a:bodyPr/>
+          <a:lstStyle/>
+          <a:p>
+            <a:r>
+              <a:rPr lang="fr-FR" dirty="0" smtClean="0"/>
+              <a:t>MCD</a:t>
+            </a:r>
+            <a:endParaRPr lang="fr-FR" dirty="0"/>
+          </a:p>
+        </p:txBody>
+      </p:sp>
+      <p:pic>
+        <p:nvPicPr>
+          <p:cNvPr id="2" name="Image 1"/>
+          <p:cNvPicPr>
+            <a:picLocks noChangeAspect="1"/>
+          </p:cNvPicPr>
+          <p:nvPr/>
+        </p:nvPicPr>
+        <p:blipFill>
+          <a:blip r:embed="rId2"/>
+          <a:stretch>
+            <a:fillRect/>
+          </a:stretch>
+        </p:blipFill>
+        <p:spPr>
+          <a:xfrm>
+            <a:off x="69271" y="1631312"/>
+            <a:ext cx="12053457" cy="3536605"/>
+          </a:xfrm>
+          <a:prstGeom prst="rect">
+            <a:avLst/>
+          </a:prstGeom>
+        </p:spPr>
+      </p:pic>
+    </p:spTree>
+    <p:extLst>
+      <p:ext uri="{BB962C8B-B14F-4D97-AF65-F5344CB8AC3E}">
+        <p14:creationId xmlns:p14="http://schemas.microsoft.com/office/powerpoint/2010/main" val="1500344728"/>
+      </p:ext>
+    </p:extLst>
+  </p:cSld>
+  <p:clrMapOvr>
+    <a:masterClrMapping/>
+  </p:clrMapOvr>
+  <mc:AlternateContent xmlns:mc="http://schemas.openxmlformats.org/markup-compatibility/2006" xmlns:p14="http://schemas.microsoft.com/office/powerpoint/2010/main">
+    <mc:Choice Requires="p14">
+      <p:transition spd="med" p14:dur="700">
+        <p:fade/>
+      </p:transition>
+    </mc:Choice>
+    <mc:Fallback xmlns="">
+      <p:transition spd="med">
+        <p:fade/>
+      </p:transition>
+    </mc:Fallback>
+  </mc:AlternateContent>
+  <p:timing>
+    <p:tnLst>
+      <p:par>
+        <p:cTn id="1" dur="indefinite" restart="never" nodeType="tmRoot"/>
+      </p:par>
+    </p:tnLst>
+  </p:timing>
+</p:sld>
+</file>
+
+<file path=ppt/slides/slide6.xml><?xml version="1.0" encoding="utf-8"?>
+<p:sld xmlns:a="http://schemas.openxmlformats.org/drawingml/2006/main" xmlns:r="http://schemas.openxmlformats.org/officeDocument/2006/relationships" xmlns:p="http://schemas.openxmlformats.org/presentationml/2006/main">
+  <p:cSld>
+    <p:bg>
+      <p:bgPr>
+        <a:gradFill>
+          <a:gsLst>
+            <a:gs pos="0">
+              <a:schemeClr val="accent1">
+                <a:lumMod val="5000"/>
+                <a:lumOff val="95000"/>
+              </a:schemeClr>
+            </a:gs>
+            <a:gs pos="100000">
+              <a:schemeClr val="accent4">
+                <a:lumMod val="75000"/>
+              </a:schemeClr>
+            </a:gs>
+            <a:gs pos="30000">
+              <a:schemeClr val="accent4"/>
+            </a:gs>
+            <a:gs pos="100000">
+              <a:schemeClr val="bg1"/>
+            </a:gs>
+          </a:gsLst>
+          <a:lin ang="5400000" scaled="1"/>
+        </a:gradFill>
+        <a:effectLst/>
+      </p:bgPr>
+    </p:bg>
+    <p:spTree>
+      <p:nvGrpSpPr>
+        <p:cNvPr id="1" name=""/>
+        <p:cNvGrpSpPr/>
+        <p:nvPr/>
+      </p:nvGrpSpPr>
+      <p:grpSpPr>
+        <a:xfrm>
+          <a:off x="0" y="0"/>
+          <a:ext cx="0" cy="0"/>
+          <a:chOff x="0" y="0"/>
+          <a:chExt cx="0" cy="0"/>
+        </a:xfrm>
+      </p:grpSpPr>
+      <p:sp>
+        <p:nvSpPr>
+          <p:cNvPr id="2" name="Titre 1"/>
+          <p:cNvSpPr>
+            <a:spLocks noGrp="1"/>
+          </p:cNvSpPr>
+          <p:nvPr>
+            <p:ph type="title"/>
+          </p:nvPr>
+        </p:nvSpPr>
+        <p:spPr/>
+        <p:txBody>
+          <a:bodyPr/>
+          <a:lstStyle/>
+          <a:p>
+            <a:r>
+              <a:rPr lang="fr-FR" dirty="0" smtClean="0"/>
+              <a:t>MLD</a:t>
+            </a:r>
+            <a:endParaRPr lang="fr-FR" dirty="0"/>
+          </a:p>
+        </p:txBody>
+      </p:sp>
+      <p:sp>
+        <p:nvSpPr>
+          <p:cNvPr id="4" name="Espace réservé du numéro de diapositive 3"/>
+          <p:cNvSpPr>
+            <a:spLocks noGrp="1"/>
+          </p:cNvSpPr>
+          <p:nvPr>
+            <p:ph type="sldNum" sz="quarter" idx="12"/>
+          </p:nvPr>
+        </p:nvSpPr>
+        <p:spPr/>
+        <p:txBody>
+          <a:bodyPr/>
+          <a:lstStyle/>
+          <a:p>
+            <a:fld id="{C71BCE76-17DE-481D-8B88-0224F5084139}" type="slidenum">
+              <a:rPr lang="fr-FR" smtClean="0">
+                <a:solidFill>
+                  <a:schemeClr val="tx1"/>
+                </a:solidFill>
+              </a:rPr>
+              <a:t>6</a:t>
+            </a:fld>
+            <a:endParaRPr lang="fr-FR" dirty="0">
+              <a:solidFill>
+                <a:schemeClr val="tx1"/>
+              </a:solidFill>
+            </a:endParaRPr>
+          </a:p>
+        </p:txBody>
+      </p:sp>
+      <p:pic>
+        <p:nvPicPr>
+          <p:cNvPr id="3" name="Image 2"/>
+          <p:cNvPicPr>
+            <a:picLocks noChangeAspect="1"/>
+          </p:cNvPicPr>
+          <p:nvPr/>
+        </p:nvPicPr>
+        <p:blipFill>
+          <a:blip r:embed="rId2"/>
+          <a:stretch>
+            <a:fillRect/>
+          </a:stretch>
+        </p:blipFill>
+        <p:spPr>
+          <a:xfrm>
+            <a:off x="85106" y="1690688"/>
+            <a:ext cx="12027726" cy="3641887"/>
+          </a:xfrm>
+          <a:prstGeom prst="rect">
+            <a:avLst/>
+          </a:prstGeom>
+        </p:spPr>
+      </p:pic>
+    </p:spTree>
+    <p:extLst>
+      <p:ext uri="{BB962C8B-B14F-4D97-AF65-F5344CB8AC3E}">
+        <p14:creationId xmlns:p14="http://schemas.microsoft.com/office/powerpoint/2010/main" val="1918792777"/>
+      </p:ext>
+    </p:extLst>
+  </p:cSld>
+  <p:clrMapOvr>
+    <a:masterClrMapping/>
+  </p:clrMapOvr>
+  <mc:AlternateContent xmlns:mc="http://schemas.openxmlformats.org/markup-compatibility/2006" xmlns:p14="http://schemas.microsoft.com/office/powerpoint/2010/main">
+    <mc:Choice Requires="p14">
+      <p:transition spd="med" p14:dur="700">
+        <p:fade/>
+      </p:transition>
+    </mc:Choice>
+    <mc:Fallback xmlns="">
+      <p:transition spd="med">
+        <p:fade/>
+      </p:transition>
+    </mc:Fallback>
+  </mc:AlternateContent>
+  <p:timing>
+    <p:tnLst>
+      <p:par>
+        <p:cTn id="1" dur="indefinite" restart="never" nodeType="tmRoot"/>
+      </p:par>
+    </p:tnLst>
+  </p:timing>
+</p:sld>
+</file>
+
+<file path=ppt/slides/slide7.xml><?xml version="1.0" encoding="utf-8"?>
+<p:sld xmlns:a="http://schemas.openxmlformats.org/drawingml/2006/main" xmlns:r="http://schemas.openxmlformats.org/officeDocument/2006/relationships" xmlns:p="http://schemas.openxmlformats.org/presentationml/2006/main">
+  <p:cSld>
+    <p:bg>
+      <p:bgPr>
+        <a:gradFill>
+          <a:gsLst>
+            <a:gs pos="0">
+              <a:schemeClr val="accent1">
+                <a:lumMod val="5000"/>
+                <a:lumOff val="95000"/>
+              </a:schemeClr>
+            </a:gs>
+            <a:gs pos="100000">
+              <a:schemeClr val="accent4">
+                <a:lumMod val="75000"/>
+              </a:schemeClr>
+            </a:gs>
+            <a:gs pos="30000">
+              <a:schemeClr val="accent4"/>
+            </a:gs>
+            <a:gs pos="100000">
+              <a:schemeClr val="bg1"/>
+            </a:gs>
+          </a:gsLst>
+          <a:lin ang="5400000" scaled="1"/>
+        </a:gradFill>
+        <a:effectLst/>
+      </p:bgPr>
+    </p:bg>
+    <p:spTree>
+      <p:nvGrpSpPr>
+        <p:cNvPr id="1" name=""/>
+        <p:cNvGrpSpPr/>
+        <p:nvPr/>
+      </p:nvGrpSpPr>
+      <p:grpSpPr>
+        <a:xfrm>
+          <a:off x="0" y="0"/>
+          <a:ext cx="0" cy="0"/>
+          <a:chOff x="0" y="0"/>
+          <a:chExt cx="0" cy="0"/>
+        </a:xfrm>
+      </p:grpSpPr>
+      <p:sp>
+        <p:nvSpPr>
+          <p:cNvPr id="6" name="Espace réservé du numéro de diapositive 5"/>
+          <p:cNvSpPr>
+            <a:spLocks noGrp="1"/>
+          </p:cNvSpPr>
+          <p:nvPr>
+            <p:ph type="sldNum" sz="quarter" idx="12"/>
+          </p:nvPr>
+        </p:nvSpPr>
+        <p:spPr/>
+        <p:txBody>
+          <a:bodyPr/>
+          <a:lstStyle/>
+          <a:p>
+            <a:fld id="{C71BCE76-17DE-481D-8B88-0224F5084139}" type="slidenum">
+              <a:rPr lang="fr-FR" smtClean="0">
+                <a:solidFill>
+                  <a:schemeClr val="tx1"/>
+                </a:solidFill>
+              </a:rPr>
+              <a:t>7</a:t>
+            </a:fld>
+            <a:endParaRPr lang="fr-FR" dirty="0">
+              <a:solidFill>
+                <a:schemeClr val="tx1"/>
+              </a:solidFill>
+            </a:endParaRPr>
+          </a:p>
+        </p:txBody>
+      </p:sp>
+      <p:sp>
+        <p:nvSpPr>
+          <p:cNvPr id="5" name="ZoneTexte 4"/>
+          <p:cNvSpPr txBox="1"/>
+          <p:nvPr/>
+        </p:nvSpPr>
+        <p:spPr>
+          <a:xfrm>
+            <a:off x="0" y="191149"/>
+            <a:ext cx="2185278" cy="523220"/>
+          </a:xfrm>
+          <a:prstGeom prst="rect">
+            <a:avLst/>
+          </a:prstGeom>
+          <a:noFill/>
+        </p:spPr>
+        <p:txBody>
+          <a:bodyPr wrap="none" rtlCol="0">
+            <a:spAutoFit/>
+          </a:bodyPr>
+          <a:lstStyle/>
+          <a:p>
+            <a:r>
+              <a:rPr lang="fr-FR" sz="2800" dirty="0" smtClean="0"/>
+              <a:t>Arborescence</a:t>
+            </a:r>
+          </a:p>
+        </p:txBody>
+      </p:sp>
+      <p:pic>
+        <p:nvPicPr>
+          <p:cNvPr id="7" name="Image 6"/>
+          <p:cNvPicPr/>
+          <p:nvPr/>
+        </p:nvPicPr>
+        <p:blipFill>
+          <a:blip r:embed="rId2">
+            <a:extLst>
+              <a:ext uri="{28A0092B-C50C-407E-A947-70E740481C1C}">
+                <a14:useLocalDpi xmlns:a14="http://schemas.microsoft.com/office/drawing/2010/main" val="0"/>
+              </a:ext>
+            </a:extLst>
+          </a:blip>
+          <a:stretch>
+            <a:fillRect/>
+          </a:stretch>
+        </p:blipFill>
+        <p:spPr>
+          <a:xfrm>
+            <a:off x="991694" y="817286"/>
+            <a:ext cx="5603240" cy="5337175"/>
+          </a:xfrm>
+          <a:prstGeom prst="rect">
+            <a:avLst/>
+          </a:prstGeom>
+        </p:spPr>
+      </p:pic>
+      <p:pic>
+        <p:nvPicPr>
+          <p:cNvPr id="8" name="Image 7"/>
+          <p:cNvPicPr/>
+          <p:nvPr/>
+        </p:nvPicPr>
+        <p:blipFill>
+          <a:blip r:embed="rId3" cstate="print">
+            <a:extLst>
+              <a:ext uri="{28A0092B-C50C-407E-A947-70E740481C1C}">
+                <a14:useLocalDpi xmlns:a14="http://schemas.microsoft.com/office/drawing/2010/main" val="0"/>
+              </a:ext>
+            </a:extLst>
+          </a:blip>
+          <a:stretch>
+            <a:fillRect/>
+          </a:stretch>
+        </p:blipFill>
+        <p:spPr>
+          <a:xfrm>
+            <a:off x="7218045" y="1714858"/>
+            <a:ext cx="1392555" cy="3542030"/>
+          </a:xfrm>
+          <a:prstGeom prst="rect">
+            <a:avLst/>
+          </a:prstGeom>
+        </p:spPr>
+      </p:pic>
+    </p:spTree>
+    <p:extLst>
+      <p:ext uri="{BB962C8B-B14F-4D97-AF65-F5344CB8AC3E}">
+        <p14:creationId xmlns:p14="http://schemas.microsoft.com/office/powerpoint/2010/main" val="204873998"/>
+      </p:ext>
+    </p:extLst>
+  </p:cSld>
+  <p:clrMapOvr>
+    <a:masterClrMapping/>
+  </p:clrMapOvr>
+  <mc:AlternateContent xmlns:mc="http://schemas.openxmlformats.org/markup-compatibility/2006" xmlns:p14="http://schemas.microsoft.com/office/powerpoint/2010/main">
+    <mc:Choice Requires="p14">
+      <p:transition spd="med" p14:dur="700">
+        <p:fade/>
+      </p:transition>
+    </mc:Choice>
+    <mc:Fallback xmlns="">
+      <p:transition spd="med">
+        <p:fade/>
+      </p:transition>
+    </mc:Fallback>
+  </mc:AlternateContent>
+  <p:timing>
+    <p:tnLst>
+      <p:par>
+        <p:cTn id="1" dur="indefinite" restart="never" nodeType="tmRoot"/>
+      </p:par>
+    </p:tnLst>
+  </p:timing>
+</p:sld>
+</file>
+
+<file path=ppt/slides/slide8.xml><?xml version="1.0" encoding="utf-8"?>
 <p:sld xmlns:a="http://schemas.openxmlformats.org/drawingml/2006/main" xmlns:r="http://schemas.openxmlformats.org/officeDocument/2006/relationships" xmlns:p="http://schemas.openxmlformats.org/presentationml/2006/main">
   <p:cSld>
     <p:bg>
@@ -6486,582 +7282,7 @@
         </p:blipFill>
         <p:spPr>
           <a:xfrm>
-            <a:off x="1181100" y="0"/>
-            <a:ext cx="9929885" cy="6858000"/>
-          </a:xfrm>
-          <a:prstGeom prst="rect">
-            <a:avLst/>
-          </a:prstGeom>
-        </p:spPr>
-      </p:pic>
-      <p:sp>
-        <p:nvSpPr>
-          <p:cNvPr id="6" name="Espace réservé du numéro de diapositive 5"/>
-          <p:cNvSpPr>
-            <a:spLocks noGrp="1"/>
-          </p:cNvSpPr>
-          <p:nvPr>
-            <p:ph type="sldNum" sz="quarter" idx="12"/>
-          </p:nvPr>
-        </p:nvSpPr>
-        <p:spPr/>
-        <p:txBody>
-          <a:bodyPr/>
-          <a:lstStyle/>
-          <a:p>
-            <a:fld id="{C71BCE76-17DE-481D-8B88-0224F5084139}" type="slidenum">
-              <a:rPr lang="fr-FR" smtClean="0">
-                <a:solidFill>
-                  <a:schemeClr val="tx1"/>
-                </a:solidFill>
-              </a:rPr>
-              <a:t>4</a:t>
-            </a:fld>
-            <a:endParaRPr lang="fr-FR" dirty="0">
-              <a:solidFill>
-                <a:schemeClr val="tx1"/>
-              </a:solidFill>
-            </a:endParaRPr>
-          </a:p>
-        </p:txBody>
-      </p:sp>
-    </p:spTree>
-    <p:extLst>
-      <p:ext uri="{BB962C8B-B14F-4D97-AF65-F5344CB8AC3E}">
-        <p14:creationId xmlns:p14="http://schemas.microsoft.com/office/powerpoint/2010/main" val="503809983"/>
-      </p:ext>
-    </p:extLst>
-  </p:cSld>
-  <p:clrMapOvr>
-    <a:masterClrMapping/>
-  </p:clrMapOvr>
-  <mc:AlternateContent xmlns:mc="http://schemas.openxmlformats.org/markup-compatibility/2006">
-    <mc:Choice xmlns:p14="http://schemas.microsoft.com/office/powerpoint/2010/main" Requires="p14">
-      <p:transition spd="med" p14:dur="700">
-        <p:fade/>
-      </p:transition>
-    </mc:Choice>
-    <mc:Fallback>
-      <p:transition spd="med">
-        <p:fade/>
-      </p:transition>
-    </mc:Fallback>
-  </mc:AlternateContent>
-  <p:timing>
-    <p:tnLst>
-      <p:par>
-        <p:cTn id="1" dur="indefinite" restart="never" nodeType="tmRoot"/>
-      </p:par>
-    </p:tnLst>
-  </p:timing>
-</p:sld>
-</file>
-
-<file path=ppt/slides/slide5.xml><?xml version="1.0" encoding="utf-8"?>
-<p:sld xmlns:a="http://schemas.openxmlformats.org/drawingml/2006/main" xmlns:r="http://schemas.openxmlformats.org/officeDocument/2006/relationships" xmlns:p="http://schemas.openxmlformats.org/presentationml/2006/main">
-  <p:cSld>
-    <p:bg>
-      <p:bgPr>
-        <a:gradFill>
-          <a:gsLst>
-            <a:gs pos="0">
-              <a:schemeClr val="accent1">
-                <a:lumMod val="5000"/>
-                <a:lumOff val="95000"/>
-              </a:schemeClr>
-            </a:gs>
-            <a:gs pos="100000">
-              <a:schemeClr val="accent4">
-                <a:lumMod val="75000"/>
-              </a:schemeClr>
-            </a:gs>
-            <a:gs pos="30000">
-              <a:schemeClr val="accent4"/>
-            </a:gs>
-            <a:gs pos="100000">
-              <a:schemeClr val="bg1"/>
-            </a:gs>
-          </a:gsLst>
-          <a:lin ang="5400000" scaled="1"/>
-        </a:gradFill>
-        <a:effectLst/>
-      </p:bgPr>
-    </p:bg>
-    <p:spTree>
-      <p:nvGrpSpPr>
-        <p:cNvPr id="1" name=""/>
-        <p:cNvGrpSpPr/>
-        <p:nvPr/>
-      </p:nvGrpSpPr>
-      <p:grpSpPr>
-        <a:xfrm>
-          <a:off x="0" y="0"/>
-          <a:ext cx="0" cy="0"/>
-          <a:chOff x="0" y="0"/>
-          <a:chExt cx="0" cy="0"/>
-        </a:xfrm>
-      </p:grpSpPr>
-      <p:pic>
-        <p:nvPicPr>
-          <p:cNvPr id="4" name="Image 3"/>
-          <p:cNvPicPr>
-            <a:picLocks noChangeAspect="1"/>
-          </p:cNvPicPr>
-          <p:nvPr/>
-        </p:nvPicPr>
-        <p:blipFill>
-          <a:blip r:embed="rId2"/>
-          <a:stretch>
-            <a:fillRect/>
-          </a:stretch>
-        </p:blipFill>
-        <p:spPr>
-          <a:xfrm>
-            <a:off x="914401" y="6964"/>
-            <a:ext cx="10490199" cy="6809814"/>
-          </a:xfrm>
-          <a:prstGeom prst="rect">
-            <a:avLst/>
-          </a:prstGeom>
-        </p:spPr>
-      </p:pic>
-      <p:sp>
-        <p:nvSpPr>
-          <p:cNvPr id="6" name="Espace réservé du numéro de diapositive 5"/>
-          <p:cNvSpPr>
-            <a:spLocks noGrp="1"/>
-          </p:cNvSpPr>
-          <p:nvPr>
-            <p:ph type="sldNum" sz="quarter" idx="12"/>
-          </p:nvPr>
-        </p:nvSpPr>
-        <p:spPr/>
-        <p:txBody>
-          <a:bodyPr/>
-          <a:lstStyle/>
-          <a:p>
-            <a:fld id="{C71BCE76-17DE-481D-8B88-0224F5084139}" type="slidenum">
-              <a:rPr lang="fr-FR" smtClean="0">
-                <a:solidFill>
-                  <a:schemeClr val="tx1"/>
-                </a:solidFill>
-              </a:rPr>
-              <a:t>5</a:t>
-            </a:fld>
-            <a:endParaRPr lang="fr-FR" dirty="0">
-              <a:solidFill>
-                <a:schemeClr val="tx1"/>
-              </a:solidFill>
-            </a:endParaRPr>
-          </a:p>
-        </p:txBody>
-      </p:sp>
-    </p:spTree>
-    <p:extLst>
-      <p:ext uri="{BB962C8B-B14F-4D97-AF65-F5344CB8AC3E}">
-        <p14:creationId xmlns:p14="http://schemas.microsoft.com/office/powerpoint/2010/main" val="3551067300"/>
-      </p:ext>
-    </p:extLst>
-  </p:cSld>
-  <p:clrMapOvr>
-    <a:masterClrMapping/>
-  </p:clrMapOvr>
-  <mc:AlternateContent xmlns:mc="http://schemas.openxmlformats.org/markup-compatibility/2006">
-    <mc:Choice xmlns:p14="http://schemas.microsoft.com/office/powerpoint/2010/main" Requires="p14">
-      <p:transition spd="med" p14:dur="700">
-        <p:fade/>
-      </p:transition>
-    </mc:Choice>
-    <mc:Fallback>
-      <p:transition spd="med">
-        <p:fade/>
-      </p:transition>
-    </mc:Fallback>
-  </mc:AlternateContent>
-  <p:timing>
-    <p:tnLst>
-      <p:par>
-        <p:cTn id="1" dur="indefinite" restart="never" nodeType="tmRoot"/>
-      </p:par>
-    </p:tnLst>
-  </p:timing>
-</p:sld>
-</file>
-
-<file path=ppt/slides/slide6.xml><?xml version="1.0" encoding="utf-8"?>
-<p:sld xmlns:a="http://schemas.openxmlformats.org/drawingml/2006/main" xmlns:r="http://schemas.openxmlformats.org/officeDocument/2006/relationships" xmlns:p="http://schemas.openxmlformats.org/presentationml/2006/main">
-  <p:cSld>
-    <p:bg>
-      <p:bgPr>
-        <a:gradFill>
-          <a:gsLst>
-            <a:gs pos="0">
-              <a:schemeClr val="accent1">
-                <a:lumMod val="5000"/>
-                <a:lumOff val="95000"/>
-              </a:schemeClr>
-            </a:gs>
-            <a:gs pos="100000">
-              <a:schemeClr val="accent4">
-                <a:lumMod val="75000"/>
-              </a:schemeClr>
-            </a:gs>
-            <a:gs pos="30000">
-              <a:schemeClr val="accent4"/>
-            </a:gs>
-            <a:gs pos="100000">
-              <a:schemeClr val="bg1"/>
-            </a:gs>
-          </a:gsLst>
-          <a:lin ang="5400000" scaled="1"/>
-        </a:gradFill>
-        <a:effectLst/>
-      </p:bgPr>
-    </p:bg>
-    <p:spTree>
-      <p:nvGrpSpPr>
-        <p:cNvPr id="1" name=""/>
-        <p:cNvGrpSpPr/>
-        <p:nvPr/>
-      </p:nvGrpSpPr>
-      <p:grpSpPr>
-        <a:xfrm>
-          <a:off x="0" y="0"/>
-          <a:ext cx="0" cy="0"/>
-          <a:chOff x="0" y="0"/>
-          <a:chExt cx="0" cy="0"/>
-        </a:xfrm>
-      </p:grpSpPr>
-      <p:sp>
-        <p:nvSpPr>
-          <p:cNvPr id="6" name="Espace réservé du numéro de diapositive 5"/>
-          <p:cNvSpPr>
-            <a:spLocks noGrp="1"/>
-          </p:cNvSpPr>
-          <p:nvPr>
-            <p:ph type="sldNum" sz="quarter" idx="12"/>
-          </p:nvPr>
-        </p:nvSpPr>
-        <p:spPr/>
-        <p:txBody>
-          <a:bodyPr/>
-          <a:lstStyle/>
-          <a:p>
-            <a:fld id="{C71BCE76-17DE-481D-8B88-0224F5084139}" type="slidenum">
-              <a:rPr lang="fr-FR" smtClean="0">
-                <a:solidFill>
-                  <a:schemeClr val="tx1"/>
-                </a:solidFill>
-              </a:rPr>
-              <a:t>6</a:t>
-            </a:fld>
-            <a:endParaRPr lang="fr-FR" dirty="0">
-              <a:solidFill>
-                <a:schemeClr val="tx1"/>
-              </a:solidFill>
-            </a:endParaRPr>
-          </a:p>
-        </p:txBody>
-      </p:sp>
-      <p:pic>
-        <p:nvPicPr>
-          <p:cNvPr id="5" name="Image 4"/>
-          <p:cNvPicPr>
-            <a:picLocks noChangeAspect="1"/>
-          </p:cNvPicPr>
-          <p:nvPr/>
-        </p:nvPicPr>
-        <p:blipFill>
-          <a:blip r:embed="rId2"/>
-          <a:stretch>
-            <a:fillRect/>
-          </a:stretch>
-        </p:blipFill>
-        <p:spPr>
-          <a:xfrm>
-            <a:off x="98346" y="1525510"/>
-            <a:ext cx="11995307" cy="4248480"/>
-          </a:xfrm>
-          <a:prstGeom prst="rect">
-            <a:avLst/>
-          </a:prstGeom>
-        </p:spPr>
-      </p:pic>
-      <p:sp>
-        <p:nvSpPr>
-          <p:cNvPr id="7" name="Titre 1"/>
-          <p:cNvSpPr>
-            <a:spLocks noGrp="1"/>
-          </p:cNvSpPr>
-          <p:nvPr>
-            <p:ph type="title"/>
-          </p:nvPr>
-        </p:nvSpPr>
-        <p:spPr>
-          <a:xfrm>
-            <a:off x="838200" y="365125"/>
-            <a:ext cx="10515600" cy="1325563"/>
-          </a:xfrm>
-        </p:spPr>
-        <p:txBody>
-          <a:bodyPr/>
-          <a:lstStyle/>
-          <a:p>
-            <a:r>
-              <a:rPr lang="fr-FR" dirty="0" smtClean="0"/>
-              <a:t>MCD</a:t>
-            </a:r>
-            <a:endParaRPr lang="fr-FR" dirty="0"/>
-          </a:p>
-        </p:txBody>
-      </p:sp>
-    </p:spTree>
-    <p:extLst>
-      <p:ext uri="{BB962C8B-B14F-4D97-AF65-F5344CB8AC3E}">
-        <p14:creationId xmlns:p14="http://schemas.microsoft.com/office/powerpoint/2010/main" val="1500344728"/>
-      </p:ext>
-    </p:extLst>
-  </p:cSld>
-  <p:clrMapOvr>
-    <a:masterClrMapping/>
-  </p:clrMapOvr>
-  <mc:AlternateContent xmlns:mc="http://schemas.openxmlformats.org/markup-compatibility/2006">
-    <mc:Choice xmlns:p14="http://schemas.microsoft.com/office/powerpoint/2010/main" Requires="p14">
-      <p:transition spd="med" p14:dur="700">
-        <p:fade/>
-      </p:transition>
-    </mc:Choice>
-    <mc:Fallback>
-      <p:transition spd="med">
-        <p:fade/>
-      </p:transition>
-    </mc:Fallback>
-  </mc:AlternateContent>
-  <p:timing>
-    <p:tnLst>
-      <p:par>
-        <p:cTn id="1" dur="indefinite" restart="never" nodeType="tmRoot"/>
-      </p:par>
-    </p:tnLst>
-  </p:timing>
-</p:sld>
-</file>
-
-<file path=ppt/slides/slide7.xml><?xml version="1.0" encoding="utf-8"?>
-<p:sld xmlns:a="http://schemas.openxmlformats.org/drawingml/2006/main" xmlns:r="http://schemas.openxmlformats.org/officeDocument/2006/relationships" xmlns:p="http://schemas.openxmlformats.org/presentationml/2006/main">
-  <p:cSld>
-    <p:bg>
-      <p:bgPr>
-        <a:gradFill>
-          <a:gsLst>
-            <a:gs pos="0">
-              <a:schemeClr val="accent1">
-                <a:lumMod val="5000"/>
-                <a:lumOff val="95000"/>
-              </a:schemeClr>
-            </a:gs>
-            <a:gs pos="100000">
-              <a:schemeClr val="accent4">
-                <a:lumMod val="75000"/>
-              </a:schemeClr>
-            </a:gs>
-            <a:gs pos="30000">
-              <a:schemeClr val="accent4"/>
-            </a:gs>
-            <a:gs pos="100000">
-              <a:schemeClr val="bg1"/>
-            </a:gs>
-          </a:gsLst>
-          <a:lin ang="5400000" scaled="1"/>
-        </a:gradFill>
-        <a:effectLst/>
-      </p:bgPr>
-    </p:bg>
-    <p:spTree>
-      <p:nvGrpSpPr>
-        <p:cNvPr id="1" name=""/>
-        <p:cNvGrpSpPr/>
-        <p:nvPr/>
-      </p:nvGrpSpPr>
-      <p:grpSpPr>
-        <a:xfrm>
-          <a:off x="0" y="0"/>
-          <a:ext cx="0" cy="0"/>
-          <a:chOff x="0" y="0"/>
-          <a:chExt cx="0" cy="0"/>
-        </a:xfrm>
-      </p:grpSpPr>
-      <p:sp>
-        <p:nvSpPr>
-          <p:cNvPr id="2" name="Titre 1"/>
-          <p:cNvSpPr>
-            <a:spLocks noGrp="1"/>
-          </p:cNvSpPr>
-          <p:nvPr>
-            <p:ph type="title"/>
-          </p:nvPr>
-        </p:nvSpPr>
-        <p:spPr/>
-        <p:txBody>
-          <a:bodyPr/>
-          <a:lstStyle/>
-          <a:p>
-            <a:r>
-              <a:rPr lang="fr-FR" dirty="0" smtClean="0"/>
-              <a:t>MLD</a:t>
-            </a:r>
-            <a:endParaRPr lang="fr-FR" dirty="0"/>
-          </a:p>
-        </p:txBody>
-      </p:sp>
-      <p:sp>
-        <p:nvSpPr>
-          <p:cNvPr id="4" name="Espace réservé du numéro de diapositive 3"/>
-          <p:cNvSpPr>
-            <a:spLocks noGrp="1"/>
-          </p:cNvSpPr>
-          <p:nvPr>
-            <p:ph type="sldNum" sz="quarter" idx="12"/>
-          </p:nvPr>
-        </p:nvSpPr>
-        <p:spPr/>
-        <p:txBody>
-          <a:bodyPr/>
-          <a:lstStyle/>
-          <a:p>
-            <a:fld id="{C71BCE76-17DE-481D-8B88-0224F5084139}" type="slidenum">
-              <a:rPr lang="fr-FR" smtClean="0">
-                <a:solidFill>
-                  <a:schemeClr val="tx1"/>
-                </a:solidFill>
-              </a:rPr>
-              <a:t>7</a:t>
-            </a:fld>
-            <a:endParaRPr lang="fr-FR" dirty="0">
-              <a:solidFill>
-                <a:schemeClr val="tx1"/>
-              </a:solidFill>
-            </a:endParaRPr>
-          </a:p>
-        </p:txBody>
-      </p:sp>
-      <p:pic>
-        <p:nvPicPr>
-          <p:cNvPr id="5" name="Image 4"/>
-          <p:cNvPicPr>
-            <a:picLocks noChangeAspect="1"/>
-          </p:cNvPicPr>
-          <p:nvPr/>
-        </p:nvPicPr>
-        <p:blipFill>
-          <a:blip r:embed="rId2"/>
-          <a:stretch>
-            <a:fillRect/>
-          </a:stretch>
-        </p:blipFill>
-        <p:spPr>
-          <a:xfrm>
-            <a:off x="42602" y="1495491"/>
-            <a:ext cx="12106796" cy="4033308"/>
-          </a:xfrm>
-          <a:prstGeom prst="rect">
-            <a:avLst/>
-          </a:prstGeom>
-        </p:spPr>
-      </p:pic>
-    </p:spTree>
-    <p:extLst>
-      <p:ext uri="{BB962C8B-B14F-4D97-AF65-F5344CB8AC3E}">
-        <p14:creationId xmlns:p14="http://schemas.microsoft.com/office/powerpoint/2010/main" val="1918792777"/>
-      </p:ext>
-    </p:extLst>
-  </p:cSld>
-  <p:clrMapOvr>
-    <a:masterClrMapping/>
-  </p:clrMapOvr>
-  <mc:AlternateContent xmlns:mc="http://schemas.openxmlformats.org/markup-compatibility/2006">
-    <mc:Choice xmlns:p14="http://schemas.microsoft.com/office/powerpoint/2010/main" Requires="p14">
-      <p:transition spd="med" p14:dur="700">
-        <p:fade/>
-      </p:transition>
-    </mc:Choice>
-    <mc:Fallback>
-      <p:transition spd="med">
-        <p:fade/>
-      </p:transition>
-    </mc:Fallback>
-  </mc:AlternateContent>
-  <p:timing>
-    <p:tnLst>
-      <p:par>
-        <p:cTn id="1" dur="indefinite" restart="never" nodeType="tmRoot"/>
-      </p:par>
-    </p:tnLst>
-  </p:timing>
-</p:sld>
-</file>
-
-<file path=ppt/slides/slide8.xml><?xml version="1.0" encoding="utf-8"?>
-<p:sld xmlns:a="http://schemas.openxmlformats.org/drawingml/2006/main" xmlns:r="http://schemas.openxmlformats.org/officeDocument/2006/relationships" xmlns:p="http://schemas.openxmlformats.org/presentationml/2006/main">
-  <p:cSld>
-    <p:bg>
-      <p:bgPr>
-        <a:gradFill>
-          <a:gsLst>
-            <a:gs pos="0">
-              <a:schemeClr val="accent1">
-                <a:lumMod val="5000"/>
-                <a:lumOff val="95000"/>
-              </a:schemeClr>
-            </a:gs>
-            <a:gs pos="100000">
-              <a:schemeClr val="accent4">
-                <a:lumMod val="75000"/>
-              </a:schemeClr>
-            </a:gs>
-            <a:gs pos="30000">
-              <a:schemeClr val="accent4"/>
-            </a:gs>
-            <a:gs pos="100000">
-              <a:schemeClr val="bg1"/>
-            </a:gs>
-          </a:gsLst>
-          <a:lin ang="5400000" scaled="1"/>
-        </a:gradFill>
-        <a:effectLst/>
-      </p:bgPr>
-    </p:bg>
-    <p:spTree>
-      <p:nvGrpSpPr>
-        <p:cNvPr id="1" name=""/>
-        <p:cNvGrpSpPr/>
-        <p:nvPr/>
-      </p:nvGrpSpPr>
-      <p:grpSpPr>
-        <a:xfrm>
-          <a:off x="0" y="0"/>
-          <a:ext cx="0" cy="0"/>
-          <a:chOff x="0" y="0"/>
-          <a:chExt cx="0" cy="0"/>
-        </a:xfrm>
-      </p:grpSpPr>
-      <p:pic>
-        <p:nvPicPr>
-          <p:cNvPr id="4" name="Image 3"/>
-          <p:cNvPicPr>
-            <a:picLocks noChangeAspect="1"/>
-          </p:cNvPicPr>
-          <p:nvPr/>
-        </p:nvPicPr>
-        <p:blipFill>
-          <a:blip r:embed="rId2"/>
-          <a:stretch>
-            <a:fillRect/>
-          </a:stretch>
-        </p:blipFill>
-        <p:spPr>
-          <a:xfrm>
-            <a:off x="2628900" y="0"/>
+            <a:off x="3943767" y="-7609"/>
             <a:ext cx="6756400" cy="6865609"/>
           </a:xfrm>
           <a:prstGeom prst="rect">
@@ -7100,6 +7321,40 @@
           </a:p>
         </p:txBody>
       </p:sp>
+      <p:sp>
+        <p:nvSpPr>
+          <p:cNvPr id="5" name="ZoneTexte 4"/>
+          <p:cNvSpPr txBox="1"/>
+          <p:nvPr/>
+        </p:nvSpPr>
+        <p:spPr>
+          <a:xfrm>
+            <a:off x="0" y="191149"/>
+            <a:ext cx="3870547" cy="523220"/>
+          </a:xfrm>
+          <a:prstGeom prst="rect">
+            <a:avLst/>
+          </a:prstGeom>
+          <a:noFill/>
+        </p:spPr>
+        <p:txBody>
+          <a:bodyPr wrap="none" rtlCol="0">
+            <a:spAutoFit/>
+          </a:bodyPr>
+          <a:lstStyle/>
+          <a:p>
+            <a:r>
+              <a:rPr lang="fr-FR" sz="2800" dirty="0" err="1" smtClean="0"/>
+              <a:t>Wireframe</a:t>
+            </a:r>
+            <a:r>
+              <a:rPr lang="fr-FR" sz="2800" dirty="0" smtClean="0"/>
+              <a:t> page d’accueil</a:t>
+            </a:r>
+            <a:endParaRPr lang="fr-FR" sz="2800" dirty="0"/>
+          </a:p>
+        </p:txBody>
+      </p:sp>
     </p:spTree>
     <p:extLst>
       <p:ext uri="{BB962C8B-B14F-4D97-AF65-F5344CB8AC3E}">
@@ -7110,13 +7365,13 @@
   <p:clrMapOvr>
     <a:masterClrMapping/>
   </p:clrMapOvr>
-  <mc:AlternateContent xmlns:mc="http://schemas.openxmlformats.org/markup-compatibility/2006">
-    <mc:Choice xmlns:p14="http://schemas.microsoft.com/office/powerpoint/2010/main" Requires="p14">
+  <mc:AlternateContent xmlns:mc="http://schemas.openxmlformats.org/markup-compatibility/2006" xmlns:p14="http://schemas.microsoft.com/office/powerpoint/2010/main">
+    <mc:Choice Requires="p14">
       <p:transition spd="med" p14:dur="700">
         <p:fade/>
       </p:transition>
     </mc:Choice>
-    <mc:Fallback>
+    <mc:Fallback xmlns="">
       <p:transition spd="med">
         <p:fade/>
       </p:transition>
@@ -7178,7 +7433,7 @@
       </p:grpSpPr>
       <p:sp>
         <p:nvSpPr>
-          <p:cNvPr id="4" name="Espace réservé du numéro de diapositive 3"/>
+          <p:cNvPr id="6" name="Espace réservé du numéro de diapositive 5"/>
           <p:cNvSpPr>
             <a:spLocks noGrp="1"/>
           </p:cNvSpPr>
@@ -7210,44 +7465,82 @@
       <p:pic>
         <p:nvPicPr>
           <p:cNvPr id="5" name="Image 4"/>
-          <p:cNvPicPr>
-            <a:picLocks noChangeAspect="1"/>
-          </p:cNvPicPr>
+          <p:cNvPicPr/>
           <p:nvPr/>
         </p:nvPicPr>
         <p:blipFill>
-          <a:blip r:embed="rId2"/>
+          <a:blip r:embed="rId2">
+            <a:extLst>
+              <a:ext uri="{28A0092B-C50C-407E-A947-70E740481C1C}">
+                <a14:useLocalDpi xmlns:a14="http://schemas.microsoft.com/office/drawing/2010/main" val="0"/>
+              </a:ext>
+            </a:extLst>
+          </a:blip>
           <a:stretch>
             <a:fillRect/>
           </a:stretch>
         </p:blipFill>
         <p:spPr>
           <a:xfrm>
-            <a:off x="2082800" y="9867"/>
-            <a:ext cx="7988300" cy="6848133"/>
+            <a:off x="3317202" y="60070"/>
+            <a:ext cx="5105957" cy="6744534"/>
           </a:xfrm>
           <a:prstGeom prst="rect">
             <a:avLst/>
           </a:prstGeom>
         </p:spPr>
       </p:pic>
+      <p:sp>
+        <p:nvSpPr>
+          <p:cNvPr id="7" name="ZoneTexte 6"/>
+          <p:cNvSpPr txBox="1"/>
+          <p:nvPr/>
+        </p:nvSpPr>
+        <p:spPr>
+          <a:xfrm>
+            <a:off x="0" y="191149"/>
+            <a:ext cx="3064685" cy="523220"/>
+          </a:xfrm>
+          <a:prstGeom prst="rect">
+            <a:avLst/>
+          </a:prstGeom>
+          <a:noFill/>
+        </p:spPr>
+        <p:txBody>
+          <a:bodyPr wrap="none" rtlCol="0">
+            <a:spAutoFit/>
+          </a:bodyPr>
+          <a:lstStyle/>
+          <a:p>
+            <a:r>
+              <a:rPr lang="fr-FR" sz="2800" dirty="0" err="1" smtClean="0"/>
+              <a:t>Wireframe</a:t>
+            </a:r>
+            <a:r>
+              <a:rPr lang="fr-FR" sz="2800" dirty="0" smtClean="0"/>
+              <a:t> page jeu</a:t>
+            </a:r>
+            <a:endParaRPr lang="fr-FR" sz="2800" dirty="0"/>
+          </a:p>
+        </p:txBody>
+      </p:sp>
     </p:spTree>
     <p:extLst>
       <p:ext uri="{BB962C8B-B14F-4D97-AF65-F5344CB8AC3E}">
-        <p14:creationId xmlns:p14="http://schemas.microsoft.com/office/powerpoint/2010/main" val="3248359539"/>
+        <p14:creationId xmlns:p14="http://schemas.microsoft.com/office/powerpoint/2010/main" val="3242587382"/>
       </p:ext>
     </p:extLst>
   </p:cSld>
   <p:clrMapOvr>
     <a:masterClrMapping/>
   </p:clrMapOvr>
-  <mc:AlternateContent xmlns:mc="http://schemas.openxmlformats.org/markup-compatibility/2006">
-    <mc:Choice xmlns:p14="http://schemas.microsoft.com/office/powerpoint/2010/main" Requires="p14">
+  <mc:AlternateContent xmlns:mc="http://schemas.openxmlformats.org/markup-compatibility/2006" xmlns:p14="http://schemas.microsoft.com/office/powerpoint/2010/main">
+    <mc:Choice Requires="p14">
       <p:transition spd="med" p14:dur="700">
         <p:fade/>
       </p:transition>
     </mc:Choice>
-    <mc:Fallback>
+    <mc:Fallback xmlns="">
       <p:transition spd="med">
         <p:fade/>
       </p:transition>

--- a/Conception/Rotten potatoes.pptx
+++ b/Conception/Rotten potatoes.pptx
@@ -5,31 +5,41 @@
     <p:sldMasterId id="2147483648" r:id="rId1"/>
   </p:sldMasterIdLst>
   <p:notesMasterIdLst>
-    <p:notesMasterId r:id="rId24"/>
+    <p:notesMasterId r:id="rId34"/>
   </p:notesMasterIdLst>
   <p:sldIdLst>
     <p:sldId id="256" r:id="rId2"/>
     <p:sldId id="257" r:id="rId3"/>
     <p:sldId id="262" r:id="rId4"/>
     <p:sldId id="258" r:id="rId5"/>
-    <p:sldId id="278" r:id="rId6"/>
-    <p:sldId id="279" r:id="rId7"/>
-    <p:sldId id="283" r:id="rId8"/>
-    <p:sldId id="260" r:id="rId9"/>
-    <p:sldId id="282" r:id="rId10"/>
-    <p:sldId id="261" r:id="rId11"/>
-    <p:sldId id="263" r:id="rId12"/>
-    <p:sldId id="268" r:id="rId13"/>
-    <p:sldId id="264" r:id="rId14"/>
-    <p:sldId id="281" r:id="rId15"/>
-    <p:sldId id="265" r:id="rId16"/>
-    <p:sldId id="266" r:id="rId17"/>
-    <p:sldId id="269" r:id="rId18"/>
-    <p:sldId id="271" r:id="rId19"/>
-    <p:sldId id="280" r:id="rId20"/>
-    <p:sldId id="272" r:id="rId21"/>
-    <p:sldId id="276" r:id="rId22"/>
-    <p:sldId id="270" r:id="rId23"/>
+    <p:sldId id="284" r:id="rId6"/>
+    <p:sldId id="285" r:id="rId7"/>
+    <p:sldId id="286" r:id="rId8"/>
+    <p:sldId id="287" r:id="rId9"/>
+    <p:sldId id="288" r:id="rId10"/>
+    <p:sldId id="289" r:id="rId11"/>
+    <p:sldId id="290" r:id="rId12"/>
+    <p:sldId id="291" r:id="rId13"/>
+    <p:sldId id="292" r:id="rId14"/>
+    <p:sldId id="260" r:id="rId15"/>
+    <p:sldId id="282" r:id="rId16"/>
+    <p:sldId id="278" r:id="rId17"/>
+    <p:sldId id="279" r:id="rId18"/>
+    <p:sldId id="283" r:id="rId19"/>
+    <p:sldId id="293" r:id="rId20"/>
+    <p:sldId id="261" r:id="rId21"/>
+    <p:sldId id="294" r:id="rId22"/>
+    <p:sldId id="268" r:id="rId23"/>
+    <p:sldId id="264" r:id="rId24"/>
+    <p:sldId id="295" r:id="rId25"/>
+    <p:sldId id="296" r:id="rId26"/>
+    <p:sldId id="297" r:id="rId27"/>
+    <p:sldId id="281" r:id="rId28"/>
+    <p:sldId id="271" r:id="rId29"/>
+    <p:sldId id="280" r:id="rId30"/>
+    <p:sldId id="272" r:id="rId31"/>
+    <p:sldId id="276" r:id="rId32"/>
+    <p:sldId id="270" r:id="rId33"/>
   </p:sldIdLst>
   <p:sldSz cx="12192000" cy="6858000"/>
   <p:notesSz cx="6858000" cy="9144000"/>
@@ -218,7 +228,7 @@
           <a:p>
             <a:fld id="{16A0A46D-C829-4EBD-AAD7-A55184284880}" type="datetimeFigureOut">
               <a:rPr lang="fr-FR" smtClean="0"/>
-              <a:t>25/05/2022</a:t>
+              <a:t>31/05/2022</a:t>
             </a:fld>
             <a:endParaRPr lang="fr-FR"/>
           </a:p>
@@ -617,7 +627,7 @@
           <a:p>
             <a:fld id="{5821E773-4264-4C0B-914D-52CA1BA25049}" type="datetime1">
               <a:rPr lang="fr-FR" smtClean="0"/>
-              <a:t>25/05/2022</a:t>
+              <a:t>31/05/2022</a:t>
             </a:fld>
             <a:endParaRPr lang="fr-FR"/>
           </a:p>
@@ -799,7 +809,7 @@
           <a:p>
             <a:fld id="{A9F66D1B-627C-4E1D-89AF-2E8F890F9514}" type="datetime1">
               <a:rPr lang="fr-FR" smtClean="0"/>
-              <a:t>25/05/2022</a:t>
+              <a:t>31/05/2022</a:t>
             </a:fld>
             <a:endParaRPr lang="fr-FR"/>
           </a:p>
@@ -991,7 +1001,7 @@
           <a:p>
             <a:fld id="{91A022CD-5137-4B96-8C68-DD451FB79E9D}" type="datetime1">
               <a:rPr lang="fr-FR" smtClean="0"/>
-              <a:t>25/05/2022</a:t>
+              <a:t>31/05/2022</a:t>
             </a:fld>
             <a:endParaRPr lang="fr-FR"/>
           </a:p>
@@ -1173,7 +1183,7 @@
           <a:p>
             <a:fld id="{5EEA446D-3454-4378-AF65-697581B873C2}" type="datetime1">
               <a:rPr lang="fr-FR" smtClean="0"/>
-              <a:t>25/05/2022</a:t>
+              <a:t>31/05/2022</a:t>
             </a:fld>
             <a:endParaRPr lang="fr-FR"/>
           </a:p>
@@ -1431,7 +1441,7 @@
           <a:p>
             <a:fld id="{1261EA1A-9269-4455-A4A4-092C7C6C762E}" type="datetime1">
               <a:rPr lang="fr-FR" smtClean="0"/>
-              <a:t>25/05/2022</a:t>
+              <a:t>31/05/2022</a:t>
             </a:fld>
             <a:endParaRPr lang="fr-FR"/>
           </a:p>
@@ -1675,7 +1685,7 @@
           <a:p>
             <a:fld id="{D74A0CD3-62AE-462B-96C0-A05526B93549}" type="datetime1">
               <a:rPr lang="fr-FR" smtClean="0"/>
-              <a:t>25/05/2022</a:t>
+              <a:t>31/05/2022</a:t>
             </a:fld>
             <a:endParaRPr lang="fr-FR"/>
           </a:p>
@@ -2054,7 +2064,7 @@
           <a:p>
             <a:fld id="{A81707A5-C57D-4C13-B0B2-C410CB119169}" type="datetime1">
               <a:rPr lang="fr-FR" smtClean="0"/>
-              <a:t>25/05/2022</a:t>
+              <a:t>31/05/2022</a:t>
             </a:fld>
             <a:endParaRPr lang="fr-FR"/>
           </a:p>
@@ -2184,7 +2194,7 @@
           <a:p>
             <a:fld id="{2D94D4E3-E571-403F-83C1-DE016EBAC48F}" type="datetime1">
               <a:rPr lang="fr-FR" smtClean="0"/>
-              <a:t>25/05/2022</a:t>
+              <a:t>31/05/2022</a:t>
             </a:fld>
             <a:endParaRPr lang="fr-FR"/>
           </a:p>
@@ -2291,7 +2301,7 @@
           <a:p>
             <a:fld id="{7F6BA79B-3428-484D-BF3B-454B9EF21F7A}" type="datetime1">
               <a:rPr lang="fr-FR" smtClean="0"/>
-              <a:t>25/05/2022</a:t>
+              <a:t>31/05/2022</a:t>
             </a:fld>
             <a:endParaRPr lang="fr-FR"/>
           </a:p>
@@ -2580,7 +2590,7 @@
           <a:p>
             <a:fld id="{9A97EAC5-3E25-40D6-BB07-19CD34D25F54}" type="datetime1">
               <a:rPr lang="fr-FR" smtClean="0"/>
-              <a:t>25/05/2022</a:t>
+              <a:t>31/05/2022</a:t>
             </a:fld>
             <a:endParaRPr lang="fr-FR"/>
           </a:p>
@@ -2845,7 +2855,7 @@
           <a:p>
             <a:fld id="{57C304E1-A05B-47DC-9219-381A31C9D7F1}" type="datetime1">
               <a:rPr lang="fr-FR" smtClean="0"/>
-              <a:t>25/05/2022</a:t>
+              <a:t>31/05/2022</a:t>
             </a:fld>
             <a:endParaRPr lang="fr-FR"/>
           </a:p>
@@ -3070,7 +3080,7 @@
           <a:p>
             <a:fld id="{280618CC-9874-44EB-B6D7-2758B980B41B}" type="datetime1">
               <a:rPr lang="fr-FR" smtClean="0"/>
-              <a:t>25/05/2022</a:t>
+              <a:t>31/05/2022</a:t>
             </a:fld>
             <a:endParaRPr lang="fr-FR"/>
           </a:p>
@@ -3734,7 +3744,7 @@
       </p:grpSpPr>
       <p:sp>
         <p:nvSpPr>
-          <p:cNvPr id="4" name="Espace réservé du numéro de diapositive 3"/>
+          <p:cNvPr id="6" name="Espace réservé du numéro de diapositive 5"/>
           <p:cNvSpPr>
             <a:spLocks noGrp="1"/>
           </p:cNvSpPr>
@@ -3763,24 +3773,72 @@
           </a:p>
         </p:txBody>
       </p:sp>
+      <p:sp>
+        <p:nvSpPr>
+          <p:cNvPr id="7" name="ZoneTexte 6"/>
+          <p:cNvSpPr txBox="1"/>
+          <p:nvPr/>
+        </p:nvSpPr>
+        <p:spPr>
+          <a:xfrm>
+            <a:off x="0" y="191149"/>
+            <a:ext cx="3678956" cy="954107"/>
+          </a:xfrm>
+          <a:prstGeom prst="rect">
+            <a:avLst/>
+          </a:prstGeom>
+          <a:noFill/>
+        </p:spPr>
+        <p:txBody>
+          <a:bodyPr wrap="none" rtlCol="0">
+            <a:spAutoFit/>
+          </a:bodyPr>
+          <a:lstStyle/>
+          <a:p>
+            <a:r>
+              <a:rPr lang="fr-FR" sz="2800" dirty="0" smtClean="0"/>
+              <a:t>Diagramme activité </a:t>
+            </a:r>
+          </a:p>
+          <a:p>
+            <a:r>
+              <a:rPr lang="fr-FR" sz="2800" dirty="0" smtClean="0"/>
+              <a:t>Modificatio</a:t>
+            </a:r>
+            <a:r>
+              <a:rPr lang="fr-FR" sz="2800" dirty="0"/>
+              <a:t>n</a:t>
+            </a:r>
+            <a:r>
+              <a:rPr lang="fr-FR" sz="2800" dirty="0" smtClean="0"/>
+              <a:t> de compte</a:t>
+            </a:r>
+            <a:endParaRPr lang="fr-FR" sz="2800" dirty="0"/>
+          </a:p>
+        </p:txBody>
+      </p:sp>
       <p:pic>
         <p:nvPicPr>
           <p:cNvPr id="5" name="Image 4"/>
-          <p:cNvPicPr>
-            <a:picLocks noChangeAspect="1"/>
-          </p:cNvPicPr>
+          <p:cNvPicPr/>
           <p:nvPr/>
         </p:nvPicPr>
         <p:blipFill>
-          <a:blip r:embed="rId2"/>
+          <a:blip r:embed="rId2">
+            <a:extLst>
+              <a:ext uri="{28A0092B-C50C-407E-A947-70E740481C1C}">
+                <a14:useLocalDpi xmlns:a14="http://schemas.microsoft.com/office/drawing/2010/main" val="0"/>
+              </a:ext>
+            </a:extLst>
+          </a:blip>
           <a:stretch>
             <a:fillRect/>
           </a:stretch>
         </p:blipFill>
         <p:spPr>
           <a:xfrm>
-            <a:off x="2082800" y="9867"/>
-            <a:ext cx="7988300" cy="6848133"/>
+            <a:off x="3672406" y="115956"/>
+            <a:ext cx="7681394" cy="6300464"/>
           </a:xfrm>
           <a:prstGeom prst="rect">
             <a:avLst/>
@@ -3790,7 +3848,7 @@
     </p:spTree>
     <p:extLst>
       <p:ext uri="{BB962C8B-B14F-4D97-AF65-F5344CB8AC3E}">
-        <p14:creationId xmlns:p14="http://schemas.microsoft.com/office/powerpoint/2010/main" val="3248359539"/>
+        <p14:creationId xmlns:p14="http://schemas.microsoft.com/office/powerpoint/2010/main" val="2681790335"/>
       </p:ext>
     </p:extLst>
   </p:cSld>
@@ -3865,7 +3923,7 @@
       </p:grpSpPr>
       <p:sp>
         <p:nvSpPr>
-          <p:cNvPr id="4" name="Espace réservé du numéro de diapositive 3"/>
+          <p:cNvPr id="6" name="Espace réservé du numéro de diapositive 5"/>
           <p:cNvSpPr>
             <a:spLocks noGrp="1"/>
           </p:cNvSpPr>
@@ -3894,24 +3952,64 @@
           </a:p>
         </p:txBody>
       </p:sp>
+      <p:sp>
+        <p:nvSpPr>
+          <p:cNvPr id="7" name="ZoneTexte 6"/>
+          <p:cNvSpPr txBox="1"/>
+          <p:nvPr/>
+        </p:nvSpPr>
+        <p:spPr>
+          <a:xfrm>
+            <a:off x="0" y="191149"/>
+            <a:ext cx="3678956" cy="954107"/>
+          </a:xfrm>
+          <a:prstGeom prst="rect">
+            <a:avLst/>
+          </a:prstGeom>
+          <a:noFill/>
+        </p:spPr>
+        <p:txBody>
+          <a:bodyPr wrap="none" rtlCol="0">
+            <a:spAutoFit/>
+          </a:bodyPr>
+          <a:lstStyle/>
+          <a:p>
+            <a:r>
+              <a:rPr lang="fr-FR" sz="2800" dirty="0" smtClean="0"/>
+              <a:t>Diagramme séquence </a:t>
+            </a:r>
+          </a:p>
+          <a:p>
+            <a:r>
+              <a:rPr lang="fr-FR" sz="2800" dirty="0" smtClean="0"/>
+              <a:t>Modification de compte</a:t>
+            </a:r>
+            <a:endParaRPr lang="fr-FR" sz="2800" dirty="0"/>
+          </a:p>
+        </p:txBody>
+      </p:sp>
       <p:pic>
         <p:nvPicPr>
           <p:cNvPr id="5" name="Image 4"/>
-          <p:cNvPicPr>
-            <a:picLocks noChangeAspect="1"/>
-          </p:cNvPicPr>
+          <p:cNvPicPr/>
           <p:nvPr/>
         </p:nvPicPr>
         <p:blipFill>
-          <a:blip r:embed="rId2"/>
+          <a:blip r:embed="rId2">
+            <a:extLst>
+              <a:ext uri="{28A0092B-C50C-407E-A947-70E740481C1C}">
+                <a14:useLocalDpi xmlns:a14="http://schemas.microsoft.com/office/drawing/2010/main" val="0"/>
+              </a:ext>
+            </a:extLst>
+          </a:blip>
           <a:stretch>
             <a:fillRect/>
           </a:stretch>
         </p:blipFill>
         <p:spPr>
           <a:xfrm>
-            <a:off x="800099" y="1244600"/>
-            <a:ext cx="10409693" cy="4446587"/>
+            <a:off x="3590475" y="55245"/>
+            <a:ext cx="8415020" cy="6301105"/>
           </a:xfrm>
           <a:prstGeom prst="rect">
             <a:avLst/>
@@ -3921,7 +4019,7 @@
     </p:spTree>
     <p:extLst>
       <p:ext uri="{BB962C8B-B14F-4D97-AF65-F5344CB8AC3E}">
-        <p14:creationId xmlns:p14="http://schemas.microsoft.com/office/powerpoint/2010/main" val="137211708"/>
+        <p14:creationId xmlns:p14="http://schemas.microsoft.com/office/powerpoint/2010/main" val="1189818613"/>
       </p:ext>
     </p:extLst>
   </p:cSld>
@@ -3996,30 +4094,7 @@
       </p:grpSpPr>
       <p:sp>
         <p:nvSpPr>
-          <p:cNvPr id="2" name="Titre 1"/>
-          <p:cNvSpPr>
-            <a:spLocks noGrp="1"/>
-          </p:cNvSpPr>
-          <p:nvPr>
-            <p:ph type="title"/>
-          </p:nvPr>
-        </p:nvSpPr>
-        <p:spPr/>
-        <p:txBody>
-          <a:bodyPr/>
-          <a:lstStyle/>
-          <a:p>
-            <a:r>
-              <a:rPr lang="fr-FR" dirty="0" smtClean="0"/>
-              <a:t>Les utilitaires</a:t>
-            </a:r>
-            <a:endParaRPr lang="fr-FR" dirty="0"/>
-          </a:p>
-        </p:txBody>
-      </p:sp>
-      <p:sp>
-        <p:nvSpPr>
-          <p:cNvPr id="4" name="Espace réservé du numéro de diapositive 3"/>
+          <p:cNvPr id="6" name="Espace réservé du numéro de diapositive 5"/>
           <p:cNvSpPr>
             <a:spLocks noGrp="1"/>
           </p:cNvSpPr>
@@ -4048,118 +4123,74 @@
           </a:p>
         </p:txBody>
       </p:sp>
+      <p:sp>
+        <p:nvSpPr>
+          <p:cNvPr id="7" name="ZoneTexte 6"/>
+          <p:cNvSpPr txBox="1"/>
+          <p:nvPr/>
+        </p:nvSpPr>
+        <p:spPr>
+          <a:xfrm>
+            <a:off x="0" y="191149"/>
+            <a:ext cx="3733458" cy="954107"/>
+          </a:xfrm>
+          <a:prstGeom prst="rect">
+            <a:avLst/>
+          </a:prstGeom>
+          <a:noFill/>
+        </p:spPr>
+        <p:txBody>
+          <a:bodyPr wrap="none" rtlCol="0">
+            <a:spAutoFit/>
+          </a:bodyPr>
+          <a:lstStyle/>
+          <a:p>
+            <a:r>
+              <a:rPr lang="fr-FR" sz="2800" dirty="0" smtClean="0"/>
+              <a:t>Diagramme activité </a:t>
+            </a:r>
+          </a:p>
+          <a:p>
+            <a:r>
+              <a:rPr lang="fr-FR" sz="2800" dirty="0" smtClean="0"/>
+              <a:t>Suppression de compte</a:t>
+            </a:r>
+            <a:endParaRPr lang="fr-FR" sz="2800" dirty="0"/>
+          </a:p>
+        </p:txBody>
+      </p:sp>
       <p:pic>
         <p:nvPicPr>
           <p:cNvPr id="5" name="Image 4"/>
-          <p:cNvPicPr>
-            <a:picLocks noChangeAspect="1"/>
-          </p:cNvPicPr>
+          <p:cNvPicPr/>
           <p:nvPr/>
         </p:nvPicPr>
         <p:blipFill>
-          <a:blip r:embed="rId2"/>
+          <a:blip r:embed="rId2" cstate="print">
+            <a:extLst>
+              <a:ext uri="{28A0092B-C50C-407E-A947-70E740481C1C}">
+                <a14:useLocalDpi xmlns:a14="http://schemas.microsoft.com/office/drawing/2010/main" val="0"/>
+              </a:ext>
+            </a:extLst>
+          </a:blip>
           <a:stretch>
             <a:fillRect/>
           </a:stretch>
         </p:blipFill>
         <p:spPr>
           <a:xfrm>
-            <a:off x="187325" y="3444220"/>
-            <a:ext cx="5133975" cy="1805921"/>
+            <a:off x="3854461" y="291301"/>
+            <a:ext cx="7553325" cy="4740275"/>
           </a:xfrm>
           <a:prstGeom prst="rect">
             <a:avLst/>
           </a:prstGeom>
         </p:spPr>
       </p:pic>
-      <p:pic>
-        <p:nvPicPr>
-          <p:cNvPr id="6" name="Image 5"/>
-          <p:cNvPicPr>
-            <a:picLocks noChangeAspect="1"/>
-          </p:cNvPicPr>
-          <p:nvPr/>
-        </p:nvPicPr>
-        <p:blipFill>
-          <a:blip r:embed="rId3"/>
-          <a:stretch>
-            <a:fillRect/>
-          </a:stretch>
-        </p:blipFill>
-        <p:spPr>
-          <a:xfrm>
-            <a:off x="5422901" y="1218741"/>
-            <a:ext cx="6634162" cy="5195553"/>
-          </a:xfrm>
-          <a:prstGeom prst="rect">
-            <a:avLst/>
-          </a:prstGeom>
-        </p:spPr>
-      </p:pic>
-      <p:sp>
-        <p:nvSpPr>
-          <p:cNvPr id="7" name="ZoneTexte 6"/>
-          <p:cNvSpPr txBox="1"/>
-          <p:nvPr/>
-        </p:nvSpPr>
-        <p:spPr>
-          <a:xfrm>
-            <a:off x="1404807" y="2921000"/>
-            <a:ext cx="2699009" cy="523220"/>
-          </a:xfrm>
-          <a:prstGeom prst="rect">
-            <a:avLst/>
-          </a:prstGeom>
-          <a:noFill/>
-        </p:spPr>
-        <p:txBody>
-          <a:bodyPr wrap="none" rtlCol="0">
-            <a:spAutoFit/>
-          </a:bodyPr>
-          <a:lstStyle/>
-          <a:p>
-            <a:r>
-              <a:rPr lang="fr-FR" sz="2800" dirty="0" smtClean="0"/>
-              <a:t>Fonction sécurité</a:t>
-            </a:r>
-            <a:endParaRPr lang="fr-FR" sz="2800" dirty="0"/>
-          </a:p>
-        </p:txBody>
-      </p:sp>
-      <p:sp>
-        <p:nvSpPr>
-          <p:cNvPr id="8" name="ZoneTexte 7"/>
-          <p:cNvSpPr txBox="1"/>
-          <p:nvPr/>
-        </p:nvSpPr>
-        <p:spPr>
-          <a:xfrm>
-            <a:off x="7159260" y="766296"/>
-            <a:ext cx="3038973" cy="523220"/>
-          </a:xfrm>
-          <a:prstGeom prst="rect">
-            <a:avLst/>
-          </a:prstGeom>
-          <a:noFill/>
-        </p:spPr>
-        <p:txBody>
-          <a:bodyPr wrap="none" rtlCol="0">
-            <a:spAutoFit/>
-          </a:bodyPr>
-          <a:lstStyle/>
-          <a:p>
-            <a:r>
-              <a:rPr lang="fr-FR" sz="2800" dirty="0" smtClean="0"/>
-              <a:t>Connexion à la BDD</a:t>
-            </a:r>
-            <a:endParaRPr lang="fr-FR" sz="2800" dirty="0"/>
-          </a:p>
-        </p:txBody>
-      </p:sp>
     </p:spTree>
     <p:extLst>
       <p:ext uri="{BB962C8B-B14F-4D97-AF65-F5344CB8AC3E}">
-        <p14:creationId xmlns:p14="http://schemas.microsoft.com/office/powerpoint/2010/main" val="3132934141"/>
+        <p14:creationId xmlns:p14="http://schemas.microsoft.com/office/powerpoint/2010/main" val="607214057"/>
       </p:ext>
     </p:extLst>
   </p:cSld>
@@ -4234,30 +4265,7 @@
       </p:grpSpPr>
       <p:sp>
         <p:nvSpPr>
-          <p:cNvPr id="2" name="Titre 1"/>
-          <p:cNvSpPr>
-            <a:spLocks noGrp="1"/>
-          </p:cNvSpPr>
-          <p:nvPr>
-            <p:ph type="title"/>
-          </p:nvPr>
-        </p:nvSpPr>
-        <p:spPr/>
-        <p:txBody>
-          <a:bodyPr/>
-          <a:lstStyle/>
-          <a:p>
-            <a:r>
-              <a:rPr lang="fr-FR" dirty="0" smtClean="0"/>
-              <a:t>Ajouter une plateforme ou un genre de jeu</a:t>
-            </a:r>
-            <a:endParaRPr lang="fr-FR" dirty="0"/>
-          </a:p>
-        </p:txBody>
-      </p:sp>
-      <p:sp>
-        <p:nvSpPr>
-          <p:cNvPr id="4" name="Espace réservé du numéro de diapositive 3"/>
+          <p:cNvPr id="6" name="Espace réservé du numéro de diapositive 5"/>
           <p:cNvSpPr>
             <a:spLocks noGrp="1"/>
           </p:cNvSpPr>
@@ -4286,99 +4294,74 @@
           </a:p>
         </p:txBody>
       </p:sp>
+      <p:sp>
+        <p:nvSpPr>
+          <p:cNvPr id="7" name="ZoneTexte 6"/>
+          <p:cNvSpPr txBox="1"/>
+          <p:nvPr/>
+        </p:nvSpPr>
+        <p:spPr>
+          <a:xfrm>
+            <a:off x="0" y="191149"/>
+            <a:ext cx="3595536" cy="954107"/>
+          </a:xfrm>
+          <a:prstGeom prst="rect">
+            <a:avLst/>
+          </a:prstGeom>
+          <a:noFill/>
+        </p:spPr>
+        <p:txBody>
+          <a:bodyPr wrap="none" rtlCol="0">
+            <a:spAutoFit/>
+          </a:bodyPr>
+          <a:lstStyle/>
+          <a:p>
+            <a:r>
+              <a:rPr lang="fr-FR" sz="2800" dirty="0" smtClean="0"/>
+              <a:t>Diagramme séquence </a:t>
+            </a:r>
+          </a:p>
+          <a:p>
+            <a:r>
+              <a:rPr lang="fr-FR" sz="2800" dirty="0" smtClean="0"/>
+              <a:t>Suppression de compte</a:t>
+            </a:r>
+            <a:endParaRPr lang="fr-FR" sz="2800" dirty="0"/>
+          </a:p>
+        </p:txBody>
+      </p:sp>
       <p:pic>
         <p:nvPicPr>
-          <p:cNvPr id="3" name="Image 2"/>
-          <p:cNvPicPr>
-            <a:picLocks noChangeAspect="1"/>
-          </p:cNvPicPr>
+          <p:cNvPr id="5" name="Image 4"/>
+          <p:cNvPicPr/>
           <p:nvPr/>
         </p:nvPicPr>
         <p:blipFill>
-          <a:blip r:embed="rId2"/>
-          <a:stretch>
-            <a:fillRect/>
-          </a:stretch>
-        </p:blipFill>
-        <p:spPr>
-          <a:xfrm>
-            <a:off x="6096000" y="1450407"/>
-            <a:ext cx="4559272" cy="3934892"/>
-          </a:xfrm>
-          <a:prstGeom prst="rect">
-            <a:avLst/>
-          </a:prstGeom>
-        </p:spPr>
-      </p:pic>
-      <p:pic>
-        <p:nvPicPr>
-          <p:cNvPr id="8" name="Image 7"/>
-          <p:cNvPicPr>
-            <a:picLocks noChangeAspect="1"/>
-          </p:cNvPicPr>
-          <p:nvPr/>
-        </p:nvPicPr>
-        <p:blipFill>
-          <a:blip r:embed="rId3"/>
-          <a:stretch>
-            <a:fillRect/>
-          </a:stretch>
-        </p:blipFill>
-        <p:spPr>
-          <a:xfrm>
-            <a:off x="1201877" y="1450407"/>
-            <a:ext cx="4580919" cy="3934892"/>
-          </a:xfrm>
-          <a:prstGeom prst="rect">
-            <a:avLst/>
-          </a:prstGeom>
-        </p:spPr>
-      </p:pic>
-      <p:pic>
-        <p:nvPicPr>
-          <p:cNvPr id="2054" name="Picture 6" descr="Work in progress - Free marketing icons"/>
-          <p:cNvPicPr>
-            <a:picLocks noChangeAspect="1" noChangeArrowheads="1"/>
-          </p:cNvPicPr>
-          <p:nvPr/>
-        </p:nvPicPr>
-        <p:blipFill>
-          <a:blip r:embed="rId4">
+          <a:blip r:embed="rId2" cstate="print">
             <a:extLst>
               <a:ext uri="{28A0092B-C50C-407E-A947-70E740481C1C}">
                 <a14:useLocalDpi xmlns:a14="http://schemas.microsoft.com/office/drawing/2010/main" val="0"/>
               </a:ext>
             </a:extLst>
           </a:blip>
-          <a:srcRect/>
           <a:stretch>
             <a:fillRect/>
           </a:stretch>
         </p:blipFill>
-        <p:spPr bwMode="auto">
-          <a:xfrm>
-            <a:off x="342797" y="4267200"/>
-            <a:ext cx="2454274" cy="2454275"/>
+        <p:spPr>
+          <a:xfrm>
+            <a:off x="3595536" y="191149"/>
+            <a:ext cx="8444230" cy="6231255"/>
           </a:xfrm>
           <a:prstGeom prst="rect">
             <a:avLst/>
           </a:prstGeom>
-          <a:noFill/>
-          <a:extLst>
-            <a:ext uri="{909E8E84-426E-40DD-AFC4-6F175D3DCCD1}">
-              <a14:hiddenFill xmlns:a14="http://schemas.microsoft.com/office/drawing/2010/main">
-                <a:solidFill>
-                  <a:srgbClr val="FFFFFF"/>
-                </a:solidFill>
-              </a14:hiddenFill>
-            </a:ext>
-          </a:extLst>
         </p:spPr>
       </p:pic>
     </p:spTree>
     <p:extLst>
       <p:ext uri="{BB962C8B-B14F-4D97-AF65-F5344CB8AC3E}">
-        <p14:creationId xmlns:p14="http://schemas.microsoft.com/office/powerpoint/2010/main" val="1700779139"/>
+        <p14:creationId xmlns:p14="http://schemas.microsoft.com/office/powerpoint/2010/main" val="4067506015"/>
       </p:ext>
     </p:extLst>
   </p:cSld>
@@ -4451,32 +4434,33 @@
           <a:chExt cx="0" cy="0"/>
         </a:xfrm>
       </p:grpSpPr>
-      <p:sp>
-        <p:nvSpPr>
-          <p:cNvPr id="2" name="Titre 1"/>
-          <p:cNvSpPr>
-            <a:spLocks noGrp="1"/>
-          </p:cNvSpPr>
-          <p:nvPr>
-            <p:ph type="title"/>
-          </p:nvPr>
-        </p:nvSpPr>
-        <p:spPr/>
-        <p:txBody>
-          <a:bodyPr/>
-          <a:lstStyle/>
-          <a:p>
-            <a:r>
-              <a:rPr lang="fr-FR" dirty="0" smtClean="0"/>
-              <a:t>Ajouter une plateforme ou un genre de jeu</a:t>
-            </a:r>
-            <a:endParaRPr lang="fr-FR" dirty="0"/>
-          </a:p>
-        </p:txBody>
-      </p:sp>
-      <p:sp>
-        <p:nvSpPr>
-          <p:cNvPr id="4" name="Espace réservé du numéro de diapositive 3"/>
+      <p:pic>
+        <p:nvPicPr>
+          <p:cNvPr id="4" name="Image 3"/>
+          <p:cNvPicPr>
+            <a:picLocks noChangeAspect="1"/>
+          </p:cNvPicPr>
+          <p:nvPr/>
+        </p:nvPicPr>
+        <p:blipFill>
+          <a:blip r:embed="rId2"/>
+          <a:stretch>
+            <a:fillRect/>
+          </a:stretch>
+        </p:blipFill>
+        <p:spPr>
+          <a:xfrm>
+            <a:off x="3943767" y="-7609"/>
+            <a:ext cx="6756400" cy="6865609"/>
+          </a:xfrm>
+          <a:prstGeom prst="rect">
+            <a:avLst/>
+          </a:prstGeom>
+        </p:spPr>
+      </p:pic>
+      <p:sp>
+        <p:nvSpPr>
+          <p:cNvPr id="6" name="Espace réservé du numéro de diapositive 5"/>
           <p:cNvSpPr>
             <a:spLocks noGrp="1"/>
           </p:cNvSpPr>
@@ -4505,40 +4489,16 @@
           </a:p>
         </p:txBody>
       </p:sp>
-      <p:pic>
-        <p:nvPicPr>
-          <p:cNvPr id="5" name="Image 4"/>
-          <p:cNvPicPr>
-            <a:picLocks noChangeAspect="1"/>
-          </p:cNvPicPr>
-          <p:nvPr/>
-        </p:nvPicPr>
-        <p:blipFill>
-          <a:blip r:embed="rId2"/>
-          <a:stretch>
-            <a:fillRect/>
-          </a:stretch>
-        </p:blipFill>
-        <p:spPr>
-          <a:xfrm>
-            <a:off x="838200" y="2702719"/>
-            <a:ext cx="4029075" cy="1981200"/>
-          </a:xfrm>
-          <a:prstGeom prst="rect">
-            <a:avLst/>
-          </a:prstGeom>
-        </p:spPr>
-      </p:pic>
-      <p:sp>
-        <p:nvSpPr>
-          <p:cNvPr id="6" name="ZoneTexte 5"/>
+      <p:sp>
+        <p:nvSpPr>
+          <p:cNvPr id="5" name="ZoneTexte 4"/>
           <p:cNvSpPr txBox="1"/>
           <p:nvPr/>
         </p:nvSpPr>
         <p:spPr>
           <a:xfrm>
-            <a:off x="3964592" y="1873181"/>
-            <a:ext cx="902683" cy="523220"/>
+            <a:off x="0" y="191149"/>
+            <a:ext cx="3870547" cy="523220"/>
           </a:xfrm>
           <a:prstGeom prst="rect">
             <a:avLst/>
@@ -4553,40 +4513,20 @@
           <a:p>
             <a:r>
               <a:rPr lang="fr-FR" sz="2800" dirty="0" err="1" smtClean="0"/>
-              <a:t>View</a:t>
+              <a:t>Wireframe</a:t>
+            </a:r>
+            <a:r>
+              <a:rPr lang="fr-FR" sz="2800" dirty="0" smtClean="0"/>
+              <a:t> page d’accueil</a:t>
             </a:r>
             <a:endParaRPr lang="fr-FR" sz="2800" dirty="0"/>
           </a:p>
         </p:txBody>
       </p:sp>
-      <p:pic>
-        <p:nvPicPr>
-          <p:cNvPr id="7" name="Image 6"/>
-          <p:cNvPicPr>
-            <a:picLocks noChangeAspect="1"/>
-          </p:cNvPicPr>
-          <p:nvPr/>
-        </p:nvPicPr>
-        <p:blipFill>
-          <a:blip r:embed="rId3"/>
-          <a:stretch>
-            <a:fillRect/>
-          </a:stretch>
-        </p:blipFill>
-        <p:spPr>
-          <a:xfrm>
-            <a:off x="5002212" y="1517650"/>
-            <a:ext cx="6962775" cy="4838700"/>
-          </a:xfrm>
-          <a:prstGeom prst="rect">
-            <a:avLst/>
-          </a:prstGeom>
-        </p:spPr>
-      </p:pic>
     </p:spTree>
     <p:extLst>
       <p:ext uri="{BB962C8B-B14F-4D97-AF65-F5344CB8AC3E}">
-        <p14:creationId xmlns:p14="http://schemas.microsoft.com/office/powerpoint/2010/main" val="2647973324"/>
+        <p14:creationId xmlns:p14="http://schemas.microsoft.com/office/powerpoint/2010/main" val="358294341"/>
       </p:ext>
     </p:extLst>
   </p:cSld>
@@ -4659,33 +4599,9 @@
           <a:chExt cx="0" cy="0"/>
         </a:xfrm>
       </p:grpSpPr>
-      <p:pic>
-        <p:nvPicPr>
-          <p:cNvPr id="5" name="Image 4"/>
-          <p:cNvPicPr>
-            <a:picLocks noChangeAspect="1"/>
-          </p:cNvPicPr>
-          <p:nvPr/>
-        </p:nvPicPr>
-        <p:blipFill>
-          <a:blip r:embed="rId2"/>
-          <a:stretch>
-            <a:fillRect/>
-          </a:stretch>
-        </p:blipFill>
-        <p:spPr>
-          <a:xfrm>
-            <a:off x="2685542" y="0"/>
-            <a:ext cx="9506458" cy="6858000"/>
-          </a:xfrm>
-          <a:prstGeom prst="rect">
-            <a:avLst/>
-          </a:prstGeom>
-        </p:spPr>
-      </p:pic>
-      <p:sp>
-        <p:nvSpPr>
-          <p:cNvPr id="4" name="Espace réservé du numéro de diapositive 3"/>
+      <p:sp>
+        <p:nvSpPr>
+          <p:cNvPr id="6" name="Espace réservé du numéro de diapositive 5"/>
           <p:cNvSpPr>
             <a:spLocks noGrp="1"/>
           </p:cNvSpPr>
@@ -4701,29 +4617,57 @@
             <a:fld id="{C71BCE76-17DE-481D-8B88-0224F5084139}" type="slidenum">
               <a:rPr lang="fr-FR" smtClean="0">
                 <a:solidFill>
-                  <a:schemeClr val="bg1"/>
+                  <a:schemeClr val="tx1"/>
                 </a:solidFill>
               </a:rPr>
               <a:t>15</a:t>
             </a:fld>
             <a:endParaRPr lang="fr-FR" dirty="0">
               <a:solidFill>
-                <a:schemeClr val="bg1"/>
+                <a:schemeClr val="tx1"/>
               </a:solidFill>
             </a:endParaRPr>
           </a:p>
         </p:txBody>
       </p:sp>
-      <p:sp>
-        <p:nvSpPr>
-          <p:cNvPr id="6" name="ZoneTexte 5"/>
+      <p:pic>
+        <p:nvPicPr>
+          <p:cNvPr id="5" name="Image 4"/>
+          <p:cNvPicPr/>
+          <p:nvPr/>
+        </p:nvPicPr>
+        <p:blipFill>
+          <a:blip r:embed="rId2">
+            <a:extLst>
+              <a:ext uri="{28A0092B-C50C-407E-A947-70E740481C1C}">
+                <a14:useLocalDpi xmlns:a14="http://schemas.microsoft.com/office/drawing/2010/main" val="0"/>
+              </a:ext>
+            </a:extLst>
+          </a:blip>
+          <a:stretch>
+            <a:fillRect/>
+          </a:stretch>
+        </p:blipFill>
+        <p:spPr>
+          <a:xfrm>
+            <a:off x="3317202" y="60070"/>
+            <a:ext cx="5105957" cy="6744534"/>
+          </a:xfrm>
+          <a:prstGeom prst="rect">
+            <a:avLst/>
+          </a:prstGeom>
+        </p:spPr>
+      </p:pic>
+      <p:sp>
+        <p:nvSpPr>
+          <p:cNvPr id="7" name="ZoneTexte 6"/>
           <p:cNvSpPr txBox="1"/>
           <p:nvPr/>
         </p:nvSpPr>
         <p:spPr>
           <a:xfrm>
-            <a:off x="355600" y="2921000"/>
-            <a:ext cx="2292102" cy="646331"/>
+            <a:off x="0" y="191149"/>
+            <a:ext cx="3064685" cy="523220"/>
           </a:xfrm>
           <a:prstGeom prst="rect">
             <a:avLst/>
@@ -4737,17 +4681,21 @@
           <a:lstStyle/>
           <a:p>
             <a:r>
-              <a:rPr lang="fr-FR" sz="3600" dirty="0" smtClean="0"/>
-              <a:t>Controller :</a:t>
-            </a:r>
-            <a:endParaRPr lang="fr-FR" dirty="0"/>
+              <a:rPr lang="fr-FR" sz="2800" dirty="0" err="1" smtClean="0"/>
+              <a:t>Wireframe</a:t>
+            </a:r>
+            <a:r>
+              <a:rPr lang="fr-FR" sz="2800" dirty="0" smtClean="0"/>
+              <a:t> page jeu</a:t>
+            </a:r>
+            <a:endParaRPr lang="fr-FR" sz="2800" dirty="0"/>
           </a:p>
         </p:txBody>
       </p:sp>
     </p:spTree>
     <p:extLst>
       <p:ext uri="{BB962C8B-B14F-4D97-AF65-F5344CB8AC3E}">
-        <p14:creationId xmlns:p14="http://schemas.microsoft.com/office/powerpoint/2010/main" val="1355499256"/>
+        <p14:creationId xmlns:p14="http://schemas.microsoft.com/office/powerpoint/2010/main" val="3242587382"/>
       </p:ext>
     </p:extLst>
   </p:cSld>
@@ -4822,7 +4770,7 @@
       </p:grpSpPr>
       <p:sp>
         <p:nvSpPr>
-          <p:cNvPr id="4" name="Espace réservé du numéro de diapositive 3"/>
+          <p:cNvPr id="6" name="Espace réservé du numéro de diapositive 5"/>
           <p:cNvSpPr>
             <a:spLocks noGrp="1"/>
           </p:cNvSpPr>
@@ -4851,9 +4799,37 @@
           </a:p>
         </p:txBody>
       </p:sp>
+      <p:sp>
+        <p:nvSpPr>
+          <p:cNvPr id="7" name="Titre 1"/>
+          <p:cNvSpPr>
+            <a:spLocks noGrp="1"/>
+          </p:cNvSpPr>
+          <p:nvPr>
+            <p:ph type="title"/>
+          </p:nvPr>
+        </p:nvSpPr>
+        <p:spPr>
+          <a:xfrm>
+            <a:off x="838200" y="365125"/>
+            <a:ext cx="10515600" cy="1325563"/>
+          </a:xfrm>
+        </p:spPr>
+        <p:txBody>
+          <a:bodyPr/>
+          <a:lstStyle/>
+          <a:p>
+            <a:r>
+              <a:rPr lang="fr-FR" dirty="0" smtClean="0"/>
+              <a:t>MCD</a:t>
+            </a:r>
+            <a:endParaRPr lang="fr-FR" dirty="0"/>
+          </a:p>
+        </p:txBody>
+      </p:sp>
       <p:pic>
         <p:nvPicPr>
-          <p:cNvPr id="5" name="Image 4"/>
+          <p:cNvPr id="2" name="Image 1"/>
           <p:cNvPicPr>
             <a:picLocks noChangeAspect="1"/>
           </p:cNvPicPr>
@@ -4867,72 +4843,18 @@
         </p:blipFill>
         <p:spPr>
           <a:xfrm>
-            <a:off x="249237" y="1765300"/>
-            <a:ext cx="4793496" cy="3416300"/>
+            <a:off x="69271" y="1631312"/>
+            <a:ext cx="12053457" cy="3536605"/>
           </a:xfrm>
           <a:prstGeom prst="rect">
             <a:avLst/>
           </a:prstGeom>
         </p:spPr>
       </p:pic>
-      <p:pic>
-        <p:nvPicPr>
-          <p:cNvPr id="6" name="Image 5"/>
-          <p:cNvPicPr>
-            <a:picLocks noChangeAspect="1"/>
-          </p:cNvPicPr>
-          <p:nvPr/>
-        </p:nvPicPr>
-        <p:blipFill>
-          <a:blip r:embed="rId3"/>
-          <a:stretch>
-            <a:fillRect/>
-          </a:stretch>
-        </p:blipFill>
-        <p:spPr>
-          <a:xfrm>
-            <a:off x="5268594" y="1917700"/>
-            <a:ext cx="6684012" cy="2782887"/>
-          </a:xfrm>
-          <a:prstGeom prst="rect">
-            <a:avLst/>
-          </a:prstGeom>
-        </p:spPr>
-      </p:pic>
-      <p:sp>
-        <p:nvSpPr>
-          <p:cNvPr id="7" name="ZoneTexte 6"/>
-          <p:cNvSpPr txBox="1"/>
-          <p:nvPr/>
-        </p:nvSpPr>
-        <p:spPr>
-          <a:xfrm>
-            <a:off x="4141033" y="660400"/>
-            <a:ext cx="3290131" cy="584775"/>
-          </a:xfrm>
-          <a:prstGeom prst="rect">
-            <a:avLst/>
-          </a:prstGeom>
-          <a:noFill/>
-        </p:spPr>
-        <p:txBody>
-          <a:bodyPr wrap="none" rtlCol="0">
-            <a:spAutoFit/>
-          </a:bodyPr>
-          <a:lstStyle/>
-          <a:p>
-            <a:r>
-              <a:rPr lang="fr-FR" sz="3200" dirty="0" err="1" smtClean="0"/>
-              <a:t>Plateforme_model</a:t>
-            </a:r>
-            <a:endParaRPr lang="fr-FR" sz="3200" dirty="0"/>
-          </a:p>
-        </p:txBody>
-      </p:sp>
     </p:spTree>
     <p:extLst>
       <p:ext uri="{BB962C8B-B14F-4D97-AF65-F5344CB8AC3E}">
-        <p14:creationId xmlns:p14="http://schemas.microsoft.com/office/powerpoint/2010/main" val="328158432"/>
+        <p14:creationId xmlns:p14="http://schemas.microsoft.com/office/powerpoint/2010/main" val="1500344728"/>
       </p:ext>
     </p:extLst>
   </p:cSld>
@@ -5007,6 +4929,29 @@
       </p:grpSpPr>
       <p:sp>
         <p:nvSpPr>
+          <p:cNvPr id="2" name="Titre 1"/>
+          <p:cNvSpPr>
+            <a:spLocks noGrp="1"/>
+          </p:cNvSpPr>
+          <p:nvPr>
+            <p:ph type="title"/>
+          </p:nvPr>
+        </p:nvSpPr>
+        <p:spPr/>
+        <p:txBody>
+          <a:bodyPr/>
+          <a:lstStyle/>
+          <a:p>
+            <a:r>
+              <a:rPr lang="fr-FR" dirty="0" smtClean="0"/>
+              <a:t>MLD</a:t>
+            </a:r>
+            <a:endParaRPr lang="fr-FR" dirty="0"/>
+          </a:p>
+        </p:txBody>
+      </p:sp>
+      <p:sp>
+        <p:nvSpPr>
           <p:cNvPr id="4" name="Espace réservé du numéro de diapositive 3"/>
           <p:cNvSpPr>
             <a:spLocks noGrp="1"/>
@@ -5020,159 +4965,25 @@
           <a:bodyPr/>
           <a:lstStyle/>
           <a:p>
-            <a:pPr marL="0" marR="0" lvl="0" indent="0" algn="r" defTabSz="914400" rtl="0" eaLnBrk="1" fontAlgn="auto" latinLnBrk="0" hangingPunct="1">
-              <a:lnSpc>
-                <a:spcPct val="100000"/>
-              </a:lnSpc>
-              <a:spcBef>
-                <a:spcPts val="0"/>
-              </a:spcBef>
-              <a:spcAft>
-                <a:spcPts val="0"/>
-              </a:spcAft>
-              <a:buClrTx/>
-              <a:buSzTx/>
-              <a:buFontTx/>
-              <a:buNone/>
-              <a:tabLst/>
-              <a:defRPr/>
-            </a:pPr>
             <a:fld id="{C71BCE76-17DE-481D-8B88-0224F5084139}" type="slidenum">
-              <a:rPr kumimoji="0" lang="fr-FR" sz="1200" b="0" i="0" u="none" strike="noStrike" kern="1200" cap="none" spc="0" normalizeH="0" baseline="0" noProof="0" smtClean="0">
-                <a:ln>
-                  <a:noFill/>
-                </a:ln>
+              <a:rPr lang="fr-FR" smtClean="0">
                 <a:solidFill>
-                  <a:prstClr val="black"/>
+                  <a:schemeClr val="tx1"/>
                 </a:solidFill>
-                <a:effectLst/>
-                <a:uLnTx/>
-                <a:uFillTx/>
-                <a:latin typeface="Calibri" panose="020F0502020204030204"/>
-                <a:ea typeface="+mn-ea"/>
-                <a:cs typeface="+mn-cs"/>
               </a:rPr>
-              <a:pPr marL="0" marR="0" lvl="0" indent="0" algn="r" defTabSz="914400" rtl="0" eaLnBrk="1" fontAlgn="auto" latinLnBrk="0" hangingPunct="1">
-                <a:lnSpc>
-                  <a:spcPct val="100000"/>
-                </a:lnSpc>
-                <a:spcBef>
-                  <a:spcPts val="0"/>
-                </a:spcBef>
-                <a:spcAft>
-                  <a:spcPts val="0"/>
-                </a:spcAft>
-                <a:buClrTx/>
-                <a:buSzTx/>
-                <a:buFontTx/>
-                <a:buNone/>
-                <a:tabLst/>
-                <a:defRPr/>
-              </a:pPr>
               <a:t>17</a:t>
             </a:fld>
-            <a:endParaRPr kumimoji="0" lang="fr-FR" sz="1200" b="0" i="0" u="none" strike="noStrike" kern="1200" cap="none" spc="0" normalizeH="0" baseline="0" noProof="0" dirty="0">
-              <a:ln>
-                <a:noFill/>
-              </a:ln>
+            <a:endParaRPr lang="fr-FR" dirty="0">
               <a:solidFill>
-                <a:prstClr val="black"/>
+                <a:schemeClr val="tx1"/>
               </a:solidFill>
-              <a:effectLst/>
-              <a:uLnTx/>
-              <a:uFillTx/>
-              <a:latin typeface="Calibri" panose="020F0502020204030204"/>
-              <a:ea typeface="+mn-ea"/>
-              <a:cs typeface="+mn-cs"/>
-            </a:endParaRPr>
-          </a:p>
-        </p:txBody>
-      </p:sp>
-      <p:sp>
-        <p:nvSpPr>
-          <p:cNvPr id="7" name="ZoneTexte 6"/>
-          <p:cNvSpPr txBox="1"/>
-          <p:nvPr/>
-        </p:nvSpPr>
-        <p:spPr>
-          <a:xfrm>
-            <a:off x="4141033" y="660400"/>
-            <a:ext cx="2400850" cy="584775"/>
-          </a:xfrm>
-          <a:prstGeom prst="rect">
-            <a:avLst/>
-          </a:prstGeom>
-          <a:noFill/>
-        </p:spPr>
-        <p:txBody>
-          <a:bodyPr wrap="none" rtlCol="0">
-            <a:spAutoFit/>
-          </a:bodyPr>
-          <a:lstStyle/>
-          <a:p>
-            <a:pPr marL="0" marR="0" lvl="0" indent="0" algn="l" defTabSz="914400" rtl="0" eaLnBrk="1" fontAlgn="auto" latinLnBrk="0" hangingPunct="1">
-              <a:lnSpc>
-                <a:spcPct val="100000"/>
-              </a:lnSpc>
-              <a:spcBef>
-                <a:spcPts val="0"/>
-              </a:spcBef>
-              <a:spcAft>
-                <a:spcPts val="0"/>
-              </a:spcAft>
-              <a:buClrTx/>
-              <a:buSzTx/>
-              <a:buFontTx/>
-              <a:buNone/>
-              <a:tabLst/>
-              <a:defRPr/>
-            </a:pPr>
-            <a:r>
-              <a:rPr lang="fr-FR" sz="3200" dirty="0" smtClean="0">
-                <a:solidFill>
-                  <a:prstClr val="black"/>
-                </a:solidFill>
-                <a:latin typeface="Calibri" panose="020F0502020204030204"/>
-              </a:rPr>
-              <a:t>genre</a:t>
-            </a:r>
-            <a:r>
-              <a:rPr kumimoji="0" lang="fr-FR" sz="3200" b="0" i="0" u="none" strike="noStrike" kern="1200" cap="none" spc="0" normalizeH="0" baseline="0" noProof="0" dirty="0" smtClean="0">
-                <a:ln>
-                  <a:noFill/>
-                </a:ln>
-                <a:solidFill>
-                  <a:prstClr val="black"/>
-                </a:solidFill>
-                <a:effectLst/>
-                <a:uLnTx/>
-                <a:uFillTx/>
-                <a:latin typeface="Calibri" panose="020F0502020204030204"/>
-                <a:ea typeface="+mn-ea"/>
-                <a:cs typeface="+mn-cs"/>
-              </a:rPr>
-              <a:t>_model</a:t>
-            </a:r>
-            <a:endParaRPr kumimoji="0" lang="fr-FR" sz="3200" b="0" i="0" u="none" strike="noStrike" kern="1200" cap="none" spc="0" normalizeH="0" baseline="0" noProof="0" dirty="0">
-              <a:ln>
-                <a:noFill/>
-              </a:ln>
-              <a:solidFill>
-                <a:prstClr val="black"/>
-              </a:solidFill>
-              <a:effectLst/>
-              <a:uLnTx/>
-              <a:uFillTx/>
-              <a:latin typeface="Calibri" panose="020F0502020204030204"/>
-              <a:ea typeface="+mn-ea"/>
-              <a:cs typeface="+mn-cs"/>
             </a:endParaRPr>
           </a:p>
         </p:txBody>
       </p:sp>
       <p:pic>
         <p:nvPicPr>
-          <p:cNvPr id="2" name="Image 1"/>
+          <p:cNvPr id="3" name="Image 2"/>
           <p:cNvPicPr>
             <a:picLocks noChangeAspect="1"/>
           </p:cNvPicPr>
@@ -5186,32 +4997,8 @@
         </p:blipFill>
         <p:spPr>
           <a:xfrm>
-            <a:off x="391358" y="1712912"/>
-            <a:ext cx="4282242" cy="3474673"/>
-          </a:xfrm>
-          <a:prstGeom prst="rect">
-            <a:avLst/>
-          </a:prstGeom>
-        </p:spPr>
-      </p:pic>
-      <p:pic>
-        <p:nvPicPr>
-          <p:cNvPr id="3" name="Image 2"/>
-          <p:cNvPicPr>
-            <a:picLocks noChangeAspect="1"/>
-          </p:cNvPicPr>
-          <p:nvPr/>
-        </p:nvPicPr>
-        <p:blipFill>
-          <a:blip r:embed="rId3"/>
-          <a:stretch>
-            <a:fillRect/>
-          </a:stretch>
-        </p:blipFill>
-        <p:spPr>
-          <a:xfrm>
-            <a:off x="5194299" y="1852930"/>
-            <a:ext cx="6481619" cy="3055620"/>
+            <a:off x="85106" y="1690688"/>
+            <a:ext cx="12027726" cy="3641887"/>
           </a:xfrm>
           <a:prstGeom prst="rect">
             <a:avLst/>
@@ -5221,7 +5008,7 @@
     </p:spTree>
     <p:extLst>
       <p:ext uri="{BB962C8B-B14F-4D97-AF65-F5344CB8AC3E}">
-        <p14:creationId xmlns:p14="http://schemas.microsoft.com/office/powerpoint/2010/main" val="2944924970"/>
+        <p14:creationId xmlns:p14="http://schemas.microsoft.com/office/powerpoint/2010/main" val="1918792777"/>
       </p:ext>
     </p:extLst>
   </p:cSld>
@@ -5296,30 +5083,7 @@
       </p:grpSpPr>
       <p:sp>
         <p:nvSpPr>
-          <p:cNvPr id="2" name="Titre 1"/>
-          <p:cNvSpPr>
-            <a:spLocks noGrp="1"/>
-          </p:cNvSpPr>
-          <p:nvPr>
-            <p:ph type="title"/>
-          </p:nvPr>
-        </p:nvSpPr>
-        <p:spPr/>
-        <p:txBody>
-          <a:bodyPr/>
-          <a:lstStyle/>
-          <a:p>
-            <a:r>
-              <a:rPr lang="fr-FR" dirty="0" smtClean="0"/>
-              <a:t>Ajouter un jeu</a:t>
-            </a:r>
-            <a:endParaRPr lang="fr-FR" dirty="0"/>
-          </a:p>
-        </p:txBody>
-      </p:sp>
-      <p:sp>
-        <p:nvSpPr>
-          <p:cNvPr id="4" name="Espace réservé du numéro de diapositive 3"/>
+          <p:cNvPr id="6" name="Espace réservé du numéro de diapositive 5"/>
           <p:cNvSpPr>
             <a:spLocks noGrp="1"/>
           </p:cNvSpPr>
@@ -5348,12 +5112,39 @@
           </a:p>
         </p:txBody>
       </p:sp>
+      <p:sp>
+        <p:nvSpPr>
+          <p:cNvPr id="5" name="ZoneTexte 4"/>
+          <p:cNvSpPr txBox="1"/>
+          <p:nvPr/>
+        </p:nvSpPr>
+        <p:spPr>
+          <a:xfrm>
+            <a:off x="0" y="191149"/>
+            <a:ext cx="2185278" cy="523220"/>
+          </a:xfrm>
+          <a:prstGeom prst="rect">
+            <a:avLst/>
+          </a:prstGeom>
+          <a:noFill/>
+        </p:spPr>
+        <p:txBody>
+          <a:bodyPr wrap="none" rtlCol="0">
+            <a:spAutoFit/>
+          </a:bodyPr>
+          <a:lstStyle/>
+          <a:p>
+            <a:r>
+              <a:rPr lang="fr-FR" sz="2800" dirty="0" smtClean="0"/>
+              <a:t>Arborescence</a:t>
+            </a:r>
+          </a:p>
+        </p:txBody>
+      </p:sp>
       <p:pic>
         <p:nvPicPr>
-          <p:cNvPr id="8" name="Picture 6" descr="Work in progress - Free marketing icons"/>
-          <p:cNvPicPr>
-            <a:picLocks noChangeAspect="1" noChangeArrowheads="1"/>
-          </p:cNvPicPr>
+          <p:cNvPr id="7" name="Image 6"/>
+          <p:cNvPicPr/>
           <p:nvPr/>
         </p:nvPicPr>
         <p:blipFill>
@@ -5364,49 +5155,42 @@
               </a:ext>
             </a:extLst>
           </a:blip>
-          <a:srcRect/>
           <a:stretch>
             <a:fillRect/>
           </a:stretch>
         </p:blipFill>
-        <p:spPr bwMode="auto">
-          <a:xfrm>
-            <a:off x="1242873" y="2299823"/>
-            <a:ext cx="2454274" cy="2454275"/>
+        <p:spPr>
+          <a:xfrm>
+            <a:off x="991694" y="817286"/>
+            <a:ext cx="5603240" cy="5337175"/>
           </a:xfrm>
           <a:prstGeom prst="rect">
             <a:avLst/>
           </a:prstGeom>
-          <a:noFill/>
-          <a:extLst>
-            <a:ext uri="{909E8E84-426E-40DD-AFC4-6F175D3DCCD1}">
-              <a14:hiddenFill xmlns:a14="http://schemas.microsoft.com/office/drawing/2010/main">
-                <a:solidFill>
-                  <a:srgbClr val="FFFFFF"/>
-                </a:solidFill>
-              </a14:hiddenFill>
-            </a:ext>
-          </a:extLst>
         </p:spPr>
       </p:pic>
       <p:pic>
         <p:nvPicPr>
-          <p:cNvPr id="3" name="Image 2"/>
-          <p:cNvPicPr>
-            <a:picLocks noChangeAspect="1"/>
-          </p:cNvPicPr>
+          <p:cNvPr id="8" name="Image 7"/>
+          <p:cNvPicPr/>
           <p:nvPr/>
         </p:nvPicPr>
         <p:blipFill>
-          <a:blip r:embed="rId3"/>
+          <a:blip r:embed="rId3" cstate="print">
+            <a:extLst>
+              <a:ext uri="{28A0092B-C50C-407E-A947-70E740481C1C}">
+                <a14:useLocalDpi xmlns:a14="http://schemas.microsoft.com/office/drawing/2010/main" val="0"/>
+              </a:ext>
+            </a:extLst>
+          </a:blip>
           <a:stretch>
             <a:fillRect/>
           </a:stretch>
         </p:blipFill>
         <p:spPr>
           <a:xfrm>
-            <a:off x="4748386" y="795337"/>
-            <a:ext cx="6686550" cy="5743575"/>
+            <a:off x="7218045" y="1714858"/>
+            <a:ext cx="1392555" cy="3542030"/>
           </a:xfrm>
           <a:prstGeom prst="rect">
             <a:avLst/>
@@ -5416,7 +5200,7 @@
     </p:spTree>
     <p:extLst>
       <p:ext uri="{BB962C8B-B14F-4D97-AF65-F5344CB8AC3E}">
-        <p14:creationId xmlns:p14="http://schemas.microsoft.com/office/powerpoint/2010/main" val="4177279932"/>
+        <p14:creationId xmlns:p14="http://schemas.microsoft.com/office/powerpoint/2010/main" val="204873998"/>
       </p:ext>
     </p:extLst>
   </p:cSld>
@@ -5489,142 +5273,353 @@
           <a:chExt cx="0" cy="0"/>
         </a:xfrm>
       </p:grpSpPr>
+      <p:sp>
+        <p:nvSpPr>
+          <p:cNvPr id="2" name="Titre 1"/>
+          <p:cNvSpPr>
+            <a:spLocks noGrp="1"/>
+          </p:cNvSpPr>
+          <p:nvPr>
+            <p:ph type="title"/>
+          </p:nvPr>
+        </p:nvSpPr>
+        <p:spPr/>
+        <p:txBody>
+          <a:bodyPr/>
+          <a:lstStyle/>
+          <a:p>
+            <a:r>
+              <a:rPr lang="fr-FR" dirty="0" smtClean="0"/>
+              <a:t>Technologies utilisées</a:t>
+            </a:r>
+            <a:endParaRPr lang="fr-FR" dirty="0"/>
+          </a:p>
+        </p:txBody>
+      </p:sp>
+      <p:sp>
+        <p:nvSpPr>
+          <p:cNvPr id="4" name="Espace réservé du numéro de diapositive 3"/>
+          <p:cNvSpPr>
+            <a:spLocks noGrp="1"/>
+          </p:cNvSpPr>
+          <p:nvPr>
+            <p:ph type="sldNum" sz="quarter" idx="12"/>
+          </p:nvPr>
+        </p:nvSpPr>
+        <p:spPr/>
+        <p:txBody>
+          <a:bodyPr/>
+          <a:lstStyle/>
+          <a:p>
+            <a:fld id="{C71BCE76-17DE-481D-8B88-0224F5084139}" type="slidenum">
+              <a:rPr lang="fr-FR" smtClean="0"/>
+              <a:t>19</a:t>
+            </a:fld>
+            <a:endParaRPr lang="fr-FR"/>
+          </a:p>
+        </p:txBody>
+      </p:sp>
       <p:pic>
         <p:nvPicPr>
-          <p:cNvPr id="6" name="Image 5"/>
-          <p:cNvPicPr>
-            <a:picLocks noChangeAspect="1"/>
-          </p:cNvPicPr>
+          <p:cNvPr id="5" name="Image 4" descr="Hypertext Markup Language — Wikipédia"/>
+          <p:cNvPicPr/>
           <p:nvPr/>
         </p:nvPicPr>
         <p:blipFill>
-          <a:blip r:embed="rId2"/>
+          <a:blip r:embed="rId2" cstate="print">
+            <a:extLst>
+              <a:ext uri="{28A0092B-C50C-407E-A947-70E740481C1C}">
+                <a14:useLocalDpi xmlns:a14="http://schemas.microsoft.com/office/drawing/2010/main" val="0"/>
+              </a:ext>
+            </a:extLst>
+          </a:blip>
+          <a:srcRect/>
           <a:stretch>
             <a:fillRect/>
           </a:stretch>
         </p:blipFill>
-        <p:spPr>
-          <a:xfrm>
-            <a:off x="6935788" y="0"/>
-            <a:ext cx="4797424" cy="6867706"/>
+        <p:spPr bwMode="auto">
+          <a:xfrm>
+            <a:off x="839061" y="1498299"/>
+            <a:ext cx="1063158" cy="1058015"/>
           </a:xfrm>
           <a:prstGeom prst="rect">
             <a:avLst/>
           </a:prstGeom>
+          <a:noFill/>
+          <a:ln>
+            <a:noFill/>
+          </a:ln>
         </p:spPr>
       </p:pic>
-      <p:sp>
-        <p:nvSpPr>
-          <p:cNvPr id="2" name="Titre 1"/>
-          <p:cNvSpPr>
-            <a:spLocks noGrp="1"/>
-          </p:cNvSpPr>
-          <p:nvPr>
-            <p:ph type="title"/>
-          </p:nvPr>
-        </p:nvSpPr>
-        <p:spPr/>
-        <p:txBody>
-          <a:bodyPr/>
-          <a:lstStyle/>
-          <a:p>
-            <a:r>
-              <a:rPr lang="fr-FR" dirty="0" smtClean="0"/>
-              <a:t>Ajouter un jeu</a:t>
-            </a:r>
-            <a:endParaRPr lang="fr-FR" dirty="0"/>
-          </a:p>
-        </p:txBody>
-      </p:sp>
-      <p:sp>
-        <p:nvSpPr>
-          <p:cNvPr id="4" name="Espace réservé du numéro de diapositive 3"/>
-          <p:cNvSpPr>
-            <a:spLocks noGrp="1"/>
-          </p:cNvSpPr>
-          <p:nvPr>
-            <p:ph type="sldNum" sz="quarter" idx="12"/>
-          </p:nvPr>
-        </p:nvSpPr>
-        <p:spPr/>
-        <p:txBody>
-          <a:bodyPr/>
-          <a:lstStyle/>
-          <a:p>
-            <a:fld id="{C71BCE76-17DE-481D-8B88-0224F5084139}" type="slidenum">
-              <a:rPr lang="fr-FR" smtClean="0">
-                <a:solidFill>
-                  <a:schemeClr val="bg1"/>
-                </a:solidFill>
-              </a:rPr>
-              <a:t>19</a:t>
-            </a:fld>
-            <a:endParaRPr lang="fr-FR" dirty="0">
-              <a:solidFill>
-                <a:schemeClr val="bg1"/>
-              </a:solidFill>
-            </a:endParaRPr>
-          </a:p>
-        </p:txBody>
-      </p:sp>
       <p:pic>
         <p:nvPicPr>
-          <p:cNvPr id="5" name="Image 4"/>
-          <p:cNvPicPr>
-            <a:picLocks noChangeAspect="1"/>
-          </p:cNvPicPr>
+          <p:cNvPr id="6" name="Image 5" descr="Css - Icônes marques et logotypes gratuites"/>
+          <p:cNvPicPr/>
           <p:nvPr/>
         </p:nvPicPr>
         <p:blipFill>
-          <a:blip r:embed="rId3"/>
+          <a:blip r:embed="rId3" cstate="print">
+            <a:extLst>
+              <a:ext uri="{28A0092B-C50C-407E-A947-70E740481C1C}">
+                <a14:useLocalDpi xmlns:a14="http://schemas.microsoft.com/office/drawing/2010/main" val="0"/>
+              </a:ext>
+            </a:extLst>
+          </a:blip>
+          <a:srcRect/>
           <a:stretch>
             <a:fillRect/>
           </a:stretch>
         </p:blipFill>
-        <p:spPr>
-          <a:xfrm>
-            <a:off x="1035050" y="1308894"/>
-            <a:ext cx="2705100" cy="5429250"/>
-          </a:xfrm>
-          <a:prstGeom prst="rect">
-            <a:avLst/>
-          </a:prstGeom>
-        </p:spPr>
-      </p:pic>
-      <p:sp>
-        <p:nvSpPr>
-          <p:cNvPr id="7" name="ZoneTexte 6"/>
-          <p:cNvSpPr txBox="1"/>
-          <p:nvPr/>
-        </p:nvSpPr>
-        <p:spPr>
-          <a:xfrm>
-            <a:off x="5653693" y="766296"/>
-            <a:ext cx="902683" cy="523220"/>
+        <p:spPr bwMode="auto">
+          <a:xfrm>
+            <a:off x="2124165" y="1497503"/>
+            <a:ext cx="999479" cy="1058811"/>
           </a:xfrm>
           <a:prstGeom prst="rect">
             <a:avLst/>
           </a:prstGeom>
           <a:noFill/>
-        </p:spPr>
-        <p:txBody>
-          <a:bodyPr wrap="none" rtlCol="0">
-            <a:spAutoFit/>
-          </a:bodyPr>
-          <a:lstStyle/>
-          <a:p>
-            <a:r>
-              <a:rPr lang="fr-FR" sz="2800" dirty="0" err="1" smtClean="0"/>
-              <a:t>View</a:t>
-            </a:r>
-            <a:endParaRPr lang="fr-FR" dirty="0"/>
-          </a:p>
-        </p:txBody>
-      </p:sp>
+          <a:ln>
+            <a:noFill/>
+          </a:ln>
+        </p:spPr>
+      </p:pic>
+      <p:pic>
+        <p:nvPicPr>
+          <p:cNvPr id="7" name="Image 6" descr="Logo."/>
+          <p:cNvPicPr/>
+          <p:nvPr/>
+        </p:nvPicPr>
+        <p:blipFill>
+          <a:blip r:embed="rId4" cstate="print">
+            <a:extLst>
+              <a:ext uri="{28A0092B-C50C-407E-A947-70E740481C1C}">
+                <a14:useLocalDpi xmlns:a14="http://schemas.microsoft.com/office/drawing/2010/main" val="0"/>
+              </a:ext>
+            </a:extLst>
+          </a:blip>
+          <a:srcRect/>
+          <a:stretch>
+            <a:fillRect/>
+          </a:stretch>
+        </p:blipFill>
+        <p:spPr bwMode="auto">
+          <a:xfrm>
+            <a:off x="3407291" y="1497502"/>
+            <a:ext cx="1002317" cy="1058811"/>
+          </a:xfrm>
+          <a:prstGeom prst="rect">
+            <a:avLst/>
+          </a:prstGeom>
+          <a:noFill/>
+          <a:ln>
+            <a:noFill/>
+          </a:ln>
+        </p:spPr>
+      </p:pic>
+      <p:pic>
+        <p:nvPicPr>
+          <p:cNvPr id="8" name="Image 7" descr="PHP — Wikipédia"/>
+          <p:cNvPicPr/>
+          <p:nvPr/>
+        </p:nvPicPr>
+        <p:blipFill>
+          <a:blip r:embed="rId5" cstate="print">
+            <a:extLst>
+              <a:ext uri="{28A0092B-C50C-407E-A947-70E740481C1C}">
+                <a14:useLocalDpi xmlns:a14="http://schemas.microsoft.com/office/drawing/2010/main" val="0"/>
+              </a:ext>
+            </a:extLst>
+          </a:blip>
+          <a:srcRect/>
+          <a:stretch>
+            <a:fillRect/>
+          </a:stretch>
+        </p:blipFill>
+        <p:spPr bwMode="auto">
+          <a:xfrm>
+            <a:off x="4818704" y="1497502"/>
+            <a:ext cx="1702236" cy="972045"/>
+          </a:xfrm>
+          <a:prstGeom prst="rect">
+            <a:avLst/>
+          </a:prstGeom>
+          <a:noFill/>
+          <a:ln>
+            <a:noFill/>
+          </a:ln>
+        </p:spPr>
+      </p:pic>
+      <p:pic>
+        <p:nvPicPr>
+          <p:cNvPr id="9" name="Image 8" descr="Description de l'image MySQL.svg."/>
+          <p:cNvPicPr/>
+          <p:nvPr/>
+        </p:nvPicPr>
+        <p:blipFill>
+          <a:blip r:embed="rId6" cstate="print">
+            <a:extLst>
+              <a:ext uri="{28A0092B-C50C-407E-A947-70E740481C1C}">
+                <a14:useLocalDpi xmlns:a14="http://schemas.microsoft.com/office/drawing/2010/main" val="0"/>
+              </a:ext>
+            </a:extLst>
+          </a:blip>
+          <a:srcRect/>
+          <a:stretch>
+            <a:fillRect/>
+          </a:stretch>
+        </p:blipFill>
+        <p:spPr bwMode="auto">
+          <a:xfrm>
+            <a:off x="6978699" y="1497502"/>
+            <a:ext cx="1724787" cy="972045"/>
+          </a:xfrm>
+          <a:prstGeom prst="rect">
+            <a:avLst/>
+          </a:prstGeom>
+          <a:noFill/>
+          <a:ln>
+            <a:noFill/>
+          </a:ln>
+        </p:spPr>
+      </p:pic>
+      <p:pic>
+        <p:nvPicPr>
+          <p:cNvPr id="10" name="Image 9" descr="Visual Studio Code — Wikipédia"/>
+          <p:cNvPicPr/>
+          <p:nvPr/>
+        </p:nvPicPr>
+        <p:blipFill>
+          <a:blip r:embed="rId7" cstate="print">
+            <a:extLst>
+              <a:ext uri="{28A0092B-C50C-407E-A947-70E740481C1C}">
+                <a14:useLocalDpi xmlns:a14="http://schemas.microsoft.com/office/drawing/2010/main" val="0"/>
+              </a:ext>
+            </a:extLst>
+          </a:blip>
+          <a:srcRect/>
+          <a:stretch>
+            <a:fillRect/>
+          </a:stretch>
+        </p:blipFill>
+        <p:spPr bwMode="auto">
+          <a:xfrm>
+            <a:off x="838200" y="2894017"/>
+            <a:ext cx="936123" cy="894434"/>
+          </a:xfrm>
+          <a:prstGeom prst="rect">
+            <a:avLst/>
+          </a:prstGeom>
+          <a:noFill/>
+          <a:ln>
+            <a:noFill/>
+          </a:ln>
+        </p:spPr>
+      </p:pic>
+      <p:pic>
+        <p:nvPicPr>
+          <p:cNvPr id="11" name="Image 10" descr="https://upload.wikimedia.org/wikipedia/commons/thumb/9/91/Octicons-mark-github.svg/1024px-Octicons-mark-github.svg.png"/>
+          <p:cNvPicPr/>
+          <p:nvPr/>
+        </p:nvPicPr>
+        <p:blipFill>
+          <a:blip r:embed="rId8" cstate="print">
+            <a:extLst>
+              <a:ext uri="{28A0092B-C50C-407E-A947-70E740481C1C}">
+                <a14:useLocalDpi xmlns:a14="http://schemas.microsoft.com/office/drawing/2010/main" val="0"/>
+              </a:ext>
+            </a:extLst>
+          </a:blip>
+          <a:srcRect/>
+          <a:stretch>
+            <a:fillRect/>
+          </a:stretch>
+        </p:blipFill>
+        <p:spPr bwMode="auto">
+          <a:xfrm>
+            <a:off x="2124165" y="2894017"/>
+            <a:ext cx="892688" cy="894434"/>
+          </a:xfrm>
+          <a:prstGeom prst="rect">
+            <a:avLst/>
+          </a:prstGeom>
+          <a:noFill/>
+          <a:ln>
+            <a:noFill/>
+          </a:ln>
+        </p:spPr>
+      </p:pic>
+      <p:pic>
+        <p:nvPicPr>
+          <p:cNvPr id="12" name="Image 11" descr="Télécharger MySQL Workbench (gratuit) - Clubic"/>
+          <p:cNvPicPr/>
+          <p:nvPr/>
+        </p:nvPicPr>
+        <p:blipFill>
+          <a:blip r:embed="rId9" cstate="print">
+            <a:extLst>
+              <a:ext uri="{28A0092B-C50C-407E-A947-70E740481C1C}">
+                <a14:useLocalDpi xmlns:a14="http://schemas.microsoft.com/office/drawing/2010/main" val="0"/>
+              </a:ext>
+            </a:extLst>
+          </a:blip>
+          <a:srcRect/>
+          <a:stretch>
+            <a:fillRect/>
+          </a:stretch>
+        </p:blipFill>
+        <p:spPr bwMode="auto">
+          <a:xfrm>
+            <a:off x="3366695" y="2894017"/>
+            <a:ext cx="991723" cy="983840"/>
+          </a:xfrm>
+          <a:prstGeom prst="rect">
+            <a:avLst/>
+          </a:prstGeom>
+          <a:noFill/>
+          <a:ln>
+            <a:noFill/>
+          </a:ln>
+        </p:spPr>
+      </p:pic>
+      <p:pic>
+        <p:nvPicPr>
+          <p:cNvPr id="13" name="Image 12" descr="WampServer — Wikipédia"/>
+          <p:cNvPicPr/>
+          <p:nvPr/>
+        </p:nvPicPr>
+        <p:blipFill>
+          <a:blip r:embed="rId10" cstate="print">
+            <a:extLst>
+              <a:ext uri="{28A0092B-C50C-407E-A947-70E740481C1C}">
+                <a14:useLocalDpi xmlns:a14="http://schemas.microsoft.com/office/drawing/2010/main" val="0"/>
+              </a:ext>
+            </a:extLst>
+          </a:blip>
+          <a:srcRect/>
+          <a:stretch>
+            <a:fillRect/>
+          </a:stretch>
+        </p:blipFill>
+        <p:spPr bwMode="auto">
+          <a:xfrm>
+            <a:off x="4708260" y="2894017"/>
+            <a:ext cx="1011746" cy="983840"/>
+          </a:xfrm>
+          <a:prstGeom prst="rect">
+            <a:avLst/>
+          </a:prstGeom>
+          <a:noFill/>
+          <a:ln>
+            <a:noFill/>
+          </a:ln>
+        </p:spPr>
+      </p:pic>
     </p:spTree>
     <p:extLst>
       <p:ext uri="{BB962C8B-B14F-4D97-AF65-F5344CB8AC3E}">
-        <p14:creationId xmlns:p14="http://schemas.microsoft.com/office/powerpoint/2010/main" val="3199918637"/>
+        <p14:creationId xmlns:p14="http://schemas.microsoft.com/office/powerpoint/2010/main" val="3603710837"/>
       </p:ext>
     </p:extLst>
   </p:cSld>
@@ -5643,13 +5638,6 @@
       </p:transition>
     </mc:Fallback>
   </mc:AlternateContent>
-  <p:timing>
-    <p:tnLst>
-      <p:par>
-        <p:cTn id="1" dur="indefinite" restart="never" nodeType="tmRoot"/>
-      </p:par>
-    </p:tnLst>
-  </p:timing>
 </p:sld>
 </file>
 
@@ -5737,11 +5725,7 @@
           <a:p>
             <a:r>
               <a:rPr lang="fr-FR" dirty="0" smtClean="0"/>
-              <a:t>Présentation </a:t>
-            </a:r>
-            <a:r>
-              <a:rPr lang="fr-FR" dirty="0" smtClean="0"/>
-              <a:t>de l’entreprise</a:t>
+              <a:t>Présentation de l’entreprise</a:t>
             </a:r>
           </a:p>
           <a:p>
@@ -5757,7 +5741,6 @@
               <a:rPr lang="fr-FR" dirty="0" smtClean="0"/>
               <a:t>besoin</a:t>
             </a:r>
-            <a:endParaRPr lang="fr-FR" dirty="0" smtClean="0"/>
           </a:p>
           <a:p>
             <a:r>
@@ -5931,64 +5914,10 @@
           </a:p>
         </p:txBody>
       </p:sp>
-      <p:sp>
-        <p:nvSpPr>
-          <p:cNvPr id="6" name="ZoneTexte 5"/>
-          <p:cNvSpPr txBox="1"/>
-          <p:nvPr/>
-        </p:nvSpPr>
-        <p:spPr>
-          <a:xfrm>
-            <a:off x="355600" y="2921000"/>
-            <a:ext cx="2292102" cy="646331"/>
-          </a:xfrm>
-          <a:prstGeom prst="rect">
-            <a:avLst/>
-          </a:prstGeom>
-          <a:noFill/>
-        </p:spPr>
-        <p:txBody>
-          <a:bodyPr wrap="none" rtlCol="0">
-            <a:spAutoFit/>
-          </a:bodyPr>
-          <a:lstStyle/>
-          <a:p>
-            <a:r>
-              <a:rPr lang="fr-FR" sz="3600" dirty="0" smtClean="0"/>
-              <a:t>Controller :</a:t>
-            </a:r>
-            <a:endParaRPr lang="fr-FR" dirty="0"/>
-          </a:p>
-        </p:txBody>
-      </p:sp>
-      <p:pic>
-        <p:nvPicPr>
-          <p:cNvPr id="7" name="Image 6"/>
-          <p:cNvPicPr>
-            <a:picLocks noChangeAspect="1"/>
-          </p:cNvPicPr>
-          <p:nvPr/>
-        </p:nvPicPr>
-        <p:blipFill>
-          <a:blip r:embed="rId2"/>
-          <a:stretch>
-            <a:fillRect/>
-          </a:stretch>
-        </p:blipFill>
-        <p:spPr>
-          <a:xfrm>
-            <a:off x="3863974" y="416170"/>
-            <a:ext cx="6334125" cy="5649668"/>
-          </a:xfrm>
-          <a:prstGeom prst="rect">
-            <a:avLst/>
-          </a:prstGeom>
-        </p:spPr>
-      </p:pic>
     </p:spTree>
     <p:extLst>
       <p:ext uri="{BB962C8B-B14F-4D97-AF65-F5344CB8AC3E}">
-        <p14:creationId xmlns:p14="http://schemas.microsoft.com/office/powerpoint/2010/main" val="1211003087"/>
+        <p14:creationId xmlns:p14="http://schemas.microsoft.com/office/powerpoint/2010/main" val="3248359539"/>
       </p:ext>
     </p:extLst>
   </p:cSld>
@@ -6061,9 +5990,231 @@
           <a:chExt cx="0" cy="0"/>
         </a:xfrm>
       </p:grpSpPr>
+      <p:sp>
+        <p:nvSpPr>
+          <p:cNvPr id="2" name="Titre 1"/>
+          <p:cNvSpPr>
+            <a:spLocks noGrp="1"/>
+          </p:cNvSpPr>
+          <p:nvPr>
+            <p:ph type="title"/>
+          </p:nvPr>
+        </p:nvSpPr>
+        <p:spPr/>
+        <p:txBody>
+          <a:bodyPr/>
+          <a:lstStyle/>
+          <a:p>
+            <a:r>
+              <a:rPr lang="fr-FR" dirty="0" smtClean="0"/>
+              <a:t>Les fonctionnalités</a:t>
+            </a:r>
+            <a:endParaRPr lang="fr-FR" dirty="0"/>
+          </a:p>
+        </p:txBody>
+      </p:sp>
+      <p:sp>
+        <p:nvSpPr>
+          <p:cNvPr id="3" name="Espace réservé du contenu 2"/>
+          <p:cNvSpPr>
+            <a:spLocks noGrp="1"/>
+          </p:cNvSpPr>
+          <p:nvPr>
+            <p:ph idx="1"/>
+          </p:nvPr>
+        </p:nvSpPr>
+        <p:spPr/>
+        <p:txBody>
+          <a:bodyPr/>
+          <a:lstStyle/>
+          <a:p>
+            <a:r>
+              <a:rPr lang="fr-FR" dirty="0" smtClean="0"/>
+              <a:t>Utilitaires</a:t>
+            </a:r>
+          </a:p>
+          <a:p>
+            <a:r>
+              <a:rPr lang="fr-FR" dirty="0" smtClean="0"/>
+              <a:t>Création de compte</a:t>
+            </a:r>
+          </a:p>
+          <a:p>
+            <a:r>
+              <a:rPr lang="fr-FR" dirty="0" smtClean="0"/>
+              <a:t>Connexion</a:t>
+            </a:r>
+          </a:p>
+          <a:p>
+            <a:r>
+              <a:rPr lang="fr-FR" dirty="0" smtClean="0"/>
+              <a:t>Déconnexion</a:t>
+            </a:r>
+          </a:p>
+          <a:p>
+            <a:r>
+              <a:rPr lang="fr-FR" dirty="0" smtClean="0"/>
+              <a:t>Modification</a:t>
+            </a:r>
+          </a:p>
+          <a:p>
+            <a:r>
+              <a:rPr lang="fr-FR" dirty="0" smtClean="0"/>
+              <a:t>Suppression</a:t>
+            </a:r>
+            <a:endParaRPr lang="fr-FR" dirty="0"/>
+          </a:p>
+        </p:txBody>
+      </p:sp>
+      <p:sp>
+        <p:nvSpPr>
+          <p:cNvPr id="4" name="Espace réservé du numéro de diapositive 3"/>
+          <p:cNvSpPr>
+            <a:spLocks noGrp="1"/>
+          </p:cNvSpPr>
+          <p:nvPr>
+            <p:ph type="sldNum" sz="quarter" idx="12"/>
+          </p:nvPr>
+        </p:nvSpPr>
+        <p:spPr/>
+        <p:txBody>
+          <a:bodyPr/>
+          <a:lstStyle/>
+          <a:p>
+            <a:fld id="{C71BCE76-17DE-481D-8B88-0224F5084139}" type="slidenum">
+              <a:rPr lang="fr-FR" smtClean="0"/>
+              <a:t>21</a:t>
+            </a:fld>
+            <a:endParaRPr lang="fr-FR"/>
+          </a:p>
+        </p:txBody>
+      </p:sp>
+    </p:spTree>
+    <p:extLst>
+      <p:ext uri="{BB962C8B-B14F-4D97-AF65-F5344CB8AC3E}">
+        <p14:creationId xmlns:p14="http://schemas.microsoft.com/office/powerpoint/2010/main" val="3480281645"/>
+      </p:ext>
+    </p:extLst>
+  </p:cSld>
+  <p:clrMapOvr>
+    <a:masterClrMapping/>
+  </p:clrMapOvr>
+  <mc:AlternateContent xmlns:mc="http://schemas.openxmlformats.org/markup-compatibility/2006" xmlns:p14="http://schemas.microsoft.com/office/powerpoint/2010/main">
+    <mc:Choice Requires="p14">
+      <p:transition spd="med" p14:dur="700">
+        <p:fade/>
+      </p:transition>
+    </mc:Choice>
+    <mc:Fallback xmlns="">
+      <p:transition spd="med">
+        <p:fade/>
+      </p:transition>
+    </mc:Fallback>
+  </mc:AlternateContent>
+</p:sld>
+</file>
+
+<file path=ppt/slides/slide22.xml><?xml version="1.0" encoding="utf-8"?>
+<p:sld xmlns:a="http://schemas.openxmlformats.org/drawingml/2006/main" xmlns:r="http://schemas.openxmlformats.org/officeDocument/2006/relationships" xmlns:p="http://schemas.openxmlformats.org/presentationml/2006/main">
+  <p:cSld>
+    <p:bg>
+      <p:bgPr>
+        <a:gradFill>
+          <a:gsLst>
+            <a:gs pos="0">
+              <a:schemeClr val="accent1">
+                <a:lumMod val="5000"/>
+                <a:lumOff val="95000"/>
+              </a:schemeClr>
+            </a:gs>
+            <a:gs pos="100000">
+              <a:schemeClr val="accent4">
+                <a:lumMod val="75000"/>
+              </a:schemeClr>
+            </a:gs>
+            <a:gs pos="30000">
+              <a:schemeClr val="accent4"/>
+            </a:gs>
+            <a:gs pos="100000">
+              <a:schemeClr val="bg1"/>
+            </a:gs>
+          </a:gsLst>
+          <a:lin ang="5400000" scaled="1"/>
+        </a:gradFill>
+        <a:effectLst/>
+      </p:bgPr>
+    </p:bg>
+    <p:spTree>
+      <p:nvGrpSpPr>
+        <p:cNvPr id="1" name=""/>
+        <p:cNvGrpSpPr/>
+        <p:nvPr/>
+      </p:nvGrpSpPr>
+      <p:grpSpPr>
+        <a:xfrm>
+          <a:off x="0" y="0"/>
+          <a:ext cx="0" cy="0"/>
+          <a:chOff x="0" y="0"/>
+          <a:chExt cx="0" cy="0"/>
+        </a:xfrm>
+      </p:grpSpPr>
+      <p:sp>
+        <p:nvSpPr>
+          <p:cNvPr id="2" name="Titre 1"/>
+          <p:cNvSpPr>
+            <a:spLocks noGrp="1"/>
+          </p:cNvSpPr>
+          <p:nvPr>
+            <p:ph type="title"/>
+          </p:nvPr>
+        </p:nvSpPr>
+        <p:spPr/>
+        <p:txBody>
+          <a:bodyPr/>
+          <a:lstStyle/>
+          <a:p>
+            <a:r>
+              <a:rPr lang="fr-FR" dirty="0" smtClean="0"/>
+              <a:t>Les utilitaires</a:t>
+            </a:r>
+            <a:endParaRPr lang="fr-FR" dirty="0"/>
+          </a:p>
+        </p:txBody>
+      </p:sp>
+      <p:sp>
+        <p:nvSpPr>
+          <p:cNvPr id="4" name="Espace réservé du numéro de diapositive 3"/>
+          <p:cNvSpPr>
+            <a:spLocks noGrp="1"/>
+          </p:cNvSpPr>
+          <p:nvPr>
+            <p:ph type="sldNum" sz="quarter" idx="12"/>
+          </p:nvPr>
+        </p:nvSpPr>
+        <p:spPr/>
+        <p:txBody>
+          <a:bodyPr/>
+          <a:lstStyle/>
+          <a:p>
+            <a:fld id="{C71BCE76-17DE-481D-8B88-0224F5084139}" type="slidenum">
+              <a:rPr lang="fr-FR" smtClean="0">
+                <a:solidFill>
+                  <a:schemeClr val="tx1"/>
+                </a:solidFill>
+              </a:rPr>
+              <a:t>22</a:t>
+            </a:fld>
+            <a:endParaRPr lang="fr-FR" dirty="0">
+              <a:solidFill>
+                <a:schemeClr val="tx1"/>
+              </a:solidFill>
+            </a:endParaRPr>
+          </a:p>
+        </p:txBody>
+      </p:sp>
       <p:pic>
         <p:nvPicPr>
-          <p:cNvPr id="2" name="Image 1"/>
+          <p:cNvPr id="5" name="Image 4"/>
           <p:cNvPicPr>
             <a:picLocks noChangeAspect="1"/>
           </p:cNvPicPr>
@@ -6077,78 +6228,17 @@
         </p:blipFill>
         <p:spPr>
           <a:xfrm>
-            <a:off x="7785100" y="46624"/>
-            <a:ext cx="4191000" cy="6811376"/>
+            <a:off x="187325" y="3444220"/>
+            <a:ext cx="5133975" cy="1805921"/>
           </a:xfrm>
           <a:prstGeom prst="rect">
             <a:avLst/>
           </a:prstGeom>
         </p:spPr>
       </p:pic>
-      <p:sp>
-        <p:nvSpPr>
-          <p:cNvPr id="4" name="Espace réservé du numéro de diapositive 3"/>
-          <p:cNvSpPr>
-            <a:spLocks noGrp="1"/>
-          </p:cNvSpPr>
-          <p:nvPr>
-            <p:ph type="sldNum" sz="quarter" idx="12"/>
-          </p:nvPr>
-        </p:nvSpPr>
-        <p:spPr/>
-        <p:txBody>
-          <a:bodyPr/>
-          <a:lstStyle/>
-          <a:p>
-            <a:fld id="{C71BCE76-17DE-481D-8B88-0224F5084139}" type="slidenum">
-              <a:rPr lang="fr-FR" smtClean="0">
-                <a:solidFill>
-                  <a:schemeClr val="bg1"/>
-                </a:solidFill>
-              </a:rPr>
-              <a:t>21</a:t>
-            </a:fld>
-            <a:endParaRPr lang="fr-FR" dirty="0">
-              <a:solidFill>
-                <a:schemeClr val="bg1"/>
-              </a:solidFill>
-            </a:endParaRPr>
-          </a:p>
-        </p:txBody>
-      </p:sp>
-      <p:sp>
-        <p:nvSpPr>
-          <p:cNvPr id="6" name="ZoneTexte 5"/>
-          <p:cNvSpPr txBox="1"/>
-          <p:nvPr/>
-        </p:nvSpPr>
-        <p:spPr>
-          <a:xfrm>
-            <a:off x="2717800" y="723900"/>
-            <a:ext cx="2292102" cy="646331"/>
-          </a:xfrm>
-          <a:prstGeom prst="rect">
-            <a:avLst/>
-          </a:prstGeom>
-          <a:noFill/>
-        </p:spPr>
-        <p:txBody>
-          <a:bodyPr wrap="none" rtlCol="0">
-            <a:spAutoFit/>
-          </a:bodyPr>
-          <a:lstStyle/>
-          <a:p>
-            <a:r>
-              <a:rPr lang="fr-FR" sz="3600" dirty="0" smtClean="0"/>
-              <a:t>Controller :</a:t>
-            </a:r>
-            <a:endParaRPr lang="fr-FR" dirty="0"/>
-          </a:p>
-        </p:txBody>
-      </p:sp>
       <p:pic>
         <p:nvPicPr>
-          <p:cNvPr id="7" name="Image 6"/>
+          <p:cNvPr id="6" name="Image 5"/>
           <p:cNvPicPr>
             <a:picLocks noChangeAspect="1"/>
           </p:cNvPicPr>
@@ -6162,18 +6252,78 @@
         </p:blipFill>
         <p:spPr>
           <a:xfrm>
-            <a:off x="436562" y="1880687"/>
-            <a:ext cx="7153275" cy="3143250"/>
+            <a:off x="5422901" y="1218741"/>
+            <a:ext cx="6634162" cy="5195553"/>
           </a:xfrm>
           <a:prstGeom prst="rect">
             <a:avLst/>
           </a:prstGeom>
         </p:spPr>
       </p:pic>
+      <p:sp>
+        <p:nvSpPr>
+          <p:cNvPr id="7" name="ZoneTexte 6"/>
+          <p:cNvSpPr txBox="1"/>
+          <p:nvPr/>
+        </p:nvSpPr>
+        <p:spPr>
+          <a:xfrm>
+            <a:off x="1404807" y="2921000"/>
+            <a:ext cx="2699009" cy="523220"/>
+          </a:xfrm>
+          <a:prstGeom prst="rect">
+            <a:avLst/>
+          </a:prstGeom>
+          <a:noFill/>
+        </p:spPr>
+        <p:txBody>
+          <a:bodyPr wrap="none" rtlCol="0">
+            <a:spAutoFit/>
+          </a:bodyPr>
+          <a:lstStyle/>
+          <a:p>
+            <a:r>
+              <a:rPr lang="fr-FR" sz="2800" dirty="0" smtClean="0"/>
+              <a:t>Fonction sécurité</a:t>
+            </a:r>
+            <a:endParaRPr lang="fr-FR" sz="2800" dirty="0"/>
+          </a:p>
+        </p:txBody>
+      </p:sp>
+      <p:sp>
+        <p:nvSpPr>
+          <p:cNvPr id="8" name="ZoneTexte 7"/>
+          <p:cNvSpPr txBox="1"/>
+          <p:nvPr/>
+        </p:nvSpPr>
+        <p:spPr>
+          <a:xfrm>
+            <a:off x="7159260" y="766296"/>
+            <a:ext cx="3038973" cy="523220"/>
+          </a:xfrm>
+          <a:prstGeom prst="rect">
+            <a:avLst/>
+          </a:prstGeom>
+          <a:noFill/>
+        </p:spPr>
+        <p:txBody>
+          <a:bodyPr wrap="none" rtlCol="0">
+            <a:spAutoFit/>
+          </a:bodyPr>
+          <a:lstStyle/>
+          <a:p>
+            <a:r>
+              <a:rPr lang="fr-FR" sz="2800" dirty="0" smtClean="0"/>
+              <a:t>Connexion à la BDD</a:t>
+            </a:r>
+            <a:endParaRPr lang="fr-FR" sz="2800" dirty="0"/>
+          </a:p>
+        </p:txBody>
+      </p:sp>
     </p:spTree>
     <p:extLst>
       <p:ext uri="{BB962C8B-B14F-4D97-AF65-F5344CB8AC3E}">
-        <p14:creationId xmlns:p14="http://schemas.microsoft.com/office/powerpoint/2010/main" val="323307849"/>
+        <p14:creationId xmlns:p14="http://schemas.microsoft.com/office/powerpoint/2010/main" val="3132934141"/>
       </p:ext>
     </p:extLst>
   </p:cSld>
@@ -6202,7 +6352,7 @@
 </p:sld>
 </file>
 
-<file path=ppt/slides/slide22.xml><?xml version="1.0" encoding="utf-8"?>
+<file path=ppt/slides/slide23.xml><?xml version="1.0" encoding="utf-8"?>
 <p:sld xmlns:a="http://schemas.openxmlformats.org/drawingml/2006/main" xmlns:r="http://schemas.openxmlformats.org/officeDocument/2006/relationships" xmlns:p="http://schemas.openxmlformats.org/presentationml/2006/main">
   <p:cSld>
     <p:bg>
@@ -6263,48 +6413,7 @@
           <a:p>
             <a:r>
               <a:rPr lang="fr-FR" dirty="0" smtClean="0"/>
-              <a:t>À venir</a:t>
-            </a:r>
-            <a:endParaRPr lang="fr-FR" dirty="0"/>
-          </a:p>
-        </p:txBody>
-      </p:sp>
-      <p:sp>
-        <p:nvSpPr>
-          <p:cNvPr id="3" name="Espace réservé du contenu 2"/>
-          <p:cNvSpPr>
-            <a:spLocks noGrp="1"/>
-          </p:cNvSpPr>
-          <p:nvPr>
-            <p:ph idx="1"/>
-          </p:nvPr>
-        </p:nvSpPr>
-        <p:spPr/>
-        <p:txBody>
-          <a:bodyPr/>
-          <a:lstStyle/>
-          <a:p>
-            <a:r>
-              <a:rPr lang="fr-FR" dirty="0" smtClean="0"/>
-              <a:t>Création de compte utilisateur et connexion</a:t>
-            </a:r>
-          </a:p>
-          <a:p>
-            <a:r>
-              <a:rPr lang="fr-FR" dirty="0" smtClean="0"/>
-              <a:t>Affichage des jeux</a:t>
-            </a:r>
-          </a:p>
-          <a:p>
-            <a:r>
-              <a:rPr lang="fr-FR" dirty="0" smtClean="0"/>
-              <a:t>Notation et critique avec modification possible pour les utilisateurs</a:t>
-            </a:r>
-          </a:p>
-          <a:p>
-            <a:r>
-              <a:rPr lang="fr-FR" dirty="0" smtClean="0"/>
-              <a:t>Breakpoint pour interface mobile</a:t>
+              <a:t>Création de compte</a:t>
             </a:r>
             <a:endParaRPr lang="fr-FR" dirty="0"/>
           </a:p>
@@ -6331,7 +6440,7 @@
                   <a:schemeClr val="tx1"/>
                 </a:solidFill>
               </a:rPr>
-              <a:t>22</a:t>
+              <a:t>23</a:t>
             </a:fld>
             <a:endParaRPr lang="fr-FR" dirty="0">
               <a:solidFill>
@@ -6341,10 +6450,1677 @@
           </a:p>
         </p:txBody>
       </p:sp>
+      <p:pic>
+        <p:nvPicPr>
+          <p:cNvPr id="7" name="Image 6"/>
+          <p:cNvPicPr/>
+          <p:nvPr/>
+        </p:nvPicPr>
+        <p:blipFill>
+          <a:blip r:embed="rId2"/>
+          <a:stretch>
+            <a:fillRect/>
+          </a:stretch>
+        </p:blipFill>
+        <p:spPr>
+          <a:xfrm>
+            <a:off x="1087936" y="2465440"/>
+            <a:ext cx="4193036" cy="4309429"/>
+          </a:xfrm>
+          <a:prstGeom prst="rect">
+            <a:avLst/>
+          </a:prstGeom>
+        </p:spPr>
+      </p:pic>
+      <p:pic>
+        <p:nvPicPr>
+          <p:cNvPr id="9" name="Image 8"/>
+          <p:cNvPicPr/>
+          <p:nvPr/>
+        </p:nvPicPr>
+        <p:blipFill>
+          <a:blip r:embed="rId3"/>
+          <a:stretch>
+            <a:fillRect/>
+          </a:stretch>
+        </p:blipFill>
+        <p:spPr>
+          <a:xfrm>
+            <a:off x="5745742" y="915934"/>
+            <a:ext cx="6358255" cy="5533390"/>
+          </a:xfrm>
+          <a:prstGeom prst="rect">
+            <a:avLst/>
+          </a:prstGeom>
+        </p:spPr>
+      </p:pic>
+      <p:sp>
+        <p:nvSpPr>
+          <p:cNvPr id="10" name="ZoneTexte 9"/>
+          <p:cNvSpPr txBox="1"/>
+          <p:nvPr/>
+        </p:nvSpPr>
+        <p:spPr>
+          <a:xfrm>
+            <a:off x="483097" y="1511333"/>
+            <a:ext cx="5135830" cy="954107"/>
+          </a:xfrm>
+          <a:prstGeom prst="rect">
+            <a:avLst/>
+          </a:prstGeom>
+          <a:noFill/>
+        </p:spPr>
+        <p:txBody>
+          <a:bodyPr wrap="none" rtlCol="0">
+            <a:spAutoFit/>
+          </a:bodyPr>
+          <a:lstStyle/>
+          <a:p>
+            <a:r>
+              <a:rPr lang="fr-FR" sz="2800" dirty="0" smtClean="0"/>
+              <a:t>Formulaire de création de compte</a:t>
+            </a:r>
+          </a:p>
+          <a:p>
+            <a:r>
+              <a:rPr lang="fr-FR" sz="2800" dirty="0" smtClean="0"/>
+              <a:t>Présent dans la vue « header »</a:t>
+            </a:r>
+            <a:endParaRPr lang="fr-FR" sz="2800" dirty="0"/>
+          </a:p>
+        </p:txBody>
+      </p:sp>
     </p:spTree>
     <p:extLst>
       <p:ext uri="{BB962C8B-B14F-4D97-AF65-F5344CB8AC3E}">
-        <p14:creationId xmlns:p14="http://schemas.microsoft.com/office/powerpoint/2010/main" val="2333266892"/>
+        <p14:creationId xmlns:p14="http://schemas.microsoft.com/office/powerpoint/2010/main" val="1700779139"/>
+      </p:ext>
+    </p:extLst>
+  </p:cSld>
+  <p:clrMapOvr>
+    <a:masterClrMapping/>
+  </p:clrMapOvr>
+  <mc:AlternateContent xmlns:mc="http://schemas.openxmlformats.org/markup-compatibility/2006" xmlns:p14="http://schemas.microsoft.com/office/powerpoint/2010/main">
+    <mc:Choice Requires="p14">
+      <p:transition spd="med" p14:dur="700">
+        <p:fade/>
+      </p:transition>
+    </mc:Choice>
+    <mc:Fallback xmlns="">
+      <p:transition spd="med">
+        <p:fade/>
+      </p:transition>
+    </mc:Fallback>
+  </mc:AlternateContent>
+  <p:timing>
+    <p:tnLst>
+      <p:par>
+        <p:cTn id="1" dur="indefinite" restart="never" nodeType="tmRoot"/>
+      </p:par>
+    </p:tnLst>
+  </p:timing>
+</p:sld>
+</file>
+
+<file path=ppt/slides/slide24.xml><?xml version="1.0" encoding="utf-8"?>
+<p:sld xmlns:a="http://schemas.openxmlformats.org/drawingml/2006/main" xmlns:r="http://schemas.openxmlformats.org/officeDocument/2006/relationships" xmlns:p="http://schemas.openxmlformats.org/presentationml/2006/main">
+  <p:cSld>
+    <p:bg>
+      <p:bgPr>
+        <a:gradFill>
+          <a:gsLst>
+            <a:gs pos="0">
+              <a:schemeClr val="accent1">
+                <a:lumMod val="5000"/>
+                <a:lumOff val="95000"/>
+              </a:schemeClr>
+            </a:gs>
+            <a:gs pos="100000">
+              <a:schemeClr val="accent4">
+                <a:lumMod val="75000"/>
+              </a:schemeClr>
+            </a:gs>
+            <a:gs pos="30000">
+              <a:schemeClr val="accent4"/>
+            </a:gs>
+            <a:gs pos="100000">
+              <a:schemeClr val="bg1"/>
+            </a:gs>
+          </a:gsLst>
+          <a:lin ang="5400000" scaled="1"/>
+        </a:gradFill>
+        <a:effectLst/>
+      </p:bgPr>
+    </p:bg>
+    <p:spTree>
+      <p:nvGrpSpPr>
+        <p:cNvPr id="1" name=""/>
+        <p:cNvGrpSpPr/>
+        <p:nvPr/>
+      </p:nvGrpSpPr>
+      <p:grpSpPr>
+        <a:xfrm>
+          <a:off x="0" y="0"/>
+          <a:ext cx="0" cy="0"/>
+          <a:chOff x="0" y="0"/>
+          <a:chExt cx="0" cy="0"/>
+        </a:xfrm>
+      </p:grpSpPr>
+      <p:sp>
+        <p:nvSpPr>
+          <p:cNvPr id="4" name="Espace réservé du numéro de diapositive 3"/>
+          <p:cNvSpPr>
+            <a:spLocks noGrp="1"/>
+          </p:cNvSpPr>
+          <p:nvPr>
+            <p:ph type="sldNum" sz="quarter" idx="12"/>
+          </p:nvPr>
+        </p:nvSpPr>
+        <p:spPr/>
+        <p:txBody>
+          <a:bodyPr/>
+          <a:lstStyle/>
+          <a:p>
+            <a:fld id="{C71BCE76-17DE-481D-8B88-0224F5084139}" type="slidenum">
+              <a:rPr lang="fr-FR" smtClean="0"/>
+              <a:t>24</a:t>
+            </a:fld>
+            <a:endParaRPr lang="fr-FR"/>
+          </a:p>
+        </p:txBody>
+      </p:sp>
+      <p:sp>
+        <p:nvSpPr>
+          <p:cNvPr id="5" name="ZoneTexte 4"/>
+          <p:cNvSpPr txBox="1"/>
+          <p:nvPr/>
+        </p:nvSpPr>
+        <p:spPr>
+          <a:xfrm>
+            <a:off x="336254" y="1520641"/>
+            <a:ext cx="4789721" cy="1200329"/>
+          </a:xfrm>
+          <a:prstGeom prst="rect">
+            <a:avLst/>
+          </a:prstGeom>
+          <a:noFill/>
+        </p:spPr>
+        <p:txBody>
+          <a:bodyPr wrap="square" rtlCol="0">
+            <a:spAutoFit/>
+          </a:bodyPr>
+          <a:lstStyle/>
+          <a:p>
+            <a:r>
+              <a:rPr lang="fr-FR" sz="2400" dirty="0" smtClean="0"/>
+              <a:t>Vérification de la présence des champs et application des fonctions de sécurité</a:t>
+            </a:r>
+            <a:endParaRPr lang="fr-FR" sz="2400" dirty="0"/>
+          </a:p>
+        </p:txBody>
+      </p:sp>
+      <p:pic>
+        <p:nvPicPr>
+          <p:cNvPr id="6" name="Image 5"/>
+          <p:cNvPicPr/>
+          <p:nvPr/>
+        </p:nvPicPr>
+        <p:blipFill>
+          <a:blip r:embed="rId2"/>
+          <a:stretch>
+            <a:fillRect/>
+          </a:stretch>
+        </p:blipFill>
+        <p:spPr>
+          <a:xfrm>
+            <a:off x="5187864" y="959074"/>
+            <a:ext cx="6528435" cy="2323465"/>
+          </a:xfrm>
+          <a:prstGeom prst="rect">
+            <a:avLst/>
+          </a:prstGeom>
+        </p:spPr>
+      </p:pic>
+      <p:pic>
+        <p:nvPicPr>
+          <p:cNvPr id="7" name="Image 6"/>
+          <p:cNvPicPr/>
+          <p:nvPr/>
+        </p:nvPicPr>
+        <p:blipFill>
+          <a:blip r:embed="rId3"/>
+          <a:stretch>
+            <a:fillRect/>
+          </a:stretch>
+        </p:blipFill>
+        <p:spPr>
+          <a:xfrm>
+            <a:off x="5187864" y="3444495"/>
+            <a:ext cx="5404492" cy="618142"/>
+          </a:xfrm>
+          <a:prstGeom prst="rect">
+            <a:avLst/>
+          </a:prstGeom>
+        </p:spPr>
+      </p:pic>
+      <p:pic>
+        <p:nvPicPr>
+          <p:cNvPr id="8" name="Image 7"/>
+          <p:cNvPicPr/>
+          <p:nvPr/>
+        </p:nvPicPr>
+        <p:blipFill>
+          <a:blip r:embed="rId4"/>
+          <a:stretch>
+            <a:fillRect/>
+          </a:stretch>
+        </p:blipFill>
+        <p:spPr>
+          <a:xfrm>
+            <a:off x="5187864" y="4224593"/>
+            <a:ext cx="6188710" cy="621030"/>
+          </a:xfrm>
+          <a:prstGeom prst="rect">
+            <a:avLst/>
+          </a:prstGeom>
+        </p:spPr>
+      </p:pic>
+      <p:pic>
+        <p:nvPicPr>
+          <p:cNvPr id="9" name="Image 8"/>
+          <p:cNvPicPr/>
+          <p:nvPr/>
+        </p:nvPicPr>
+        <p:blipFill>
+          <a:blip r:embed="rId5"/>
+          <a:stretch>
+            <a:fillRect/>
+          </a:stretch>
+        </p:blipFill>
+        <p:spPr>
+          <a:xfrm>
+            <a:off x="5187864" y="5119656"/>
+            <a:ext cx="6188710" cy="962660"/>
+          </a:xfrm>
+          <a:prstGeom prst="rect">
+            <a:avLst/>
+          </a:prstGeom>
+        </p:spPr>
+      </p:pic>
+      <p:sp>
+        <p:nvSpPr>
+          <p:cNvPr id="11" name="ZoneTexte 10"/>
+          <p:cNvSpPr txBox="1"/>
+          <p:nvPr/>
+        </p:nvSpPr>
+        <p:spPr>
+          <a:xfrm>
+            <a:off x="336254" y="3338067"/>
+            <a:ext cx="4789721" cy="830997"/>
+          </a:xfrm>
+          <a:prstGeom prst="rect">
+            <a:avLst/>
+          </a:prstGeom>
+          <a:noFill/>
+        </p:spPr>
+        <p:txBody>
+          <a:bodyPr wrap="square" rtlCol="0">
+            <a:spAutoFit/>
+          </a:bodyPr>
+          <a:lstStyle/>
+          <a:p>
+            <a:r>
+              <a:rPr lang="fr-FR" sz="2400" dirty="0" smtClean="0"/>
+              <a:t>Vérification de la correspondance des mots de passe</a:t>
+            </a:r>
+            <a:endParaRPr lang="fr-FR" sz="2400" dirty="0"/>
+          </a:p>
+        </p:txBody>
+      </p:sp>
+      <p:sp>
+        <p:nvSpPr>
+          <p:cNvPr id="12" name="ZoneTexte 11"/>
+          <p:cNvSpPr txBox="1"/>
+          <p:nvPr/>
+        </p:nvSpPr>
+        <p:spPr>
+          <a:xfrm>
+            <a:off x="336254" y="4304275"/>
+            <a:ext cx="4789721" cy="461665"/>
+          </a:xfrm>
+          <a:prstGeom prst="rect">
+            <a:avLst/>
+          </a:prstGeom>
+          <a:noFill/>
+        </p:spPr>
+        <p:txBody>
+          <a:bodyPr wrap="square" rtlCol="0">
+            <a:spAutoFit/>
+          </a:bodyPr>
+          <a:lstStyle/>
+          <a:p>
+            <a:r>
+              <a:rPr lang="fr-FR" sz="2400" dirty="0" smtClean="0"/>
+              <a:t>Vérification du format de l’email</a:t>
+            </a:r>
+            <a:endParaRPr lang="fr-FR" sz="2400" dirty="0"/>
+          </a:p>
+        </p:txBody>
+      </p:sp>
+      <p:sp>
+        <p:nvSpPr>
+          <p:cNvPr id="13" name="ZoneTexte 12"/>
+          <p:cNvSpPr txBox="1"/>
+          <p:nvPr/>
+        </p:nvSpPr>
+        <p:spPr>
+          <a:xfrm>
+            <a:off x="336253" y="5185487"/>
+            <a:ext cx="4789721" cy="830997"/>
+          </a:xfrm>
+          <a:prstGeom prst="rect">
+            <a:avLst/>
+          </a:prstGeom>
+          <a:noFill/>
+        </p:spPr>
+        <p:txBody>
+          <a:bodyPr wrap="square" rtlCol="0">
+            <a:spAutoFit/>
+          </a:bodyPr>
+          <a:lstStyle/>
+          <a:p>
+            <a:r>
+              <a:rPr lang="fr-FR" sz="2400" dirty="0" smtClean="0"/>
+              <a:t>Affectation des valeurs aux attributs de la classe et hash du mot de passe</a:t>
+            </a:r>
+            <a:endParaRPr lang="fr-FR" sz="2400" dirty="0"/>
+          </a:p>
+        </p:txBody>
+      </p:sp>
+      <p:sp>
+        <p:nvSpPr>
+          <p:cNvPr id="14" name="ZoneTexte 13"/>
+          <p:cNvSpPr txBox="1"/>
+          <p:nvPr/>
+        </p:nvSpPr>
+        <p:spPr>
+          <a:xfrm>
+            <a:off x="163198" y="207986"/>
+            <a:ext cx="11494942" cy="523220"/>
+          </a:xfrm>
+          <a:prstGeom prst="rect">
+            <a:avLst/>
+          </a:prstGeom>
+          <a:noFill/>
+        </p:spPr>
+        <p:txBody>
+          <a:bodyPr wrap="none" rtlCol="0">
+            <a:spAutoFit/>
+          </a:bodyPr>
+          <a:lstStyle/>
+          <a:p>
+            <a:r>
+              <a:rPr lang="fr-FR" sz="2800" dirty="0" smtClean="0"/>
+              <a:t>Les actions suivantes se passent dans le contrôleur « </a:t>
+            </a:r>
+            <a:r>
+              <a:rPr lang="fr-FR" sz="2800" dirty="0" err="1" smtClean="0"/>
+              <a:t>create_user_controller</a:t>
+            </a:r>
+            <a:r>
+              <a:rPr lang="fr-FR" sz="2800" dirty="0" smtClean="0"/>
+              <a:t> »</a:t>
+            </a:r>
+            <a:endParaRPr lang="fr-FR" sz="2800" dirty="0"/>
+          </a:p>
+        </p:txBody>
+      </p:sp>
+    </p:spTree>
+    <p:extLst>
+      <p:ext uri="{BB962C8B-B14F-4D97-AF65-F5344CB8AC3E}">
+        <p14:creationId xmlns:p14="http://schemas.microsoft.com/office/powerpoint/2010/main" val="3937590149"/>
+      </p:ext>
+    </p:extLst>
+  </p:cSld>
+  <p:clrMapOvr>
+    <a:masterClrMapping/>
+  </p:clrMapOvr>
+  <mc:AlternateContent xmlns:mc="http://schemas.openxmlformats.org/markup-compatibility/2006" xmlns:p14="http://schemas.microsoft.com/office/powerpoint/2010/main">
+    <mc:Choice Requires="p14">
+      <p:transition spd="med" p14:dur="700">
+        <p:fade/>
+      </p:transition>
+    </mc:Choice>
+    <mc:Fallback xmlns="">
+      <p:transition spd="med">
+        <p:fade/>
+      </p:transition>
+    </mc:Fallback>
+  </mc:AlternateContent>
+</p:sld>
+</file>
+
+<file path=ppt/slides/slide25.xml><?xml version="1.0" encoding="utf-8"?>
+<p:sld xmlns:a="http://schemas.openxmlformats.org/drawingml/2006/main" xmlns:r="http://schemas.openxmlformats.org/officeDocument/2006/relationships" xmlns:p="http://schemas.openxmlformats.org/presentationml/2006/main">
+  <p:cSld>
+    <p:bg>
+      <p:bgPr>
+        <a:gradFill>
+          <a:gsLst>
+            <a:gs pos="0">
+              <a:schemeClr val="accent1">
+                <a:lumMod val="5000"/>
+                <a:lumOff val="95000"/>
+              </a:schemeClr>
+            </a:gs>
+            <a:gs pos="100000">
+              <a:schemeClr val="accent4">
+                <a:lumMod val="75000"/>
+              </a:schemeClr>
+            </a:gs>
+            <a:gs pos="30000">
+              <a:schemeClr val="accent4"/>
+            </a:gs>
+            <a:gs pos="100000">
+              <a:schemeClr val="bg1"/>
+            </a:gs>
+          </a:gsLst>
+          <a:lin ang="5400000" scaled="1"/>
+        </a:gradFill>
+        <a:effectLst/>
+      </p:bgPr>
+    </p:bg>
+    <p:spTree>
+      <p:nvGrpSpPr>
+        <p:cNvPr id="1" name=""/>
+        <p:cNvGrpSpPr/>
+        <p:nvPr/>
+      </p:nvGrpSpPr>
+      <p:grpSpPr>
+        <a:xfrm>
+          <a:off x="0" y="0"/>
+          <a:ext cx="0" cy="0"/>
+          <a:chOff x="0" y="0"/>
+          <a:chExt cx="0" cy="0"/>
+        </a:xfrm>
+      </p:grpSpPr>
+      <p:sp>
+        <p:nvSpPr>
+          <p:cNvPr id="4" name="Espace réservé du numéro de diapositive 3"/>
+          <p:cNvSpPr>
+            <a:spLocks noGrp="1"/>
+          </p:cNvSpPr>
+          <p:nvPr>
+            <p:ph type="sldNum" sz="quarter" idx="12"/>
+          </p:nvPr>
+        </p:nvSpPr>
+        <p:spPr/>
+        <p:txBody>
+          <a:bodyPr/>
+          <a:lstStyle/>
+          <a:p>
+            <a:fld id="{C71BCE76-17DE-481D-8B88-0224F5084139}" type="slidenum">
+              <a:rPr lang="fr-FR" smtClean="0"/>
+              <a:t>25</a:t>
+            </a:fld>
+            <a:endParaRPr lang="fr-FR"/>
+          </a:p>
+        </p:txBody>
+      </p:sp>
+      <p:sp>
+        <p:nvSpPr>
+          <p:cNvPr id="5" name="ZoneTexte 4"/>
+          <p:cNvSpPr txBox="1"/>
+          <p:nvPr/>
+        </p:nvSpPr>
+        <p:spPr>
+          <a:xfrm>
+            <a:off x="416347" y="1387380"/>
+            <a:ext cx="4789721" cy="1200329"/>
+          </a:xfrm>
+          <a:prstGeom prst="rect">
+            <a:avLst/>
+          </a:prstGeom>
+          <a:noFill/>
+        </p:spPr>
+        <p:txBody>
+          <a:bodyPr wrap="square" rtlCol="0">
+            <a:spAutoFit/>
+          </a:bodyPr>
+          <a:lstStyle/>
+          <a:p>
+            <a:r>
+              <a:rPr lang="fr-FR" sz="2400" dirty="0" smtClean="0"/>
+              <a:t>Vérification de la présence des champs pseudo et mail dans la BDD au niveau du contrôleur</a:t>
+            </a:r>
+          </a:p>
+        </p:txBody>
+      </p:sp>
+      <p:sp>
+        <p:nvSpPr>
+          <p:cNvPr id="11" name="ZoneTexte 10"/>
+          <p:cNvSpPr txBox="1"/>
+          <p:nvPr/>
+        </p:nvSpPr>
+        <p:spPr>
+          <a:xfrm>
+            <a:off x="416347" y="4123161"/>
+            <a:ext cx="5183519" cy="830997"/>
+          </a:xfrm>
+          <a:prstGeom prst="rect">
+            <a:avLst/>
+          </a:prstGeom>
+          <a:noFill/>
+        </p:spPr>
+        <p:txBody>
+          <a:bodyPr wrap="square" rtlCol="0">
+            <a:spAutoFit/>
+          </a:bodyPr>
+          <a:lstStyle/>
+          <a:p>
+            <a:r>
+              <a:rPr lang="fr-FR" sz="2400" dirty="0" smtClean="0"/>
+              <a:t>La fonction de vérification utilisée </a:t>
+            </a:r>
+            <a:r>
+              <a:rPr lang="fr-FR" sz="2400" dirty="0" smtClean="0"/>
+              <a:t>ci-dessus tirée </a:t>
+            </a:r>
+            <a:r>
+              <a:rPr lang="fr-FR" sz="2400" dirty="0" smtClean="0"/>
+              <a:t>du modèle « </a:t>
+            </a:r>
+            <a:r>
+              <a:rPr lang="fr-FR" sz="2400" dirty="0" err="1" smtClean="0"/>
+              <a:t>user_model</a:t>
+            </a:r>
+            <a:r>
+              <a:rPr lang="fr-FR" sz="2400" dirty="0" smtClean="0"/>
+              <a:t> »</a:t>
+            </a:r>
+            <a:endParaRPr lang="fr-FR" sz="2400" dirty="0"/>
+          </a:p>
+        </p:txBody>
+      </p:sp>
+      <p:pic>
+        <p:nvPicPr>
+          <p:cNvPr id="15" name="Image 14"/>
+          <p:cNvPicPr/>
+          <p:nvPr/>
+        </p:nvPicPr>
+        <p:blipFill>
+          <a:blip r:embed="rId2"/>
+          <a:stretch>
+            <a:fillRect/>
+          </a:stretch>
+        </p:blipFill>
+        <p:spPr>
+          <a:xfrm>
+            <a:off x="5447814" y="1254120"/>
+            <a:ext cx="5848350" cy="1466850"/>
+          </a:xfrm>
+          <a:prstGeom prst="rect">
+            <a:avLst/>
+          </a:prstGeom>
+        </p:spPr>
+      </p:pic>
+      <p:pic>
+        <p:nvPicPr>
+          <p:cNvPr id="16" name="Image 15"/>
+          <p:cNvPicPr/>
+          <p:nvPr/>
+        </p:nvPicPr>
+        <p:blipFill>
+          <a:blip r:embed="rId3"/>
+          <a:stretch>
+            <a:fillRect/>
+          </a:stretch>
+        </p:blipFill>
+        <p:spPr>
+          <a:xfrm>
+            <a:off x="6300301" y="3134932"/>
+            <a:ext cx="4143375" cy="2800350"/>
+          </a:xfrm>
+          <a:prstGeom prst="rect">
+            <a:avLst/>
+          </a:prstGeom>
+        </p:spPr>
+      </p:pic>
+    </p:spTree>
+    <p:extLst>
+      <p:ext uri="{BB962C8B-B14F-4D97-AF65-F5344CB8AC3E}">
+        <p14:creationId xmlns:p14="http://schemas.microsoft.com/office/powerpoint/2010/main" val="1585817587"/>
+      </p:ext>
+    </p:extLst>
+  </p:cSld>
+  <p:clrMapOvr>
+    <a:masterClrMapping/>
+  </p:clrMapOvr>
+  <mc:AlternateContent xmlns:mc="http://schemas.openxmlformats.org/markup-compatibility/2006" xmlns:p14="http://schemas.microsoft.com/office/powerpoint/2010/main">
+    <mc:Choice Requires="p14">
+      <p:transition spd="med" p14:dur="700">
+        <p:fade/>
+      </p:transition>
+    </mc:Choice>
+    <mc:Fallback xmlns="">
+      <p:transition spd="med">
+        <p:fade/>
+      </p:transition>
+    </mc:Fallback>
+  </mc:AlternateContent>
+</p:sld>
+</file>
+
+<file path=ppt/slides/slide26.xml><?xml version="1.0" encoding="utf-8"?>
+<p:sld xmlns:a="http://schemas.openxmlformats.org/drawingml/2006/main" xmlns:r="http://schemas.openxmlformats.org/officeDocument/2006/relationships" xmlns:p="http://schemas.openxmlformats.org/presentationml/2006/main">
+  <p:cSld>
+    <p:bg>
+      <p:bgPr>
+        <a:gradFill>
+          <a:gsLst>
+            <a:gs pos="0">
+              <a:schemeClr val="accent1">
+                <a:lumMod val="5000"/>
+                <a:lumOff val="95000"/>
+              </a:schemeClr>
+            </a:gs>
+            <a:gs pos="100000">
+              <a:schemeClr val="accent4">
+                <a:lumMod val="75000"/>
+              </a:schemeClr>
+            </a:gs>
+            <a:gs pos="30000">
+              <a:schemeClr val="accent4"/>
+            </a:gs>
+            <a:gs pos="100000">
+              <a:schemeClr val="bg1"/>
+            </a:gs>
+          </a:gsLst>
+          <a:lin ang="5400000" scaled="1"/>
+        </a:gradFill>
+        <a:effectLst/>
+      </p:bgPr>
+    </p:bg>
+    <p:spTree>
+      <p:nvGrpSpPr>
+        <p:cNvPr id="1" name=""/>
+        <p:cNvGrpSpPr/>
+        <p:nvPr/>
+      </p:nvGrpSpPr>
+      <p:grpSpPr>
+        <a:xfrm>
+          <a:off x="0" y="0"/>
+          <a:ext cx="0" cy="0"/>
+          <a:chOff x="0" y="0"/>
+          <a:chExt cx="0" cy="0"/>
+        </a:xfrm>
+      </p:grpSpPr>
+      <p:sp>
+        <p:nvSpPr>
+          <p:cNvPr id="4" name="Espace réservé du numéro de diapositive 3"/>
+          <p:cNvSpPr>
+            <a:spLocks noGrp="1"/>
+          </p:cNvSpPr>
+          <p:nvPr>
+            <p:ph type="sldNum" sz="quarter" idx="12"/>
+          </p:nvPr>
+        </p:nvSpPr>
+        <p:spPr/>
+        <p:txBody>
+          <a:bodyPr/>
+          <a:lstStyle/>
+          <a:p>
+            <a:fld id="{C71BCE76-17DE-481D-8B88-0224F5084139}" type="slidenum">
+              <a:rPr lang="fr-FR" smtClean="0"/>
+              <a:t>26</a:t>
+            </a:fld>
+            <a:endParaRPr lang="fr-FR"/>
+          </a:p>
+        </p:txBody>
+      </p:sp>
+      <p:sp>
+        <p:nvSpPr>
+          <p:cNvPr id="5" name="ZoneTexte 4"/>
+          <p:cNvSpPr txBox="1"/>
+          <p:nvPr/>
+        </p:nvSpPr>
+        <p:spPr>
+          <a:xfrm>
+            <a:off x="416347" y="1058766"/>
+            <a:ext cx="4789721" cy="1200329"/>
+          </a:xfrm>
+          <a:prstGeom prst="rect">
+            <a:avLst/>
+          </a:prstGeom>
+          <a:noFill/>
+        </p:spPr>
+        <p:txBody>
+          <a:bodyPr wrap="square" rtlCol="0">
+            <a:spAutoFit/>
+          </a:bodyPr>
+          <a:lstStyle/>
+          <a:p>
+            <a:r>
+              <a:rPr lang="fr-FR" sz="2400" dirty="0" smtClean="0"/>
+              <a:t>Création de l’utilisateur en BDD avec vérification de la réussite de la création dans le contrôleur</a:t>
+            </a:r>
+          </a:p>
+        </p:txBody>
+      </p:sp>
+      <p:sp>
+        <p:nvSpPr>
+          <p:cNvPr id="11" name="ZoneTexte 10"/>
+          <p:cNvSpPr txBox="1"/>
+          <p:nvPr/>
+        </p:nvSpPr>
+        <p:spPr>
+          <a:xfrm>
+            <a:off x="416347" y="4123161"/>
+            <a:ext cx="5183519" cy="830997"/>
+          </a:xfrm>
+          <a:prstGeom prst="rect">
+            <a:avLst/>
+          </a:prstGeom>
+          <a:noFill/>
+        </p:spPr>
+        <p:txBody>
+          <a:bodyPr wrap="square" rtlCol="0">
+            <a:spAutoFit/>
+          </a:bodyPr>
+          <a:lstStyle/>
+          <a:p>
+            <a:r>
+              <a:rPr lang="fr-FR" sz="2400" dirty="0" smtClean="0"/>
+              <a:t>La fonction de création utilisée </a:t>
+            </a:r>
+            <a:r>
+              <a:rPr lang="fr-FR" sz="2400" dirty="0" smtClean="0"/>
+              <a:t>ci-dessus tirée </a:t>
+            </a:r>
+            <a:r>
+              <a:rPr lang="fr-FR" sz="2400" dirty="0" smtClean="0"/>
+              <a:t>du modèle « </a:t>
+            </a:r>
+            <a:r>
+              <a:rPr lang="fr-FR" sz="2400" dirty="0" err="1" smtClean="0"/>
+              <a:t>user_model</a:t>
+            </a:r>
+            <a:r>
+              <a:rPr lang="fr-FR" sz="2400" dirty="0" smtClean="0"/>
+              <a:t> »</a:t>
+            </a:r>
+            <a:endParaRPr lang="fr-FR" sz="2400" dirty="0"/>
+          </a:p>
+        </p:txBody>
+      </p:sp>
+      <p:pic>
+        <p:nvPicPr>
+          <p:cNvPr id="7" name="Image 6"/>
+          <p:cNvPicPr/>
+          <p:nvPr/>
+        </p:nvPicPr>
+        <p:blipFill>
+          <a:blip r:embed="rId2"/>
+          <a:stretch>
+            <a:fillRect/>
+          </a:stretch>
+        </p:blipFill>
+        <p:spPr>
+          <a:xfrm>
+            <a:off x="5259463" y="476244"/>
+            <a:ext cx="6188710" cy="2365375"/>
+          </a:xfrm>
+          <a:prstGeom prst="rect">
+            <a:avLst/>
+          </a:prstGeom>
+        </p:spPr>
+      </p:pic>
+      <p:pic>
+        <p:nvPicPr>
+          <p:cNvPr id="8" name="Image 7"/>
+          <p:cNvPicPr/>
+          <p:nvPr/>
+        </p:nvPicPr>
+        <p:blipFill>
+          <a:blip r:embed="rId3"/>
+          <a:stretch>
+            <a:fillRect/>
+          </a:stretch>
+        </p:blipFill>
+        <p:spPr>
+          <a:xfrm>
+            <a:off x="6039243" y="2962271"/>
+            <a:ext cx="4629150" cy="3152775"/>
+          </a:xfrm>
+          <a:prstGeom prst="rect">
+            <a:avLst/>
+          </a:prstGeom>
+        </p:spPr>
+      </p:pic>
+    </p:spTree>
+    <p:extLst>
+      <p:ext uri="{BB962C8B-B14F-4D97-AF65-F5344CB8AC3E}">
+        <p14:creationId xmlns:p14="http://schemas.microsoft.com/office/powerpoint/2010/main" val="2525164393"/>
+      </p:ext>
+    </p:extLst>
+  </p:cSld>
+  <p:clrMapOvr>
+    <a:masterClrMapping/>
+  </p:clrMapOvr>
+  <mc:AlternateContent xmlns:mc="http://schemas.openxmlformats.org/markup-compatibility/2006" xmlns:p14="http://schemas.microsoft.com/office/powerpoint/2010/main">
+    <mc:Choice Requires="p14">
+      <p:transition spd="med" p14:dur="700">
+        <p:fade/>
+      </p:transition>
+    </mc:Choice>
+    <mc:Fallback xmlns="">
+      <p:transition spd="med">
+        <p:fade/>
+      </p:transition>
+    </mc:Fallback>
+  </mc:AlternateContent>
+</p:sld>
+</file>
+
+<file path=ppt/slides/slide27.xml><?xml version="1.0" encoding="utf-8"?>
+<p:sld xmlns:a="http://schemas.openxmlformats.org/drawingml/2006/main" xmlns:r="http://schemas.openxmlformats.org/officeDocument/2006/relationships" xmlns:p="http://schemas.openxmlformats.org/presentationml/2006/main">
+  <p:cSld>
+    <p:bg>
+      <p:bgPr>
+        <a:gradFill>
+          <a:gsLst>
+            <a:gs pos="0">
+              <a:schemeClr val="accent1">
+                <a:lumMod val="5000"/>
+                <a:lumOff val="95000"/>
+              </a:schemeClr>
+            </a:gs>
+            <a:gs pos="100000">
+              <a:schemeClr val="accent4">
+                <a:lumMod val="75000"/>
+              </a:schemeClr>
+            </a:gs>
+            <a:gs pos="30000">
+              <a:schemeClr val="accent4"/>
+            </a:gs>
+            <a:gs pos="100000">
+              <a:schemeClr val="bg1"/>
+            </a:gs>
+          </a:gsLst>
+          <a:lin ang="5400000" scaled="1"/>
+        </a:gradFill>
+        <a:effectLst/>
+      </p:bgPr>
+    </p:bg>
+    <p:spTree>
+      <p:nvGrpSpPr>
+        <p:cNvPr id="1" name=""/>
+        <p:cNvGrpSpPr/>
+        <p:nvPr/>
+      </p:nvGrpSpPr>
+      <p:grpSpPr>
+        <a:xfrm>
+          <a:off x="0" y="0"/>
+          <a:ext cx="0" cy="0"/>
+          <a:chOff x="0" y="0"/>
+          <a:chExt cx="0" cy="0"/>
+        </a:xfrm>
+      </p:grpSpPr>
+      <p:sp>
+        <p:nvSpPr>
+          <p:cNvPr id="2" name="Titre 1"/>
+          <p:cNvSpPr>
+            <a:spLocks noGrp="1"/>
+          </p:cNvSpPr>
+          <p:nvPr>
+            <p:ph type="title"/>
+          </p:nvPr>
+        </p:nvSpPr>
+        <p:spPr/>
+        <p:txBody>
+          <a:bodyPr/>
+          <a:lstStyle/>
+          <a:p>
+            <a:r>
+              <a:rPr lang="fr-FR" dirty="0" smtClean="0"/>
+              <a:t>Connexion</a:t>
+            </a:r>
+            <a:endParaRPr lang="fr-FR" dirty="0"/>
+          </a:p>
+        </p:txBody>
+      </p:sp>
+      <p:sp>
+        <p:nvSpPr>
+          <p:cNvPr id="4" name="Espace réservé du numéro de diapositive 3"/>
+          <p:cNvSpPr>
+            <a:spLocks noGrp="1"/>
+          </p:cNvSpPr>
+          <p:nvPr>
+            <p:ph type="sldNum" sz="quarter" idx="12"/>
+          </p:nvPr>
+        </p:nvSpPr>
+        <p:spPr/>
+        <p:txBody>
+          <a:bodyPr/>
+          <a:lstStyle/>
+          <a:p>
+            <a:fld id="{C71BCE76-17DE-481D-8B88-0224F5084139}" type="slidenum">
+              <a:rPr lang="fr-FR" smtClean="0">
+                <a:solidFill>
+                  <a:schemeClr val="tx1"/>
+                </a:solidFill>
+              </a:rPr>
+              <a:t>27</a:t>
+            </a:fld>
+            <a:endParaRPr lang="fr-FR" dirty="0">
+              <a:solidFill>
+                <a:schemeClr val="tx1"/>
+              </a:solidFill>
+            </a:endParaRPr>
+          </a:p>
+        </p:txBody>
+      </p:sp>
+      <p:sp>
+        <p:nvSpPr>
+          <p:cNvPr id="6" name="ZoneTexte 5"/>
+          <p:cNvSpPr txBox="1"/>
+          <p:nvPr/>
+        </p:nvSpPr>
+        <p:spPr>
+          <a:xfrm>
+            <a:off x="1265366" y="5161303"/>
+            <a:ext cx="5582623" cy="830997"/>
+          </a:xfrm>
+          <a:prstGeom prst="rect">
+            <a:avLst/>
+          </a:prstGeom>
+          <a:noFill/>
+        </p:spPr>
+        <p:txBody>
+          <a:bodyPr wrap="square" rtlCol="0">
+            <a:spAutoFit/>
+          </a:bodyPr>
+          <a:lstStyle/>
+          <a:p>
+            <a:r>
+              <a:rPr lang="fr-FR" sz="2400" dirty="0" smtClean="0"/>
+              <a:t>La fonction « </a:t>
+            </a:r>
+            <a:r>
+              <a:rPr lang="fr-FR" sz="2400" dirty="0" err="1" smtClean="0"/>
+              <a:t>getSingleUser</a:t>
+            </a:r>
+            <a:r>
+              <a:rPr lang="fr-FR" sz="2400" dirty="0" smtClean="0"/>
+              <a:t> » du modèle « </a:t>
+            </a:r>
+            <a:r>
+              <a:rPr lang="fr-FR" sz="2400" dirty="0" err="1" smtClean="0"/>
+              <a:t>user_model</a:t>
+            </a:r>
+            <a:r>
+              <a:rPr lang="fr-FR" sz="2400" dirty="0" smtClean="0"/>
+              <a:t> »</a:t>
+            </a:r>
+            <a:endParaRPr lang="fr-FR" sz="2800" dirty="0"/>
+          </a:p>
+        </p:txBody>
+      </p:sp>
+      <p:pic>
+        <p:nvPicPr>
+          <p:cNvPr id="8" name="Image 7"/>
+          <p:cNvPicPr/>
+          <p:nvPr/>
+        </p:nvPicPr>
+        <p:blipFill>
+          <a:blip r:embed="rId2"/>
+          <a:stretch>
+            <a:fillRect/>
+          </a:stretch>
+        </p:blipFill>
+        <p:spPr>
+          <a:xfrm>
+            <a:off x="6994757" y="479784"/>
+            <a:ext cx="3722119" cy="1855693"/>
+          </a:xfrm>
+          <a:prstGeom prst="rect">
+            <a:avLst/>
+          </a:prstGeom>
+        </p:spPr>
+      </p:pic>
+      <p:pic>
+        <p:nvPicPr>
+          <p:cNvPr id="9" name="Image 8"/>
+          <p:cNvPicPr/>
+          <p:nvPr/>
+        </p:nvPicPr>
+        <p:blipFill>
+          <a:blip r:embed="rId3"/>
+          <a:stretch>
+            <a:fillRect/>
+          </a:stretch>
+        </p:blipFill>
+        <p:spPr>
+          <a:xfrm>
+            <a:off x="6994757" y="2520824"/>
+            <a:ext cx="2828368" cy="1763788"/>
+          </a:xfrm>
+          <a:prstGeom prst="rect">
+            <a:avLst/>
+          </a:prstGeom>
+        </p:spPr>
+      </p:pic>
+      <p:pic>
+        <p:nvPicPr>
+          <p:cNvPr id="10" name="Image 9"/>
+          <p:cNvPicPr/>
+          <p:nvPr/>
+        </p:nvPicPr>
+        <p:blipFill>
+          <a:blip r:embed="rId4"/>
+          <a:stretch>
+            <a:fillRect/>
+          </a:stretch>
+        </p:blipFill>
+        <p:spPr>
+          <a:xfrm>
+            <a:off x="6994757" y="4430013"/>
+            <a:ext cx="3678875" cy="2293579"/>
+          </a:xfrm>
+          <a:prstGeom prst="rect">
+            <a:avLst/>
+          </a:prstGeom>
+        </p:spPr>
+      </p:pic>
+      <p:sp>
+        <p:nvSpPr>
+          <p:cNvPr id="11" name="ZoneTexte 10"/>
+          <p:cNvSpPr txBox="1"/>
+          <p:nvPr/>
+        </p:nvSpPr>
+        <p:spPr>
+          <a:xfrm>
+            <a:off x="1390999" y="2782580"/>
+            <a:ext cx="5456990" cy="1200329"/>
+          </a:xfrm>
+          <a:prstGeom prst="rect">
+            <a:avLst/>
+          </a:prstGeom>
+          <a:noFill/>
+        </p:spPr>
+        <p:txBody>
+          <a:bodyPr wrap="square" rtlCol="0">
+            <a:spAutoFit/>
+          </a:bodyPr>
+          <a:lstStyle/>
+          <a:p>
+            <a:r>
+              <a:rPr lang="fr-FR" sz="2400" dirty="0" smtClean="0"/>
+              <a:t>Utilisation de la fonction « </a:t>
+            </a:r>
+            <a:r>
+              <a:rPr lang="fr-FR" sz="2400" dirty="0" err="1" smtClean="0"/>
+              <a:t>getSingle</a:t>
+            </a:r>
+            <a:r>
+              <a:rPr lang="fr-FR" sz="2400" dirty="0" err="1" smtClean="0"/>
+              <a:t>User</a:t>
+            </a:r>
+            <a:r>
+              <a:rPr lang="fr-FR" sz="2400" dirty="0" smtClean="0"/>
+              <a:t> » dans le contrôleur pour récupérer l’utilisateur</a:t>
+            </a:r>
+            <a:endParaRPr lang="fr-FR" sz="2800" dirty="0"/>
+          </a:p>
+        </p:txBody>
+      </p:sp>
+      <p:sp>
+        <p:nvSpPr>
+          <p:cNvPr id="12" name="ZoneTexte 11"/>
+          <p:cNvSpPr txBox="1"/>
+          <p:nvPr/>
+        </p:nvSpPr>
+        <p:spPr>
+          <a:xfrm>
+            <a:off x="3560999" y="1176797"/>
+            <a:ext cx="3286990" cy="461665"/>
+          </a:xfrm>
+          <a:prstGeom prst="rect">
+            <a:avLst/>
+          </a:prstGeom>
+          <a:noFill/>
+        </p:spPr>
+        <p:txBody>
+          <a:bodyPr wrap="none" rtlCol="0">
+            <a:spAutoFit/>
+          </a:bodyPr>
+          <a:lstStyle/>
+          <a:p>
+            <a:r>
+              <a:rPr lang="fr-FR" sz="2400" dirty="0" smtClean="0"/>
+              <a:t>Formulaire de connexion</a:t>
+            </a:r>
+            <a:endParaRPr lang="fr-FR" sz="2800" dirty="0"/>
+          </a:p>
+        </p:txBody>
+      </p:sp>
+    </p:spTree>
+    <p:extLst>
+      <p:ext uri="{BB962C8B-B14F-4D97-AF65-F5344CB8AC3E}">
+        <p14:creationId xmlns:p14="http://schemas.microsoft.com/office/powerpoint/2010/main" val="2647973324"/>
+      </p:ext>
+    </p:extLst>
+  </p:cSld>
+  <p:clrMapOvr>
+    <a:masterClrMapping/>
+  </p:clrMapOvr>
+  <mc:AlternateContent xmlns:mc="http://schemas.openxmlformats.org/markup-compatibility/2006" xmlns:p14="http://schemas.microsoft.com/office/powerpoint/2010/main">
+    <mc:Choice Requires="p14">
+      <p:transition spd="med" p14:dur="700">
+        <p:fade/>
+      </p:transition>
+    </mc:Choice>
+    <mc:Fallback xmlns="">
+      <p:transition spd="med">
+        <p:fade/>
+      </p:transition>
+    </mc:Fallback>
+  </mc:AlternateContent>
+  <p:timing>
+    <p:tnLst>
+      <p:par>
+        <p:cTn id="1" dur="indefinite" restart="never" nodeType="tmRoot"/>
+      </p:par>
+    </p:tnLst>
+  </p:timing>
+</p:sld>
+</file>
+
+<file path=ppt/slides/slide28.xml><?xml version="1.0" encoding="utf-8"?>
+<p:sld xmlns:a="http://schemas.openxmlformats.org/drawingml/2006/main" xmlns:r="http://schemas.openxmlformats.org/officeDocument/2006/relationships" xmlns:p="http://schemas.openxmlformats.org/presentationml/2006/main">
+  <p:cSld>
+    <p:bg>
+      <p:bgPr>
+        <a:gradFill>
+          <a:gsLst>
+            <a:gs pos="0">
+              <a:schemeClr val="accent1">
+                <a:lumMod val="5000"/>
+                <a:lumOff val="95000"/>
+              </a:schemeClr>
+            </a:gs>
+            <a:gs pos="100000">
+              <a:schemeClr val="accent4">
+                <a:lumMod val="75000"/>
+              </a:schemeClr>
+            </a:gs>
+            <a:gs pos="30000">
+              <a:schemeClr val="accent4"/>
+            </a:gs>
+            <a:gs pos="100000">
+              <a:schemeClr val="bg1"/>
+            </a:gs>
+          </a:gsLst>
+          <a:lin ang="5400000" scaled="1"/>
+        </a:gradFill>
+        <a:effectLst/>
+      </p:bgPr>
+    </p:bg>
+    <p:spTree>
+      <p:nvGrpSpPr>
+        <p:cNvPr id="1" name=""/>
+        <p:cNvGrpSpPr/>
+        <p:nvPr/>
+      </p:nvGrpSpPr>
+      <p:grpSpPr>
+        <a:xfrm>
+          <a:off x="0" y="0"/>
+          <a:ext cx="0" cy="0"/>
+          <a:chOff x="0" y="0"/>
+          <a:chExt cx="0" cy="0"/>
+        </a:xfrm>
+      </p:grpSpPr>
+      <p:sp>
+        <p:nvSpPr>
+          <p:cNvPr id="4" name="Espace réservé du numéro de diapositive 3"/>
+          <p:cNvSpPr>
+            <a:spLocks noGrp="1"/>
+          </p:cNvSpPr>
+          <p:nvPr>
+            <p:ph type="sldNum" sz="quarter" idx="12"/>
+          </p:nvPr>
+        </p:nvSpPr>
+        <p:spPr/>
+        <p:txBody>
+          <a:bodyPr/>
+          <a:lstStyle/>
+          <a:p>
+            <a:fld id="{C71BCE76-17DE-481D-8B88-0224F5084139}" type="slidenum">
+              <a:rPr lang="fr-FR" smtClean="0">
+                <a:solidFill>
+                  <a:schemeClr val="tx1"/>
+                </a:solidFill>
+              </a:rPr>
+              <a:t>28</a:t>
+            </a:fld>
+            <a:endParaRPr lang="fr-FR" dirty="0">
+              <a:solidFill>
+                <a:schemeClr val="tx1"/>
+              </a:solidFill>
+            </a:endParaRPr>
+          </a:p>
+        </p:txBody>
+      </p:sp>
+      <p:pic>
+        <p:nvPicPr>
+          <p:cNvPr id="7" name="Image 6"/>
+          <p:cNvPicPr/>
+          <p:nvPr/>
+        </p:nvPicPr>
+        <p:blipFill>
+          <a:blip r:embed="rId2"/>
+          <a:stretch>
+            <a:fillRect/>
+          </a:stretch>
+        </p:blipFill>
+        <p:spPr>
+          <a:xfrm>
+            <a:off x="5143956" y="1476748"/>
+            <a:ext cx="6188710" cy="1009015"/>
+          </a:xfrm>
+          <a:prstGeom prst="rect">
+            <a:avLst/>
+          </a:prstGeom>
+        </p:spPr>
+      </p:pic>
+      <p:pic>
+        <p:nvPicPr>
+          <p:cNvPr id="9" name="Image 8"/>
+          <p:cNvPicPr/>
+          <p:nvPr/>
+        </p:nvPicPr>
+        <p:blipFill>
+          <a:blip r:embed="rId3"/>
+          <a:stretch>
+            <a:fillRect/>
+          </a:stretch>
+        </p:blipFill>
+        <p:spPr>
+          <a:xfrm>
+            <a:off x="5143956" y="2969394"/>
+            <a:ext cx="6556527" cy="1148743"/>
+          </a:xfrm>
+          <a:prstGeom prst="rect">
+            <a:avLst/>
+          </a:prstGeom>
+        </p:spPr>
+      </p:pic>
+      <p:pic>
+        <p:nvPicPr>
+          <p:cNvPr id="10" name="Image 9"/>
+          <p:cNvPicPr/>
+          <p:nvPr/>
+        </p:nvPicPr>
+        <p:blipFill>
+          <a:blip r:embed="rId4"/>
+          <a:stretch>
+            <a:fillRect/>
+          </a:stretch>
+        </p:blipFill>
+        <p:spPr>
+          <a:xfrm>
+            <a:off x="5143956" y="4601768"/>
+            <a:ext cx="6814249" cy="1270951"/>
+          </a:xfrm>
+          <a:prstGeom prst="rect">
+            <a:avLst/>
+          </a:prstGeom>
+        </p:spPr>
+      </p:pic>
+      <p:sp>
+        <p:nvSpPr>
+          <p:cNvPr id="11" name="ZoneTexte 10"/>
+          <p:cNvSpPr txBox="1"/>
+          <p:nvPr/>
+        </p:nvSpPr>
+        <p:spPr>
+          <a:xfrm>
+            <a:off x="529995" y="1750422"/>
+            <a:ext cx="4562613" cy="461665"/>
+          </a:xfrm>
+          <a:prstGeom prst="rect">
+            <a:avLst/>
+          </a:prstGeom>
+          <a:noFill/>
+        </p:spPr>
+        <p:txBody>
+          <a:bodyPr wrap="square" rtlCol="0">
+            <a:spAutoFit/>
+          </a:bodyPr>
+          <a:lstStyle/>
+          <a:p>
+            <a:r>
+              <a:rPr lang="fr-FR" sz="2400" dirty="0" smtClean="0"/>
+              <a:t>Comparaison des mots de passe</a:t>
+            </a:r>
+            <a:endParaRPr lang="fr-FR" sz="2800" dirty="0"/>
+          </a:p>
+        </p:txBody>
+      </p:sp>
+      <p:sp>
+        <p:nvSpPr>
+          <p:cNvPr id="12" name="ZoneTexte 11"/>
+          <p:cNvSpPr txBox="1"/>
+          <p:nvPr/>
+        </p:nvSpPr>
+        <p:spPr>
+          <a:xfrm>
+            <a:off x="163198" y="207986"/>
+            <a:ext cx="11274048" cy="523220"/>
+          </a:xfrm>
+          <a:prstGeom prst="rect">
+            <a:avLst/>
+          </a:prstGeom>
+          <a:noFill/>
+        </p:spPr>
+        <p:txBody>
+          <a:bodyPr wrap="none" rtlCol="0">
+            <a:spAutoFit/>
+          </a:bodyPr>
+          <a:lstStyle/>
+          <a:p>
+            <a:r>
+              <a:rPr lang="fr-FR" sz="2800" dirty="0" smtClean="0"/>
+              <a:t>Les actions suivantes se passent dans le contrôleur « </a:t>
+            </a:r>
+            <a:r>
+              <a:rPr lang="fr-FR" sz="2800" dirty="0" err="1" smtClean="0"/>
+              <a:t>connexion_controller</a:t>
+            </a:r>
+            <a:r>
+              <a:rPr lang="fr-FR" sz="2800" dirty="0" smtClean="0"/>
+              <a:t> »</a:t>
+            </a:r>
+            <a:endParaRPr lang="fr-FR" sz="2800" dirty="0"/>
+          </a:p>
+        </p:txBody>
+      </p:sp>
+      <p:sp>
+        <p:nvSpPr>
+          <p:cNvPr id="13" name="ZoneTexte 12"/>
+          <p:cNvSpPr txBox="1"/>
+          <p:nvPr/>
+        </p:nvSpPr>
+        <p:spPr>
+          <a:xfrm>
+            <a:off x="529995" y="3312932"/>
+            <a:ext cx="4562613" cy="461665"/>
+          </a:xfrm>
+          <a:prstGeom prst="rect">
+            <a:avLst/>
+          </a:prstGeom>
+          <a:noFill/>
+        </p:spPr>
+        <p:txBody>
+          <a:bodyPr wrap="square" rtlCol="0">
+            <a:spAutoFit/>
+          </a:bodyPr>
+          <a:lstStyle/>
+          <a:p>
+            <a:r>
+              <a:rPr lang="fr-FR" sz="2400" dirty="0" smtClean="0"/>
+              <a:t>Création de la session utilisateur</a:t>
+            </a:r>
+            <a:endParaRPr lang="fr-FR" sz="2800" dirty="0"/>
+          </a:p>
+        </p:txBody>
+      </p:sp>
+      <p:sp>
+        <p:nvSpPr>
+          <p:cNvPr id="14" name="ZoneTexte 13"/>
+          <p:cNvSpPr txBox="1"/>
+          <p:nvPr/>
+        </p:nvSpPr>
+        <p:spPr>
+          <a:xfrm>
+            <a:off x="529995" y="4637078"/>
+            <a:ext cx="4562613" cy="1200329"/>
+          </a:xfrm>
+          <a:prstGeom prst="rect">
+            <a:avLst/>
+          </a:prstGeom>
+          <a:noFill/>
+        </p:spPr>
+        <p:txBody>
+          <a:bodyPr wrap="square" rtlCol="0">
+            <a:spAutoFit/>
+          </a:bodyPr>
+          <a:lstStyle/>
+          <a:p>
+            <a:r>
+              <a:rPr lang="fr-FR" sz="2400" dirty="0" smtClean="0"/>
+              <a:t>Mise à jour des boutons du header pour l’accès à l’espace mon compt</a:t>
+            </a:r>
+            <a:r>
+              <a:rPr lang="fr-FR" sz="2400" dirty="0" smtClean="0"/>
+              <a:t>e et à la déconnexion</a:t>
+            </a:r>
+            <a:endParaRPr lang="fr-FR" sz="2800" dirty="0"/>
+          </a:p>
+        </p:txBody>
+      </p:sp>
+    </p:spTree>
+    <p:extLst>
+      <p:ext uri="{BB962C8B-B14F-4D97-AF65-F5344CB8AC3E}">
+        <p14:creationId xmlns:p14="http://schemas.microsoft.com/office/powerpoint/2010/main" val="4177279932"/>
+      </p:ext>
+    </p:extLst>
+  </p:cSld>
+  <p:clrMapOvr>
+    <a:masterClrMapping/>
+  </p:clrMapOvr>
+  <mc:AlternateContent xmlns:mc="http://schemas.openxmlformats.org/markup-compatibility/2006" xmlns:p14="http://schemas.microsoft.com/office/powerpoint/2010/main">
+    <mc:Choice Requires="p14">
+      <p:transition spd="med" p14:dur="700">
+        <p:fade/>
+      </p:transition>
+    </mc:Choice>
+    <mc:Fallback xmlns="">
+      <p:transition spd="med">
+        <p:fade/>
+      </p:transition>
+    </mc:Fallback>
+  </mc:AlternateContent>
+  <p:timing>
+    <p:tnLst>
+      <p:par>
+        <p:cTn id="1" dur="indefinite" restart="never" nodeType="tmRoot"/>
+      </p:par>
+    </p:tnLst>
+  </p:timing>
+</p:sld>
+</file>
+
+<file path=ppt/slides/slide29.xml><?xml version="1.0" encoding="utf-8"?>
+<p:sld xmlns:a="http://schemas.openxmlformats.org/drawingml/2006/main" xmlns:r="http://schemas.openxmlformats.org/officeDocument/2006/relationships" xmlns:p="http://schemas.openxmlformats.org/presentationml/2006/main">
+  <p:cSld>
+    <p:bg>
+      <p:bgPr>
+        <a:gradFill>
+          <a:gsLst>
+            <a:gs pos="0">
+              <a:schemeClr val="accent1">
+                <a:lumMod val="5000"/>
+                <a:lumOff val="95000"/>
+              </a:schemeClr>
+            </a:gs>
+            <a:gs pos="100000">
+              <a:schemeClr val="accent4">
+                <a:lumMod val="75000"/>
+              </a:schemeClr>
+            </a:gs>
+            <a:gs pos="30000">
+              <a:schemeClr val="accent4"/>
+            </a:gs>
+            <a:gs pos="100000">
+              <a:schemeClr val="bg1"/>
+            </a:gs>
+          </a:gsLst>
+          <a:lin ang="5400000" scaled="1"/>
+        </a:gradFill>
+        <a:effectLst/>
+      </p:bgPr>
+    </p:bg>
+    <p:spTree>
+      <p:nvGrpSpPr>
+        <p:cNvPr id="1" name=""/>
+        <p:cNvGrpSpPr/>
+        <p:nvPr/>
+      </p:nvGrpSpPr>
+      <p:grpSpPr>
+        <a:xfrm>
+          <a:off x="0" y="0"/>
+          <a:ext cx="0" cy="0"/>
+          <a:chOff x="0" y="0"/>
+          <a:chExt cx="0" cy="0"/>
+        </a:xfrm>
+      </p:grpSpPr>
+      <p:pic>
+        <p:nvPicPr>
+          <p:cNvPr id="6" name="Image 5"/>
+          <p:cNvPicPr>
+            <a:picLocks noChangeAspect="1"/>
+          </p:cNvPicPr>
+          <p:nvPr/>
+        </p:nvPicPr>
+        <p:blipFill>
+          <a:blip r:embed="rId2"/>
+          <a:stretch>
+            <a:fillRect/>
+          </a:stretch>
+        </p:blipFill>
+        <p:spPr>
+          <a:xfrm>
+            <a:off x="6935788" y="0"/>
+            <a:ext cx="4797424" cy="6867706"/>
+          </a:xfrm>
+          <a:prstGeom prst="rect">
+            <a:avLst/>
+          </a:prstGeom>
+        </p:spPr>
+      </p:pic>
+      <p:sp>
+        <p:nvSpPr>
+          <p:cNvPr id="2" name="Titre 1"/>
+          <p:cNvSpPr>
+            <a:spLocks noGrp="1"/>
+          </p:cNvSpPr>
+          <p:nvPr>
+            <p:ph type="title"/>
+          </p:nvPr>
+        </p:nvSpPr>
+        <p:spPr/>
+        <p:txBody>
+          <a:bodyPr/>
+          <a:lstStyle/>
+          <a:p>
+            <a:r>
+              <a:rPr lang="fr-FR" dirty="0" smtClean="0"/>
+              <a:t>Modification de compte</a:t>
+            </a:r>
+            <a:endParaRPr lang="fr-FR" dirty="0"/>
+          </a:p>
+        </p:txBody>
+      </p:sp>
+      <p:sp>
+        <p:nvSpPr>
+          <p:cNvPr id="4" name="Espace réservé du numéro de diapositive 3"/>
+          <p:cNvSpPr>
+            <a:spLocks noGrp="1"/>
+          </p:cNvSpPr>
+          <p:nvPr>
+            <p:ph type="sldNum" sz="quarter" idx="12"/>
+          </p:nvPr>
+        </p:nvSpPr>
+        <p:spPr/>
+        <p:txBody>
+          <a:bodyPr/>
+          <a:lstStyle/>
+          <a:p>
+            <a:fld id="{C71BCE76-17DE-481D-8B88-0224F5084139}" type="slidenum">
+              <a:rPr lang="fr-FR" smtClean="0">
+                <a:solidFill>
+                  <a:schemeClr val="bg1"/>
+                </a:solidFill>
+              </a:rPr>
+              <a:t>29</a:t>
+            </a:fld>
+            <a:endParaRPr lang="fr-FR" dirty="0">
+              <a:solidFill>
+                <a:schemeClr val="bg1"/>
+              </a:solidFill>
+            </a:endParaRPr>
+          </a:p>
+        </p:txBody>
+      </p:sp>
+      <p:pic>
+        <p:nvPicPr>
+          <p:cNvPr id="5" name="Image 4"/>
+          <p:cNvPicPr>
+            <a:picLocks noChangeAspect="1"/>
+          </p:cNvPicPr>
+          <p:nvPr/>
+        </p:nvPicPr>
+        <p:blipFill>
+          <a:blip r:embed="rId3"/>
+          <a:stretch>
+            <a:fillRect/>
+          </a:stretch>
+        </p:blipFill>
+        <p:spPr>
+          <a:xfrm>
+            <a:off x="1035050" y="1308894"/>
+            <a:ext cx="2705100" cy="5429250"/>
+          </a:xfrm>
+          <a:prstGeom prst="rect">
+            <a:avLst/>
+          </a:prstGeom>
+        </p:spPr>
+      </p:pic>
+      <p:sp>
+        <p:nvSpPr>
+          <p:cNvPr id="7" name="ZoneTexte 6"/>
+          <p:cNvSpPr txBox="1"/>
+          <p:nvPr/>
+        </p:nvSpPr>
+        <p:spPr>
+          <a:xfrm>
+            <a:off x="5867276" y="4196965"/>
+            <a:ext cx="902683" cy="523220"/>
+          </a:xfrm>
+          <a:prstGeom prst="rect">
+            <a:avLst/>
+          </a:prstGeom>
+          <a:noFill/>
+        </p:spPr>
+        <p:txBody>
+          <a:bodyPr wrap="none" rtlCol="0">
+            <a:spAutoFit/>
+          </a:bodyPr>
+          <a:lstStyle/>
+          <a:p>
+            <a:r>
+              <a:rPr lang="fr-FR" sz="2800" dirty="0" err="1" smtClean="0"/>
+              <a:t>View</a:t>
+            </a:r>
+            <a:endParaRPr lang="fr-FR" dirty="0"/>
+          </a:p>
+        </p:txBody>
+      </p:sp>
+    </p:spTree>
+    <p:extLst>
+      <p:ext uri="{BB962C8B-B14F-4D97-AF65-F5344CB8AC3E}">
+        <p14:creationId xmlns:p14="http://schemas.microsoft.com/office/powerpoint/2010/main" val="3199918637"/>
       </p:ext>
     </p:extLst>
   </p:cSld>
@@ -6534,6 +8310,523 @@
     <p:extLst>
       <p:ext uri="{BB962C8B-B14F-4D97-AF65-F5344CB8AC3E}">
         <p14:creationId xmlns:p14="http://schemas.microsoft.com/office/powerpoint/2010/main" val="2063463340"/>
+      </p:ext>
+    </p:extLst>
+  </p:cSld>
+  <p:clrMapOvr>
+    <a:masterClrMapping/>
+  </p:clrMapOvr>
+  <mc:AlternateContent xmlns:mc="http://schemas.openxmlformats.org/markup-compatibility/2006" xmlns:p14="http://schemas.microsoft.com/office/powerpoint/2010/main">
+    <mc:Choice Requires="p14">
+      <p:transition spd="med" p14:dur="700">
+        <p:fade/>
+      </p:transition>
+    </mc:Choice>
+    <mc:Fallback xmlns="">
+      <p:transition spd="med">
+        <p:fade/>
+      </p:transition>
+    </mc:Fallback>
+  </mc:AlternateContent>
+  <p:timing>
+    <p:tnLst>
+      <p:par>
+        <p:cTn id="1" dur="indefinite" restart="never" nodeType="tmRoot"/>
+      </p:par>
+    </p:tnLst>
+  </p:timing>
+</p:sld>
+</file>
+
+<file path=ppt/slides/slide30.xml><?xml version="1.0" encoding="utf-8"?>
+<p:sld xmlns:a="http://schemas.openxmlformats.org/drawingml/2006/main" xmlns:r="http://schemas.openxmlformats.org/officeDocument/2006/relationships" xmlns:p="http://schemas.openxmlformats.org/presentationml/2006/main">
+  <p:cSld>
+    <p:bg>
+      <p:bgPr>
+        <a:gradFill>
+          <a:gsLst>
+            <a:gs pos="0">
+              <a:schemeClr val="accent1">
+                <a:lumMod val="5000"/>
+                <a:lumOff val="95000"/>
+              </a:schemeClr>
+            </a:gs>
+            <a:gs pos="100000">
+              <a:schemeClr val="accent4">
+                <a:lumMod val="75000"/>
+              </a:schemeClr>
+            </a:gs>
+            <a:gs pos="30000">
+              <a:schemeClr val="accent4"/>
+            </a:gs>
+            <a:gs pos="100000">
+              <a:schemeClr val="bg1"/>
+            </a:gs>
+          </a:gsLst>
+          <a:lin ang="5400000" scaled="1"/>
+        </a:gradFill>
+        <a:effectLst/>
+      </p:bgPr>
+    </p:bg>
+    <p:spTree>
+      <p:nvGrpSpPr>
+        <p:cNvPr id="1" name=""/>
+        <p:cNvGrpSpPr/>
+        <p:nvPr/>
+      </p:nvGrpSpPr>
+      <p:grpSpPr>
+        <a:xfrm>
+          <a:off x="0" y="0"/>
+          <a:ext cx="0" cy="0"/>
+          <a:chOff x="0" y="0"/>
+          <a:chExt cx="0" cy="0"/>
+        </a:xfrm>
+      </p:grpSpPr>
+      <p:sp>
+        <p:nvSpPr>
+          <p:cNvPr id="4" name="Espace réservé du numéro de diapositive 3"/>
+          <p:cNvSpPr>
+            <a:spLocks noGrp="1"/>
+          </p:cNvSpPr>
+          <p:nvPr>
+            <p:ph type="sldNum" sz="quarter" idx="12"/>
+          </p:nvPr>
+        </p:nvSpPr>
+        <p:spPr/>
+        <p:txBody>
+          <a:bodyPr/>
+          <a:lstStyle/>
+          <a:p>
+            <a:fld id="{C71BCE76-17DE-481D-8B88-0224F5084139}" type="slidenum">
+              <a:rPr lang="fr-FR" smtClean="0">
+                <a:solidFill>
+                  <a:schemeClr val="tx1"/>
+                </a:solidFill>
+              </a:rPr>
+              <a:t>30</a:t>
+            </a:fld>
+            <a:endParaRPr lang="fr-FR" dirty="0">
+              <a:solidFill>
+                <a:schemeClr val="tx1"/>
+              </a:solidFill>
+            </a:endParaRPr>
+          </a:p>
+        </p:txBody>
+      </p:sp>
+      <p:sp>
+        <p:nvSpPr>
+          <p:cNvPr id="6" name="ZoneTexte 5"/>
+          <p:cNvSpPr txBox="1"/>
+          <p:nvPr/>
+        </p:nvSpPr>
+        <p:spPr>
+          <a:xfrm>
+            <a:off x="355600" y="2921000"/>
+            <a:ext cx="2292102" cy="646331"/>
+          </a:xfrm>
+          <a:prstGeom prst="rect">
+            <a:avLst/>
+          </a:prstGeom>
+          <a:noFill/>
+        </p:spPr>
+        <p:txBody>
+          <a:bodyPr wrap="none" rtlCol="0">
+            <a:spAutoFit/>
+          </a:bodyPr>
+          <a:lstStyle/>
+          <a:p>
+            <a:r>
+              <a:rPr lang="fr-FR" sz="3600" dirty="0" smtClean="0"/>
+              <a:t>Controller :</a:t>
+            </a:r>
+            <a:endParaRPr lang="fr-FR" dirty="0"/>
+          </a:p>
+        </p:txBody>
+      </p:sp>
+      <p:pic>
+        <p:nvPicPr>
+          <p:cNvPr id="7" name="Image 6"/>
+          <p:cNvPicPr>
+            <a:picLocks noChangeAspect="1"/>
+          </p:cNvPicPr>
+          <p:nvPr/>
+        </p:nvPicPr>
+        <p:blipFill>
+          <a:blip r:embed="rId2"/>
+          <a:stretch>
+            <a:fillRect/>
+          </a:stretch>
+        </p:blipFill>
+        <p:spPr>
+          <a:xfrm>
+            <a:off x="3863974" y="416170"/>
+            <a:ext cx="6334125" cy="5649668"/>
+          </a:xfrm>
+          <a:prstGeom prst="rect">
+            <a:avLst/>
+          </a:prstGeom>
+        </p:spPr>
+      </p:pic>
+    </p:spTree>
+    <p:extLst>
+      <p:ext uri="{BB962C8B-B14F-4D97-AF65-F5344CB8AC3E}">
+        <p14:creationId xmlns:p14="http://schemas.microsoft.com/office/powerpoint/2010/main" val="1211003087"/>
+      </p:ext>
+    </p:extLst>
+  </p:cSld>
+  <p:clrMapOvr>
+    <a:masterClrMapping/>
+  </p:clrMapOvr>
+  <mc:AlternateContent xmlns:mc="http://schemas.openxmlformats.org/markup-compatibility/2006" xmlns:p14="http://schemas.microsoft.com/office/powerpoint/2010/main">
+    <mc:Choice Requires="p14">
+      <p:transition spd="med" p14:dur="700">
+        <p:fade/>
+      </p:transition>
+    </mc:Choice>
+    <mc:Fallback xmlns="">
+      <p:transition spd="med">
+        <p:fade/>
+      </p:transition>
+    </mc:Fallback>
+  </mc:AlternateContent>
+  <p:timing>
+    <p:tnLst>
+      <p:par>
+        <p:cTn id="1" dur="indefinite" restart="never" nodeType="tmRoot"/>
+      </p:par>
+    </p:tnLst>
+  </p:timing>
+</p:sld>
+</file>
+
+<file path=ppt/slides/slide31.xml><?xml version="1.0" encoding="utf-8"?>
+<p:sld xmlns:a="http://schemas.openxmlformats.org/drawingml/2006/main" xmlns:r="http://schemas.openxmlformats.org/officeDocument/2006/relationships" xmlns:p="http://schemas.openxmlformats.org/presentationml/2006/main">
+  <p:cSld>
+    <p:bg>
+      <p:bgPr>
+        <a:gradFill>
+          <a:gsLst>
+            <a:gs pos="0">
+              <a:schemeClr val="accent1">
+                <a:lumMod val="5000"/>
+                <a:lumOff val="95000"/>
+              </a:schemeClr>
+            </a:gs>
+            <a:gs pos="100000">
+              <a:schemeClr val="accent4">
+                <a:lumMod val="75000"/>
+              </a:schemeClr>
+            </a:gs>
+            <a:gs pos="30000">
+              <a:schemeClr val="accent4"/>
+            </a:gs>
+            <a:gs pos="100000">
+              <a:schemeClr val="bg1"/>
+            </a:gs>
+          </a:gsLst>
+          <a:lin ang="5400000" scaled="1"/>
+        </a:gradFill>
+        <a:effectLst/>
+      </p:bgPr>
+    </p:bg>
+    <p:spTree>
+      <p:nvGrpSpPr>
+        <p:cNvPr id="1" name=""/>
+        <p:cNvGrpSpPr/>
+        <p:nvPr/>
+      </p:nvGrpSpPr>
+      <p:grpSpPr>
+        <a:xfrm>
+          <a:off x="0" y="0"/>
+          <a:ext cx="0" cy="0"/>
+          <a:chOff x="0" y="0"/>
+          <a:chExt cx="0" cy="0"/>
+        </a:xfrm>
+      </p:grpSpPr>
+      <p:pic>
+        <p:nvPicPr>
+          <p:cNvPr id="2" name="Image 1"/>
+          <p:cNvPicPr>
+            <a:picLocks noChangeAspect="1"/>
+          </p:cNvPicPr>
+          <p:nvPr/>
+        </p:nvPicPr>
+        <p:blipFill>
+          <a:blip r:embed="rId2"/>
+          <a:stretch>
+            <a:fillRect/>
+          </a:stretch>
+        </p:blipFill>
+        <p:spPr>
+          <a:xfrm>
+            <a:off x="7785100" y="46624"/>
+            <a:ext cx="4191000" cy="6811376"/>
+          </a:xfrm>
+          <a:prstGeom prst="rect">
+            <a:avLst/>
+          </a:prstGeom>
+        </p:spPr>
+      </p:pic>
+      <p:sp>
+        <p:nvSpPr>
+          <p:cNvPr id="4" name="Espace réservé du numéro de diapositive 3"/>
+          <p:cNvSpPr>
+            <a:spLocks noGrp="1"/>
+          </p:cNvSpPr>
+          <p:nvPr>
+            <p:ph type="sldNum" sz="quarter" idx="12"/>
+          </p:nvPr>
+        </p:nvSpPr>
+        <p:spPr/>
+        <p:txBody>
+          <a:bodyPr/>
+          <a:lstStyle/>
+          <a:p>
+            <a:fld id="{C71BCE76-17DE-481D-8B88-0224F5084139}" type="slidenum">
+              <a:rPr lang="fr-FR" smtClean="0">
+                <a:solidFill>
+                  <a:schemeClr val="bg1"/>
+                </a:solidFill>
+              </a:rPr>
+              <a:t>31</a:t>
+            </a:fld>
+            <a:endParaRPr lang="fr-FR" dirty="0">
+              <a:solidFill>
+                <a:schemeClr val="bg1"/>
+              </a:solidFill>
+            </a:endParaRPr>
+          </a:p>
+        </p:txBody>
+      </p:sp>
+      <p:sp>
+        <p:nvSpPr>
+          <p:cNvPr id="6" name="ZoneTexte 5"/>
+          <p:cNvSpPr txBox="1"/>
+          <p:nvPr/>
+        </p:nvSpPr>
+        <p:spPr>
+          <a:xfrm>
+            <a:off x="2717800" y="723900"/>
+            <a:ext cx="2292102" cy="646331"/>
+          </a:xfrm>
+          <a:prstGeom prst="rect">
+            <a:avLst/>
+          </a:prstGeom>
+          <a:noFill/>
+        </p:spPr>
+        <p:txBody>
+          <a:bodyPr wrap="none" rtlCol="0">
+            <a:spAutoFit/>
+          </a:bodyPr>
+          <a:lstStyle/>
+          <a:p>
+            <a:r>
+              <a:rPr lang="fr-FR" sz="3600" dirty="0" smtClean="0"/>
+              <a:t>Controller :</a:t>
+            </a:r>
+            <a:endParaRPr lang="fr-FR" dirty="0"/>
+          </a:p>
+        </p:txBody>
+      </p:sp>
+      <p:pic>
+        <p:nvPicPr>
+          <p:cNvPr id="7" name="Image 6"/>
+          <p:cNvPicPr>
+            <a:picLocks noChangeAspect="1"/>
+          </p:cNvPicPr>
+          <p:nvPr/>
+        </p:nvPicPr>
+        <p:blipFill>
+          <a:blip r:embed="rId3"/>
+          <a:stretch>
+            <a:fillRect/>
+          </a:stretch>
+        </p:blipFill>
+        <p:spPr>
+          <a:xfrm>
+            <a:off x="436562" y="1880687"/>
+            <a:ext cx="7153275" cy="3143250"/>
+          </a:xfrm>
+          <a:prstGeom prst="rect">
+            <a:avLst/>
+          </a:prstGeom>
+        </p:spPr>
+      </p:pic>
+    </p:spTree>
+    <p:extLst>
+      <p:ext uri="{BB962C8B-B14F-4D97-AF65-F5344CB8AC3E}">
+        <p14:creationId xmlns:p14="http://schemas.microsoft.com/office/powerpoint/2010/main" val="323307849"/>
+      </p:ext>
+    </p:extLst>
+  </p:cSld>
+  <p:clrMapOvr>
+    <a:masterClrMapping/>
+  </p:clrMapOvr>
+  <mc:AlternateContent xmlns:mc="http://schemas.openxmlformats.org/markup-compatibility/2006" xmlns:p14="http://schemas.microsoft.com/office/powerpoint/2010/main">
+    <mc:Choice Requires="p14">
+      <p:transition spd="med" p14:dur="700">
+        <p:fade/>
+      </p:transition>
+    </mc:Choice>
+    <mc:Fallback xmlns="">
+      <p:transition spd="med">
+        <p:fade/>
+      </p:transition>
+    </mc:Fallback>
+  </mc:AlternateContent>
+  <p:timing>
+    <p:tnLst>
+      <p:par>
+        <p:cTn id="1" dur="indefinite" restart="never" nodeType="tmRoot"/>
+      </p:par>
+    </p:tnLst>
+  </p:timing>
+</p:sld>
+</file>
+
+<file path=ppt/slides/slide32.xml><?xml version="1.0" encoding="utf-8"?>
+<p:sld xmlns:a="http://schemas.openxmlformats.org/drawingml/2006/main" xmlns:r="http://schemas.openxmlformats.org/officeDocument/2006/relationships" xmlns:p="http://schemas.openxmlformats.org/presentationml/2006/main">
+  <p:cSld>
+    <p:bg>
+      <p:bgPr>
+        <a:gradFill>
+          <a:gsLst>
+            <a:gs pos="0">
+              <a:schemeClr val="accent1">
+                <a:lumMod val="5000"/>
+                <a:lumOff val="95000"/>
+              </a:schemeClr>
+            </a:gs>
+            <a:gs pos="100000">
+              <a:schemeClr val="accent4">
+                <a:lumMod val="75000"/>
+              </a:schemeClr>
+            </a:gs>
+            <a:gs pos="30000">
+              <a:schemeClr val="accent4"/>
+            </a:gs>
+            <a:gs pos="100000">
+              <a:schemeClr val="bg1"/>
+            </a:gs>
+          </a:gsLst>
+          <a:lin ang="5400000" scaled="1"/>
+        </a:gradFill>
+        <a:effectLst/>
+      </p:bgPr>
+    </p:bg>
+    <p:spTree>
+      <p:nvGrpSpPr>
+        <p:cNvPr id="1" name=""/>
+        <p:cNvGrpSpPr/>
+        <p:nvPr/>
+      </p:nvGrpSpPr>
+      <p:grpSpPr>
+        <a:xfrm>
+          <a:off x="0" y="0"/>
+          <a:ext cx="0" cy="0"/>
+          <a:chOff x="0" y="0"/>
+          <a:chExt cx="0" cy="0"/>
+        </a:xfrm>
+      </p:grpSpPr>
+      <p:sp>
+        <p:nvSpPr>
+          <p:cNvPr id="2" name="Titre 1"/>
+          <p:cNvSpPr>
+            <a:spLocks noGrp="1"/>
+          </p:cNvSpPr>
+          <p:nvPr>
+            <p:ph type="title"/>
+          </p:nvPr>
+        </p:nvSpPr>
+        <p:spPr/>
+        <p:txBody>
+          <a:bodyPr/>
+          <a:lstStyle/>
+          <a:p>
+            <a:r>
+              <a:rPr lang="fr-FR" dirty="0" smtClean="0"/>
+              <a:t>À venir</a:t>
+            </a:r>
+            <a:endParaRPr lang="fr-FR" dirty="0"/>
+          </a:p>
+        </p:txBody>
+      </p:sp>
+      <p:sp>
+        <p:nvSpPr>
+          <p:cNvPr id="3" name="Espace réservé du contenu 2"/>
+          <p:cNvSpPr>
+            <a:spLocks noGrp="1"/>
+          </p:cNvSpPr>
+          <p:nvPr>
+            <p:ph idx="1"/>
+          </p:nvPr>
+        </p:nvSpPr>
+        <p:spPr/>
+        <p:txBody>
+          <a:bodyPr/>
+          <a:lstStyle/>
+          <a:p>
+            <a:r>
+              <a:rPr lang="fr-FR" dirty="0" smtClean="0"/>
+              <a:t>Création de compte utilisateur et connexion</a:t>
+            </a:r>
+          </a:p>
+          <a:p>
+            <a:r>
+              <a:rPr lang="fr-FR" dirty="0" smtClean="0"/>
+              <a:t>Affichage des jeux</a:t>
+            </a:r>
+          </a:p>
+          <a:p>
+            <a:r>
+              <a:rPr lang="fr-FR" dirty="0" smtClean="0"/>
+              <a:t>Notation et critique avec modification possible pour les utilisateurs</a:t>
+            </a:r>
+          </a:p>
+          <a:p>
+            <a:r>
+              <a:rPr lang="fr-FR" dirty="0" smtClean="0"/>
+              <a:t>Breakpoint pour interface mobile</a:t>
+            </a:r>
+            <a:endParaRPr lang="fr-FR" dirty="0"/>
+          </a:p>
+        </p:txBody>
+      </p:sp>
+      <p:sp>
+        <p:nvSpPr>
+          <p:cNvPr id="4" name="Espace réservé du numéro de diapositive 3"/>
+          <p:cNvSpPr>
+            <a:spLocks noGrp="1"/>
+          </p:cNvSpPr>
+          <p:nvPr>
+            <p:ph type="sldNum" sz="quarter" idx="12"/>
+          </p:nvPr>
+        </p:nvSpPr>
+        <p:spPr/>
+        <p:txBody>
+          <a:bodyPr/>
+          <a:lstStyle/>
+          <a:p>
+            <a:fld id="{C71BCE76-17DE-481D-8B88-0224F5084139}" type="slidenum">
+              <a:rPr lang="fr-FR" smtClean="0">
+                <a:solidFill>
+                  <a:schemeClr val="tx1"/>
+                </a:solidFill>
+              </a:rPr>
+              <a:t>32</a:t>
+            </a:fld>
+            <a:endParaRPr lang="fr-FR" dirty="0">
+              <a:solidFill>
+                <a:schemeClr val="tx1"/>
+              </a:solidFill>
+            </a:endParaRPr>
+          </a:p>
+        </p:txBody>
+      </p:sp>
+    </p:spTree>
+    <p:extLst>
+      <p:ext uri="{BB962C8B-B14F-4D97-AF65-F5344CB8AC3E}">
+        <p14:creationId xmlns:p14="http://schemas.microsoft.com/office/powerpoint/2010/main" val="2333266892"/>
       </p:ext>
     </p:extLst>
   </p:cSld>
@@ -6794,50 +9087,62 @@
       </p:sp>
       <p:sp>
         <p:nvSpPr>
-          <p:cNvPr id="7" name="Titre 1"/>
-          <p:cNvSpPr>
-            <a:spLocks noGrp="1"/>
-          </p:cNvSpPr>
-          <p:nvPr>
-            <p:ph type="title"/>
-          </p:nvPr>
-        </p:nvSpPr>
-        <p:spPr>
-          <a:xfrm>
-            <a:off x="838200" y="365125"/>
-            <a:ext cx="10515600" cy="1325563"/>
-          </a:xfrm>
-        </p:spPr>
-        <p:txBody>
-          <a:bodyPr/>
-          <a:lstStyle/>
-          <a:p>
-            <a:r>
-              <a:rPr lang="fr-FR" dirty="0" smtClean="0"/>
-              <a:t>MCD</a:t>
-            </a:r>
-            <a:endParaRPr lang="fr-FR" dirty="0"/>
+          <p:cNvPr id="7" name="ZoneTexte 6"/>
+          <p:cNvSpPr txBox="1"/>
+          <p:nvPr/>
+        </p:nvSpPr>
+        <p:spPr>
+          <a:xfrm>
+            <a:off x="0" y="191149"/>
+            <a:ext cx="3095719" cy="954107"/>
+          </a:xfrm>
+          <a:prstGeom prst="rect">
+            <a:avLst/>
+          </a:prstGeom>
+          <a:noFill/>
+        </p:spPr>
+        <p:txBody>
+          <a:bodyPr wrap="none" rtlCol="0">
+            <a:spAutoFit/>
+          </a:bodyPr>
+          <a:lstStyle/>
+          <a:p>
+            <a:r>
+              <a:rPr lang="fr-FR" sz="2800" dirty="0" smtClean="0"/>
+              <a:t>Diagramme activité </a:t>
+            </a:r>
+          </a:p>
+          <a:p>
+            <a:r>
+              <a:rPr lang="fr-FR" sz="2800" dirty="0" smtClean="0"/>
+              <a:t>Création de compte</a:t>
+            </a:r>
+            <a:endParaRPr lang="fr-FR" sz="2800" dirty="0"/>
           </a:p>
         </p:txBody>
       </p:sp>
       <p:pic>
         <p:nvPicPr>
-          <p:cNvPr id="2" name="Image 1"/>
-          <p:cNvPicPr>
-            <a:picLocks noChangeAspect="1"/>
-          </p:cNvPicPr>
+          <p:cNvPr id="8" name="Image 7"/>
+          <p:cNvPicPr/>
           <p:nvPr/>
         </p:nvPicPr>
         <p:blipFill>
-          <a:blip r:embed="rId2"/>
+          <a:blip r:embed="rId2" cstate="print">
+            <a:extLst>
+              <a:ext uri="{28A0092B-C50C-407E-A947-70E740481C1C}">
+                <a14:useLocalDpi xmlns:a14="http://schemas.microsoft.com/office/drawing/2010/main" val="0"/>
+              </a:ext>
+            </a:extLst>
+          </a:blip>
           <a:stretch>
             <a:fillRect/>
           </a:stretch>
         </p:blipFill>
         <p:spPr>
           <a:xfrm>
-            <a:off x="69271" y="1631312"/>
-            <a:ext cx="12053457" cy="3536605"/>
+            <a:off x="3095719" y="0"/>
+            <a:ext cx="7248437" cy="6858000"/>
           </a:xfrm>
           <a:prstGeom prst="rect">
             <a:avLst/>
@@ -6847,7 +9152,7 @@
     </p:spTree>
     <p:extLst>
       <p:ext uri="{BB962C8B-B14F-4D97-AF65-F5344CB8AC3E}">
-        <p14:creationId xmlns:p14="http://schemas.microsoft.com/office/powerpoint/2010/main" val="1500344728"/>
+        <p14:creationId xmlns:p14="http://schemas.microsoft.com/office/powerpoint/2010/main" val="587036575"/>
       </p:ext>
     </p:extLst>
   </p:cSld>
@@ -6922,30 +9227,7 @@
       </p:grpSpPr>
       <p:sp>
         <p:nvSpPr>
-          <p:cNvPr id="2" name="Titre 1"/>
-          <p:cNvSpPr>
-            <a:spLocks noGrp="1"/>
-          </p:cNvSpPr>
-          <p:nvPr>
-            <p:ph type="title"/>
-          </p:nvPr>
-        </p:nvSpPr>
-        <p:spPr/>
-        <p:txBody>
-          <a:bodyPr/>
-          <a:lstStyle/>
-          <a:p>
-            <a:r>
-              <a:rPr lang="fr-FR" dirty="0" smtClean="0"/>
-              <a:t>MLD</a:t>
-            </a:r>
-            <a:endParaRPr lang="fr-FR" dirty="0"/>
-          </a:p>
-        </p:txBody>
-      </p:sp>
-      <p:sp>
-        <p:nvSpPr>
-          <p:cNvPr id="4" name="Espace réservé du numéro de diapositive 3"/>
+          <p:cNvPr id="6" name="Espace réservé du numéro de diapositive 5"/>
           <p:cNvSpPr>
             <a:spLocks noGrp="1"/>
           </p:cNvSpPr>
@@ -6974,24 +9256,69 @@
           </a:p>
         </p:txBody>
       </p:sp>
+      <p:sp>
+        <p:nvSpPr>
+          <p:cNvPr id="7" name="ZoneTexte 6"/>
+          <p:cNvSpPr txBox="1"/>
+          <p:nvPr/>
+        </p:nvSpPr>
+        <p:spPr>
+          <a:xfrm>
+            <a:off x="0" y="191149"/>
+            <a:ext cx="3426579" cy="954107"/>
+          </a:xfrm>
+          <a:prstGeom prst="rect">
+            <a:avLst/>
+          </a:prstGeom>
+          <a:noFill/>
+        </p:spPr>
+        <p:txBody>
+          <a:bodyPr wrap="none" rtlCol="0">
+            <a:spAutoFit/>
+          </a:bodyPr>
+          <a:lstStyle/>
+          <a:p>
+            <a:r>
+              <a:rPr lang="fr-FR" sz="2800" dirty="0"/>
+              <a:t>Diagramme </a:t>
+            </a:r>
+            <a:r>
+              <a:rPr lang="fr-FR" sz="2800" dirty="0" smtClean="0"/>
+              <a:t>séquence </a:t>
+            </a:r>
+            <a:endParaRPr lang="fr-FR" sz="2800" dirty="0"/>
+          </a:p>
+          <a:p>
+            <a:r>
+              <a:rPr lang="fr-FR" sz="2800" dirty="0"/>
+              <a:t>Création de compte</a:t>
+            </a:r>
+            <a:endParaRPr lang="fr-FR" sz="2800" dirty="0"/>
+          </a:p>
+        </p:txBody>
+      </p:sp>
       <p:pic>
         <p:nvPicPr>
-          <p:cNvPr id="3" name="Image 2"/>
-          <p:cNvPicPr>
-            <a:picLocks noChangeAspect="1"/>
-          </p:cNvPicPr>
+          <p:cNvPr id="8" name="Image 7"/>
+          <p:cNvPicPr/>
           <p:nvPr/>
         </p:nvPicPr>
         <p:blipFill>
-          <a:blip r:embed="rId2"/>
+          <a:blip r:embed="rId2" cstate="print">
+            <a:extLst>
+              <a:ext uri="{28A0092B-C50C-407E-A947-70E740481C1C}">
+                <a14:useLocalDpi xmlns:a14="http://schemas.microsoft.com/office/drawing/2010/main" val="0"/>
+              </a:ext>
+            </a:extLst>
+          </a:blip>
           <a:stretch>
             <a:fillRect/>
           </a:stretch>
         </p:blipFill>
         <p:spPr>
           <a:xfrm>
-            <a:off x="85106" y="1690688"/>
-            <a:ext cx="12027726" cy="3641887"/>
+            <a:off x="3316132" y="29210"/>
+            <a:ext cx="8309610" cy="6327140"/>
           </a:xfrm>
           <a:prstGeom prst="rect">
             <a:avLst/>
@@ -7001,7 +9328,7 @@
     </p:spTree>
     <p:extLst>
       <p:ext uri="{BB962C8B-B14F-4D97-AF65-F5344CB8AC3E}">
-        <p14:creationId xmlns:p14="http://schemas.microsoft.com/office/powerpoint/2010/main" val="1918792777"/>
+        <p14:creationId xmlns:p14="http://schemas.microsoft.com/office/powerpoint/2010/main" val="3315402572"/>
       </p:ext>
     </p:extLst>
   </p:cSld>
@@ -7107,14 +9434,14 @@
       </p:sp>
       <p:sp>
         <p:nvSpPr>
-          <p:cNvPr id="5" name="ZoneTexte 4"/>
+          <p:cNvPr id="7" name="ZoneTexte 6"/>
           <p:cNvSpPr txBox="1"/>
           <p:nvPr/>
         </p:nvSpPr>
         <p:spPr>
           <a:xfrm>
             <a:off x="0" y="191149"/>
-            <a:ext cx="2185278" cy="523220"/>
+            <a:ext cx="3095719" cy="954107"/>
           </a:xfrm>
           <a:prstGeom prst="rect">
             <a:avLst/>
@@ -7129,14 +9456,21 @@
           <a:p>
             <a:r>
               <a:rPr lang="fr-FR" sz="2800" dirty="0" smtClean="0"/>
-              <a:t>Arborescence</a:t>
-            </a:r>
+              <a:t>Diagramme activité </a:t>
+            </a:r>
+          </a:p>
+          <a:p>
+            <a:r>
+              <a:rPr lang="fr-FR" sz="2800" dirty="0" smtClean="0"/>
+              <a:t>Connexion</a:t>
+            </a:r>
+            <a:endParaRPr lang="fr-FR" sz="2800" dirty="0"/>
           </a:p>
         </p:txBody>
       </p:sp>
       <p:pic>
         <p:nvPicPr>
-          <p:cNvPr id="7" name="Image 6"/>
+          <p:cNvPr id="5" name="Image 4"/>
           <p:cNvPicPr/>
           <p:nvPr/>
         </p:nvPicPr>
@@ -7154,36 +9488,8 @@
         </p:blipFill>
         <p:spPr>
           <a:xfrm>
-            <a:off x="991694" y="817286"/>
-            <a:ext cx="5603240" cy="5337175"/>
-          </a:xfrm>
-          <a:prstGeom prst="rect">
-            <a:avLst/>
-          </a:prstGeom>
-        </p:spPr>
-      </p:pic>
-      <p:pic>
-        <p:nvPicPr>
-          <p:cNvPr id="8" name="Image 7"/>
-          <p:cNvPicPr/>
-          <p:nvPr/>
-        </p:nvPicPr>
-        <p:blipFill>
-          <a:blip r:embed="rId3" cstate="print">
-            <a:extLst>
-              <a:ext uri="{28A0092B-C50C-407E-A947-70E740481C1C}">
-                <a14:useLocalDpi xmlns:a14="http://schemas.microsoft.com/office/drawing/2010/main" val="0"/>
-              </a:ext>
-            </a:extLst>
-          </a:blip>
-          <a:stretch>
-            <a:fillRect/>
-          </a:stretch>
-        </p:blipFill>
-        <p:spPr>
-          <a:xfrm>
-            <a:off x="7218045" y="1714858"/>
-            <a:ext cx="1392555" cy="3542030"/>
+            <a:off x="2922821" y="113466"/>
+            <a:ext cx="7536045" cy="6527615"/>
           </a:xfrm>
           <a:prstGeom prst="rect">
             <a:avLst/>
@@ -7193,7 +9499,7 @@
     </p:spTree>
     <p:extLst>
       <p:ext uri="{BB962C8B-B14F-4D97-AF65-F5344CB8AC3E}">
-        <p14:creationId xmlns:p14="http://schemas.microsoft.com/office/powerpoint/2010/main" val="204873998"/>
+        <p14:creationId xmlns:p14="http://schemas.microsoft.com/office/powerpoint/2010/main" val="2965787667"/>
       </p:ext>
     </p:extLst>
   </p:cSld>
@@ -7266,30 +9572,6 @@
           <a:chExt cx="0" cy="0"/>
         </a:xfrm>
       </p:grpSpPr>
-      <p:pic>
-        <p:nvPicPr>
-          <p:cNvPr id="4" name="Image 3"/>
-          <p:cNvPicPr>
-            <a:picLocks noChangeAspect="1"/>
-          </p:cNvPicPr>
-          <p:nvPr/>
-        </p:nvPicPr>
-        <p:blipFill>
-          <a:blip r:embed="rId2"/>
-          <a:stretch>
-            <a:fillRect/>
-          </a:stretch>
-        </p:blipFill>
-        <p:spPr>
-          <a:xfrm>
-            <a:off x="3943767" y="-7609"/>
-            <a:ext cx="6756400" cy="6865609"/>
-          </a:xfrm>
-          <a:prstGeom prst="rect">
-            <a:avLst/>
-          </a:prstGeom>
-        </p:spPr>
-      </p:pic>
       <p:sp>
         <p:nvSpPr>
           <p:cNvPr id="6" name="Espace réservé du numéro de diapositive 5"/>
@@ -7323,14 +9605,14 @@
       </p:sp>
       <p:sp>
         <p:nvSpPr>
-          <p:cNvPr id="5" name="ZoneTexte 4"/>
+          <p:cNvPr id="7" name="ZoneTexte 6"/>
           <p:cNvSpPr txBox="1"/>
           <p:nvPr/>
         </p:nvSpPr>
         <p:spPr>
           <a:xfrm>
             <a:off x="0" y="191149"/>
-            <a:ext cx="3870547" cy="523220"/>
+            <a:ext cx="3095719" cy="954107"/>
           </a:xfrm>
           <a:prstGeom prst="rect">
             <a:avLst/>
@@ -7344,21 +9626,51 @@
           <a:lstStyle/>
           <a:p>
             <a:r>
-              <a:rPr lang="fr-FR" sz="2800" dirty="0" err="1" smtClean="0"/>
-              <a:t>Wireframe</a:t>
-            </a:r>
-            <a:r>
               <a:rPr lang="fr-FR" sz="2800" dirty="0" smtClean="0"/>
-              <a:t> page d’accueil</a:t>
+              <a:t>Diagramme activité </a:t>
+            </a:r>
+          </a:p>
+          <a:p>
+            <a:r>
+              <a:rPr lang="fr-FR" sz="2800" dirty="0" smtClean="0"/>
+              <a:t>Connexion</a:t>
             </a:r>
             <a:endParaRPr lang="fr-FR" sz="2800" dirty="0"/>
           </a:p>
         </p:txBody>
       </p:sp>
+      <p:pic>
+        <p:nvPicPr>
+          <p:cNvPr id="5" name="Image 4"/>
+          <p:cNvPicPr/>
+          <p:nvPr/>
+        </p:nvPicPr>
+        <p:blipFill>
+          <a:blip r:embed="rId2" cstate="print">
+            <a:extLst>
+              <a:ext uri="{28A0092B-C50C-407E-A947-70E740481C1C}">
+                <a14:useLocalDpi xmlns:a14="http://schemas.microsoft.com/office/drawing/2010/main" val="0"/>
+              </a:ext>
+            </a:extLst>
+          </a:blip>
+          <a:stretch>
+            <a:fillRect/>
+          </a:stretch>
+        </p:blipFill>
+        <p:spPr>
+          <a:xfrm>
+            <a:off x="3014389" y="125730"/>
+            <a:ext cx="8686165" cy="6230620"/>
+          </a:xfrm>
+          <a:prstGeom prst="rect">
+            <a:avLst/>
+          </a:prstGeom>
+        </p:spPr>
+      </p:pic>
     </p:spTree>
     <p:extLst>
       <p:ext uri="{BB962C8B-B14F-4D97-AF65-F5344CB8AC3E}">
-        <p14:creationId xmlns:p14="http://schemas.microsoft.com/office/powerpoint/2010/main" val="358294341"/>
+        <p14:creationId xmlns:p14="http://schemas.microsoft.com/office/powerpoint/2010/main" val="3199172252"/>
       </p:ext>
     </p:extLst>
   </p:cSld>
@@ -7462,9 +9774,80 @@
           </a:p>
         </p:txBody>
       </p:sp>
+      <p:sp>
+        <p:nvSpPr>
+          <p:cNvPr id="7" name="ZoneTexte 6"/>
+          <p:cNvSpPr txBox="1"/>
+          <p:nvPr/>
+        </p:nvSpPr>
+        <p:spPr>
+          <a:xfrm>
+            <a:off x="0" y="191149"/>
+            <a:ext cx="3095719" cy="954107"/>
+          </a:xfrm>
+          <a:prstGeom prst="rect">
+            <a:avLst/>
+          </a:prstGeom>
+          <a:noFill/>
+        </p:spPr>
+        <p:txBody>
+          <a:bodyPr wrap="none" rtlCol="0">
+            <a:spAutoFit/>
+          </a:bodyPr>
+          <a:lstStyle/>
+          <a:p>
+            <a:r>
+              <a:rPr lang="fr-FR" sz="2800" dirty="0" smtClean="0"/>
+              <a:t>Diagramme activité </a:t>
+            </a:r>
+          </a:p>
+          <a:p>
+            <a:r>
+              <a:rPr lang="fr-FR" sz="2800" dirty="0" smtClean="0"/>
+              <a:t>Déconnexion</a:t>
+            </a:r>
+            <a:endParaRPr lang="fr-FR" sz="2800" dirty="0"/>
+          </a:p>
+        </p:txBody>
+      </p:sp>
+      <p:sp>
+        <p:nvSpPr>
+          <p:cNvPr id="5" name="Rectangle 4"/>
+          <p:cNvSpPr/>
+          <p:nvPr/>
+        </p:nvSpPr>
+        <p:spPr>
+          <a:xfrm>
+            <a:off x="328660" y="3679153"/>
+            <a:ext cx="2625284" cy="1384995"/>
+          </a:xfrm>
+          <a:prstGeom prst="rect">
+            <a:avLst/>
+          </a:prstGeom>
+        </p:spPr>
+        <p:txBody>
+          <a:bodyPr wrap="square">
+            <a:spAutoFit/>
+          </a:bodyPr>
+          <a:lstStyle/>
+          <a:p>
+            <a:r>
+              <a:rPr lang="fr-FR" sz="2800" dirty="0"/>
+              <a:t>Diagramme séquence</a:t>
+            </a:r>
+          </a:p>
+          <a:p>
+            <a:r>
+              <a:rPr lang="fr-FR" sz="2800" dirty="0"/>
+              <a:t>Déconnexion</a:t>
+            </a:r>
+            <a:endParaRPr lang="fr-FR" sz="2800" dirty="0"/>
+          </a:p>
+        </p:txBody>
+      </p:sp>
       <p:pic>
         <p:nvPicPr>
-          <p:cNvPr id="5" name="Image 4"/>
+          <p:cNvPr id="9" name="Image 8"/>
           <p:cNvPicPr/>
           <p:nvPr/>
         </p:nvPicPr>
@@ -7482,52 +9865,46 @@
         </p:blipFill>
         <p:spPr>
           <a:xfrm>
-            <a:off x="3317202" y="60070"/>
-            <a:ext cx="5105957" cy="6744534"/>
+            <a:off x="3615784" y="65840"/>
+            <a:ext cx="4533265" cy="3295650"/>
           </a:xfrm>
           <a:prstGeom prst="rect">
             <a:avLst/>
           </a:prstGeom>
         </p:spPr>
       </p:pic>
-      <p:sp>
-        <p:nvSpPr>
-          <p:cNvPr id="7" name="ZoneTexte 6"/>
-          <p:cNvSpPr txBox="1"/>
+      <p:pic>
+        <p:nvPicPr>
+          <p:cNvPr id="10" name="Image 9"/>
+          <p:cNvPicPr/>
           <p:nvPr/>
-        </p:nvSpPr>
-        <p:spPr>
-          <a:xfrm>
-            <a:off x="0" y="191149"/>
-            <a:ext cx="3064685" cy="523220"/>
+        </p:nvPicPr>
+        <p:blipFill>
+          <a:blip r:embed="rId3">
+            <a:extLst>
+              <a:ext uri="{28A0092B-C50C-407E-A947-70E740481C1C}">
+                <a14:useLocalDpi xmlns:a14="http://schemas.microsoft.com/office/drawing/2010/main" val="0"/>
+              </a:ext>
+            </a:extLst>
+          </a:blip>
+          <a:stretch>
+            <a:fillRect/>
+          </a:stretch>
+        </p:blipFill>
+        <p:spPr>
+          <a:xfrm>
+            <a:off x="3048367" y="3679153"/>
+            <a:ext cx="6188710" cy="2476500"/>
           </a:xfrm>
           <a:prstGeom prst="rect">
             <a:avLst/>
           </a:prstGeom>
-          <a:noFill/>
-        </p:spPr>
-        <p:txBody>
-          <a:bodyPr wrap="none" rtlCol="0">
-            <a:spAutoFit/>
-          </a:bodyPr>
-          <a:lstStyle/>
-          <a:p>
-            <a:r>
-              <a:rPr lang="fr-FR" sz="2800" dirty="0" err="1" smtClean="0"/>
-              <a:t>Wireframe</a:t>
-            </a:r>
-            <a:r>
-              <a:rPr lang="fr-FR" sz="2800" dirty="0" smtClean="0"/>
-              <a:t> page jeu</a:t>
-            </a:r>
-            <a:endParaRPr lang="fr-FR" sz="2800" dirty="0"/>
-          </a:p>
-        </p:txBody>
-      </p:sp>
+        </p:spPr>
+      </p:pic>
     </p:spTree>
     <p:extLst>
       <p:ext uri="{BB962C8B-B14F-4D97-AF65-F5344CB8AC3E}">
-        <p14:creationId xmlns:p14="http://schemas.microsoft.com/office/powerpoint/2010/main" val="3242587382"/>
+        <p14:creationId xmlns:p14="http://schemas.microsoft.com/office/powerpoint/2010/main" val="1453247020"/>
       </p:ext>
     </p:extLst>
   </p:cSld>

--- a/Conception/Rotten potatoes.pptx
+++ b/Conception/Rotten potatoes.pptx
@@ -5,7 +5,7 @@
     <p:sldMasterId id="2147483648" r:id="rId1"/>
   </p:sldMasterIdLst>
   <p:notesMasterIdLst>
-    <p:notesMasterId r:id="rId34"/>
+    <p:notesMasterId r:id="rId39"/>
   </p:notesMasterIdLst>
   <p:sldIdLst>
     <p:sldId id="256" r:id="rId2"/>
@@ -27,19 +27,24 @@
     <p:sldId id="279" r:id="rId18"/>
     <p:sldId id="283" r:id="rId19"/>
     <p:sldId id="293" r:id="rId20"/>
-    <p:sldId id="261" r:id="rId21"/>
-    <p:sldId id="294" r:id="rId22"/>
-    <p:sldId id="268" r:id="rId23"/>
-    <p:sldId id="264" r:id="rId24"/>
-    <p:sldId id="295" r:id="rId25"/>
-    <p:sldId id="296" r:id="rId26"/>
-    <p:sldId id="297" r:id="rId27"/>
-    <p:sldId id="281" r:id="rId28"/>
-    <p:sldId id="271" r:id="rId29"/>
-    <p:sldId id="280" r:id="rId30"/>
-    <p:sldId id="272" r:id="rId31"/>
-    <p:sldId id="276" r:id="rId32"/>
-    <p:sldId id="270" r:id="rId33"/>
+    <p:sldId id="294" r:id="rId21"/>
+    <p:sldId id="268" r:id="rId22"/>
+    <p:sldId id="264" r:id="rId23"/>
+    <p:sldId id="295" r:id="rId24"/>
+    <p:sldId id="296" r:id="rId25"/>
+    <p:sldId id="297" r:id="rId26"/>
+    <p:sldId id="281" r:id="rId27"/>
+    <p:sldId id="271" r:id="rId28"/>
+    <p:sldId id="306" r:id="rId29"/>
+    <p:sldId id="299" r:id="rId30"/>
+    <p:sldId id="300" r:id="rId31"/>
+    <p:sldId id="272" r:id="rId32"/>
+    <p:sldId id="301" r:id="rId33"/>
+    <p:sldId id="307" r:id="rId34"/>
+    <p:sldId id="308" r:id="rId35"/>
+    <p:sldId id="304" r:id="rId36"/>
+    <p:sldId id="305" r:id="rId37"/>
+    <p:sldId id="302" r:id="rId38"/>
   </p:sldIdLst>
   <p:sldSz cx="12192000" cy="6858000"/>
   <p:notesSz cx="6858000" cy="9144000"/>
@@ -228,7 +233,7 @@
           <a:p>
             <a:fld id="{16A0A46D-C829-4EBD-AAD7-A55184284880}" type="datetimeFigureOut">
               <a:rPr lang="fr-FR" smtClean="0"/>
-              <a:t>31/05/2022</a:t>
+              <a:t>14/06/2022</a:t>
             </a:fld>
             <a:endParaRPr lang="fr-FR"/>
           </a:p>
@@ -496,6 +501,2658 @@
 </p:notesMaster>
 </file>
 
+<file path=ppt/notesSlides/notesSlide1.xml><?xml version="1.0" encoding="utf-8"?>
+<p:notes xmlns:a="http://schemas.openxmlformats.org/drawingml/2006/main" xmlns:r="http://schemas.openxmlformats.org/officeDocument/2006/relationships" xmlns:p="http://schemas.openxmlformats.org/presentationml/2006/main">
+  <p:cSld>
+    <p:spTree>
+      <p:nvGrpSpPr>
+        <p:cNvPr id="1" name=""/>
+        <p:cNvGrpSpPr/>
+        <p:nvPr/>
+      </p:nvGrpSpPr>
+      <p:grpSpPr>
+        <a:xfrm>
+          <a:off x="0" y="0"/>
+          <a:ext cx="0" cy="0"/>
+          <a:chOff x="0" y="0"/>
+          <a:chExt cx="0" cy="0"/>
+        </a:xfrm>
+      </p:grpSpPr>
+      <p:sp>
+        <p:nvSpPr>
+          <p:cNvPr id="2" name="Espace réservé de l'image des diapositives 1"/>
+          <p:cNvSpPr>
+            <a:spLocks noGrp="1" noRot="1" noChangeAspect="1"/>
+          </p:cNvSpPr>
+          <p:nvPr>
+            <p:ph type="sldImg"/>
+          </p:nvPr>
+        </p:nvSpPr>
+        <p:spPr/>
+      </p:sp>
+      <p:sp>
+        <p:nvSpPr>
+          <p:cNvPr id="3" name="Espace réservé des notes 2"/>
+          <p:cNvSpPr>
+            <a:spLocks noGrp="1"/>
+          </p:cNvSpPr>
+          <p:nvPr>
+            <p:ph type="body" idx="1"/>
+          </p:nvPr>
+        </p:nvSpPr>
+        <p:spPr/>
+        <p:txBody>
+          <a:bodyPr/>
+          <a:lstStyle/>
+          <a:p>
+            <a:endParaRPr lang="fr-FR" dirty="0"/>
+          </a:p>
+        </p:txBody>
+      </p:sp>
+      <p:sp>
+        <p:nvSpPr>
+          <p:cNvPr id="4" name="Espace réservé du numéro de diapositive 3"/>
+          <p:cNvSpPr>
+            <a:spLocks noGrp="1"/>
+          </p:cNvSpPr>
+          <p:nvPr>
+            <p:ph type="sldNum" sz="quarter" idx="10"/>
+          </p:nvPr>
+        </p:nvSpPr>
+        <p:spPr/>
+        <p:txBody>
+          <a:bodyPr/>
+          <a:lstStyle/>
+          <a:p>
+            <a:fld id="{DCCE671D-D745-4191-B514-E5210ACDB5F4}" type="slidenum">
+              <a:rPr lang="fr-FR" smtClean="0"/>
+              <a:t>1</a:t>
+            </a:fld>
+            <a:endParaRPr lang="fr-FR"/>
+          </a:p>
+        </p:txBody>
+      </p:sp>
+    </p:spTree>
+    <p:extLst>
+      <p:ext uri="{BB962C8B-B14F-4D97-AF65-F5344CB8AC3E}">
+        <p14:creationId xmlns:p14="http://schemas.microsoft.com/office/powerpoint/2010/main" val="1788728147"/>
+      </p:ext>
+    </p:extLst>
+  </p:cSld>
+  <p:clrMapOvr>
+    <a:masterClrMapping/>
+  </p:clrMapOvr>
+</p:notes>
+</file>
+
+<file path=ppt/notesSlides/notesSlide10.xml><?xml version="1.0" encoding="utf-8"?>
+<p:notes xmlns:a="http://schemas.openxmlformats.org/drawingml/2006/main" xmlns:r="http://schemas.openxmlformats.org/officeDocument/2006/relationships" xmlns:p="http://schemas.openxmlformats.org/presentationml/2006/main">
+  <p:cSld>
+    <p:spTree>
+      <p:nvGrpSpPr>
+        <p:cNvPr id="1" name=""/>
+        <p:cNvGrpSpPr/>
+        <p:nvPr/>
+      </p:nvGrpSpPr>
+      <p:grpSpPr>
+        <a:xfrm>
+          <a:off x="0" y="0"/>
+          <a:ext cx="0" cy="0"/>
+          <a:chOff x="0" y="0"/>
+          <a:chExt cx="0" cy="0"/>
+        </a:xfrm>
+      </p:grpSpPr>
+      <p:sp>
+        <p:nvSpPr>
+          <p:cNvPr id="2" name="Espace réservé de l'image des diapositives 1"/>
+          <p:cNvSpPr>
+            <a:spLocks noGrp="1" noRot="1" noChangeAspect="1"/>
+          </p:cNvSpPr>
+          <p:nvPr>
+            <p:ph type="sldImg"/>
+          </p:nvPr>
+        </p:nvSpPr>
+        <p:spPr/>
+      </p:sp>
+      <p:sp>
+        <p:nvSpPr>
+          <p:cNvPr id="3" name="Espace réservé des notes 2"/>
+          <p:cNvSpPr>
+            <a:spLocks noGrp="1"/>
+          </p:cNvSpPr>
+          <p:nvPr>
+            <p:ph type="body" idx="1"/>
+          </p:nvPr>
+        </p:nvSpPr>
+        <p:spPr/>
+        <p:txBody>
+          <a:bodyPr/>
+          <a:lstStyle/>
+          <a:p>
+            <a:r>
+              <a:rPr lang="fr-FR" dirty="0" smtClean="0"/>
+              <a:t>Préciser que</a:t>
+            </a:r>
+            <a:r>
+              <a:rPr lang="fr-FR" baseline="0" dirty="0" smtClean="0"/>
+              <a:t> les </a:t>
+            </a:r>
+            <a:r>
+              <a:rPr lang="fr-FR" baseline="0" dirty="0" err="1" smtClean="0"/>
+              <a:t>reviews</a:t>
+            </a:r>
+            <a:r>
+              <a:rPr lang="fr-FR" baseline="0" dirty="0" smtClean="0"/>
+              <a:t> sont sensé êtres avec les commentaires</a:t>
+            </a:r>
+            <a:endParaRPr lang="fr-FR" dirty="0"/>
+          </a:p>
+        </p:txBody>
+      </p:sp>
+      <p:sp>
+        <p:nvSpPr>
+          <p:cNvPr id="4" name="Espace réservé du numéro de diapositive 3"/>
+          <p:cNvSpPr>
+            <a:spLocks noGrp="1"/>
+          </p:cNvSpPr>
+          <p:nvPr>
+            <p:ph type="sldNum" sz="quarter" idx="10"/>
+          </p:nvPr>
+        </p:nvSpPr>
+        <p:spPr/>
+        <p:txBody>
+          <a:bodyPr/>
+          <a:lstStyle/>
+          <a:p>
+            <a:fld id="{DCCE671D-D745-4191-B514-E5210ACDB5F4}" type="slidenum">
+              <a:rPr lang="fr-FR" smtClean="0"/>
+              <a:t>15</a:t>
+            </a:fld>
+            <a:endParaRPr lang="fr-FR"/>
+          </a:p>
+        </p:txBody>
+      </p:sp>
+    </p:spTree>
+    <p:extLst>
+      <p:ext uri="{BB962C8B-B14F-4D97-AF65-F5344CB8AC3E}">
+        <p14:creationId xmlns:p14="http://schemas.microsoft.com/office/powerpoint/2010/main" val="3651255985"/>
+      </p:ext>
+    </p:extLst>
+  </p:cSld>
+  <p:clrMapOvr>
+    <a:masterClrMapping/>
+  </p:clrMapOvr>
+</p:notes>
+</file>
+
+<file path=ppt/notesSlides/notesSlide11.xml><?xml version="1.0" encoding="utf-8"?>
+<p:notes xmlns:a="http://schemas.openxmlformats.org/drawingml/2006/main" xmlns:r="http://schemas.openxmlformats.org/officeDocument/2006/relationships" xmlns:p="http://schemas.openxmlformats.org/presentationml/2006/main">
+  <p:cSld>
+    <p:spTree>
+      <p:nvGrpSpPr>
+        <p:cNvPr id="1" name=""/>
+        <p:cNvGrpSpPr/>
+        <p:nvPr/>
+      </p:nvGrpSpPr>
+      <p:grpSpPr>
+        <a:xfrm>
+          <a:off x="0" y="0"/>
+          <a:ext cx="0" cy="0"/>
+          <a:chOff x="0" y="0"/>
+          <a:chExt cx="0" cy="0"/>
+        </a:xfrm>
+      </p:grpSpPr>
+      <p:sp>
+        <p:nvSpPr>
+          <p:cNvPr id="2" name="Espace réservé de l'image des diapositives 1"/>
+          <p:cNvSpPr>
+            <a:spLocks noGrp="1" noRot="1" noChangeAspect="1"/>
+          </p:cNvSpPr>
+          <p:nvPr>
+            <p:ph type="sldImg"/>
+          </p:nvPr>
+        </p:nvSpPr>
+        <p:spPr/>
+      </p:sp>
+      <p:sp>
+        <p:nvSpPr>
+          <p:cNvPr id="3" name="Espace réservé des notes 2"/>
+          <p:cNvSpPr>
+            <a:spLocks noGrp="1"/>
+          </p:cNvSpPr>
+          <p:nvPr>
+            <p:ph type="body" idx="1"/>
+          </p:nvPr>
+        </p:nvSpPr>
+        <p:spPr/>
+        <p:txBody>
+          <a:bodyPr/>
+          <a:lstStyle/>
+          <a:p>
+            <a:r>
+              <a:rPr lang="fr-FR" dirty="0" smtClean="0"/>
+              <a:t>Expliquer</a:t>
+            </a:r>
+            <a:r>
+              <a:rPr lang="fr-FR" baseline="0" dirty="0" smtClean="0"/>
+              <a:t> que actu était prévu mais n’a pas été plus loin dans la conception par manque de temps, d’où l’absence de lien avec le reste</a:t>
+            </a:r>
+          </a:p>
+          <a:p>
+            <a:endParaRPr lang="fr-FR" baseline="0" dirty="0" smtClean="0"/>
+          </a:p>
+          <a:p>
+            <a:r>
+              <a:rPr lang="fr-FR" baseline="0" dirty="0" smtClean="0"/>
+              <a:t>Noter et commenter séparé : choix de conception</a:t>
+            </a:r>
+          </a:p>
+          <a:p>
+            <a:endParaRPr lang="fr-FR" baseline="0" dirty="0" smtClean="0"/>
+          </a:p>
+          <a:p>
+            <a:r>
+              <a:rPr lang="fr-FR" baseline="0" dirty="0" smtClean="0"/>
+              <a:t>Tables : </a:t>
+            </a:r>
+            <a:r>
+              <a:rPr lang="fr-FR" baseline="0" dirty="0" err="1" smtClean="0"/>
+              <a:t>entitées</a:t>
+            </a:r>
+            <a:endParaRPr lang="fr-FR" baseline="0" dirty="0" smtClean="0"/>
+          </a:p>
+          <a:p>
+            <a:r>
+              <a:rPr lang="fr-FR" baseline="0" dirty="0" smtClean="0"/>
+              <a:t>Associations (associer, </a:t>
+            </a:r>
+            <a:r>
+              <a:rPr lang="fr-FR" baseline="0" dirty="0" err="1" smtClean="0"/>
+              <a:t>editer</a:t>
+            </a:r>
+            <a:r>
+              <a:rPr lang="fr-FR" baseline="0" dirty="0" smtClean="0"/>
+              <a:t>…) </a:t>
+            </a:r>
+          </a:p>
+          <a:p>
+            <a:r>
+              <a:rPr lang="fr-FR" baseline="0" dirty="0" smtClean="0"/>
+              <a:t>Cardinalités (0,1, 0,n)</a:t>
+            </a:r>
+          </a:p>
+          <a:p>
+            <a:endParaRPr lang="fr-FR" baseline="0" dirty="0" smtClean="0"/>
+          </a:p>
+          <a:p>
+            <a:endParaRPr lang="fr-FR" dirty="0"/>
+          </a:p>
+        </p:txBody>
+      </p:sp>
+      <p:sp>
+        <p:nvSpPr>
+          <p:cNvPr id="4" name="Espace réservé du numéro de diapositive 3"/>
+          <p:cNvSpPr>
+            <a:spLocks noGrp="1"/>
+          </p:cNvSpPr>
+          <p:nvPr>
+            <p:ph type="sldNum" sz="quarter" idx="10"/>
+          </p:nvPr>
+        </p:nvSpPr>
+        <p:spPr/>
+        <p:txBody>
+          <a:bodyPr/>
+          <a:lstStyle/>
+          <a:p>
+            <a:fld id="{DCCE671D-D745-4191-B514-E5210ACDB5F4}" type="slidenum">
+              <a:rPr lang="fr-FR" smtClean="0"/>
+              <a:t>16</a:t>
+            </a:fld>
+            <a:endParaRPr lang="fr-FR"/>
+          </a:p>
+        </p:txBody>
+      </p:sp>
+    </p:spTree>
+    <p:extLst>
+      <p:ext uri="{BB962C8B-B14F-4D97-AF65-F5344CB8AC3E}">
+        <p14:creationId xmlns:p14="http://schemas.microsoft.com/office/powerpoint/2010/main" val="82373833"/>
+      </p:ext>
+    </p:extLst>
+  </p:cSld>
+  <p:clrMapOvr>
+    <a:masterClrMapping/>
+  </p:clrMapOvr>
+</p:notes>
+</file>
+
+<file path=ppt/notesSlides/notesSlide12.xml><?xml version="1.0" encoding="utf-8"?>
+<p:notes xmlns:a="http://schemas.openxmlformats.org/drawingml/2006/main" xmlns:r="http://schemas.openxmlformats.org/officeDocument/2006/relationships" xmlns:p="http://schemas.openxmlformats.org/presentationml/2006/main">
+  <p:cSld>
+    <p:spTree>
+      <p:nvGrpSpPr>
+        <p:cNvPr id="1" name=""/>
+        <p:cNvGrpSpPr/>
+        <p:nvPr/>
+      </p:nvGrpSpPr>
+      <p:grpSpPr>
+        <a:xfrm>
+          <a:off x="0" y="0"/>
+          <a:ext cx="0" cy="0"/>
+          <a:chOff x="0" y="0"/>
+          <a:chExt cx="0" cy="0"/>
+        </a:xfrm>
+      </p:grpSpPr>
+      <p:sp>
+        <p:nvSpPr>
+          <p:cNvPr id="2" name="Espace réservé de l'image des diapositives 1"/>
+          <p:cNvSpPr>
+            <a:spLocks noGrp="1" noRot="1" noChangeAspect="1"/>
+          </p:cNvSpPr>
+          <p:nvPr>
+            <p:ph type="sldImg"/>
+          </p:nvPr>
+        </p:nvSpPr>
+        <p:spPr/>
+      </p:sp>
+      <p:sp>
+        <p:nvSpPr>
+          <p:cNvPr id="3" name="Espace réservé des notes 2"/>
+          <p:cNvSpPr>
+            <a:spLocks noGrp="1"/>
+          </p:cNvSpPr>
+          <p:nvPr>
+            <p:ph type="body" idx="1"/>
+          </p:nvPr>
+        </p:nvSpPr>
+        <p:spPr/>
+        <p:txBody>
+          <a:bodyPr/>
+          <a:lstStyle/>
+          <a:p>
+            <a:r>
+              <a:rPr lang="fr-FR" dirty="0" smtClean="0"/>
+              <a:t>Entités deviennent tables</a:t>
+            </a:r>
+          </a:p>
+          <a:p>
+            <a:endParaRPr lang="fr-FR" dirty="0" smtClean="0"/>
+          </a:p>
+          <a:p>
+            <a:r>
+              <a:rPr lang="fr-FR" dirty="0" err="1" smtClean="0"/>
+              <a:t>Absorbtion</a:t>
+            </a:r>
+            <a:r>
+              <a:rPr lang="fr-FR" baseline="0" dirty="0" smtClean="0"/>
+              <a:t> de clé primaire</a:t>
+            </a:r>
+          </a:p>
+          <a:p>
+            <a:endParaRPr lang="fr-FR" baseline="0" dirty="0" smtClean="0"/>
+          </a:p>
+          <a:p>
+            <a:r>
+              <a:rPr lang="fr-FR" baseline="0" dirty="0" smtClean="0"/>
+              <a:t>Tables d’</a:t>
+            </a:r>
+            <a:r>
+              <a:rPr lang="fr-FR" baseline="0" dirty="0" err="1" smtClean="0"/>
+              <a:t>assos</a:t>
+            </a:r>
+            <a:r>
+              <a:rPr lang="fr-FR" baseline="0" dirty="0" smtClean="0"/>
+              <a:t> pour les 0,n </a:t>
+            </a:r>
+            <a:r>
+              <a:rPr lang="fr-FR" baseline="0" dirty="0" err="1" smtClean="0"/>
+              <a:t>0,n</a:t>
+            </a:r>
+            <a:endParaRPr lang="fr-FR" dirty="0"/>
+          </a:p>
+        </p:txBody>
+      </p:sp>
+      <p:sp>
+        <p:nvSpPr>
+          <p:cNvPr id="4" name="Espace réservé du numéro de diapositive 3"/>
+          <p:cNvSpPr>
+            <a:spLocks noGrp="1"/>
+          </p:cNvSpPr>
+          <p:nvPr>
+            <p:ph type="sldNum" sz="quarter" idx="10"/>
+          </p:nvPr>
+        </p:nvSpPr>
+        <p:spPr/>
+        <p:txBody>
+          <a:bodyPr/>
+          <a:lstStyle/>
+          <a:p>
+            <a:fld id="{DCCE671D-D745-4191-B514-E5210ACDB5F4}" type="slidenum">
+              <a:rPr lang="fr-FR" smtClean="0"/>
+              <a:t>17</a:t>
+            </a:fld>
+            <a:endParaRPr lang="fr-FR"/>
+          </a:p>
+        </p:txBody>
+      </p:sp>
+    </p:spTree>
+    <p:extLst>
+      <p:ext uri="{BB962C8B-B14F-4D97-AF65-F5344CB8AC3E}">
+        <p14:creationId xmlns:p14="http://schemas.microsoft.com/office/powerpoint/2010/main" val="808638423"/>
+      </p:ext>
+    </p:extLst>
+  </p:cSld>
+  <p:clrMapOvr>
+    <a:masterClrMapping/>
+  </p:clrMapOvr>
+</p:notes>
+</file>
+
+<file path=ppt/notesSlides/notesSlide13.xml><?xml version="1.0" encoding="utf-8"?>
+<p:notes xmlns:a="http://schemas.openxmlformats.org/drawingml/2006/main" xmlns:r="http://schemas.openxmlformats.org/officeDocument/2006/relationships" xmlns:p="http://schemas.openxmlformats.org/presentationml/2006/main">
+  <p:cSld>
+    <p:spTree>
+      <p:nvGrpSpPr>
+        <p:cNvPr id="1" name=""/>
+        <p:cNvGrpSpPr/>
+        <p:nvPr/>
+      </p:nvGrpSpPr>
+      <p:grpSpPr>
+        <a:xfrm>
+          <a:off x="0" y="0"/>
+          <a:ext cx="0" cy="0"/>
+          <a:chOff x="0" y="0"/>
+          <a:chExt cx="0" cy="0"/>
+        </a:xfrm>
+      </p:grpSpPr>
+      <p:sp>
+        <p:nvSpPr>
+          <p:cNvPr id="2" name="Espace réservé de l'image des diapositives 1"/>
+          <p:cNvSpPr>
+            <a:spLocks noGrp="1" noRot="1" noChangeAspect="1"/>
+          </p:cNvSpPr>
+          <p:nvPr>
+            <p:ph type="sldImg"/>
+          </p:nvPr>
+        </p:nvSpPr>
+        <p:spPr/>
+      </p:sp>
+      <p:sp>
+        <p:nvSpPr>
+          <p:cNvPr id="3" name="Espace réservé des notes 2"/>
+          <p:cNvSpPr>
+            <a:spLocks noGrp="1"/>
+          </p:cNvSpPr>
+          <p:nvPr>
+            <p:ph type="body" idx="1"/>
+          </p:nvPr>
+        </p:nvSpPr>
+        <p:spPr/>
+        <p:txBody>
+          <a:bodyPr/>
+          <a:lstStyle/>
+          <a:p>
+            <a:endParaRPr lang="fr-FR" dirty="0"/>
+          </a:p>
+        </p:txBody>
+      </p:sp>
+      <p:sp>
+        <p:nvSpPr>
+          <p:cNvPr id="4" name="Espace réservé du numéro de diapositive 3"/>
+          <p:cNvSpPr>
+            <a:spLocks noGrp="1"/>
+          </p:cNvSpPr>
+          <p:nvPr>
+            <p:ph type="sldNum" sz="quarter" idx="10"/>
+          </p:nvPr>
+        </p:nvSpPr>
+        <p:spPr/>
+        <p:txBody>
+          <a:bodyPr/>
+          <a:lstStyle/>
+          <a:p>
+            <a:fld id="{DCCE671D-D745-4191-B514-E5210ACDB5F4}" type="slidenum">
+              <a:rPr lang="fr-FR" smtClean="0"/>
+              <a:t>18</a:t>
+            </a:fld>
+            <a:endParaRPr lang="fr-FR"/>
+          </a:p>
+        </p:txBody>
+      </p:sp>
+    </p:spTree>
+    <p:extLst>
+      <p:ext uri="{BB962C8B-B14F-4D97-AF65-F5344CB8AC3E}">
+        <p14:creationId xmlns:p14="http://schemas.microsoft.com/office/powerpoint/2010/main" val="352209131"/>
+      </p:ext>
+    </p:extLst>
+  </p:cSld>
+  <p:clrMapOvr>
+    <a:masterClrMapping/>
+  </p:clrMapOvr>
+</p:notes>
+</file>
+
+<file path=ppt/notesSlides/notesSlide14.xml><?xml version="1.0" encoding="utf-8"?>
+<p:notes xmlns:a="http://schemas.openxmlformats.org/drawingml/2006/main" xmlns:r="http://schemas.openxmlformats.org/officeDocument/2006/relationships" xmlns:p="http://schemas.openxmlformats.org/presentationml/2006/main">
+  <p:cSld>
+    <p:spTree>
+      <p:nvGrpSpPr>
+        <p:cNvPr id="1" name=""/>
+        <p:cNvGrpSpPr/>
+        <p:nvPr/>
+      </p:nvGrpSpPr>
+      <p:grpSpPr>
+        <a:xfrm>
+          <a:off x="0" y="0"/>
+          <a:ext cx="0" cy="0"/>
+          <a:chOff x="0" y="0"/>
+          <a:chExt cx="0" cy="0"/>
+        </a:xfrm>
+      </p:grpSpPr>
+      <p:sp>
+        <p:nvSpPr>
+          <p:cNvPr id="2" name="Espace réservé de l'image des diapositives 1"/>
+          <p:cNvSpPr>
+            <a:spLocks noGrp="1" noRot="1" noChangeAspect="1"/>
+          </p:cNvSpPr>
+          <p:nvPr>
+            <p:ph type="sldImg"/>
+          </p:nvPr>
+        </p:nvSpPr>
+        <p:spPr/>
+      </p:sp>
+      <p:sp>
+        <p:nvSpPr>
+          <p:cNvPr id="3" name="Espace réservé des notes 2"/>
+          <p:cNvSpPr>
+            <a:spLocks noGrp="1"/>
+          </p:cNvSpPr>
+          <p:nvPr>
+            <p:ph type="body" idx="1"/>
+          </p:nvPr>
+        </p:nvSpPr>
+        <p:spPr/>
+        <p:txBody>
+          <a:bodyPr/>
+          <a:lstStyle/>
+          <a:p>
+            <a:r>
+              <a:rPr lang="fr-FR" dirty="0" smtClean="0"/>
+              <a:t>Pourquoi ces techno ? Ce sont</a:t>
+            </a:r>
+            <a:r>
+              <a:rPr lang="fr-FR" baseline="0" dirty="0" smtClean="0"/>
+              <a:t> celle que je maitrise le mieux</a:t>
+            </a:r>
+            <a:endParaRPr lang="fr-FR" dirty="0"/>
+          </a:p>
+        </p:txBody>
+      </p:sp>
+      <p:sp>
+        <p:nvSpPr>
+          <p:cNvPr id="4" name="Espace réservé du numéro de diapositive 3"/>
+          <p:cNvSpPr>
+            <a:spLocks noGrp="1"/>
+          </p:cNvSpPr>
+          <p:nvPr>
+            <p:ph type="sldNum" sz="quarter" idx="10"/>
+          </p:nvPr>
+        </p:nvSpPr>
+        <p:spPr/>
+        <p:txBody>
+          <a:bodyPr/>
+          <a:lstStyle/>
+          <a:p>
+            <a:fld id="{DCCE671D-D745-4191-B514-E5210ACDB5F4}" type="slidenum">
+              <a:rPr lang="fr-FR" smtClean="0"/>
+              <a:t>19</a:t>
+            </a:fld>
+            <a:endParaRPr lang="fr-FR"/>
+          </a:p>
+        </p:txBody>
+      </p:sp>
+    </p:spTree>
+    <p:extLst>
+      <p:ext uri="{BB962C8B-B14F-4D97-AF65-F5344CB8AC3E}">
+        <p14:creationId xmlns:p14="http://schemas.microsoft.com/office/powerpoint/2010/main" val="2075095627"/>
+      </p:ext>
+    </p:extLst>
+  </p:cSld>
+  <p:clrMapOvr>
+    <a:masterClrMapping/>
+  </p:clrMapOvr>
+</p:notes>
+</file>
+
+<file path=ppt/notesSlides/notesSlide15.xml><?xml version="1.0" encoding="utf-8"?>
+<p:notes xmlns:a="http://schemas.openxmlformats.org/drawingml/2006/main" xmlns:r="http://schemas.openxmlformats.org/officeDocument/2006/relationships" xmlns:p="http://schemas.openxmlformats.org/presentationml/2006/main">
+  <p:cSld>
+    <p:spTree>
+      <p:nvGrpSpPr>
+        <p:cNvPr id="1" name=""/>
+        <p:cNvGrpSpPr/>
+        <p:nvPr/>
+      </p:nvGrpSpPr>
+      <p:grpSpPr>
+        <a:xfrm>
+          <a:off x="0" y="0"/>
+          <a:ext cx="0" cy="0"/>
+          <a:chOff x="0" y="0"/>
+          <a:chExt cx="0" cy="0"/>
+        </a:xfrm>
+      </p:grpSpPr>
+      <p:sp>
+        <p:nvSpPr>
+          <p:cNvPr id="2" name="Espace réservé de l'image des diapositives 1"/>
+          <p:cNvSpPr>
+            <a:spLocks noGrp="1" noRot="1" noChangeAspect="1"/>
+          </p:cNvSpPr>
+          <p:nvPr>
+            <p:ph type="sldImg"/>
+          </p:nvPr>
+        </p:nvSpPr>
+        <p:spPr/>
+      </p:sp>
+      <p:sp>
+        <p:nvSpPr>
+          <p:cNvPr id="3" name="Espace réservé des notes 2"/>
+          <p:cNvSpPr>
+            <a:spLocks noGrp="1"/>
+          </p:cNvSpPr>
+          <p:nvPr>
+            <p:ph type="body" idx="1"/>
+          </p:nvPr>
+        </p:nvSpPr>
+        <p:spPr/>
+        <p:txBody>
+          <a:bodyPr/>
+          <a:lstStyle/>
+          <a:p>
+            <a:r>
+              <a:rPr lang="fr-FR" dirty="0" smtClean="0"/>
+              <a:t>Parler du modèle MVC et de</a:t>
+            </a:r>
+            <a:r>
+              <a:rPr lang="fr-FR" baseline="0" dirty="0" smtClean="0"/>
+              <a:t> son intérêt dans le projet</a:t>
+            </a:r>
+            <a:endParaRPr lang="fr-FR" dirty="0"/>
+          </a:p>
+        </p:txBody>
+      </p:sp>
+      <p:sp>
+        <p:nvSpPr>
+          <p:cNvPr id="4" name="Espace réservé du numéro de diapositive 3"/>
+          <p:cNvSpPr>
+            <a:spLocks noGrp="1"/>
+          </p:cNvSpPr>
+          <p:nvPr>
+            <p:ph type="sldNum" sz="quarter" idx="10"/>
+          </p:nvPr>
+        </p:nvSpPr>
+        <p:spPr/>
+        <p:txBody>
+          <a:bodyPr/>
+          <a:lstStyle/>
+          <a:p>
+            <a:fld id="{DCCE671D-D745-4191-B514-E5210ACDB5F4}" type="slidenum">
+              <a:rPr lang="fr-FR" smtClean="0"/>
+              <a:t>20</a:t>
+            </a:fld>
+            <a:endParaRPr lang="fr-FR"/>
+          </a:p>
+        </p:txBody>
+      </p:sp>
+    </p:spTree>
+    <p:extLst>
+      <p:ext uri="{BB962C8B-B14F-4D97-AF65-F5344CB8AC3E}">
+        <p14:creationId xmlns:p14="http://schemas.microsoft.com/office/powerpoint/2010/main" val="1751739399"/>
+      </p:ext>
+    </p:extLst>
+  </p:cSld>
+  <p:clrMapOvr>
+    <a:masterClrMapping/>
+  </p:clrMapOvr>
+</p:notes>
+</file>
+
+<file path=ppt/notesSlides/notesSlide16.xml><?xml version="1.0" encoding="utf-8"?>
+<p:notes xmlns:a="http://schemas.openxmlformats.org/drawingml/2006/main" xmlns:r="http://schemas.openxmlformats.org/officeDocument/2006/relationships" xmlns:p="http://schemas.openxmlformats.org/presentationml/2006/main">
+  <p:cSld>
+    <p:spTree>
+      <p:nvGrpSpPr>
+        <p:cNvPr id="1" name=""/>
+        <p:cNvGrpSpPr/>
+        <p:nvPr/>
+      </p:nvGrpSpPr>
+      <p:grpSpPr>
+        <a:xfrm>
+          <a:off x="0" y="0"/>
+          <a:ext cx="0" cy="0"/>
+          <a:chOff x="0" y="0"/>
+          <a:chExt cx="0" cy="0"/>
+        </a:xfrm>
+      </p:grpSpPr>
+      <p:sp>
+        <p:nvSpPr>
+          <p:cNvPr id="2" name="Espace réservé de l'image des diapositives 1"/>
+          <p:cNvSpPr>
+            <a:spLocks noGrp="1" noRot="1" noChangeAspect="1"/>
+          </p:cNvSpPr>
+          <p:nvPr>
+            <p:ph type="sldImg"/>
+          </p:nvPr>
+        </p:nvSpPr>
+        <p:spPr/>
+      </p:sp>
+      <p:sp>
+        <p:nvSpPr>
+          <p:cNvPr id="3" name="Espace réservé des notes 2"/>
+          <p:cNvSpPr>
+            <a:spLocks noGrp="1"/>
+          </p:cNvSpPr>
+          <p:nvPr>
+            <p:ph type="body" idx="1"/>
+          </p:nvPr>
+        </p:nvSpPr>
+        <p:spPr/>
+        <p:txBody>
+          <a:bodyPr/>
+          <a:lstStyle/>
+          <a:p>
+            <a:r>
+              <a:rPr lang="fr-FR" dirty="0" err="1" smtClean="0"/>
+              <a:t>Trim</a:t>
+            </a:r>
+            <a:r>
+              <a:rPr lang="fr-FR" dirty="0" smtClean="0"/>
+              <a:t> : enlever les espaces</a:t>
+            </a:r>
+          </a:p>
+          <a:p>
+            <a:r>
+              <a:rPr lang="fr-FR" dirty="0" err="1" smtClean="0"/>
+              <a:t>Stripslahes</a:t>
+            </a:r>
+            <a:r>
+              <a:rPr lang="fr-FR" dirty="0" smtClean="0"/>
+              <a:t> : enlever les </a:t>
+            </a:r>
+            <a:r>
+              <a:rPr lang="fr-FR" dirty="0" err="1" smtClean="0"/>
+              <a:t>backslashs</a:t>
+            </a:r>
+            <a:endParaRPr lang="fr-FR" dirty="0" smtClean="0"/>
+          </a:p>
+          <a:p>
+            <a:r>
+              <a:rPr lang="fr-FR" dirty="0" err="1" smtClean="0"/>
+              <a:t>Htmlspecialchars</a:t>
+            </a:r>
+            <a:r>
+              <a:rPr lang="fr-FR" baseline="0" dirty="0" smtClean="0"/>
+              <a:t> : convertit les caractères spéciaux en entités html</a:t>
+            </a:r>
+            <a:endParaRPr lang="fr-FR" dirty="0" smtClean="0"/>
+          </a:p>
+          <a:p>
+            <a:endParaRPr lang="fr-FR" dirty="0" smtClean="0"/>
+          </a:p>
+          <a:p>
+            <a:r>
+              <a:rPr lang="fr-FR" dirty="0" smtClean="0"/>
+              <a:t>New </a:t>
+            </a:r>
+            <a:r>
+              <a:rPr lang="fr-FR" err="1" smtClean="0"/>
+              <a:t>pdo</a:t>
+            </a:r>
+            <a:r>
+              <a:rPr lang="fr-FR" smtClean="0"/>
+              <a:t> statement</a:t>
+            </a:r>
+            <a:endParaRPr lang="fr-FR" dirty="0" smtClean="0"/>
+          </a:p>
+          <a:p>
+            <a:endParaRPr lang="fr-FR" dirty="0" smtClean="0"/>
+          </a:p>
+          <a:p>
+            <a:r>
+              <a:rPr lang="fr-FR" dirty="0" smtClean="0"/>
+              <a:t>Préciser que pas de mot de passe car projet en </a:t>
+            </a:r>
+            <a:r>
+              <a:rPr lang="fr-FR" dirty="0" err="1" smtClean="0"/>
+              <a:t>préprod</a:t>
+            </a:r>
+            <a:endParaRPr lang="fr-FR" dirty="0"/>
+          </a:p>
+        </p:txBody>
+      </p:sp>
+      <p:sp>
+        <p:nvSpPr>
+          <p:cNvPr id="4" name="Espace réservé du numéro de diapositive 3"/>
+          <p:cNvSpPr>
+            <a:spLocks noGrp="1"/>
+          </p:cNvSpPr>
+          <p:nvPr>
+            <p:ph type="sldNum" sz="quarter" idx="10"/>
+          </p:nvPr>
+        </p:nvSpPr>
+        <p:spPr/>
+        <p:txBody>
+          <a:bodyPr/>
+          <a:lstStyle/>
+          <a:p>
+            <a:fld id="{DCCE671D-D745-4191-B514-E5210ACDB5F4}" type="slidenum">
+              <a:rPr lang="fr-FR" smtClean="0"/>
+              <a:t>21</a:t>
+            </a:fld>
+            <a:endParaRPr lang="fr-FR"/>
+          </a:p>
+        </p:txBody>
+      </p:sp>
+    </p:spTree>
+    <p:extLst>
+      <p:ext uri="{BB962C8B-B14F-4D97-AF65-F5344CB8AC3E}">
+        <p14:creationId xmlns:p14="http://schemas.microsoft.com/office/powerpoint/2010/main" val="472496891"/>
+      </p:ext>
+    </p:extLst>
+  </p:cSld>
+  <p:clrMapOvr>
+    <a:masterClrMapping/>
+  </p:clrMapOvr>
+</p:notes>
+</file>
+
+<file path=ppt/notesSlides/notesSlide17.xml><?xml version="1.0" encoding="utf-8"?>
+<p:notes xmlns:a="http://schemas.openxmlformats.org/drawingml/2006/main" xmlns:r="http://schemas.openxmlformats.org/officeDocument/2006/relationships" xmlns:p="http://schemas.openxmlformats.org/presentationml/2006/main">
+  <p:cSld>
+    <p:spTree>
+      <p:nvGrpSpPr>
+        <p:cNvPr id="1" name=""/>
+        <p:cNvGrpSpPr/>
+        <p:nvPr/>
+      </p:nvGrpSpPr>
+      <p:grpSpPr>
+        <a:xfrm>
+          <a:off x="0" y="0"/>
+          <a:ext cx="0" cy="0"/>
+          <a:chOff x="0" y="0"/>
+          <a:chExt cx="0" cy="0"/>
+        </a:xfrm>
+      </p:grpSpPr>
+      <p:sp>
+        <p:nvSpPr>
+          <p:cNvPr id="2" name="Espace réservé de l'image des diapositives 1"/>
+          <p:cNvSpPr>
+            <a:spLocks noGrp="1" noRot="1" noChangeAspect="1"/>
+          </p:cNvSpPr>
+          <p:nvPr>
+            <p:ph type="sldImg"/>
+          </p:nvPr>
+        </p:nvSpPr>
+        <p:spPr/>
+      </p:sp>
+      <p:sp>
+        <p:nvSpPr>
+          <p:cNvPr id="3" name="Espace réservé des notes 2"/>
+          <p:cNvSpPr>
+            <a:spLocks noGrp="1"/>
+          </p:cNvSpPr>
+          <p:nvPr>
+            <p:ph type="body" idx="1"/>
+          </p:nvPr>
+        </p:nvSpPr>
+        <p:spPr/>
+        <p:txBody>
+          <a:bodyPr/>
+          <a:lstStyle/>
+          <a:p>
+            <a:r>
+              <a:rPr lang="fr-FR" dirty="0" smtClean="0"/>
+              <a:t>Les</a:t>
+            </a:r>
+            <a:r>
+              <a:rPr lang="fr-FR" baseline="0" dirty="0" smtClean="0"/>
+              <a:t> champs sont en </a:t>
+            </a:r>
+            <a:r>
+              <a:rPr lang="fr-FR" baseline="0" dirty="0" err="1" smtClean="0"/>
+              <a:t>required</a:t>
+            </a:r>
+            <a:endParaRPr lang="fr-FR" baseline="0" dirty="0" smtClean="0"/>
+          </a:p>
+          <a:p>
+            <a:endParaRPr lang="fr-FR" baseline="0" dirty="0" smtClean="0"/>
+          </a:p>
+          <a:p>
+            <a:r>
+              <a:rPr lang="fr-FR" baseline="0" dirty="0" smtClean="0"/>
+              <a:t>Le format de l’email doit être respecté</a:t>
+            </a:r>
+          </a:p>
+          <a:p>
+            <a:endParaRPr lang="fr-FR" baseline="0" dirty="0" smtClean="0"/>
+          </a:p>
+          <a:p>
+            <a:r>
+              <a:rPr lang="fr-FR" baseline="0" dirty="0" smtClean="0"/>
+              <a:t>Le mot de passe doit faire entre 8 et 25 caractères</a:t>
+            </a:r>
+          </a:p>
+          <a:p>
+            <a:endParaRPr lang="fr-FR" baseline="0" dirty="0" smtClean="0"/>
+          </a:p>
+          <a:p>
+            <a:r>
+              <a:rPr lang="fr-FR" baseline="0" dirty="0" smtClean="0"/>
+              <a:t>La RGPD n’est pas prise en compte faute de connaissances et étant donné la nature fictive du projet</a:t>
+            </a:r>
+            <a:endParaRPr lang="fr-FR" dirty="0"/>
+          </a:p>
+        </p:txBody>
+      </p:sp>
+      <p:sp>
+        <p:nvSpPr>
+          <p:cNvPr id="4" name="Espace réservé du numéro de diapositive 3"/>
+          <p:cNvSpPr>
+            <a:spLocks noGrp="1"/>
+          </p:cNvSpPr>
+          <p:nvPr>
+            <p:ph type="sldNum" sz="quarter" idx="10"/>
+          </p:nvPr>
+        </p:nvSpPr>
+        <p:spPr/>
+        <p:txBody>
+          <a:bodyPr/>
+          <a:lstStyle/>
+          <a:p>
+            <a:fld id="{DCCE671D-D745-4191-B514-E5210ACDB5F4}" type="slidenum">
+              <a:rPr lang="fr-FR" smtClean="0"/>
+              <a:t>22</a:t>
+            </a:fld>
+            <a:endParaRPr lang="fr-FR"/>
+          </a:p>
+        </p:txBody>
+      </p:sp>
+    </p:spTree>
+    <p:extLst>
+      <p:ext uri="{BB962C8B-B14F-4D97-AF65-F5344CB8AC3E}">
+        <p14:creationId xmlns:p14="http://schemas.microsoft.com/office/powerpoint/2010/main" val="872106060"/>
+      </p:ext>
+    </p:extLst>
+  </p:cSld>
+  <p:clrMapOvr>
+    <a:masterClrMapping/>
+  </p:clrMapOvr>
+</p:notes>
+</file>
+
+<file path=ppt/notesSlides/notesSlide18.xml><?xml version="1.0" encoding="utf-8"?>
+<p:notes xmlns:a="http://schemas.openxmlformats.org/drawingml/2006/main" xmlns:r="http://schemas.openxmlformats.org/officeDocument/2006/relationships" xmlns:p="http://schemas.openxmlformats.org/presentationml/2006/main">
+  <p:cSld>
+    <p:spTree>
+      <p:nvGrpSpPr>
+        <p:cNvPr id="1" name=""/>
+        <p:cNvGrpSpPr/>
+        <p:nvPr/>
+      </p:nvGrpSpPr>
+      <p:grpSpPr>
+        <a:xfrm>
+          <a:off x="0" y="0"/>
+          <a:ext cx="0" cy="0"/>
+          <a:chOff x="0" y="0"/>
+          <a:chExt cx="0" cy="0"/>
+        </a:xfrm>
+      </p:grpSpPr>
+      <p:sp>
+        <p:nvSpPr>
+          <p:cNvPr id="2" name="Espace réservé de l'image des diapositives 1"/>
+          <p:cNvSpPr>
+            <a:spLocks noGrp="1" noRot="1" noChangeAspect="1"/>
+          </p:cNvSpPr>
+          <p:nvPr>
+            <p:ph type="sldImg"/>
+          </p:nvPr>
+        </p:nvSpPr>
+        <p:spPr/>
+      </p:sp>
+      <p:sp>
+        <p:nvSpPr>
+          <p:cNvPr id="3" name="Espace réservé des notes 2"/>
+          <p:cNvSpPr>
+            <a:spLocks noGrp="1"/>
+          </p:cNvSpPr>
+          <p:nvPr>
+            <p:ph type="body" idx="1"/>
+          </p:nvPr>
+        </p:nvSpPr>
+        <p:spPr/>
+        <p:txBody>
+          <a:bodyPr/>
+          <a:lstStyle/>
+          <a:p>
+            <a:r>
+              <a:rPr lang="fr-FR" dirty="0" smtClean="0"/>
+              <a:t>Requête préparée pour se protéger des failles XSS et des injections SQL</a:t>
+            </a:r>
+            <a:endParaRPr lang="fr-FR" dirty="0"/>
+          </a:p>
+        </p:txBody>
+      </p:sp>
+      <p:sp>
+        <p:nvSpPr>
+          <p:cNvPr id="4" name="Espace réservé du numéro de diapositive 3"/>
+          <p:cNvSpPr>
+            <a:spLocks noGrp="1"/>
+          </p:cNvSpPr>
+          <p:nvPr>
+            <p:ph type="sldNum" sz="quarter" idx="10"/>
+          </p:nvPr>
+        </p:nvSpPr>
+        <p:spPr/>
+        <p:txBody>
+          <a:bodyPr/>
+          <a:lstStyle/>
+          <a:p>
+            <a:fld id="{DCCE671D-D745-4191-B514-E5210ACDB5F4}" type="slidenum">
+              <a:rPr lang="fr-FR" smtClean="0"/>
+              <a:t>24</a:t>
+            </a:fld>
+            <a:endParaRPr lang="fr-FR"/>
+          </a:p>
+        </p:txBody>
+      </p:sp>
+    </p:spTree>
+    <p:extLst>
+      <p:ext uri="{BB962C8B-B14F-4D97-AF65-F5344CB8AC3E}">
+        <p14:creationId xmlns:p14="http://schemas.microsoft.com/office/powerpoint/2010/main" val="382402417"/>
+      </p:ext>
+    </p:extLst>
+  </p:cSld>
+  <p:clrMapOvr>
+    <a:masterClrMapping/>
+  </p:clrMapOvr>
+</p:notes>
+</file>
+
+<file path=ppt/notesSlides/notesSlide19.xml><?xml version="1.0" encoding="utf-8"?>
+<p:notes xmlns:a="http://schemas.openxmlformats.org/drawingml/2006/main" xmlns:r="http://schemas.openxmlformats.org/officeDocument/2006/relationships" xmlns:p="http://schemas.openxmlformats.org/presentationml/2006/main">
+  <p:cSld>
+    <p:spTree>
+      <p:nvGrpSpPr>
+        <p:cNvPr id="1" name=""/>
+        <p:cNvGrpSpPr/>
+        <p:nvPr/>
+      </p:nvGrpSpPr>
+      <p:grpSpPr>
+        <a:xfrm>
+          <a:off x="0" y="0"/>
+          <a:ext cx="0" cy="0"/>
+          <a:chOff x="0" y="0"/>
+          <a:chExt cx="0" cy="0"/>
+        </a:xfrm>
+      </p:grpSpPr>
+      <p:sp>
+        <p:nvSpPr>
+          <p:cNvPr id="2" name="Espace réservé de l'image des diapositives 1"/>
+          <p:cNvSpPr>
+            <a:spLocks noGrp="1" noRot="1" noChangeAspect="1"/>
+          </p:cNvSpPr>
+          <p:nvPr>
+            <p:ph type="sldImg"/>
+          </p:nvPr>
+        </p:nvSpPr>
+        <p:spPr/>
+      </p:sp>
+      <p:sp>
+        <p:nvSpPr>
+          <p:cNvPr id="3" name="Espace réservé des notes 2"/>
+          <p:cNvSpPr>
+            <a:spLocks noGrp="1"/>
+          </p:cNvSpPr>
+          <p:nvPr>
+            <p:ph type="body" idx="1"/>
+          </p:nvPr>
+        </p:nvSpPr>
+        <p:spPr/>
+        <p:txBody>
+          <a:bodyPr/>
+          <a:lstStyle/>
+          <a:p>
+            <a:r>
+              <a:rPr lang="fr-FR" dirty="0" smtClean="0"/>
+              <a:t>Erreur</a:t>
+            </a:r>
+            <a:r>
+              <a:rPr lang="fr-FR" baseline="0" dirty="0" smtClean="0"/>
+              <a:t> : le </a:t>
+            </a:r>
+            <a:r>
+              <a:rPr lang="fr-FR" baseline="0" dirty="0" err="1" smtClean="0"/>
+              <a:t>try</a:t>
+            </a:r>
+            <a:r>
+              <a:rPr lang="fr-FR" baseline="0" dirty="0" smtClean="0"/>
+              <a:t> catch n’affiche rien à cause du format modale </a:t>
+            </a:r>
+            <a:r>
+              <a:rPr lang="fr-FR" baseline="0" dirty="0" err="1" smtClean="0"/>
+              <a:t>form</a:t>
+            </a:r>
+            <a:endParaRPr lang="fr-FR" dirty="0"/>
+          </a:p>
+        </p:txBody>
+      </p:sp>
+      <p:sp>
+        <p:nvSpPr>
+          <p:cNvPr id="4" name="Espace réservé du numéro de diapositive 3"/>
+          <p:cNvSpPr>
+            <a:spLocks noGrp="1"/>
+          </p:cNvSpPr>
+          <p:nvPr>
+            <p:ph type="sldNum" sz="quarter" idx="10"/>
+          </p:nvPr>
+        </p:nvSpPr>
+        <p:spPr/>
+        <p:txBody>
+          <a:bodyPr/>
+          <a:lstStyle/>
+          <a:p>
+            <a:fld id="{DCCE671D-D745-4191-B514-E5210ACDB5F4}" type="slidenum">
+              <a:rPr lang="fr-FR" smtClean="0"/>
+              <a:t>26</a:t>
+            </a:fld>
+            <a:endParaRPr lang="fr-FR"/>
+          </a:p>
+        </p:txBody>
+      </p:sp>
+    </p:spTree>
+    <p:extLst>
+      <p:ext uri="{BB962C8B-B14F-4D97-AF65-F5344CB8AC3E}">
+        <p14:creationId xmlns:p14="http://schemas.microsoft.com/office/powerpoint/2010/main" val="2004657962"/>
+      </p:ext>
+    </p:extLst>
+  </p:cSld>
+  <p:clrMapOvr>
+    <a:masterClrMapping/>
+  </p:clrMapOvr>
+</p:notes>
+</file>
+
+<file path=ppt/notesSlides/notesSlide2.xml><?xml version="1.0" encoding="utf-8"?>
+<p:notes xmlns:a="http://schemas.openxmlformats.org/drawingml/2006/main" xmlns:r="http://schemas.openxmlformats.org/officeDocument/2006/relationships" xmlns:p="http://schemas.openxmlformats.org/presentationml/2006/main">
+  <p:cSld>
+    <p:spTree>
+      <p:nvGrpSpPr>
+        <p:cNvPr id="1" name=""/>
+        <p:cNvGrpSpPr/>
+        <p:nvPr/>
+      </p:nvGrpSpPr>
+      <p:grpSpPr>
+        <a:xfrm>
+          <a:off x="0" y="0"/>
+          <a:ext cx="0" cy="0"/>
+          <a:chOff x="0" y="0"/>
+          <a:chExt cx="0" cy="0"/>
+        </a:xfrm>
+      </p:grpSpPr>
+      <p:sp>
+        <p:nvSpPr>
+          <p:cNvPr id="2" name="Espace réservé de l'image des diapositives 1"/>
+          <p:cNvSpPr>
+            <a:spLocks noGrp="1" noRot="1" noChangeAspect="1"/>
+          </p:cNvSpPr>
+          <p:nvPr>
+            <p:ph type="sldImg"/>
+          </p:nvPr>
+        </p:nvSpPr>
+        <p:spPr/>
+      </p:sp>
+      <p:sp>
+        <p:nvSpPr>
+          <p:cNvPr id="3" name="Espace réservé des notes 2"/>
+          <p:cNvSpPr>
+            <a:spLocks noGrp="1"/>
+          </p:cNvSpPr>
+          <p:nvPr>
+            <p:ph type="body" idx="1"/>
+          </p:nvPr>
+        </p:nvSpPr>
+        <p:spPr/>
+        <p:txBody>
+          <a:bodyPr/>
+          <a:lstStyle/>
+          <a:p>
+            <a:r>
+              <a:rPr lang="fr-FR" dirty="0" smtClean="0"/>
+              <a:t>Maquette</a:t>
+            </a:r>
+            <a:r>
+              <a:rPr lang="fr-FR" baseline="0" dirty="0" smtClean="0"/>
+              <a:t> ! Model, first </a:t>
+            </a:r>
+            <a:r>
+              <a:rPr lang="fr-FR" baseline="0" dirty="0" err="1" smtClean="0"/>
+              <a:t>draw</a:t>
+            </a:r>
+            <a:endParaRPr lang="fr-FR" dirty="0"/>
+          </a:p>
+        </p:txBody>
+      </p:sp>
+      <p:sp>
+        <p:nvSpPr>
+          <p:cNvPr id="4" name="Espace réservé du numéro de diapositive 3"/>
+          <p:cNvSpPr>
+            <a:spLocks noGrp="1"/>
+          </p:cNvSpPr>
+          <p:nvPr>
+            <p:ph type="sldNum" sz="quarter" idx="10"/>
+          </p:nvPr>
+        </p:nvSpPr>
+        <p:spPr/>
+        <p:txBody>
+          <a:bodyPr/>
+          <a:lstStyle/>
+          <a:p>
+            <a:fld id="{DCCE671D-D745-4191-B514-E5210ACDB5F4}" type="slidenum">
+              <a:rPr lang="fr-FR" smtClean="0"/>
+              <a:t>2</a:t>
+            </a:fld>
+            <a:endParaRPr lang="fr-FR"/>
+          </a:p>
+        </p:txBody>
+      </p:sp>
+    </p:spTree>
+    <p:extLst>
+      <p:ext uri="{BB962C8B-B14F-4D97-AF65-F5344CB8AC3E}">
+        <p14:creationId xmlns:p14="http://schemas.microsoft.com/office/powerpoint/2010/main" val="1317954000"/>
+      </p:ext>
+    </p:extLst>
+  </p:cSld>
+  <p:clrMapOvr>
+    <a:masterClrMapping/>
+  </p:clrMapOvr>
+</p:notes>
+</file>
+
+<file path=ppt/notesSlides/notesSlide20.xml><?xml version="1.0" encoding="utf-8"?>
+<p:notes xmlns:a="http://schemas.openxmlformats.org/drawingml/2006/main" xmlns:r="http://schemas.openxmlformats.org/officeDocument/2006/relationships" xmlns:p="http://schemas.openxmlformats.org/presentationml/2006/main">
+  <p:cSld>
+    <p:spTree>
+      <p:nvGrpSpPr>
+        <p:cNvPr id="1" name=""/>
+        <p:cNvGrpSpPr/>
+        <p:nvPr/>
+      </p:nvGrpSpPr>
+      <p:grpSpPr>
+        <a:xfrm>
+          <a:off x="0" y="0"/>
+          <a:ext cx="0" cy="0"/>
+          <a:chOff x="0" y="0"/>
+          <a:chExt cx="0" cy="0"/>
+        </a:xfrm>
+      </p:grpSpPr>
+      <p:sp>
+        <p:nvSpPr>
+          <p:cNvPr id="2" name="Espace réservé de l'image des diapositives 1"/>
+          <p:cNvSpPr>
+            <a:spLocks noGrp="1" noRot="1" noChangeAspect="1"/>
+          </p:cNvSpPr>
+          <p:nvPr>
+            <p:ph type="sldImg"/>
+          </p:nvPr>
+        </p:nvSpPr>
+        <p:spPr/>
+      </p:sp>
+      <p:sp>
+        <p:nvSpPr>
+          <p:cNvPr id="3" name="Espace réservé des notes 2"/>
+          <p:cNvSpPr>
+            <a:spLocks noGrp="1"/>
+          </p:cNvSpPr>
+          <p:nvPr>
+            <p:ph type="body" idx="1"/>
+          </p:nvPr>
+        </p:nvSpPr>
+        <p:spPr/>
+        <p:txBody>
+          <a:bodyPr/>
+          <a:lstStyle/>
+          <a:p>
+            <a:r>
+              <a:rPr lang="fr-FR" dirty="0" smtClean="0"/>
+              <a:t>Session </a:t>
+            </a:r>
+            <a:r>
+              <a:rPr lang="fr-FR" dirty="0" err="1" smtClean="0"/>
+              <a:t>unset</a:t>
+            </a:r>
+            <a:r>
+              <a:rPr lang="fr-FR" dirty="0" smtClean="0"/>
+              <a:t> : libère</a:t>
+            </a:r>
+            <a:r>
+              <a:rPr lang="fr-FR" baseline="0" dirty="0" smtClean="0"/>
+              <a:t> les variables de session</a:t>
+            </a:r>
+          </a:p>
+          <a:p>
+            <a:r>
+              <a:rPr lang="fr-FR" baseline="0" dirty="0" smtClean="0"/>
+              <a:t>Session destroy : supprime les données de session</a:t>
+            </a:r>
+            <a:endParaRPr lang="fr-FR" dirty="0"/>
+          </a:p>
+        </p:txBody>
+      </p:sp>
+      <p:sp>
+        <p:nvSpPr>
+          <p:cNvPr id="4" name="Espace réservé du numéro de diapositive 3"/>
+          <p:cNvSpPr>
+            <a:spLocks noGrp="1"/>
+          </p:cNvSpPr>
+          <p:nvPr>
+            <p:ph type="sldNum" sz="quarter" idx="10"/>
+          </p:nvPr>
+        </p:nvSpPr>
+        <p:spPr/>
+        <p:txBody>
+          <a:bodyPr/>
+          <a:lstStyle/>
+          <a:p>
+            <a:fld id="{DCCE671D-D745-4191-B514-E5210ACDB5F4}" type="slidenum">
+              <a:rPr lang="fr-FR" smtClean="0"/>
+              <a:t>29</a:t>
+            </a:fld>
+            <a:endParaRPr lang="fr-FR"/>
+          </a:p>
+        </p:txBody>
+      </p:sp>
+    </p:spTree>
+    <p:extLst>
+      <p:ext uri="{BB962C8B-B14F-4D97-AF65-F5344CB8AC3E}">
+        <p14:creationId xmlns:p14="http://schemas.microsoft.com/office/powerpoint/2010/main" val="109689299"/>
+      </p:ext>
+    </p:extLst>
+  </p:cSld>
+  <p:clrMapOvr>
+    <a:masterClrMapping/>
+  </p:clrMapOvr>
+</p:notes>
+</file>
+
+<file path=ppt/notesSlides/notesSlide21.xml><?xml version="1.0" encoding="utf-8"?>
+<p:notes xmlns:a="http://schemas.openxmlformats.org/drawingml/2006/main" xmlns:r="http://schemas.openxmlformats.org/officeDocument/2006/relationships" xmlns:p="http://schemas.openxmlformats.org/presentationml/2006/main">
+  <p:cSld>
+    <p:spTree>
+      <p:nvGrpSpPr>
+        <p:cNvPr id="1" name=""/>
+        <p:cNvGrpSpPr/>
+        <p:nvPr/>
+      </p:nvGrpSpPr>
+      <p:grpSpPr>
+        <a:xfrm>
+          <a:off x="0" y="0"/>
+          <a:ext cx="0" cy="0"/>
+          <a:chOff x="0" y="0"/>
+          <a:chExt cx="0" cy="0"/>
+        </a:xfrm>
+      </p:grpSpPr>
+      <p:sp>
+        <p:nvSpPr>
+          <p:cNvPr id="2" name="Espace réservé de l'image des diapositives 1"/>
+          <p:cNvSpPr>
+            <a:spLocks noGrp="1" noRot="1" noChangeAspect="1"/>
+          </p:cNvSpPr>
+          <p:nvPr>
+            <p:ph type="sldImg"/>
+          </p:nvPr>
+        </p:nvSpPr>
+        <p:spPr/>
+      </p:sp>
+      <p:sp>
+        <p:nvSpPr>
+          <p:cNvPr id="3" name="Espace réservé des notes 2"/>
+          <p:cNvSpPr>
+            <a:spLocks noGrp="1"/>
+          </p:cNvSpPr>
+          <p:nvPr>
+            <p:ph type="body" idx="1"/>
+          </p:nvPr>
+        </p:nvSpPr>
+        <p:spPr/>
+        <p:txBody>
+          <a:bodyPr/>
+          <a:lstStyle/>
+          <a:p>
+            <a:r>
+              <a:rPr lang="fr-FR" dirty="0" smtClean="0"/>
+              <a:t>Maj session si nécessaire</a:t>
+            </a:r>
+            <a:endParaRPr lang="fr-FR" dirty="0"/>
+          </a:p>
+        </p:txBody>
+      </p:sp>
+      <p:sp>
+        <p:nvSpPr>
+          <p:cNvPr id="4" name="Espace réservé du numéro de diapositive 3"/>
+          <p:cNvSpPr>
+            <a:spLocks noGrp="1"/>
+          </p:cNvSpPr>
+          <p:nvPr>
+            <p:ph type="sldNum" sz="quarter" idx="10"/>
+          </p:nvPr>
+        </p:nvSpPr>
+        <p:spPr/>
+        <p:txBody>
+          <a:bodyPr/>
+          <a:lstStyle/>
+          <a:p>
+            <a:fld id="{DCCE671D-D745-4191-B514-E5210ACDB5F4}" type="slidenum">
+              <a:rPr lang="fr-FR" smtClean="0"/>
+              <a:t>31</a:t>
+            </a:fld>
+            <a:endParaRPr lang="fr-FR"/>
+          </a:p>
+        </p:txBody>
+      </p:sp>
+    </p:spTree>
+    <p:extLst>
+      <p:ext uri="{BB962C8B-B14F-4D97-AF65-F5344CB8AC3E}">
+        <p14:creationId xmlns:p14="http://schemas.microsoft.com/office/powerpoint/2010/main" val="1225882699"/>
+      </p:ext>
+    </p:extLst>
+  </p:cSld>
+  <p:clrMapOvr>
+    <a:masterClrMapping/>
+  </p:clrMapOvr>
+</p:notes>
+</file>
+
+<file path=ppt/notesSlides/notesSlide22.xml><?xml version="1.0" encoding="utf-8"?>
+<p:notes xmlns:a="http://schemas.openxmlformats.org/drawingml/2006/main" xmlns:r="http://schemas.openxmlformats.org/officeDocument/2006/relationships" xmlns:p="http://schemas.openxmlformats.org/presentationml/2006/main">
+  <p:cSld>
+    <p:spTree>
+      <p:nvGrpSpPr>
+        <p:cNvPr id="1" name=""/>
+        <p:cNvGrpSpPr/>
+        <p:nvPr/>
+      </p:nvGrpSpPr>
+      <p:grpSpPr>
+        <a:xfrm>
+          <a:off x="0" y="0"/>
+          <a:ext cx="0" cy="0"/>
+          <a:chOff x="0" y="0"/>
+          <a:chExt cx="0" cy="0"/>
+        </a:xfrm>
+      </p:grpSpPr>
+      <p:sp>
+        <p:nvSpPr>
+          <p:cNvPr id="2" name="Espace réservé de l'image des diapositives 1"/>
+          <p:cNvSpPr>
+            <a:spLocks noGrp="1" noRot="1" noChangeAspect="1"/>
+          </p:cNvSpPr>
+          <p:nvPr>
+            <p:ph type="sldImg"/>
+          </p:nvPr>
+        </p:nvSpPr>
+        <p:spPr/>
+      </p:sp>
+      <p:sp>
+        <p:nvSpPr>
+          <p:cNvPr id="3" name="Espace réservé des notes 2"/>
+          <p:cNvSpPr>
+            <a:spLocks noGrp="1"/>
+          </p:cNvSpPr>
+          <p:nvPr>
+            <p:ph type="body" idx="1"/>
+          </p:nvPr>
+        </p:nvSpPr>
+        <p:spPr/>
+        <p:txBody>
+          <a:bodyPr/>
+          <a:lstStyle/>
+          <a:p>
+            <a:r>
+              <a:rPr lang="fr-FR" dirty="0" smtClean="0"/>
+              <a:t>Page coupée en deux</a:t>
+            </a:r>
+          </a:p>
+          <a:p>
+            <a:endParaRPr lang="fr-FR" dirty="0" smtClean="0"/>
+          </a:p>
+          <a:p>
+            <a:r>
+              <a:rPr lang="fr-FR" dirty="0" smtClean="0"/>
+              <a:t>Fonction en annexe dans </a:t>
+            </a:r>
+            <a:r>
+              <a:rPr lang="fr-FR" smtClean="0"/>
+              <a:t>le mémoire</a:t>
+            </a:r>
+            <a:endParaRPr lang="fr-FR" dirty="0"/>
+          </a:p>
+        </p:txBody>
+      </p:sp>
+      <p:sp>
+        <p:nvSpPr>
+          <p:cNvPr id="4" name="Espace réservé du numéro de diapositive 3"/>
+          <p:cNvSpPr>
+            <a:spLocks noGrp="1"/>
+          </p:cNvSpPr>
+          <p:nvPr>
+            <p:ph type="sldNum" sz="quarter" idx="10"/>
+          </p:nvPr>
+        </p:nvSpPr>
+        <p:spPr/>
+        <p:txBody>
+          <a:bodyPr/>
+          <a:lstStyle/>
+          <a:p>
+            <a:fld id="{DCCE671D-D745-4191-B514-E5210ACDB5F4}" type="slidenum">
+              <a:rPr lang="fr-FR" smtClean="0"/>
+              <a:t>33</a:t>
+            </a:fld>
+            <a:endParaRPr lang="fr-FR"/>
+          </a:p>
+        </p:txBody>
+      </p:sp>
+    </p:spTree>
+    <p:extLst>
+      <p:ext uri="{BB962C8B-B14F-4D97-AF65-F5344CB8AC3E}">
+        <p14:creationId xmlns:p14="http://schemas.microsoft.com/office/powerpoint/2010/main" val="2219061261"/>
+      </p:ext>
+    </p:extLst>
+  </p:cSld>
+  <p:clrMapOvr>
+    <a:masterClrMapping/>
+  </p:clrMapOvr>
+</p:notes>
+</file>
+
+<file path=ppt/notesSlides/notesSlide23.xml><?xml version="1.0" encoding="utf-8"?>
+<p:notes xmlns:a="http://schemas.openxmlformats.org/drawingml/2006/main" xmlns:r="http://schemas.openxmlformats.org/officeDocument/2006/relationships" xmlns:p="http://schemas.openxmlformats.org/presentationml/2006/main">
+  <p:cSld>
+    <p:spTree>
+      <p:nvGrpSpPr>
+        <p:cNvPr id="1" name=""/>
+        <p:cNvGrpSpPr/>
+        <p:nvPr/>
+      </p:nvGrpSpPr>
+      <p:grpSpPr>
+        <a:xfrm>
+          <a:off x="0" y="0"/>
+          <a:ext cx="0" cy="0"/>
+          <a:chOff x="0" y="0"/>
+          <a:chExt cx="0" cy="0"/>
+        </a:xfrm>
+      </p:grpSpPr>
+      <p:sp>
+        <p:nvSpPr>
+          <p:cNvPr id="2" name="Espace réservé de l'image des diapositives 1"/>
+          <p:cNvSpPr>
+            <a:spLocks noGrp="1" noRot="1" noChangeAspect="1"/>
+          </p:cNvSpPr>
+          <p:nvPr>
+            <p:ph type="sldImg"/>
+          </p:nvPr>
+        </p:nvSpPr>
+        <p:spPr/>
+      </p:sp>
+      <p:sp>
+        <p:nvSpPr>
+          <p:cNvPr id="3" name="Espace réservé des notes 2"/>
+          <p:cNvSpPr>
+            <a:spLocks noGrp="1"/>
+          </p:cNvSpPr>
+          <p:nvPr>
+            <p:ph type="body" idx="1"/>
+          </p:nvPr>
+        </p:nvSpPr>
+        <p:spPr/>
+        <p:txBody>
+          <a:bodyPr/>
+          <a:lstStyle/>
+          <a:p>
+            <a:endParaRPr lang="fr-FR" dirty="0"/>
+          </a:p>
+        </p:txBody>
+      </p:sp>
+      <p:sp>
+        <p:nvSpPr>
+          <p:cNvPr id="4" name="Espace réservé du numéro de diapositive 3"/>
+          <p:cNvSpPr>
+            <a:spLocks noGrp="1"/>
+          </p:cNvSpPr>
+          <p:nvPr>
+            <p:ph type="sldNum" sz="quarter" idx="10"/>
+          </p:nvPr>
+        </p:nvSpPr>
+        <p:spPr/>
+        <p:txBody>
+          <a:bodyPr/>
+          <a:lstStyle/>
+          <a:p>
+            <a:fld id="{DCCE671D-D745-4191-B514-E5210ACDB5F4}" type="slidenum">
+              <a:rPr lang="fr-FR" smtClean="0"/>
+              <a:t>34</a:t>
+            </a:fld>
+            <a:endParaRPr lang="fr-FR"/>
+          </a:p>
+        </p:txBody>
+      </p:sp>
+    </p:spTree>
+    <p:extLst>
+      <p:ext uri="{BB962C8B-B14F-4D97-AF65-F5344CB8AC3E}">
+        <p14:creationId xmlns:p14="http://schemas.microsoft.com/office/powerpoint/2010/main" val="1599113085"/>
+      </p:ext>
+    </p:extLst>
+  </p:cSld>
+  <p:clrMapOvr>
+    <a:masterClrMapping/>
+  </p:clrMapOvr>
+</p:notes>
+</file>
+
+<file path=ppt/notesSlides/notesSlide24.xml><?xml version="1.0" encoding="utf-8"?>
+<p:notes xmlns:a="http://schemas.openxmlformats.org/drawingml/2006/main" xmlns:r="http://schemas.openxmlformats.org/officeDocument/2006/relationships" xmlns:p="http://schemas.openxmlformats.org/presentationml/2006/main">
+  <p:cSld>
+    <p:spTree>
+      <p:nvGrpSpPr>
+        <p:cNvPr id="1" name=""/>
+        <p:cNvGrpSpPr/>
+        <p:nvPr/>
+      </p:nvGrpSpPr>
+      <p:grpSpPr>
+        <a:xfrm>
+          <a:off x="0" y="0"/>
+          <a:ext cx="0" cy="0"/>
+          <a:chOff x="0" y="0"/>
+          <a:chExt cx="0" cy="0"/>
+        </a:xfrm>
+      </p:grpSpPr>
+      <p:sp>
+        <p:nvSpPr>
+          <p:cNvPr id="2" name="Espace réservé de l'image des diapositives 1"/>
+          <p:cNvSpPr>
+            <a:spLocks noGrp="1" noRot="1" noChangeAspect="1"/>
+          </p:cNvSpPr>
+          <p:nvPr>
+            <p:ph type="sldImg"/>
+          </p:nvPr>
+        </p:nvSpPr>
+        <p:spPr/>
+      </p:sp>
+      <p:sp>
+        <p:nvSpPr>
+          <p:cNvPr id="3" name="Espace réservé des notes 2"/>
+          <p:cNvSpPr>
+            <a:spLocks noGrp="1"/>
+          </p:cNvSpPr>
+          <p:nvPr>
+            <p:ph type="body" idx="1"/>
+          </p:nvPr>
+        </p:nvSpPr>
+        <p:spPr/>
+        <p:txBody>
+          <a:bodyPr/>
+          <a:lstStyle/>
+          <a:p>
+            <a:endParaRPr lang="fr-FR" dirty="0"/>
+          </a:p>
+        </p:txBody>
+      </p:sp>
+      <p:sp>
+        <p:nvSpPr>
+          <p:cNvPr id="4" name="Espace réservé du numéro de diapositive 3"/>
+          <p:cNvSpPr>
+            <a:spLocks noGrp="1"/>
+          </p:cNvSpPr>
+          <p:nvPr>
+            <p:ph type="sldNum" sz="quarter" idx="10"/>
+          </p:nvPr>
+        </p:nvSpPr>
+        <p:spPr/>
+        <p:txBody>
+          <a:bodyPr/>
+          <a:lstStyle/>
+          <a:p>
+            <a:fld id="{DCCE671D-D745-4191-B514-E5210ACDB5F4}" type="slidenum">
+              <a:rPr lang="fr-FR" smtClean="0"/>
+              <a:t>35</a:t>
+            </a:fld>
+            <a:endParaRPr lang="fr-FR"/>
+          </a:p>
+        </p:txBody>
+      </p:sp>
+    </p:spTree>
+    <p:extLst>
+      <p:ext uri="{BB962C8B-B14F-4D97-AF65-F5344CB8AC3E}">
+        <p14:creationId xmlns:p14="http://schemas.microsoft.com/office/powerpoint/2010/main" val="64276541"/>
+      </p:ext>
+    </p:extLst>
+  </p:cSld>
+  <p:clrMapOvr>
+    <a:masterClrMapping/>
+  </p:clrMapOvr>
+</p:notes>
+</file>
+
+<file path=ppt/notesSlides/notesSlide25.xml><?xml version="1.0" encoding="utf-8"?>
+<p:notes xmlns:a="http://schemas.openxmlformats.org/drawingml/2006/main" xmlns:r="http://schemas.openxmlformats.org/officeDocument/2006/relationships" xmlns:p="http://schemas.openxmlformats.org/presentationml/2006/main">
+  <p:cSld>
+    <p:spTree>
+      <p:nvGrpSpPr>
+        <p:cNvPr id="1" name=""/>
+        <p:cNvGrpSpPr/>
+        <p:nvPr/>
+      </p:nvGrpSpPr>
+      <p:grpSpPr>
+        <a:xfrm>
+          <a:off x="0" y="0"/>
+          <a:ext cx="0" cy="0"/>
+          <a:chOff x="0" y="0"/>
+          <a:chExt cx="0" cy="0"/>
+        </a:xfrm>
+      </p:grpSpPr>
+      <p:sp>
+        <p:nvSpPr>
+          <p:cNvPr id="2" name="Espace réservé de l'image des diapositives 1"/>
+          <p:cNvSpPr>
+            <a:spLocks noGrp="1" noRot="1" noChangeAspect="1"/>
+          </p:cNvSpPr>
+          <p:nvPr>
+            <p:ph type="sldImg"/>
+          </p:nvPr>
+        </p:nvSpPr>
+        <p:spPr/>
+      </p:sp>
+      <p:sp>
+        <p:nvSpPr>
+          <p:cNvPr id="3" name="Espace réservé des notes 2"/>
+          <p:cNvSpPr>
+            <a:spLocks noGrp="1"/>
+          </p:cNvSpPr>
+          <p:nvPr>
+            <p:ph type="body" idx="1"/>
+          </p:nvPr>
+        </p:nvSpPr>
+        <p:spPr/>
+        <p:txBody>
+          <a:bodyPr/>
+          <a:lstStyle/>
+          <a:p>
+            <a:r>
+              <a:rPr lang="fr-FR" dirty="0" smtClean="0"/>
+              <a:t>Démo :</a:t>
+            </a:r>
+            <a:r>
+              <a:rPr lang="fr-FR" baseline="0" dirty="0" smtClean="0"/>
+              <a:t> problème affichage message erreur </a:t>
+            </a:r>
+            <a:endParaRPr lang="fr-FR" dirty="0"/>
+          </a:p>
+        </p:txBody>
+      </p:sp>
+      <p:sp>
+        <p:nvSpPr>
+          <p:cNvPr id="4" name="Espace réservé du numéro de diapositive 3"/>
+          <p:cNvSpPr>
+            <a:spLocks noGrp="1"/>
+          </p:cNvSpPr>
+          <p:nvPr>
+            <p:ph type="sldNum" sz="quarter" idx="10"/>
+          </p:nvPr>
+        </p:nvSpPr>
+        <p:spPr/>
+        <p:txBody>
+          <a:bodyPr/>
+          <a:lstStyle/>
+          <a:p>
+            <a:fld id="{DCCE671D-D745-4191-B514-E5210ACDB5F4}" type="slidenum">
+              <a:rPr lang="fr-FR" smtClean="0"/>
+              <a:t>37</a:t>
+            </a:fld>
+            <a:endParaRPr lang="fr-FR"/>
+          </a:p>
+        </p:txBody>
+      </p:sp>
+    </p:spTree>
+    <p:extLst>
+      <p:ext uri="{BB962C8B-B14F-4D97-AF65-F5344CB8AC3E}">
+        <p14:creationId xmlns:p14="http://schemas.microsoft.com/office/powerpoint/2010/main" val="834178689"/>
+      </p:ext>
+    </p:extLst>
+  </p:cSld>
+  <p:clrMapOvr>
+    <a:masterClrMapping/>
+  </p:clrMapOvr>
+</p:notes>
+</file>
+
+<file path=ppt/notesSlides/notesSlide3.xml><?xml version="1.0" encoding="utf-8"?>
+<p:notes xmlns:a="http://schemas.openxmlformats.org/drawingml/2006/main" xmlns:r="http://schemas.openxmlformats.org/officeDocument/2006/relationships" xmlns:p="http://schemas.openxmlformats.org/presentationml/2006/main">
+  <p:cSld>
+    <p:spTree>
+      <p:nvGrpSpPr>
+        <p:cNvPr id="1" name=""/>
+        <p:cNvGrpSpPr/>
+        <p:nvPr/>
+      </p:nvGrpSpPr>
+      <p:grpSpPr>
+        <a:xfrm>
+          <a:off x="0" y="0"/>
+          <a:ext cx="0" cy="0"/>
+          <a:chOff x="0" y="0"/>
+          <a:chExt cx="0" cy="0"/>
+        </a:xfrm>
+      </p:grpSpPr>
+      <p:sp>
+        <p:nvSpPr>
+          <p:cNvPr id="2" name="Espace réservé de l'image des diapositives 1"/>
+          <p:cNvSpPr>
+            <a:spLocks noGrp="1" noRot="1" noChangeAspect="1"/>
+          </p:cNvSpPr>
+          <p:nvPr>
+            <p:ph type="sldImg"/>
+          </p:nvPr>
+        </p:nvSpPr>
+        <p:spPr/>
+      </p:sp>
+      <p:sp>
+        <p:nvSpPr>
+          <p:cNvPr id="3" name="Espace réservé des notes 2"/>
+          <p:cNvSpPr>
+            <a:spLocks noGrp="1"/>
+          </p:cNvSpPr>
+          <p:nvPr>
+            <p:ph type="body" idx="1"/>
+          </p:nvPr>
+        </p:nvSpPr>
+        <p:spPr/>
+        <p:txBody>
+          <a:bodyPr/>
+          <a:lstStyle/>
+          <a:p>
+            <a:r>
+              <a:rPr lang="fr-FR" dirty="0" smtClean="0"/>
+              <a:t>Présentation en anglais</a:t>
+            </a:r>
+          </a:p>
+          <a:p>
+            <a:endParaRPr lang="fr-FR" dirty="0" smtClean="0"/>
+          </a:p>
+          <a:p>
+            <a:r>
+              <a:rPr lang="fr-FR" dirty="0" smtClean="0"/>
+              <a:t>Présenter rapidement </a:t>
+            </a:r>
+            <a:r>
+              <a:rPr lang="fr-FR" dirty="0" err="1" smtClean="0"/>
+              <a:t>rotten</a:t>
+            </a:r>
+            <a:r>
+              <a:rPr lang="fr-FR" dirty="0" smtClean="0"/>
+              <a:t> </a:t>
+            </a:r>
+            <a:r>
+              <a:rPr lang="fr-FR" dirty="0" err="1" smtClean="0"/>
+              <a:t>tomatoes</a:t>
+            </a:r>
+            <a:r>
+              <a:rPr lang="fr-FR" dirty="0" smtClean="0"/>
+              <a:t> : critiques</a:t>
+            </a:r>
+            <a:r>
+              <a:rPr lang="fr-FR" baseline="0" dirty="0" smtClean="0"/>
+              <a:t> séparées en critiques pro et </a:t>
+            </a:r>
+            <a:r>
+              <a:rPr lang="fr-FR" baseline="0" dirty="0" err="1" smtClean="0"/>
+              <a:t>commu</a:t>
+            </a:r>
+            <a:r>
+              <a:rPr lang="fr-FR" baseline="0" dirty="0" smtClean="0"/>
+              <a:t>, last news, </a:t>
+            </a:r>
+            <a:r>
+              <a:rPr lang="fr-FR" baseline="0" dirty="0" err="1" smtClean="0"/>
+              <a:t>popular</a:t>
+            </a:r>
+            <a:r>
+              <a:rPr lang="fr-FR" baseline="0" dirty="0" smtClean="0"/>
+              <a:t> shows, </a:t>
+            </a:r>
+            <a:r>
+              <a:rPr lang="fr-FR" baseline="0" dirty="0" err="1" smtClean="0"/>
+              <a:t>etc</a:t>
+            </a:r>
+            <a:endParaRPr lang="fr-FR" dirty="0" smtClean="0"/>
+          </a:p>
+          <a:p>
+            <a:endParaRPr lang="fr-FR" dirty="0" smtClean="0"/>
+          </a:p>
+          <a:p>
+            <a:r>
+              <a:rPr lang="fr-FR" dirty="0" smtClean="0"/>
+              <a:t>Project fictif </a:t>
+            </a:r>
+          </a:p>
+          <a:p>
+            <a:endParaRPr lang="fr-FR" dirty="0" smtClean="0"/>
+          </a:p>
+          <a:p>
+            <a:r>
+              <a:rPr lang="fr-FR" dirty="0" smtClean="0"/>
+              <a:t>Ne</a:t>
+            </a:r>
+            <a:r>
+              <a:rPr lang="fr-FR" baseline="0" dirty="0" smtClean="0"/>
+              <a:t> pas parler des </a:t>
+            </a:r>
+            <a:r>
+              <a:rPr lang="fr-FR" baseline="0" dirty="0" err="1" smtClean="0"/>
+              <a:t>languages</a:t>
+            </a:r>
+            <a:endParaRPr lang="fr-FR" dirty="0"/>
+          </a:p>
+        </p:txBody>
+      </p:sp>
+      <p:sp>
+        <p:nvSpPr>
+          <p:cNvPr id="4" name="Espace réservé du numéro de diapositive 3"/>
+          <p:cNvSpPr>
+            <a:spLocks noGrp="1"/>
+          </p:cNvSpPr>
+          <p:nvPr>
+            <p:ph type="sldNum" sz="quarter" idx="10"/>
+          </p:nvPr>
+        </p:nvSpPr>
+        <p:spPr/>
+        <p:txBody>
+          <a:bodyPr/>
+          <a:lstStyle/>
+          <a:p>
+            <a:fld id="{DCCE671D-D745-4191-B514-E5210ACDB5F4}" type="slidenum">
+              <a:rPr lang="fr-FR" smtClean="0"/>
+              <a:t>3</a:t>
+            </a:fld>
+            <a:endParaRPr lang="fr-FR"/>
+          </a:p>
+        </p:txBody>
+      </p:sp>
+    </p:spTree>
+    <p:extLst>
+      <p:ext uri="{BB962C8B-B14F-4D97-AF65-F5344CB8AC3E}">
+        <p14:creationId xmlns:p14="http://schemas.microsoft.com/office/powerpoint/2010/main" val="380533930"/>
+      </p:ext>
+    </p:extLst>
+  </p:cSld>
+  <p:clrMapOvr>
+    <a:masterClrMapping/>
+  </p:clrMapOvr>
+</p:notes>
+</file>
+
+<file path=ppt/notesSlides/notesSlide4.xml><?xml version="1.0" encoding="utf-8"?>
+<p:notes xmlns:a="http://schemas.openxmlformats.org/drawingml/2006/main" xmlns:r="http://schemas.openxmlformats.org/officeDocument/2006/relationships" xmlns:p="http://schemas.openxmlformats.org/presentationml/2006/main">
+  <p:cSld>
+    <p:spTree>
+      <p:nvGrpSpPr>
+        <p:cNvPr id="1" name=""/>
+        <p:cNvGrpSpPr/>
+        <p:nvPr/>
+      </p:nvGrpSpPr>
+      <p:grpSpPr>
+        <a:xfrm>
+          <a:off x="0" y="0"/>
+          <a:ext cx="0" cy="0"/>
+          <a:chOff x="0" y="0"/>
+          <a:chExt cx="0" cy="0"/>
+        </a:xfrm>
+      </p:grpSpPr>
+      <p:sp>
+        <p:nvSpPr>
+          <p:cNvPr id="2" name="Espace réservé de l'image des diapositives 1"/>
+          <p:cNvSpPr>
+            <a:spLocks noGrp="1" noRot="1" noChangeAspect="1"/>
+          </p:cNvSpPr>
+          <p:nvPr>
+            <p:ph type="sldImg"/>
+          </p:nvPr>
+        </p:nvSpPr>
+        <p:spPr/>
+      </p:sp>
+      <p:sp>
+        <p:nvSpPr>
+          <p:cNvPr id="3" name="Espace réservé des notes 2"/>
+          <p:cNvSpPr>
+            <a:spLocks noGrp="1"/>
+          </p:cNvSpPr>
+          <p:nvPr>
+            <p:ph type="body" idx="1"/>
+          </p:nvPr>
+        </p:nvSpPr>
+        <p:spPr/>
+        <p:txBody>
+          <a:bodyPr/>
+          <a:lstStyle/>
+          <a:p>
+            <a:r>
+              <a:rPr lang="fr-FR" dirty="0" smtClean="0"/>
+              <a:t>Dans un premier temps</a:t>
+            </a:r>
+            <a:r>
+              <a:rPr lang="fr-FR" baseline="0" dirty="0" smtClean="0"/>
+              <a:t> les spécificités fonctionnelles avec le use cases</a:t>
+            </a:r>
+            <a:endParaRPr lang="fr-FR" dirty="0" smtClean="0"/>
+          </a:p>
+          <a:p>
+            <a:endParaRPr lang="fr-FR" dirty="0" smtClean="0"/>
+          </a:p>
+          <a:p>
+            <a:r>
+              <a:rPr lang="fr-FR" dirty="0" smtClean="0"/>
+              <a:t>Préciser pourquoi le </a:t>
+            </a:r>
+            <a:r>
+              <a:rPr lang="fr-FR" dirty="0" err="1" smtClean="0"/>
+              <a:t>shéma</a:t>
+            </a:r>
+            <a:r>
+              <a:rPr lang="fr-FR" baseline="0" dirty="0" smtClean="0"/>
+              <a:t> est coupé, qu’il est dispo en annexe.</a:t>
+            </a:r>
+          </a:p>
+          <a:p>
+            <a:endParaRPr lang="fr-FR" baseline="0" dirty="0" smtClean="0"/>
+          </a:p>
+          <a:p>
+            <a:r>
+              <a:rPr lang="fr-FR" dirty="0" smtClean="0"/>
+              <a:t>4 acteurs et un acteur fictif</a:t>
+            </a:r>
+          </a:p>
+          <a:p>
+            <a:endParaRPr lang="fr-FR" dirty="0" smtClean="0"/>
+          </a:p>
+          <a:p>
+            <a:r>
+              <a:rPr lang="fr-FR" dirty="0" smtClean="0"/>
+              <a:t>Présentation des fonctions </a:t>
+            </a:r>
+          </a:p>
+          <a:p>
+            <a:endParaRPr lang="fr-FR" dirty="0" smtClean="0"/>
+          </a:p>
+          <a:p>
+            <a:r>
+              <a:rPr lang="fr-FR" dirty="0" smtClean="0"/>
+              <a:t>Introduire les fonctionnalités</a:t>
+            </a:r>
+            <a:r>
+              <a:rPr lang="fr-FR" baseline="0" dirty="0" smtClean="0"/>
+              <a:t> présentées dans les diagrammes qui suivent</a:t>
+            </a:r>
+            <a:endParaRPr lang="fr-FR" dirty="0"/>
+          </a:p>
+        </p:txBody>
+      </p:sp>
+      <p:sp>
+        <p:nvSpPr>
+          <p:cNvPr id="4" name="Espace réservé du numéro de diapositive 3"/>
+          <p:cNvSpPr>
+            <a:spLocks noGrp="1"/>
+          </p:cNvSpPr>
+          <p:nvPr>
+            <p:ph type="sldNum" sz="quarter" idx="10"/>
+          </p:nvPr>
+        </p:nvSpPr>
+        <p:spPr/>
+        <p:txBody>
+          <a:bodyPr/>
+          <a:lstStyle/>
+          <a:p>
+            <a:fld id="{DCCE671D-D745-4191-B514-E5210ACDB5F4}" type="slidenum">
+              <a:rPr lang="fr-FR" smtClean="0"/>
+              <a:t>4</a:t>
+            </a:fld>
+            <a:endParaRPr lang="fr-FR"/>
+          </a:p>
+        </p:txBody>
+      </p:sp>
+    </p:spTree>
+    <p:extLst>
+      <p:ext uri="{BB962C8B-B14F-4D97-AF65-F5344CB8AC3E}">
+        <p14:creationId xmlns:p14="http://schemas.microsoft.com/office/powerpoint/2010/main" val="3197033907"/>
+      </p:ext>
+    </p:extLst>
+  </p:cSld>
+  <p:clrMapOvr>
+    <a:masterClrMapping/>
+  </p:clrMapOvr>
+</p:notes>
+</file>
+
+<file path=ppt/notesSlides/notesSlide5.xml><?xml version="1.0" encoding="utf-8"?>
+<p:notes xmlns:a="http://schemas.openxmlformats.org/drawingml/2006/main" xmlns:r="http://schemas.openxmlformats.org/officeDocument/2006/relationships" xmlns:p="http://schemas.openxmlformats.org/presentationml/2006/main">
+  <p:cSld>
+    <p:spTree>
+      <p:nvGrpSpPr>
+        <p:cNvPr id="1" name=""/>
+        <p:cNvGrpSpPr/>
+        <p:nvPr/>
+      </p:nvGrpSpPr>
+      <p:grpSpPr>
+        <a:xfrm>
+          <a:off x="0" y="0"/>
+          <a:ext cx="0" cy="0"/>
+          <a:chOff x="0" y="0"/>
+          <a:chExt cx="0" cy="0"/>
+        </a:xfrm>
+      </p:grpSpPr>
+      <p:sp>
+        <p:nvSpPr>
+          <p:cNvPr id="2" name="Espace réservé de l'image des diapositives 1"/>
+          <p:cNvSpPr>
+            <a:spLocks noGrp="1" noRot="1" noChangeAspect="1"/>
+          </p:cNvSpPr>
+          <p:nvPr>
+            <p:ph type="sldImg"/>
+          </p:nvPr>
+        </p:nvSpPr>
+        <p:spPr/>
+      </p:sp>
+      <p:sp>
+        <p:nvSpPr>
+          <p:cNvPr id="3" name="Espace réservé des notes 2"/>
+          <p:cNvSpPr>
+            <a:spLocks noGrp="1"/>
+          </p:cNvSpPr>
+          <p:nvPr>
+            <p:ph type="body" idx="1"/>
+          </p:nvPr>
+        </p:nvSpPr>
+        <p:spPr/>
+        <p:txBody>
+          <a:bodyPr/>
+          <a:lstStyle/>
+          <a:p>
+            <a:r>
+              <a:rPr lang="fr-FR" dirty="0" smtClean="0"/>
+              <a:t>Présenter les</a:t>
+            </a:r>
+            <a:r>
+              <a:rPr lang="fr-FR" baseline="0" dirty="0" smtClean="0"/>
+              <a:t> étapes sur les activités, parler uniquement des scénar d’erreur sur les séquences</a:t>
+            </a:r>
+            <a:endParaRPr lang="fr-FR" dirty="0"/>
+          </a:p>
+        </p:txBody>
+      </p:sp>
+      <p:sp>
+        <p:nvSpPr>
+          <p:cNvPr id="4" name="Espace réservé du numéro de diapositive 3"/>
+          <p:cNvSpPr>
+            <a:spLocks noGrp="1"/>
+          </p:cNvSpPr>
+          <p:nvPr>
+            <p:ph type="sldNum" sz="quarter" idx="10"/>
+          </p:nvPr>
+        </p:nvSpPr>
+        <p:spPr/>
+        <p:txBody>
+          <a:bodyPr/>
+          <a:lstStyle/>
+          <a:p>
+            <a:fld id="{DCCE671D-D745-4191-B514-E5210ACDB5F4}" type="slidenum">
+              <a:rPr lang="fr-FR" smtClean="0"/>
+              <a:t>5</a:t>
+            </a:fld>
+            <a:endParaRPr lang="fr-FR"/>
+          </a:p>
+        </p:txBody>
+      </p:sp>
+    </p:spTree>
+    <p:extLst>
+      <p:ext uri="{BB962C8B-B14F-4D97-AF65-F5344CB8AC3E}">
+        <p14:creationId xmlns:p14="http://schemas.microsoft.com/office/powerpoint/2010/main" val="1371468292"/>
+      </p:ext>
+    </p:extLst>
+  </p:cSld>
+  <p:clrMapOvr>
+    <a:masterClrMapping/>
+  </p:clrMapOvr>
+</p:notes>
+</file>
+
+<file path=ppt/notesSlides/notesSlide6.xml><?xml version="1.0" encoding="utf-8"?>
+<p:notes xmlns:a="http://schemas.openxmlformats.org/drawingml/2006/main" xmlns:r="http://schemas.openxmlformats.org/officeDocument/2006/relationships" xmlns:p="http://schemas.openxmlformats.org/presentationml/2006/main">
+  <p:cSld>
+    <p:spTree>
+      <p:nvGrpSpPr>
+        <p:cNvPr id="1" name=""/>
+        <p:cNvGrpSpPr/>
+        <p:nvPr/>
+      </p:nvGrpSpPr>
+      <p:grpSpPr>
+        <a:xfrm>
+          <a:off x="0" y="0"/>
+          <a:ext cx="0" cy="0"/>
+          <a:chOff x="0" y="0"/>
+          <a:chExt cx="0" cy="0"/>
+        </a:xfrm>
+      </p:grpSpPr>
+      <p:sp>
+        <p:nvSpPr>
+          <p:cNvPr id="2" name="Espace réservé de l'image des diapositives 1"/>
+          <p:cNvSpPr>
+            <a:spLocks noGrp="1" noRot="1" noChangeAspect="1"/>
+          </p:cNvSpPr>
+          <p:nvPr>
+            <p:ph type="sldImg"/>
+          </p:nvPr>
+        </p:nvSpPr>
+        <p:spPr/>
+      </p:sp>
+      <p:sp>
+        <p:nvSpPr>
+          <p:cNvPr id="3" name="Espace réservé des notes 2"/>
+          <p:cNvSpPr>
+            <a:spLocks noGrp="1"/>
+          </p:cNvSpPr>
+          <p:nvPr>
+            <p:ph type="body" idx="1"/>
+          </p:nvPr>
+        </p:nvSpPr>
+        <p:spPr/>
+        <p:txBody>
+          <a:bodyPr/>
+          <a:lstStyle/>
+          <a:p>
+            <a:r>
+              <a:rPr lang="fr-FR" dirty="0" smtClean="0"/>
+              <a:t>Scénario</a:t>
+            </a:r>
+            <a:r>
+              <a:rPr lang="fr-FR" baseline="0" dirty="0" smtClean="0"/>
+              <a:t> alternatif : préciser que c’est en cas de mauvais format de mail pas exemple</a:t>
+            </a:r>
+          </a:p>
+          <a:p>
+            <a:endParaRPr lang="fr-FR" baseline="0" dirty="0" smtClean="0"/>
+          </a:p>
+          <a:p>
+            <a:r>
+              <a:rPr lang="fr-FR" baseline="0" dirty="0" smtClean="0"/>
+              <a:t>Scénario erreur </a:t>
+            </a:r>
+            <a:r>
+              <a:rPr lang="fr-FR" baseline="0" dirty="0" err="1" smtClean="0"/>
+              <a:t>bdd</a:t>
+            </a:r>
+            <a:r>
+              <a:rPr lang="fr-FR" baseline="0" dirty="0" smtClean="0"/>
+              <a:t> </a:t>
+            </a:r>
+            <a:r>
+              <a:rPr lang="fr-FR" baseline="0" dirty="0" err="1" smtClean="0"/>
+              <a:t>hs</a:t>
+            </a:r>
+            <a:r>
+              <a:rPr lang="fr-FR" baseline="0" dirty="0" smtClean="0"/>
+              <a:t>, indiquer qu’en </a:t>
+            </a:r>
+            <a:r>
+              <a:rPr lang="fr-FR" baseline="0" dirty="0" err="1" smtClean="0"/>
+              <a:t>prod</a:t>
+            </a:r>
+            <a:r>
+              <a:rPr lang="fr-FR" baseline="0" dirty="0" smtClean="0"/>
+              <a:t> le problème peut être géré avec un serveur de backup</a:t>
+            </a:r>
+            <a:endParaRPr lang="fr-FR" dirty="0"/>
+          </a:p>
+        </p:txBody>
+      </p:sp>
+      <p:sp>
+        <p:nvSpPr>
+          <p:cNvPr id="4" name="Espace réservé du numéro de diapositive 3"/>
+          <p:cNvSpPr>
+            <a:spLocks noGrp="1"/>
+          </p:cNvSpPr>
+          <p:nvPr>
+            <p:ph type="sldNum" sz="quarter" idx="10"/>
+          </p:nvPr>
+        </p:nvSpPr>
+        <p:spPr/>
+        <p:txBody>
+          <a:bodyPr/>
+          <a:lstStyle/>
+          <a:p>
+            <a:fld id="{DCCE671D-D745-4191-B514-E5210ACDB5F4}" type="slidenum">
+              <a:rPr lang="fr-FR" smtClean="0"/>
+              <a:t>6</a:t>
+            </a:fld>
+            <a:endParaRPr lang="fr-FR"/>
+          </a:p>
+        </p:txBody>
+      </p:sp>
+    </p:spTree>
+    <p:extLst>
+      <p:ext uri="{BB962C8B-B14F-4D97-AF65-F5344CB8AC3E}">
+        <p14:creationId xmlns:p14="http://schemas.microsoft.com/office/powerpoint/2010/main" val="93402896"/>
+      </p:ext>
+    </p:extLst>
+  </p:cSld>
+  <p:clrMapOvr>
+    <a:masterClrMapping/>
+  </p:clrMapOvr>
+</p:notes>
+</file>
+
+<file path=ppt/notesSlides/notesSlide7.xml><?xml version="1.0" encoding="utf-8"?>
+<p:notes xmlns:a="http://schemas.openxmlformats.org/drawingml/2006/main" xmlns:r="http://schemas.openxmlformats.org/officeDocument/2006/relationships" xmlns:p="http://schemas.openxmlformats.org/presentationml/2006/main">
+  <p:cSld>
+    <p:spTree>
+      <p:nvGrpSpPr>
+        <p:cNvPr id="1" name=""/>
+        <p:cNvGrpSpPr/>
+        <p:nvPr/>
+      </p:nvGrpSpPr>
+      <p:grpSpPr>
+        <a:xfrm>
+          <a:off x="0" y="0"/>
+          <a:ext cx="0" cy="0"/>
+          <a:chOff x="0" y="0"/>
+          <a:chExt cx="0" cy="0"/>
+        </a:xfrm>
+      </p:grpSpPr>
+      <p:sp>
+        <p:nvSpPr>
+          <p:cNvPr id="2" name="Espace réservé de l'image des diapositives 1"/>
+          <p:cNvSpPr>
+            <a:spLocks noGrp="1" noRot="1" noChangeAspect="1"/>
+          </p:cNvSpPr>
+          <p:nvPr>
+            <p:ph type="sldImg"/>
+          </p:nvPr>
+        </p:nvSpPr>
+        <p:spPr/>
+      </p:sp>
+      <p:sp>
+        <p:nvSpPr>
+          <p:cNvPr id="3" name="Espace réservé des notes 2"/>
+          <p:cNvSpPr>
+            <a:spLocks noGrp="1"/>
+          </p:cNvSpPr>
+          <p:nvPr>
+            <p:ph type="body" idx="1"/>
+          </p:nvPr>
+        </p:nvSpPr>
+        <p:spPr/>
+        <p:txBody>
+          <a:bodyPr/>
+          <a:lstStyle/>
+          <a:p>
+            <a:r>
+              <a:rPr lang="fr-FR" dirty="0" smtClean="0"/>
+              <a:t>La connexion pourrais être un peu plus sécurisée par le message d’erreur qui ne précise</a:t>
+            </a:r>
+            <a:r>
+              <a:rPr lang="fr-FR" baseline="0" dirty="0" smtClean="0"/>
+              <a:t> pas le champ incorrect, mais dans un soucis d’ergonomie pour les tests de fonctionnement les messages d’erreurs précisent le champs</a:t>
+            </a:r>
+            <a:endParaRPr lang="fr-FR" dirty="0"/>
+          </a:p>
+        </p:txBody>
+      </p:sp>
+      <p:sp>
+        <p:nvSpPr>
+          <p:cNvPr id="4" name="Espace réservé du numéro de diapositive 3"/>
+          <p:cNvSpPr>
+            <a:spLocks noGrp="1"/>
+          </p:cNvSpPr>
+          <p:nvPr>
+            <p:ph type="sldNum" sz="quarter" idx="10"/>
+          </p:nvPr>
+        </p:nvSpPr>
+        <p:spPr/>
+        <p:txBody>
+          <a:bodyPr/>
+          <a:lstStyle/>
+          <a:p>
+            <a:fld id="{DCCE671D-D745-4191-B514-E5210ACDB5F4}" type="slidenum">
+              <a:rPr lang="fr-FR" smtClean="0"/>
+              <a:t>7</a:t>
+            </a:fld>
+            <a:endParaRPr lang="fr-FR"/>
+          </a:p>
+        </p:txBody>
+      </p:sp>
+    </p:spTree>
+    <p:extLst>
+      <p:ext uri="{BB962C8B-B14F-4D97-AF65-F5344CB8AC3E}">
+        <p14:creationId xmlns:p14="http://schemas.microsoft.com/office/powerpoint/2010/main" val="748096416"/>
+      </p:ext>
+    </p:extLst>
+  </p:cSld>
+  <p:clrMapOvr>
+    <a:masterClrMapping/>
+  </p:clrMapOvr>
+</p:notes>
+</file>
+
+<file path=ppt/notesSlides/notesSlide8.xml><?xml version="1.0" encoding="utf-8"?>
+<p:notes xmlns:a="http://schemas.openxmlformats.org/drawingml/2006/main" xmlns:r="http://schemas.openxmlformats.org/officeDocument/2006/relationships" xmlns:p="http://schemas.openxmlformats.org/presentationml/2006/main">
+  <p:cSld>
+    <p:spTree>
+      <p:nvGrpSpPr>
+        <p:cNvPr id="1" name=""/>
+        <p:cNvGrpSpPr/>
+        <p:nvPr/>
+      </p:nvGrpSpPr>
+      <p:grpSpPr>
+        <a:xfrm>
+          <a:off x="0" y="0"/>
+          <a:ext cx="0" cy="0"/>
+          <a:chOff x="0" y="0"/>
+          <a:chExt cx="0" cy="0"/>
+        </a:xfrm>
+      </p:grpSpPr>
+      <p:sp>
+        <p:nvSpPr>
+          <p:cNvPr id="2" name="Espace réservé de l'image des diapositives 1"/>
+          <p:cNvSpPr>
+            <a:spLocks noGrp="1" noRot="1" noChangeAspect="1"/>
+          </p:cNvSpPr>
+          <p:nvPr>
+            <p:ph type="sldImg"/>
+          </p:nvPr>
+        </p:nvSpPr>
+        <p:spPr/>
+      </p:sp>
+      <p:sp>
+        <p:nvSpPr>
+          <p:cNvPr id="3" name="Espace réservé des notes 2"/>
+          <p:cNvSpPr>
+            <a:spLocks noGrp="1"/>
+          </p:cNvSpPr>
+          <p:nvPr>
+            <p:ph type="body" idx="1"/>
+          </p:nvPr>
+        </p:nvSpPr>
+        <p:spPr/>
+        <p:txBody>
+          <a:bodyPr/>
+          <a:lstStyle/>
+          <a:p>
+            <a:r>
+              <a:rPr lang="fr-FR" dirty="0" smtClean="0"/>
+              <a:t>Mise</a:t>
+            </a:r>
+            <a:r>
+              <a:rPr lang="fr-FR" baseline="0" dirty="0" smtClean="0"/>
+              <a:t> à jour impossible : maj de la session, peut être dû à un problème de cookies par exemple</a:t>
+            </a:r>
+            <a:endParaRPr lang="fr-FR" dirty="0"/>
+          </a:p>
+        </p:txBody>
+      </p:sp>
+      <p:sp>
+        <p:nvSpPr>
+          <p:cNvPr id="4" name="Espace réservé du numéro de diapositive 3"/>
+          <p:cNvSpPr>
+            <a:spLocks noGrp="1"/>
+          </p:cNvSpPr>
+          <p:nvPr>
+            <p:ph type="sldNum" sz="quarter" idx="10"/>
+          </p:nvPr>
+        </p:nvSpPr>
+        <p:spPr/>
+        <p:txBody>
+          <a:bodyPr/>
+          <a:lstStyle/>
+          <a:p>
+            <a:fld id="{DCCE671D-D745-4191-B514-E5210ACDB5F4}" type="slidenum">
+              <a:rPr lang="fr-FR" smtClean="0"/>
+              <a:t>11</a:t>
+            </a:fld>
+            <a:endParaRPr lang="fr-FR"/>
+          </a:p>
+        </p:txBody>
+      </p:sp>
+    </p:spTree>
+    <p:extLst>
+      <p:ext uri="{BB962C8B-B14F-4D97-AF65-F5344CB8AC3E}">
+        <p14:creationId xmlns:p14="http://schemas.microsoft.com/office/powerpoint/2010/main" val="292179692"/>
+      </p:ext>
+    </p:extLst>
+  </p:cSld>
+  <p:clrMapOvr>
+    <a:masterClrMapping/>
+  </p:clrMapOvr>
+</p:notes>
+</file>
+
+<file path=ppt/notesSlides/notesSlide9.xml><?xml version="1.0" encoding="utf-8"?>
+<p:notes xmlns:a="http://schemas.openxmlformats.org/drawingml/2006/main" xmlns:r="http://schemas.openxmlformats.org/officeDocument/2006/relationships" xmlns:p="http://schemas.openxmlformats.org/presentationml/2006/main">
+  <p:cSld>
+    <p:spTree>
+      <p:nvGrpSpPr>
+        <p:cNvPr id="1" name=""/>
+        <p:cNvGrpSpPr/>
+        <p:nvPr/>
+      </p:nvGrpSpPr>
+      <p:grpSpPr>
+        <a:xfrm>
+          <a:off x="0" y="0"/>
+          <a:ext cx="0" cy="0"/>
+          <a:chOff x="0" y="0"/>
+          <a:chExt cx="0" cy="0"/>
+        </a:xfrm>
+      </p:grpSpPr>
+      <p:sp>
+        <p:nvSpPr>
+          <p:cNvPr id="2" name="Espace réservé de l'image des diapositives 1"/>
+          <p:cNvSpPr>
+            <a:spLocks noGrp="1" noRot="1" noChangeAspect="1"/>
+          </p:cNvSpPr>
+          <p:nvPr>
+            <p:ph type="sldImg"/>
+          </p:nvPr>
+        </p:nvSpPr>
+        <p:spPr/>
+      </p:sp>
+      <p:sp>
+        <p:nvSpPr>
+          <p:cNvPr id="3" name="Espace réservé des notes 2"/>
+          <p:cNvSpPr>
+            <a:spLocks noGrp="1"/>
+          </p:cNvSpPr>
+          <p:nvPr>
+            <p:ph type="body" idx="1"/>
+          </p:nvPr>
+        </p:nvSpPr>
+        <p:spPr/>
+        <p:txBody>
+          <a:bodyPr/>
+          <a:lstStyle/>
+          <a:p>
+            <a:r>
+              <a:rPr lang="fr-FR" dirty="0" smtClean="0"/>
+              <a:t>Préciser</a:t>
+            </a:r>
+            <a:r>
+              <a:rPr lang="fr-FR" baseline="0" dirty="0" smtClean="0"/>
+              <a:t> que le </a:t>
+            </a:r>
+            <a:r>
+              <a:rPr lang="fr-FR" baseline="0" dirty="0" err="1" smtClean="0"/>
+              <a:t>footer</a:t>
+            </a:r>
+            <a:r>
+              <a:rPr lang="fr-FR" baseline="0" dirty="0" smtClean="0"/>
+              <a:t> est vide, les conditions d’utilisation, contacts, </a:t>
+            </a:r>
+            <a:r>
+              <a:rPr lang="fr-FR" baseline="0" dirty="0" err="1" smtClean="0"/>
+              <a:t>etc</a:t>
+            </a:r>
+            <a:r>
+              <a:rPr lang="fr-FR" baseline="0" dirty="0" smtClean="0"/>
+              <a:t> n’ont pas été </a:t>
+            </a:r>
+            <a:r>
+              <a:rPr lang="fr-FR" baseline="0" dirty="0" err="1" smtClean="0"/>
+              <a:t>concues</a:t>
+            </a:r>
+            <a:r>
+              <a:rPr lang="fr-FR" baseline="0" dirty="0" smtClean="0"/>
+              <a:t> </a:t>
+            </a:r>
+            <a:endParaRPr lang="fr-FR" dirty="0"/>
+          </a:p>
+        </p:txBody>
+      </p:sp>
+      <p:sp>
+        <p:nvSpPr>
+          <p:cNvPr id="4" name="Espace réservé du numéro de diapositive 3"/>
+          <p:cNvSpPr>
+            <a:spLocks noGrp="1"/>
+          </p:cNvSpPr>
+          <p:nvPr>
+            <p:ph type="sldNum" sz="quarter" idx="10"/>
+          </p:nvPr>
+        </p:nvSpPr>
+        <p:spPr/>
+        <p:txBody>
+          <a:bodyPr/>
+          <a:lstStyle/>
+          <a:p>
+            <a:fld id="{DCCE671D-D745-4191-B514-E5210ACDB5F4}" type="slidenum">
+              <a:rPr lang="fr-FR" smtClean="0"/>
+              <a:t>14</a:t>
+            </a:fld>
+            <a:endParaRPr lang="fr-FR"/>
+          </a:p>
+        </p:txBody>
+      </p:sp>
+    </p:spTree>
+    <p:extLst>
+      <p:ext uri="{BB962C8B-B14F-4D97-AF65-F5344CB8AC3E}">
+        <p14:creationId xmlns:p14="http://schemas.microsoft.com/office/powerpoint/2010/main" val="3766177608"/>
+      </p:ext>
+    </p:extLst>
+  </p:cSld>
+  <p:clrMapOvr>
+    <a:masterClrMapping/>
+  </p:clrMapOvr>
+</p:notes>
+</file>
+
 <file path=ppt/slideLayouts/slideLayout1.xml><?xml version="1.0" encoding="utf-8"?>
 <p:sldLayout xmlns:a="http://schemas.openxmlformats.org/drawingml/2006/main" xmlns:r="http://schemas.openxmlformats.org/officeDocument/2006/relationships" xmlns:p="http://schemas.openxmlformats.org/presentationml/2006/main" type="title" preserve="1">
   <p:cSld name="Diapositive de titre">
@@ -627,7 +3284,7 @@
           <a:p>
             <a:fld id="{5821E773-4264-4C0B-914D-52CA1BA25049}" type="datetime1">
               <a:rPr lang="fr-FR" smtClean="0"/>
-              <a:t>31/05/2022</a:t>
+              <a:t>14/06/2022</a:t>
             </a:fld>
             <a:endParaRPr lang="fr-FR"/>
           </a:p>
@@ -809,7 +3466,7 @@
           <a:p>
             <a:fld id="{A9F66D1B-627C-4E1D-89AF-2E8F890F9514}" type="datetime1">
               <a:rPr lang="fr-FR" smtClean="0"/>
-              <a:t>31/05/2022</a:t>
+              <a:t>14/06/2022</a:t>
             </a:fld>
             <a:endParaRPr lang="fr-FR"/>
           </a:p>
@@ -1001,7 +3658,7 @@
           <a:p>
             <a:fld id="{91A022CD-5137-4B96-8C68-DD451FB79E9D}" type="datetime1">
               <a:rPr lang="fr-FR" smtClean="0"/>
-              <a:t>31/05/2022</a:t>
+              <a:t>14/06/2022</a:t>
             </a:fld>
             <a:endParaRPr lang="fr-FR"/>
           </a:p>
@@ -1183,7 +3840,7 @@
           <a:p>
             <a:fld id="{5EEA446D-3454-4378-AF65-697581B873C2}" type="datetime1">
               <a:rPr lang="fr-FR" smtClean="0"/>
-              <a:t>31/05/2022</a:t>
+              <a:t>14/06/2022</a:t>
             </a:fld>
             <a:endParaRPr lang="fr-FR"/>
           </a:p>
@@ -1441,7 +4098,7 @@
           <a:p>
             <a:fld id="{1261EA1A-9269-4455-A4A4-092C7C6C762E}" type="datetime1">
               <a:rPr lang="fr-FR" smtClean="0"/>
-              <a:t>31/05/2022</a:t>
+              <a:t>14/06/2022</a:t>
             </a:fld>
             <a:endParaRPr lang="fr-FR"/>
           </a:p>
@@ -1685,7 +4342,7 @@
           <a:p>
             <a:fld id="{D74A0CD3-62AE-462B-96C0-A05526B93549}" type="datetime1">
               <a:rPr lang="fr-FR" smtClean="0"/>
-              <a:t>31/05/2022</a:t>
+              <a:t>14/06/2022</a:t>
             </a:fld>
             <a:endParaRPr lang="fr-FR"/>
           </a:p>
@@ -2064,7 +4721,7 @@
           <a:p>
             <a:fld id="{A81707A5-C57D-4C13-B0B2-C410CB119169}" type="datetime1">
               <a:rPr lang="fr-FR" smtClean="0"/>
-              <a:t>31/05/2022</a:t>
+              <a:t>14/06/2022</a:t>
             </a:fld>
             <a:endParaRPr lang="fr-FR"/>
           </a:p>
@@ -2194,7 +4851,7 @@
           <a:p>
             <a:fld id="{2D94D4E3-E571-403F-83C1-DE016EBAC48F}" type="datetime1">
               <a:rPr lang="fr-FR" smtClean="0"/>
-              <a:t>31/05/2022</a:t>
+              <a:t>14/06/2022</a:t>
             </a:fld>
             <a:endParaRPr lang="fr-FR"/>
           </a:p>
@@ -2301,7 +4958,7 @@
           <a:p>
             <a:fld id="{7F6BA79B-3428-484D-BF3B-454B9EF21F7A}" type="datetime1">
               <a:rPr lang="fr-FR" smtClean="0"/>
-              <a:t>31/05/2022</a:t>
+              <a:t>14/06/2022</a:t>
             </a:fld>
             <a:endParaRPr lang="fr-FR"/>
           </a:p>
@@ -2590,7 +5247,7 @@
           <a:p>
             <a:fld id="{9A97EAC5-3E25-40D6-BB07-19CD34D25F54}" type="datetime1">
               <a:rPr lang="fr-FR" smtClean="0"/>
-              <a:t>31/05/2022</a:t>
+              <a:t>14/06/2022</a:t>
             </a:fld>
             <a:endParaRPr lang="fr-FR"/>
           </a:p>
@@ -2855,7 +5512,7 @@
           <a:p>
             <a:fld id="{57C304E1-A05B-47DC-9219-381A31C9D7F1}" type="datetime1">
               <a:rPr lang="fr-FR" smtClean="0"/>
-              <a:t>31/05/2022</a:t>
+              <a:t>14/06/2022</a:t>
             </a:fld>
             <a:endParaRPr lang="fr-FR"/>
           </a:p>
@@ -3080,7 +5737,7 @@
           <a:p>
             <a:fld id="{280618CC-9874-44EB-B6D7-2758B980B41B}" type="datetime1">
               <a:rPr lang="fr-FR" smtClean="0"/>
-              <a:t>31/05/2022</a:t>
+              <a:t>14/06/2022</a:t>
             </a:fld>
             <a:endParaRPr lang="fr-FR"/>
           </a:p>
@@ -3645,7 +6302,7 @@
           <p:nvPr/>
         </p:nvPicPr>
         <p:blipFill>
-          <a:blip r:embed="rId2">
+          <a:blip r:embed="rId3">
             <a:extLst>
               <a:ext uri="{28A0092B-C50C-407E-A947-70E740481C1C}">
                 <a14:useLocalDpi xmlns:a14="http://schemas.microsoft.com/office/drawing/2010/main" val="0"/>
@@ -3995,7 +6652,7 @@
           <p:nvPr/>
         </p:nvPicPr>
         <p:blipFill>
-          <a:blip r:embed="rId2">
+          <a:blip r:embed="rId3">
             <a:extLst>
               <a:ext uri="{28A0092B-C50C-407E-A947-70E740481C1C}">
                 <a14:useLocalDpi xmlns:a14="http://schemas.microsoft.com/office/drawing/2010/main" val="0"/>
@@ -4443,7 +7100,7 @@
           <p:nvPr/>
         </p:nvPicPr>
         <p:blipFill>
-          <a:blip r:embed="rId2"/>
+          <a:blip r:embed="rId3"/>
           <a:stretch>
             <a:fillRect/>
           </a:stretch>
@@ -4637,7 +7294,7 @@
           <p:nvPr/>
         </p:nvPicPr>
         <p:blipFill>
-          <a:blip r:embed="rId2">
+          <a:blip r:embed="rId3">
             <a:extLst>
               <a:ext uri="{28A0092B-C50C-407E-A947-70E740481C1C}">
                 <a14:useLocalDpi xmlns:a14="http://schemas.microsoft.com/office/drawing/2010/main" val="0"/>
@@ -4836,7 +7493,7 @@
           <p:nvPr/>
         </p:nvPicPr>
         <p:blipFill>
-          <a:blip r:embed="rId2"/>
+          <a:blip r:embed="rId3"/>
           <a:stretch>
             <a:fillRect/>
           </a:stretch>
@@ -4990,7 +7647,7 @@
           <p:nvPr/>
         </p:nvPicPr>
         <p:blipFill>
-          <a:blip r:embed="rId2"/>
+          <a:blip r:embed="rId3"/>
           <a:stretch>
             <a:fillRect/>
           </a:stretch>
@@ -5148,7 +7805,7 @@
           <p:nvPr/>
         </p:nvPicPr>
         <p:blipFill>
-          <a:blip r:embed="rId2">
+          <a:blip r:embed="rId3">
             <a:extLst>
               <a:ext uri="{28A0092B-C50C-407E-A947-70E740481C1C}">
                 <a14:useLocalDpi xmlns:a14="http://schemas.microsoft.com/office/drawing/2010/main" val="0"/>
@@ -5176,7 +7833,7 @@
           <p:nvPr/>
         </p:nvPicPr>
         <p:blipFill>
-          <a:blip r:embed="rId3" cstate="print">
+          <a:blip r:embed="rId4" cstate="print">
             <a:extLst>
               <a:ext uri="{28A0092B-C50C-407E-A947-70E740481C1C}">
                 <a14:useLocalDpi xmlns:a14="http://schemas.microsoft.com/office/drawing/2010/main" val="0"/>
@@ -5326,7 +7983,7 @@
           <p:nvPr/>
         </p:nvPicPr>
         <p:blipFill>
-          <a:blip r:embed="rId2" cstate="print">
+          <a:blip r:embed="rId3" cstate="print">
             <a:extLst>
               <a:ext uri="{28A0092B-C50C-407E-A947-70E740481C1C}">
                 <a14:useLocalDpi xmlns:a14="http://schemas.microsoft.com/office/drawing/2010/main" val="0"/>
@@ -5359,7 +8016,7 @@
           <p:nvPr/>
         </p:nvPicPr>
         <p:blipFill>
-          <a:blip r:embed="rId3" cstate="print">
+          <a:blip r:embed="rId4" cstate="print">
             <a:extLst>
               <a:ext uri="{28A0092B-C50C-407E-A947-70E740481C1C}">
                 <a14:useLocalDpi xmlns:a14="http://schemas.microsoft.com/office/drawing/2010/main" val="0"/>
@@ -5392,7 +8049,7 @@
           <p:nvPr/>
         </p:nvPicPr>
         <p:blipFill>
-          <a:blip r:embed="rId4" cstate="print">
+          <a:blip r:embed="rId5" cstate="print">
             <a:extLst>
               <a:ext uri="{28A0092B-C50C-407E-A947-70E740481C1C}">
                 <a14:useLocalDpi xmlns:a14="http://schemas.microsoft.com/office/drawing/2010/main" val="0"/>
@@ -5425,7 +8082,7 @@
           <p:nvPr/>
         </p:nvPicPr>
         <p:blipFill>
-          <a:blip r:embed="rId5" cstate="print">
+          <a:blip r:embed="rId6" cstate="print">
             <a:extLst>
               <a:ext uri="{28A0092B-C50C-407E-A947-70E740481C1C}">
                 <a14:useLocalDpi xmlns:a14="http://schemas.microsoft.com/office/drawing/2010/main" val="0"/>
@@ -5458,7 +8115,7 @@
           <p:nvPr/>
         </p:nvPicPr>
         <p:blipFill>
-          <a:blip r:embed="rId6" cstate="print">
+          <a:blip r:embed="rId7" cstate="print">
             <a:extLst>
               <a:ext uri="{28A0092B-C50C-407E-A947-70E740481C1C}">
                 <a14:useLocalDpi xmlns:a14="http://schemas.microsoft.com/office/drawing/2010/main" val="0"/>
@@ -5491,7 +8148,7 @@
           <p:nvPr/>
         </p:nvPicPr>
         <p:blipFill>
-          <a:blip r:embed="rId7" cstate="print">
+          <a:blip r:embed="rId8" cstate="print">
             <a:extLst>
               <a:ext uri="{28A0092B-C50C-407E-A947-70E740481C1C}">
                 <a14:useLocalDpi xmlns:a14="http://schemas.microsoft.com/office/drawing/2010/main" val="0"/>
@@ -5524,7 +8181,7 @@
           <p:nvPr/>
         </p:nvPicPr>
         <p:blipFill>
-          <a:blip r:embed="rId8" cstate="print">
+          <a:blip r:embed="rId9" cstate="print">
             <a:extLst>
               <a:ext uri="{28A0092B-C50C-407E-A947-70E740481C1C}">
                 <a14:useLocalDpi xmlns:a14="http://schemas.microsoft.com/office/drawing/2010/main" val="0"/>
@@ -5557,7 +8214,7 @@
           <p:nvPr/>
         </p:nvPicPr>
         <p:blipFill>
-          <a:blip r:embed="rId9" cstate="print">
+          <a:blip r:embed="rId10" cstate="print">
             <a:extLst>
               <a:ext uri="{28A0092B-C50C-407E-A947-70E740481C1C}">
                 <a14:useLocalDpi xmlns:a14="http://schemas.microsoft.com/office/drawing/2010/main" val="0"/>
@@ -5590,7 +8247,7 @@
           <p:nvPr/>
         </p:nvPicPr>
         <p:blipFill>
-          <a:blip r:embed="rId10" cstate="print">
+          <a:blip r:embed="rId11" cstate="print">
             <a:extLst>
               <a:ext uri="{28A0092B-C50C-407E-A947-70E740481C1C}">
                 <a14:useLocalDpi xmlns:a14="http://schemas.microsoft.com/office/drawing/2010/main" val="0"/>
@@ -5638,6 +8295,13 @@
       </p:transition>
     </mc:Fallback>
   </mc:AlternateContent>
+  <p:timing>
+    <p:tnLst>
+      <p:par>
+        <p:cTn id="1" dur="indefinite" restart="never" nodeType="tmRoot"/>
+      </p:par>
+    </p:tnLst>
+  </p:timing>
 </p:sld>
 </file>
 
@@ -5725,21 +8389,7 @@
           <a:p>
             <a:r>
               <a:rPr lang="fr-FR" dirty="0" smtClean="0"/>
-              <a:t>Présentation de l’entreprise</a:t>
-            </a:r>
-          </a:p>
-          <a:p>
-            <a:r>
-              <a:rPr lang="fr-FR" dirty="0" smtClean="0"/>
-              <a:t>Présentation </a:t>
-            </a:r>
-            <a:r>
-              <a:rPr lang="fr-FR" dirty="0"/>
-              <a:t>du </a:t>
-            </a:r>
-            <a:r>
-              <a:rPr lang="fr-FR" dirty="0" smtClean="0"/>
-              <a:t>besoin</a:t>
+              <a:t>Présentation de l’entreprise et du besoin</a:t>
             </a:r>
           </a:p>
           <a:p>
@@ -5766,10 +8416,9 @@
           </a:p>
           <a:p>
             <a:r>
-              <a:rPr lang="fr-FR" dirty="0"/>
-              <a:t>À venir</a:t>
-            </a:r>
-            <a:endParaRPr lang="fr-FR" dirty="0" smtClean="0"/>
+              <a:rPr lang="fr-FR" dirty="0" smtClean="0"/>
+              <a:t>Conclusion</a:t>
+            </a:r>
           </a:p>
           <a:p>
             <a:endParaRPr lang="fr-FR" dirty="0" smtClean="0"/>
@@ -5885,6 +8534,82 @@
       </p:grpSpPr>
       <p:sp>
         <p:nvSpPr>
+          <p:cNvPr id="2" name="Titre 1"/>
+          <p:cNvSpPr>
+            <a:spLocks noGrp="1"/>
+          </p:cNvSpPr>
+          <p:nvPr>
+            <p:ph type="title"/>
+          </p:nvPr>
+        </p:nvSpPr>
+        <p:spPr/>
+        <p:txBody>
+          <a:bodyPr/>
+          <a:lstStyle/>
+          <a:p>
+            <a:r>
+              <a:rPr lang="fr-FR" dirty="0" smtClean="0"/>
+              <a:t>Les fonctionnalités</a:t>
+            </a:r>
+            <a:endParaRPr lang="fr-FR" dirty="0"/>
+          </a:p>
+        </p:txBody>
+      </p:sp>
+      <p:sp>
+        <p:nvSpPr>
+          <p:cNvPr id="3" name="Espace réservé du contenu 2"/>
+          <p:cNvSpPr>
+            <a:spLocks noGrp="1"/>
+          </p:cNvSpPr>
+          <p:nvPr>
+            <p:ph idx="1"/>
+          </p:nvPr>
+        </p:nvSpPr>
+        <p:spPr/>
+        <p:txBody>
+          <a:bodyPr/>
+          <a:lstStyle/>
+          <a:p>
+            <a:r>
+              <a:rPr lang="fr-FR" dirty="0" smtClean="0"/>
+              <a:t>Utilitaires</a:t>
+            </a:r>
+          </a:p>
+          <a:p>
+            <a:r>
+              <a:rPr lang="fr-FR" dirty="0" smtClean="0"/>
+              <a:t>Création de compte</a:t>
+            </a:r>
+          </a:p>
+          <a:p>
+            <a:r>
+              <a:rPr lang="fr-FR" dirty="0" smtClean="0"/>
+              <a:t>Connexion</a:t>
+            </a:r>
+          </a:p>
+          <a:p>
+            <a:r>
+              <a:rPr lang="fr-FR" dirty="0" smtClean="0"/>
+              <a:t>Déconnexion</a:t>
+            </a:r>
+          </a:p>
+          <a:p>
+            <a:r>
+              <a:rPr lang="fr-FR" dirty="0" smtClean="0"/>
+              <a:t>Modification</a:t>
+            </a:r>
+          </a:p>
+          <a:p>
+            <a:r>
+              <a:rPr lang="fr-FR" dirty="0" smtClean="0"/>
+              <a:t>Suppression</a:t>
+            </a:r>
+            <a:endParaRPr lang="fr-FR" dirty="0"/>
+          </a:p>
+        </p:txBody>
+      </p:sp>
+      <p:sp>
+        <p:nvSpPr>
           <p:cNvPr id="4" name="Espace réservé du numéro de diapositive 3"/>
           <p:cNvSpPr>
             <a:spLocks noGrp="1"/>
@@ -5899,25 +8624,17 @@
           <a:lstStyle/>
           <a:p>
             <a:fld id="{C71BCE76-17DE-481D-8B88-0224F5084139}" type="slidenum">
-              <a:rPr lang="fr-FR" smtClean="0">
-                <a:solidFill>
-                  <a:schemeClr val="tx1"/>
-                </a:solidFill>
-              </a:rPr>
+              <a:rPr lang="fr-FR" smtClean="0"/>
               <a:t>20</a:t>
             </a:fld>
-            <a:endParaRPr lang="fr-FR" dirty="0">
-              <a:solidFill>
-                <a:schemeClr val="tx1"/>
-              </a:solidFill>
-            </a:endParaRPr>
+            <a:endParaRPr lang="fr-FR"/>
           </a:p>
         </p:txBody>
       </p:sp>
     </p:spTree>
     <p:extLst>
       <p:ext uri="{BB962C8B-B14F-4D97-AF65-F5344CB8AC3E}">
-        <p14:creationId xmlns:p14="http://schemas.microsoft.com/office/powerpoint/2010/main" val="3248359539"/>
+        <p14:creationId xmlns:p14="http://schemas.microsoft.com/office/powerpoint/2010/main" val="3480281645"/>
       </p:ext>
     </p:extLst>
   </p:cSld>
@@ -6007,7 +8724,7 @@
           <a:p>
             <a:r>
               <a:rPr lang="fr-FR" dirty="0" smtClean="0"/>
-              <a:t>Les fonctionnalités</a:t>
+              <a:t>Les utilitaires</a:t>
             </a:r>
             <a:endParaRPr lang="fr-FR" dirty="0"/>
           </a:p>
@@ -6015,12 +8732,12 @@
       </p:sp>
       <p:sp>
         <p:nvSpPr>
-          <p:cNvPr id="3" name="Espace réservé du contenu 2"/>
-          <p:cNvSpPr>
-            <a:spLocks noGrp="1"/>
-          </p:cNvSpPr>
-          <p:nvPr>
-            <p:ph idx="1"/>
+          <p:cNvPr id="4" name="Espace réservé du numéro de diapositive 3"/>
+          <p:cNvSpPr>
+            <a:spLocks noGrp="1"/>
+          </p:cNvSpPr>
+          <p:nvPr>
+            <p:ph type="sldNum" sz="quarter" idx="12"/>
           </p:nvPr>
         </p:nvSpPr>
         <p:spPr/>
@@ -6028,71 +8745,134 @@
           <a:bodyPr/>
           <a:lstStyle/>
           <a:p>
-            <a:r>
-              <a:rPr lang="fr-FR" dirty="0" smtClean="0"/>
-              <a:t>Utilitaires</a:t>
-            </a:r>
-          </a:p>
-          <a:p>
-            <a:r>
-              <a:rPr lang="fr-FR" dirty="0" smtClean="0"/>
-              <a:t>Création de compte</a:t>
-            </a:r>
-          </a:p>
-          <a:p>
-            <a:r>
-              <a:rPr lang="fr-FR" dirty="0" smtClean="0"/>
-              <a:t>Connexion</a:t>
-            </a:r>
-          </a:p>
-          <a:p>
-            <a:r>
-              <a:rPr lang="fr-FR" dirty="0" smtClean="0"/>
-              <a:t>Déconnexion</a:t>
-            </a:r>
-          </a:p>
-          <a:p>
-            <a:r>
-              <a:rPr lang="fr-FR" dirty="0" smtClean="0"/>
-              <a:t>Modification</a:t>
-            </a:r>
-          </a:p>
-          <a:p>
-            <a:r>
-              <a:rPr lang="fr-FR" dirty="0" smtClean="0"/>
-              <a:t>Suppression</a:t>
-            </a:r>
-            <a:endParaRPr lang="fr-FR" dirty="0"/>
-          </a:p>
-        </p:txBody>
-      </p:sp>
-      <p:sp>
-        <p:nvSpPr>
-          <p:cNvPr id="4" name="Espace réservé du numéro de diapositive 3"/>
-          <p:cNvSpPr>
-            <a:spLocks noGrp="1"/>
-          </p:cNvSpPr>
-          <p:nvPr>
-            <p:ph type="sldNum" sz="quarter" idx="12"/>
-          </p:nvPr>
-        </p:nvSpPr>
-        <p:spPr/>
-        <p:txBody>
-          <a:bodyPr/>
-          <a:lstStyle/>
-          <a:p>
             <a:fld id="{C71BCE76-17DE-481D-8B88-0224F5084139}" type="slidenum">
-              <a:rPr lang="fr-FR" smtClean="0"/>
+              <a:rPr lang="fr-FR" smtClean="0">
+                <a:solidFill>
+                  <a:schemeClr val="tx1"/>
+                </a:solidFill>
+              </a:rPr>
               <a:t>21</a:t>
             </a:fld>
-            <a:endParaRPr lang="fr-FR"/>
+            <a:endParaRPr lang="fr-FR" dirty="0">
+              <a:solidFill>
+                <a:schemeClr val="tx1"/>
+              </a:solidFill>
+            </a:endParaRPr>
+          </a:p>
+        </p:txBody>
+      </p:sp>
+      <p:pic>
+        <p:nvPicPr>
+          <p:cNvPr id="5" name="Image 4"/>
+          <p:cNvPicPr>
+            <a:picLocks noChangeAspect="1"/>
+          </p:cNvPicPr>
+          <p:nvPr/>
+        </p:nvPicPr>
+        <p:blipFill>
+          <a:blip r:embed="rId3"/>
+          <a:stretch>
+            <a:fillRect/>
+          </a:stretch>
+        </p:blipFill>
+        <p:spPr>
+          <a:xfrm>
+            <a:off x="187325" y="3444220"/>
+            <a:ext cx="5133975" cy="1805921"/>
+          </a:xfrm>
+          <a:prstGeom prst="rect">
+            <a:avLst/>
+          </a:prstGeom>
+        </p:spPr>
+      </p:pic>
+      <p:pic>
+        <p:nvPicPr>
+          <p:cNvPr id="6" name="Image 5"/>
+          <p:cNvPicPr>
+            <a:picLocks noChangeAspect="1"/>
+          </p:cNvPicPr>
+          <p:nvPr/>
+        </p:nvPicPr>
+        <p:blipFill>
+          <a:blip r:embed="rId4"/>
+          <a:stretch>
+            <a:fillRect/>
+          </a:stretch>
+        </p:blipFill>
+        <p:spPr>
+          <a:xfrm>
+            <a:off x="5422901" y="1218741"/>
+            <a:ext cx="6634162" cy="5195553"/>
+          </a:xfrm>
+          <a:prstGeom prst="rect">
+            <a:avLst/>
+          </a:prstGeom>
+        </p:spPr>
+      </p:pic>
+      <p:sp>
+        <p:nvSpPr>
+          <p:cNvPr id="7" name="ZoneTexte 6"/>
+          <p:cNvSpPr txBox="1"/>
+          <p:nvPr/>
+        </p:nvSpPr>
+        <p:spPr>
+          <a:xfrm>
+            <a:off x="1404807" y="2921000"/>
+            <a:ext cx="2699009" cy="523220"/>
+          </a:xfrm>
+          <a:prstGeom prst="rect">
+            <a:avLst/>
+          </a:prstGeom>
+          <a:noFill/>
+        </p:spPr>
+        <p:txBody>
+          <a:bodyPr wrap="none" rtlCol="0">
+            <a:spAutoFit/>
+          </a:bodyPr>
+          <a:lstStyle/>
+          <a:p>
+            <a:r>
+              <a:rPr lang="fr-FR" sz="2800" dirty="0" smtClean="0"/>
+              <a:t>Fonction sécurité</a:t>
+            </a:r>
+            <a:endParaRPr lang="fr-FR" sz="2800" dirty="0"/>
+          </a:p>
+        </p:txBody>
+      </p:sp>
+      <p:sp>
+        <p:nvSpPr>
+          <p:cNvPr id="8" name="ZoneTexte 7"/>
+          <p:cNvSpPr txBox="1"/>
+          <p:nvPr/>
+        </p:nvSpPr>
+        <p:spPr>
+          <a:xfrm>
+            <a:off x="7159260" y="766296"/>
+            <a:ext cx="3038973" cy="523220"/>
+          </a:xfrm>
+          <a:prstGeom prst="rect">
+            <a:avLst/>
+          </a:prstGeom>
+          <a:noFill/>
+        </p:spPr>
+        <p:txBody>
+          <a:bodyPr wrap="none" rtlCol="0">
+            <a:spAutoFit/>
+          </a:bodyPr>
+          <a:lstStyle/>
+          <a:p>
+            <a:r>
+              <a:rPr lang="fr-FR" sz="2800" dirty="0" smtClean="0"/>
+              <a:t>Connexion à la BDD</a:t>
+            </a:r>
+            <a:endParaRPr lang="fr-FR" sz="2800" dirty="0"/>
           </a:p>
         </p:txBody>
       </p:sp>
     </p:spTree>
     <p:extLst>
       <p:ext uri="{BB962C8B-B14F-4D97-AF65-F5344CB8AC3E}">
-        <p14:creationId xmlns:p14="http://schemas.microsoft.com/office/powerpoint/2010/main" val="3480281645"/>
+        <p14:creationId xmlns:p14="http://schemas.microsoft.com/office/powerpoint/2010/main" val="3132934141"/>
       </p:ext>
     </p:extLst>
   </p:cSld>
@@ -6111,6 +8891,13 @@
       </p:transition>
     </mc:Fallback>
   </mc:AlternateContent>
+  <p:timing>
+    <p:tnLst>
+      <p:par>
+        <p:cTn id="1" dur="indefinite" restart="never" nodeType="tmRoot"/>
+      </p:par>
+    </p:tnLst>
+  </p:timing>
 </p:sld>
 </file>
 
@@ -6175,7 +8962,7 @@
           <a:p>
             <a:r>
               <a:rPr lang="fr-FR" dirty="0" smtClean="0"/>
-              <a:t>Les utilitaires</a:t>
+              <a:t>Création de compte</a:t>
             </a:r>
             <a:endParaRPr lang="fr-FR" dirty="0"/>
           </a:p>
@@ -6214,34 +9001,8 @@
       </p:sp>
       <p:pic>
         <p:nvPicPr>
-          <p:cNvPr id="5" name="Image 4"/>
-          <p:cNvPicPr>
-            <a:picLocks noChangeAspect="1"/>
-          </p:cNvPicPr>
-          <p:nvPr/>
-        </p:nvPicPr>
-        <p:blipFill>
-          <a:blip r:embed="rId2"/>
-          <a:stretch>
-            <a:fillRect/>
-          </a:stretch>
-        </p:blipFill>
-        <p:spPr>
-          <a:xfrm>
-            <a:off x="187325" y="3444220"/>
-            <a:ext cx="5133975" cy="1805921"/>
-          </a:xfrm>
-          <a:prstGeom prst="rect">
-            <a:avLst/>
-          </a:prstGeom>
-        </p:spPr>
-      </p:pic>
-      <p:pic>
-        <p:nvPicPr>
-          <p:cNvPr id="6" name="Image 5"/>
-          <p:cNvPicPr>
-            <a:picLocks noChangeAspect="1"/>
-          </p:cNvPicPr>
+          <p:cNvPr id="7" name="Image 6"/>
+          <p:cNvPicPr/>
           <p:nvPr/>
         </p:nvPicPr>
         <p:blipFill>
@@ -6252,24 +9013,46 @@
         </p:blipFill>
         <p:spPr>
           <a:xfrm>
-            <a:off x="5422901" y="1218741"/>
-            <a:ext cx="6634162" cy="5195553"/>
+            <a:off x="1087936" y="2465440"/>
+            <a:ext cx="4193036" cy="4309429"/>
           </a:xfrm>
           <a:prstGeom prst="rect">
             <a:avLst/>
           </a:prstGeom>
         </p:spPr>
       </p:pic>
-      <p:sp>
-        <p:nvSpPr>
-          <p:cNvPr id="7" name="ZoneTexte 6"/>
+      <p:pic>
+        <p:nvPicPr>
+          <p:cNvPr id="9" name="Image 8"/>
+          <p:cNvPicPr/>
+          <p:nvPr/>
+        </p:nvPicPr>
+        <p:blipFill>
+          <a:blip r:embed="rId4"/>
+          <a:stretch>
+            <a:fillRect/>
+          </a:stretch>
+        </p:blipFill>
+        <p:spPr>
+          <a:xfrm>
+            <a:off x="5745742" y="915934"/>
+            <a:ext cx="6358255" cy="5533390"/>
+          </a:xfrm>
+          <a:prstGeom prst="rect">
+            <a:avLst/>
+          </a:prstGeom>
+        </p:spPr>
+      </p:pic>
+      <p:sp>
+        <p:nvSpPr>
+          <p:cNvPr id="10" name="ZoneTexte 9"/>
           <p:cNvSpPr txBox="1"/>
           <p:nvPr/>
         </p:nvSpPr>
         <p:spPr>
           <a:xfrm>
-            <a:off x="1404807" y="2921000"/>
-            <a:ext cx="2699009" cy="523220"/>
+            <a:off x="483097" y="1511333"/>
+            <a:ext cx="5135830" cy="954107"/>
           </a:xfrm>
           <a:prstGeom prst="rect">
             <a:avLst/>
@@ -6284,37 +9067,13 @@
           <a:p>
             <a:r>
               <a:rPr lang="fr-FR" sz="2800" dirty="0" smtClean="0"/>
-              <a:t>Fonction sécurité</a:t>
-            </a:r>
-            <a:endParaRPr lang="fr-FR" sz="2800" dirty="0"/>
-          </a:p>
-        </p:txBody>
-      </p:sp>
-      <p:sp>
-        <p:nvSpPr>
-          <p:cNvPr id="8" name="ZoneTexte 7"/>
-          <p:cNvSpPr txBox="1"/>
-          <p:nvPr/>
-        </p:nvSpPr>
-        <p:spPr>
-          <a:xfrm>
-            <a:off x="7159260" y="766296"/>
-            <a:ext cx="3038973" cy="523220"/>
-          </a:xfrm>
-          <a:prstGeom prst="rect">
-            <a:avLst/>
-          </a:prstGeom>
-          <a:noFill/>
-        </p:spPr>
-        <p:txBody>
-          <a:bodyPr wrap="none" rtlCol="0">
-            <a:spAutoFit/>
-          </a:bodyPr>
-          <a:lstStyle/>
+              <a:t>Formulaire de création de compte</a:t>
+            </a:r>
+          </a:p>
           <a:p>
             <a:r>
               <a:rPr lang="fr-FR" sz="2800" dirty="0" smtClean="0"/>
-              <a:t>Connexion à la BDD</a:t>
+              <a:t>Présent dans la vue « header »</a:t>
             </a:r>
             <a:endParaRPr lang="fr-FR" sz="2800" dirty="0"/>
           </a:p>
@@ -6323,7 +9082,7 @@
     </p:spTree>
     <p:extLst>
       <p:ext uri="{BB962C8B-B14F-4D97-AF65-F5344CB8AC3E}">
-        <p14:creationId xmlns:p14="http://schemas.microsoft.com/office/powerpoint/2010/main" val="3132934141"/>
+        <p14:creationId xmlns:p14="http://schemas.microsoft.com/office/powerpoint/2010/main" val="1700779139"/>
       </p:ext>
     </p:extLst>
   </p:cSld>
@@ -6398,216 +9157,6 @@
       </p:grpSpPr>
       <p:sp>
         <p:nvSpPr>
-          <p:cNvPr id="2" name="Titre 1"/>
-          <p:cNvSpPr>
-            <a:spLocks noGrp="1"/>
-          </p:cNvSpPr>
-          <p:nvPr>
-            <p:ph type="title"/>
-          </p:nvPr>
-        </p:nvSpPr>
-        <p:spPr/>
-        <p:txBody>
-          <a:bodyPr/>
-          <a:lstStyle/>
-          <a:p>
-            <a:r>
-              <a:rPr lang="fr-FR" dirty="0" smtClean="0"/>
-              <a:t>Création de compte</a:t>
-            </a:r>
-            <a:endParaRPr lang="fr-FR" dirty="0"/>
-          </a:p>
-        </p:txBody>
-      </p:sp>
-      <p:sp>
-        <p:nvSpPr>
-          <p:cNvPr id="4" name="Espace réservé du numéro de diapositive 3"/>
-          <p:cNvSpPr>
-            <a:spLocks noGrp="1"/>
-          </p:cNvSpPr>
-          <p:nvPr>
-            <p:ph type="sldNum" sz="quarter" idx="12"/>
-          </p:nvPr>
-        </p:nvSpPr>
-        <p:spPr/>
-        <p:txBody>
-          <a:bodyPr/>
-          <a:lstStyle/>
-          <a:p>
-            <a:fld id="{C71BCE76-17DE-481D-8B88-0224F5084139}" type="slidenum">
-              <a:rPr lang="fr-FR" smtClean="0">
-                <a:solidFill>
-                  <a:schemeClr val="tx1"/>
-                </a:solidFill>
-              </a:rPr>
-              <a:t>23</a:t>
-            </a:fld>
-            <a:endParaRPr lang="fr-FR" dirty="0">
-              <a:solidFill>
-                <a:schemeClr val="tx1"/>
-              </a:solidFill>
-            </a:endParaRPr>
-          </a:p>
-        </p:txBody>
-      </p:sp>
-      <p:pic>
-        <p:nvPicPr>
-          <p:cNvPr id="7" name="Image 6"/>
-          <p:cNvPicPr/>
-          <p:nvPr/>
-        </p:nvPicPr>
-        <p:blipFill>
-          <a:blip r:embed="rId2"/>
-          <a:stretch>
-            <a:fillRect/>
-          </a:stretch>
-        </p:blipFill>
-        <p:spPr>
-          <a:xfrm>
-            <a:off x="1087936" y="2465440"/>
-            <a:ext cx="4193036" cy="4309429"/>
-          </a:xfrm>
-          <a:prstGeom prst="rect">
-            <a:avLst/>
-          </a:prstGeom>
-        </p:spPr>
-      </p:pic>
-      <p:pic>
-        <p:nvPicPr>
-          <p:cNvPr id="9" name="Image 8"/>
-          <p:cNvPicPr/>
-          <p:nvPr/>
-        </p:nvPicPr>
-        <p:blipFill>
-          <a:blip r:embed="rId3"/>
-          <a:stretch>
-            <a:fillRect/>
-          </a:stretch>
-        </p:blipFill>
-        <p:spPr>
-          <a:xfrm>
-            <a:off x="5745742" y="915934"/>
-            <a:ext cx="6358255" cy="5533390"/>
-          </a:xfrm>
-          <a:prstGeom prst="rect">
-            <a:avLst/>
-          </a:prstGeom>
-        </p:spPr>
-      </p:pic>
-      <p:sp>
-        <p:nvSpPr>
-          <p:cNvPr id="10" name="ZoneTexte 9"/>
-          <p:cNvSpPr txBox="1"/>
-          <p:nvPr/>
-        </p:nvSpPr>
-        <p:spPr>
-          <a:xfrm>
-            <a:off x="483097" y="1511333"/>
-            <a:ext cx="5135830" cy="954107"/>
-          </a:xfrm>
-          <a:prstGeom prst="rect">
-            <a:avLst/>
-          </a:prstGeom>
-          <a:noFill/>
-        </p:spPr>
-        <p:txBody>
-          <a:bodyPr wrap="none" rtlCol="0">
-            <a:spAutoFit/>
-          </a:bodyPr>
-          <a:lstStyle/>
-          <a:p>
-            <a:r>
-              <a:rPr lang="fr-FR" sz="2800" dirty="0" smtClean="0"/>
-              <a:t>Formulaire de création de compte</a:t>
-            </a:r>
-          </a:p>
-          <a:p>
-            <a:r>
-              <a:rPr lang="fr-FR" sz="2800" dirty="0" smtClean="0"/>
-              <a:t>Présent dans la vue « header »</a:t>
-            </a:r>
-            <a:endParaRPr lang="fr-FR" sz="2800" dirty="0"/>
-          </a:p>
-        </p:txBody>
-      </p:sp>
-    </p:spTree>
-    <p:extLst>
-      <p:ext uri="{BB962C8B-B14F-4D97-AF65-F5344CB8AC3E}">
-        <p14:creationId xmlns:p14="http://schemas.microsoft.com/office/powerpoint/2010/main" val="1700779139"/>
-      </p:ext>
-    </p:extLst>
-  </p:cSld>
-  <p:clrMapOvr>
-    <a:masterClrMapping/>
-  </p:clrMapOvr>
-  <mc:AlternateContent xmlns:mc="http://schemas.openxmlformats.org/markup-compatibility/2006" xmlns:p14="http://schemas.microsoft.com/office/powerpoint/2010/main">
-    <mc:Choice Requires="p14">
-      <p:transition spd="med" p14:dur="700">
-        <p:fade/>
-      </p:transition>
-    </mc:Choice>
-    <mc:Fallback xmlns="">
-      <p:transition spd="med">
-        <p:fade/>
-      </p:transition>
-    </mc:Fallback>
-  </mc:AlternateContent>
-  <p:timing>
-    <p:tnLst>
-      <p:par>
-        <p:cTn id="1" dur="indefinite" restart="never" nodeType="tmRoot"/>
-      </p:par>
-    </p:tnLst>
-  </p:timing>
-</p:sld>
-</file>
-
-<file path=ppt/slides/slide24.xml><?xml version="1.0" encoding="utf-8"?>
-<p:sld xmlns:a="http://schemas.openxmlformats.org/drawingml/2006/main" xmlns:r="http://schemas.openxmlformats.org/officeDocument/2006/relationships" xmlns:p="http://schemas.openxmlformats.org/presentationml/2006/main">
-  <p:cSld>
-    <p:bg>
-      <p:bgPr>
-        <a:gradFill>
-          <a:gsLst>
-            <a:gs pos="0">
-              <a:schemeClr val="accent1">
-                <a:lumMod val="5000"/>
-                <a:lumOff val="95000"/>
-              </a:schemeClr>
-            </a:gs>
-            <a:gs pos="100000">
-              <a:schemeClr val="accent4">
-                <a:lumMod val="75000"/>
-              </a:schemeClr>
-            </a:gs>
-            <a:gs pos="30000">
-              <a:schemeClr val="accent4"/>
-            </a:gs>
-            <a:gs pos="100000">
-              <a:schemeClr val="bg1"/>
-            </a:gs>
-          </a:gsLst>
-          <a:lin ang="5400000" scaled="1"/>
-        </a:gradFill>
-        <a:effectLst/>
-      </p:bgPr>
-    </p:bg>
-    <p:spTree>
-      <p:nvGrpSpPr>
-        <p:cNvPr id="1" name=""/>
-        <p:cNvGrpSpPr/>
-        <p:nvPr/>
-      </p:nvGrpSpPr>
-      <p:grpSpPr>
-        <a:xfrm>
-          <a:off x="0" y="0"/>
-          <a:ext cx="0" cy="0"/>
-          <a:chOff x="0" y="0"/>
-          <a:chExt cx="0" cy="0"/>
-        </a:xfrm>
-      </p:grpSpPr>
-      <p:sp>
-        <p:nvSpPr>
           <p:cNvPr id="4" name="Espace réservé du numéro de diapositive 3"/>
           <p:cNvSpPr>
             <a:spLocks noGrp="1"/>
@@ -6623,7 +9172,7 @@
           <a:p>
             <a:fld id="{C71BCE76-17DE-481D-8B88-0224F5084139}" type="slidenum">
               <a:rPr lang="fr-FR" smtClean="0"/>
-              <a:t>24</a:t>
+              <a:t>23</a:t>
             </a:fld>
             <a:endParaRPr lang="fr-FR"/>
           </a:p>
@@ -6897,6 +9446,851 @@
       </p:transition>
     </mc:Fallback>
   </mc:AlternateContent>
+  <p:timing>
+    <p:tnLst>
+      <p:par>
+        <p:cTn id="1" dur="indefinite" restart="never" nodeType="tmRoot">
+          <p:childTnLst>
+            <p:seq concurrent="1" nextAc="seek">
+              <p:cTn id="2" dur="indefinite" nodeType="mainSeq">
+                <p:childTnLst>
+                  <p:par>
+                    <p:cTn id="3" fill="hold">
+                      <p:stCondLst>
+                        <p:cond delay="indefinite"/>
+                      </p:stCondLst>
+                      <p:childTnLst>
+                        <p:par>
+                          <p:cTn id="4" fill="hold">
+                            <p:stCondLst>
+                              <p:cond delay="0"/>
+                            </p:stCondLst>
+                            <p:childTnLst>
+                              <p:par>
+                                <p:cTn id="5" presetID="10" presetClass="entr" presetSubtype="0" fill="hold" grpId="0" nodeType="clickEffect">
+                                  <p:stCondLst>
+                                    <p:cond delay="0"/>
+                                  </p:stCondLst>
+                                  <p:childTnLst>
+                                    <p:set>
+                                      <p:cBhvr>
+                                        <p:cTn id="6" dur="1" fill="hold">
+                                          <p:stCondLst>
+                                            <p:cond delay="0"/>
+                                          </p:stCondLst>
+                                        </p:cTn>
+                                        <p:tgtEl>
+                                          <p:spTgt spid="14"/>
+                                        </p:tgtEl>
+                                        <p:attrNameLst>
+                                          <p:attrName>style.visibility</p:attrName>
+                                        </p:attrNameLst>
+                                      </p:cBhvr>
+                                      <p:to>
+                                        <p:strVal val="visible"/>
+                                      </p:to>
+                                    </p:set>
+                                    <p:animEffect transition="in" filter="fade">
+                                      <p:cBhvr>
+                                        <p:cTn id="7" dur="500"/>
+                                        <p:tgtEl>
+                                          <p:spTgt spid="14"/>
+                                        </p:tgtEl>
+                                      </p:cBhvr>
+                                    </p:animEffect>
+                                  </p:childTnLst>
+                                </p:cTn>
+                              </p:par>
+                              <p:par>
+                                <p:cTn id="8" presetID="10" presetClass="entr" presetSubtype="0" fill="hold" grpId="0" nodeType="withEffect">
+                                  <p:stCondLst>
+                                    <p:cond delay="0"/>
+                                  </p:stCondLst>
+                                  <p:childTnLst>
+                                    <p:set>
+                                      <p:cBhvr>
+                                        <p:cTn id="9" dur="1" fill="hold">
+                                          <p:stCondLst>
+                                            <p:cond delay="0"/>
+                                          </p:stCondLst>
+                                        </p:cTn>
+                                        <p:tgtEl>
+                                          <p:spTgt spid="5"/>
+                                        </p:tgtEl>
+                                        <p:attrNameLst>
+                                          <p:attrName>style.visibility</p:attrName>
+                                        </p:attrNameLst>
+                                      </p:cBhvr>
+                                      <p:to>
+                                        <p:strVal val="visible"/>
+                                      </p:to>
+                                    </p:set>
+                                    <p:animEffect transition="in" filter="fade">
+                                      <p:cBhvr>
+                                        <p:cTn id="10" dur="500"/>
+                                        <p:tgtEl>
+                                          <p:spTgt spid="5"/>
+                                        </p:tgtEl>
+                                      </p:cBhvr>
+                                    </p:animEffect>
+                                  </p:childTnLst>
+                                </p:cTn>
+                              </p:par>
+                              <p:par>
+                                <p:cTn id="11" presetID="10" presetClass="entr" presetSubtype="0" fill="hold" nodeType="withEffect">
+                                  <p:stCondLst>
+                                    <p:cond delay="0"/>
+                                  </p:stCondLst>
+                                  <p:childTnLst>
+                                    <p:set>
+                                      <p:cBhvr>
+                                        <p:cTn id="12" dur="1" fill="hold">
+                                          <p:stCondLst>
+                                            <p:cond delay="0"/>
+                                          </p:stCondLst>
+                                        </p:cTn>
+                                        <p:tgtEl>
+                                          <p:spTgt spid="6"/>
+                                        </p:tgtEl>
+                                        <p:attrNameLst>
+                                          <p:attrName>style.visibility</p:attrName>
+                                        </p:attrNameLst>
+                                      </p:cBhvr>
+                                      <p:to>
+                                        <p:strVal val="visible"/>
+                                      </p:to>
+                                    </p:set>
+                                    <p:animEffect transition="in" filter="fade">
+                                      <p:cBhvr>
+                                        <p:cTn id="13" dur="500"/>
+                                        <p:tgtEl>
+                                          <p:spTgt spid="6"/>
+                                        </p:tgtEl>
+                                      </p:cBhvr>
+                                    </p:animEffect>
+                                  </p:childTnLst>
+                                </p:cTn>
+                              </p:par>
+                            </p:childTnLst>
+                          </p:cTn>
+                        </p:par>
+                      </p:childTnLst>
+                    </p:cTn>
+                  </p:par>
+                  <p:par>
+                    <p:cTn id="14" fill="hold">
+                      <p:stCondLst>
+                        <p:cond delay="indefinite"/>
+                      </p:stCondLst>
+                      <p:childTnLst>
+                        <p:par>
+                          <p:cTn id="15" fill="hold">
+                            <p:stCondLst>
+                              <p:cond delay="0"/>
+                            </p:stCondLst>
+                            <p:childTnLst>
+                              <p:par>
+                                <p:cTn id="16" presetID="10" presetClass="entr" presetSubtype="0" fill="hold" grpId="0" nodeType="clickEffect">
+                                  <p:stCondLst>
+                                    <p:cond delay="0"/>
+                                  </p:stCondLst>
+                                  <p:childTnLst>
+                                    <p:set>
+                                      <p:cBhvr>
+                                        <p:cTn id="17" dur="1" fill="hold">
+                                          <p:stCondLst>
+                                            <p:cond delay="0"/>
+                                          </p:stCondLst>
+                                        </p:cTn>
+                                        <p:tgtEl>
+                                          <p:spTgt spid="11"/>
+                                        </p:tgtEl>
+                                        <p:attrNameLst>
+                                          <p:attrName>style.visibility</p:attrName>
+                                        </p:attrNameLst>
+                                      </p:cBhvr>
+                                      <p:to>
+                                        <p:strVal val="visible"/>
+                                      </p:to>
+                                    </p:set>
+                                    <p:animEffect transition="in" filter="fade">
+                                      <p:cBhvr>
+                                        <p:cTn id="18" dur="500"/>
+                                        <p:tgtEl>
+                                          <p:spTgt spid="11"/>
+                                        </p:tgtEl>
+                                      </p:cBhvr>
+                                    </p:animEffect>
+                                  </p:childTnLst>
+                                </p:cTn>
+                              </p:par>
+                              <p:par>
+                                <p:cTn id="19" presetID="10" presetClass="entr" presetSubtype="0" fill="hold" nodeType="withEffect">
+                                  <p:stCondLst>
+                                    <p:cond delay="0"/>
+                                  </p:stCondLst>
+                                  <p:childTnLst>
+                                    <p:set>
+                                      <p:cBhvr>
+                                        <p:cTn id="20" dur="1" fill="hold">
+                                          <p:stCondLst>
+                                            <p:cond delay="0"/>
+                                          </p:stCondLst>
+                                        </p:cTn>
+                                        <p:tgtEl>
+                                          <p:spTgt spid="7"/>
+                                        </p:tgtEl>
+                                        <p:attrNameLst>
+                                          <p:attrName>style.visibility</p:attrName>
+                                        </p:attrNameLst>
+                                      </p:cBhvr>
+                                      <p:to>
+                                        <p:strVal val="visible"/>
+                                      </p:to>
+                                    </p:set>
+                                    <p:animEffect transition="in" filter="fade">
+                                      <p:cBhvr>
+                                        <p:cTn id="21" dur="500"/>
+                                        <p:tgtEl>
+                                          <p:spTgt spid="7"/>
+                                        </p:tgtEl>
+                                      </p:cBhvr>
+                                    </p:animEffect>
+                                  </p:childTnLst>
+                                </p:cTn>
+                              </p:par>
+                            </p:childTnLst>
+                          </p:cTn>
+                        </p:par>
+                      </p:childTnLst>
+                    </p:cTn>
+                  </p:par>
+                  <p:par>
+                    <p:cTn id="22" fill="hold">
+                      <p:stCondLst>
+                        <p:cond delay="indefinite"/>
+                      </p:stCondLst>
+                      <p:childTnLst>
+                        <p:par>
+                          <p:cTn id="23" fill="hold">
+                            <p:stCondLst>
+                              <p:cond delay="0"/>
+                            </p:stCondLst>
+                            <p:childTnLst>
+                              <p:par>
+                                <p:cTn id="24" presetID="10" presetClass="entr" presetSubtype="0" fill="hold" grpId="0" nodeType="clickEffect">
+                                  <p:stCondLst>
+                                    <p:cond delay="0"/>
+                                  </p:stCondLst>
+                                  <p:childTnLst>
+                                    <p:set>
+                                      <p:cBhvr>
+                                        <p:cTn id="25" dur="1" fill="hold">
+                                          <p:stCondLst>
+                                            <p:cond delay="0"/>
+                                          </p:stCondLst>
+                                        </p:cTn>
+                                        <p:tgtEl>
+                                          <p:spTgt spid="12"/>
+                                        </p:tgtEl>
+                                        <p:attrNameLst>
+                                          <p:attrName>style.visibility</p:attrName>
+                                        </p:attrNameLst>
+                                      </p:cBhvr>
+                                      <p:to>
+                                        <p:strVal val="visible"/>
+                                      </p:to>
+                                    </p:set>
+                                    <p:animEffect transition="in" filter="fade">
+                                      <p:cBhvr>
+                                        <p:cTn id="26" dur="500"/>
+                                        <p:tgtEl>
+                                          <p:spTgt spid="12"/>
+                                        </p:tgtEl>
+                                      </p:cBhvr>
+                                    </p:animEffect>
+                                  </p:childTnLst>
+                                </p:cTn>
+                              </p:par>
+                              <p:par>
+                                <p:cTn id="27" presetID="10" presetClass="entr" presetSubtype="0" fill="hold" nodeType="withEffect">
+                                  <p:stCondLst>
+                                    <p:cond delay="0"/>
+                                  </p:stCondLst>
+                                  <p:childTnLst>
+                                    <p:set>
+                                      <p:cBhvr>
+                                        <p:cTn id="28" dur="1" fill="hold">
+                                          <p:stCondLst>
+                                            <p:cond delay="0"/>
+                                          </p:stCondLst>
+                                        </p:cTn>
+                                        <p:tgtEl>
+                                          <p:spTgt spid="8"/>
+                                        </p:tgtEl>
+                                        <p:attrNameLst>
+                                          <p:attrName>style.visibility</p:attrName>
+                                        </p:attrNameLst>
+                                      </p:cBhvr>
+                                      <p:to>
+                                        <p:strVal val="visible"/>
+                                      </p:to>
+                                    </p:set>
+                                    <p:animEffect transition="in" filter="fade">
+                                      <p:cBhvr>
+                                        <p:cTn id="29" dur="500"/>
+                                        <p:tgtEl>
+                                          <p:spTgt spid="8"/>
+                                        </p:tgtEl>
+                                      </p:cBhvr>
+                                    </p:animEffect>
+                                  </p:childTnLst>
+                                </p:cTn>
+                              </p:par>
+                            </p:childTnLst>
+                          </p:cTn>
+                        </p:par>
+                      </p:childTnLst>
+                    </p:cTn>
+                  </p:par>
+                  <p:par>
+                    <p:cTn id="30" fill="hold">
+                      <p:stCondLst>
+                        <p:cond delay="indefinite"/>
+                      </p:stCondLst>
+                      <p:childTnLst>
+                        <p:par>
+                          <p:cTn id="31" fill="hold">
+                            <p:stCondLst>
+                              <p:cond delay="0"/>
+                            </p:stCondLst>
+                            <p:childTnLst>
+                              <p:par>
+                                <p:cTn id="32" presetID="10" presetClass="entr" presetSubtype="0" fill="hold" grpId="0" nodeType="clickEffect">
+                                  <p:stCondLst>
+                                    <p:cond delay="0"/>
+                                  </p:stCondLst>
+                                  <p:childTnLst>
+                                    <p:set>
+                                      <p:cBhvr>
+                                        <p:cTn id="33" dur="1" fill="hold">
+                                          <p:stCondLst>
+                                            <p:cond delay="0"/>
+                                          </p:stCondLst>
+                                        </p:cTn>
+                                        <p:tgtEl>
+                                          <p:spTgt spid="13"/>
+                                        </p:tgtEl>
+                                        <p:attrNameLst>
+                                          <p:attrName>style.visibility</p:attrName>
+                                        </p:attrNameLst>
+                                      </p:cBhvr>
+                                      <p:to>
+                                        <p:strVal val="visible"/>
+                                      </p:to>
+                                    </p:set>
+                                    <p:animEffect transition="in" filter="fade">
+                                      <p:cBhvr>
+                                        <p:cTn id="34" dur="500"/>
+                                        <p:tgtEl>
+                                          <p:spTgt spid="13"/>
+                                        </p:tgtEl>
+                                      </p:cBhvr>
+                                    </p:animEffect>
+                                  </p:childTnLst>
+                                </p:cTn>
+                              </p:par>
+                              <p:par>
+                                <p:cTn id="35" presetID="10" presetClass="entr" presetSubtype="0" fill="hold" nodeType="withEffect">
+                                  <p:stCondLst>
+                                    <p:cond delay="0"/>
+                                  </p:stCondLst>
+                                  <p:childTnLst>
+                                    <p:set>
+                                      <p:cBhvr>
+                                        <p:cTn id="36" dur="1" fill="hold">
+                                          <p:stCondLst>
+                                            <p:cond delay="0"/>
+                                          </p:stCondLst>
+                                        </p:cTn>
+                                        <p:tgtEl>
+                                          <p:spTgt spid="9"/>
+                                        </p:tgtEl>
+                                        <p:attrNameLst>
+                                          <p:attrName>style.visibility</p:attrName>
+                                        </p:attrNameLst>
+                                      </p:cBhvr>
+                                      <p:to>
+                                        <p:strVal val="visible"/>
+                                      </p:to>
+                                    </p:set>
+                                    <p:animEffect transition="in" filter="fade">
+                                      <p:cBhvr>
+                                        <p:cTn id="37" dur="500"/>
+                                        <p:tgtEl>
+                                          <p:spTgt spid="9"/>
+                                        </p:tgtEl>
+                                      </p:cBhvr>
+                                    </p:animEffect>
+                                  </p:childTnLst>
+                                </p:cTn>
+                              </p:par>
+                            </p:childTnLst>
+                          </p:cTn>
+                        </p:par>
+                      </p:childTnLst>
+                    </p:cTn>
+                  </p:par>
+                </p:childTnLst>
+              </p:cTn>
+              <p:prevCondLst>
+                <p:cond evt="onPrev" delay="0">
+                  <p:tgtEl>
+                    <p:sldTgt/>
+                  </p:tgtEl>
+                </p:cond>
+              </p:prevCondLst>
+              <p:nextCondLst>
+                <p:cond evt="onNext" delay="0">
+                  <p:tgtEl>
+                    <p:sldTgt/>
+                  </p:tgtEl>
+                </p:cond>
+              </p:nextCondLst>
+            </p:seq>
+          </p:childTnLst>
+        </p:cTn>
+      </p:par>
+    </p:tnLst>
+    <p:bldLst>
+      <p:bldP spid="5" grpId="0"/>
+      <p:bldP spid="11" grpId="0"/>
+      <p:bldP spid="12" grpId="0"/>
+      <p:bldP spid="13" grpId="0"/>
+      <p:bldP spid="14" grpId="0"/>
+    </p:bldLst>
+  </p:timing>
+</p:sld>
+</file>
+
+<file path=ppt/slides/slide24.xml><?xml version="1.0" encoding="utf-8"?>
+<p:sld xmlns:a="http://schemas.openxmlformats.org/drawingml/2006/main" xmlns:r="http://schemas.openxmlformats.org/officeDocument/2006/relationships" xmlns:p="http://schemas.openxmlformats.org/presentationml/2006/main">
+  <p:cSld>
+    <p:bg>
+      <p:bgPr>
+        <a:gradFill>
+          <a:gsLst>
+            <a:gs pos="0">
+              <a:schemeClr val="accent1">
+                <a:lumMod val="5000"/>
+                <a:lumOff val="95000"/>
+              </a:schemeClr>
+            </a:gs>
+            <a:gs pos="100000">
+              <a:schemeClr val="accent4">
+                <a:lumMod val="75000"/>
+              </a:schemeClr>
+            </a:gs>
+            <a:gs pos="30000">
+              <a:schemeClr val="accent4"/>
+            </a:gs>
+            <a:gs pos="100000">
+              <a:schemeClr val="bg1"/>
+            </a:gs>
+          </a:gsLst>
+          <a:lin ang="5400000" scaled="1"/>
+        </a:gradFill>
+        <a:effectLst/>
+      </p:bgPr>
+    </p:bg>
+    <p:spTree>
+      <p:nvGrpSpPr>
+        <p:cNvPr id="1" name=""/>
+        <p:cNvGrpSpPr/>
+        <p:nvPr/>
+      </p:nvGrpSpPr>
+      <p:grpSpPr>
+        <a:xfrm>
+          <a:off x="0" y="0"/>
+          <a:ext cx="0" cy="0"/>
+          <a:chOff x="0" y="0"/>
+          <a:chExt cx="0" cy="0"/>
+        </a:xfrm>
+      </p:grpSpPr>
+      <p:sp>
+        <p:nvSpPr>
+          <p:cNvPr id="4" name="Espace réservé du numéro de diapositive 3"/>
+          <p:cNvSpPr>
+            <a:spLocks noGrp="1"/>
+          </p:cNvSpPr>
+          <p:nvPr>
+            <p:ph type="sldNum" sz="quarter" idx="12"/>
+          </p:nvPr>
+        </p:nvSpPr>
+        <p:spPr/>
+        <p:txBody>
+          <a:bodyPr/>
+          <a:lstStyle/>
+          <a:p>
+            <a:fld id="{C71BCE76-17DE-481D-8B88-0224F5084139}" type="slidenum">
+              <a:rPr lang="fr-FR" smtClean="0"/>
+              <a:t>24</a:t>
+            </a:fld>
+            <a:endParaRPr lang="fr-FR"/>
+          </a:p>
+        </p:txBody>
+      </p:sp>
+      <p:sp>
+        <p:nvSpPr>
+          <p:cNvPr id="5" name="ZoneTexte 4"/>
+          <p:cNvSpPr txBox="1"/>
+          <p:nvPr/>
+        </p:nvSpPr>
+        <p:spPr>
+          <a:xfrm>
+            <a:off x="416347" y="1387380"/>
+            <a:ext cx="4789721" cy="1200329"/>
+          </a:xfrm>
+          <a:prstGeom prst="rect">
+            <a:avLst/>
+          </a:prstGeom>
+          <a:noFill/>
+        </p:spPr>
+        <p:txBody>
+          <a:bodyPr wrap="square" rtlCol="0">
+            <a:spAutoFit/>
+          </a:bodyPr>
+          <a:lstStyle/>
+          <a:p>
+            <a:r>
+              <a:rPr lang="fr-FR" sz="2400" dirty="0" smtClean="0"/>
+              <a:t>Vérification de la présence des champs pseudo et mail dans la BDD au niveau du contrôleur</a:t>
+            </a:r>
+          </a:p>
+        </p:txBody>
+      </p:sp>
+      <p:sp>
+        <p:nvSpPr>
+          <p:cNvPr id="11" name="ZoneTexte 10"/>
+          <p:cNvSpPr txBox="1"/>
+          <p:nvPr/>
+        </p:nvSpPr>
+        <p:spPr>
+          <a:xfrm>
+            <a:off x="416347" y="4123161"/>
+            <a:ext cx="5709390" cy="830997"/>
+          </a:xfrm>
+          <a:prstGeom prst="rect">
+            <a:avLst/>
+          </a:prstGeom>
+          <a:noFill/>
+        </p:spPr>
+        <p:txBody>
+          <a:bodyPr wrap="square" rtlCol="0">
+            <a:spAutoFit/>
+          </a:bodyPr>
+          <a:lstStyle/>
+          <a:p>
+            <a:r>
+              <a:rPr lang="fr-FR" sz="2400" dirty="0" smtClean="0"/>
+              <a:t>La fonction de vérification utilisée ci-dessus tirée du modèle « </a:t>
+            </a:r>
+            <a:r>
+              <a:rPr lang="fr-FR" sz="2400" dirty="0"/>
+              <a:t> </a:t>
+            </a:r>
+            <a:r>
+              <a:rPr lang="fr-FR" sz="2400" dirty="0" err="1"/>
+              <a:t>Utilisateur_model</a:t>
+            </a:r>
+            <a:r>
+              <a:rPr lang="fr-FR" sz="2400" dirty="0"/>
+              <a:t> </a:t>
+            </a:r>
+            <a:r>
+              <a:rPr lang="fr-FR" sz="2400" dirty="0" smtClean="0"/>
+              <a:t> »</a:t>
+            </a:r>
+            <a:endParaRPr lang="fr-FR" sz="2400" dirty="0"/>
+          </a:p>
+        </p:txBody>
+      </p:sp>
+      <p:pic>
+        <p:nvPicPr>
+          <p:cNvPr id="15" name="Image 14"/>
+          <p:cNvPicPr/>
+          <p:nvPr/>
+        </p:nvPicPr>
+        <p:blipFill>
+          <a:blip r:embed="rId3"/>
+          <a:stretch>
+            <a:fillRect/>
+          </a:stretch>
+        </p:blipFill>
+        <p:spPr>
+          <a:xfrm>
+            <a:off x="5447814" y="1254120"/>
+            <a:ext cx="5848350" cy="1466850"/>
+          </a:xfrm>
+          <a:prstGeom prst="rect">
+            <a:avLst/>
+          </a:prstGeom>
+        </p:spPr>
+      </p:pic>
+      <p:pic>
+        <p:nvPicPr>
+          <p:cNvPr id="16" name="Image 15"/>
+          <p:cNvPicPr/>
+          <p:nvPr/>
+        </p:nvPicPr>
+        <p:blipFill>
+          <a:blip r:embed="rId4"/>
+          <a:stretch>
+            <a:fillRect/>
+          </a:stretch>
+        </p:blipFill>
+        <p:spPr>
+          <a:xfrm>
+            <a:off x="6300301" y="3134932"/>
+            <a:ext cx="4143375" cy="2800350"/>
+          </a:xfrm>
+          <a:prstGeom prst="rect">
+            <a:avLst/>
+          </a:prstGeom>
+        </p:spPr>
+      </p:pic>
+    </p:spTree>
+    <p:extLst>
+      <p:ext uri="{BB962C8B-B14F-4D97-AF65-F5344CB8AC3E}">
+        <p14:creationId xmlns:p14="http://schemas.microsoft.com/office/powerpoint/2010/main" val="1585817587"/>
+      </p:ext>
+    </p:extLst>
+  </p:cSld>
+  <p:clrMapOvr>
+    <a:masterClrMapping/>
+  </p:clrMapOvr>
+  <mc:AlternateContent xmlns:mc="http://schemas.openxmlformats.org/markup-compatibility/2006" xmlns:p14="http://schemas.microsoft.com/office/powerpoint/2010/main">
+    <mc:Choice Requires="p14">
+      <p:transition spd="med" p14:dur="700">
+        <p:fade/>
+      </p:transition>
+    </mc:Choice>
+    <mc:Fallback xmlns="">
+      <p:transition spd="med">
+        <p:fade/>
+      </p:transition>
+    </mc:Fallback>
+  </mc:AlternateContent>
+  <p:timing>
+    <p:tnLst>
+      <p:par>
+        <p:cTn id="1" dur="indefinite" restart="never" nodeType="tmRoot">
+          <p:childTnLst>
+            <p:seq concurrent="1" nextAc="seek">
+              <p:cTn id="2" dur="indefinite" nodeType="mainSeq">
+                <p:childTnLst>
+                  <p:par>
+                    <p:cTn id="3" fill="hold">
+                      <p:stCondLst>
+                        <p:cond delay="indefinite"/>
+                      </p:stCondLst>
+                      <p:childTnLst>
+                        <p:par>
+                          <p:cTn id="4" fill="hold">
+                            <p:stCondLst>
+                              <p:cond delay="0"/>
+                            </p:stCondLst>
+                            <p:childTnLst>
+                              <p:par>
+                                <p:cTn id="5" presetID="10" presetClass="entr" presetSubtype="0" fill="hold" grpId="0" nodeType="clickEffect">
+                                  <p:stCondLst>
+                                    <p:cond delay="0"/>
+                                  </p:stCondLst>
+                                  <p:childTnLst>
+                                    <p:set>
+                                      <p:cBhvr>
+                                        <p:cTn id="6" dur="1" fill="hold">
+                                          <p:stCondLst>
+                                            <p:cond delay="0"/>
+                                          </p:stCondLst>
+                                        </p:cTn>
+                                        <p:tgtEl>
+                                          <p:spTgt spid="5"/>
+                                        </p:tgtEl>
+                                        <p:attrNameLst>
+                                          <p:attrName>style.visibility</p:attrName>
+                                        </p:attrNameLst>
+                                      </p:cBhvr>
+                                      <p:to>
+                                        <p:strVal val="visible"/>
+                                      </p:to>
+                                    </p:set>
+                                    <p:animEffect transition="in" filter="fade">
+                                      <p:cBhvr>
+                                        <p:cTn id="7" dur="500"/>
+                                        <p:tgtEl>
+                                          <p:spTgt spid="5"/>
+                                        </p:tgtEl>
+                                      </p:cBhvr>
+                                    </p:animEffect>
+                                  </p:childTnLst>
+                                </p:cTn>
+                              </p:par>
+                              <p:par>
+                                <p:cTn id="8" presetID="10" presetClass="entr" presetSubtype="0" fill="hold" nodeType="withEffect">
+                                  <p:stCondLst>
+                                    <p:cond delay="0"/>
+                                  </p:stCondLst>
+                                  <p:childTnLst>
+                                    <p:set>
+                                      <p:cBhvr>
+                                        <p:cTn id="9" dur="1" fill="hold">
+                                          <p:stCondLst>
+                                            <p:cond delay="0"/>
+                                          </p:stCondLst>
+                                        </p:cTn>
+                                        <p:tgtEl>
+                                          <p:spTgt spid="15"/>
+                                        </p:tgtEl>
+                                        <p:attrNameLst>
+                                          <p:attrName>style.visibility</p:attrName>
+                                        </p:attrNameLst>
+                                      </p:cBhvr>
+                                      <p:to>
+                                        <p:strVal val="visible"/>
+                                      </p:to>
+                                    </p:set>
+                                    <p:animEffect transition="in" filter="fade">
+                                      <p:cBhvr>
+                                        <p:cTn id="10" dur="500"/>
+                                        <p:tgtEl>
+                                          <p:spTgt spid="15"/>
+                                        </p:tgtEl>
+                                      </p:cBhvr>
+                                    </p:animEffect>
+                                  </p:childTnLst>
+                                </p:cTn>
+                              </p:par>
+                            </p:childTnLst>
+                          </p:cTn>
+                        </p:par>
+                      </p:childTnLst>
+                    </p:cTn>
+                  </p:par>
+                  <p:par>
+                    <p:cTn id="11" fill="hold">
+                      <p:stCondLst>
+                        <p:cond delay="indefinite"/>
+                      </p:stCondLst>
+                      <p:childTnLst>
+                        <p:par>
+                          <p:cTn id="12" fill="hold">
+                            <p:stCondLst>
+                              <p:cond delay="0"/>
+                            </p:stCondLst>
+                            <p:childTnLst>
+                              <p:par>
+                                <p:cTn id="13" presetID="10" presetClass="entr" presetSubtype="0" fill="hold" grpId="0" nodeType="clickEffect">
+                                  <p:stCondLst>
+                                    <p:cond delay="0"/>
+                                  </p:stCondLst>
+                                  <p:childTnLst>
+                                    <p:set>
+                                      <p:cBhvr>
+                                        <p:cTn id="14" dur="1" fill="hold">
+                                          <p:stCondLst>
+                                            <p:cond delay="0"/>
+                                          </p:stCondLst>
+                                        </p:cTn>
+                                        <p:tgtEl>
+                                          <p:spTgt spid="11"/>
+                                        </p:tgtEl>
+                                        <p:attrNameLst>
+                                          <p:attrName>style.visibility</p:attrName>
+                                        </p:attrNameLst>
+                                      </p:cBhvr>
+                                      <p:to>
+                                        <p:strVal val="visible"/>
+                                      </p:to>
+                                    </p:set>
+                                    <p:animEffect transition="in" filter="fade">
+                                      <p:cBhvr>
+                                        <p:cTn id="15" dur="500"/>
+                                        <p:tgtEl>
+                                          <p:spTgt spid="11"/>
+                                        </p:tgtEl>
+                                      </p:cBhvr>
+                                    </p:animEffect>
+                                  </p:childTnLst>
+                                </p:cTn>
+                              </p:par>
+                              <p:par>
+                                <p:cTn id="16" presetID="10" presetClass="entr" presetSubtype="0" fill="hold" nodeType="withEffect">
+                                  <p:stCondLst>
+                                    <p:cond delay="0"/>
+                                  </p:stCondLst>
+                                  <p:childTnLst>
+                                    <p:set>
+                                      <p:cBhvr>
+                                        <p:cTn id="17" dur="1" fill="hold">
+                                          <p:stCondLst>
+                                            <p:cond delay="0"/>
+                                          </p:stCondLst>
+                                        </p:cTn>
+                                        <p:tgtEl>
+                                          <p:spTgt spid="16"/>
+                                        </p:tgtEl>
+                                        <p:attrNameLst>
+                                          <p:attrName>style.visibility</p:attrName>
+                                        </p:attrNameLst>
+                                      </p:cBhvr>
+                                      <p:to>
+                                        <p:strVal val="visible"/>
+                                      </p:to>
+                                    </p:set>
+                                    <p:animEffect transition="in" filter="fade">
+                                      <p:cBhvr>
+                                        <p:cTn id="18" dur="500"/>
+                                        <p:tgtEl>
+                                          <p:spTgt spid="16"/>
+                                        </p:tgtEl>
+                                      </p:cBhvr>
+                                    </p:animEffect>
+                                  </p:childTnLst>
+                                </p:cTn>
+                              </p:par>
+                            </p:childTnLst>
+                          </p:cTn>
+                        </p:par>
+                      </p:childTnLst>
+                    </p:cTn>
+                  </p:par>
+                </p:childTnLst>
+              </p:cTn>
+              <p:prevCondLst>
+                <p:cond evt="onPrev" delay="0">
+                  <p:tgtEl>
+                    <p:sldTgt/>
+                  </p:tgtEl>
+                </p:cond>
+              </p:prevCondLst>
+              <p:nextCondLst>
+                <p:cond evt="onNext" delay="0">
+                  <p:tgtEl>
+                    <p:sldTgt/>
+                  </p:tgtEl>
+                </p:cond>
+              </p:nextCondLst>
+            </p:seq>
+          </p:childTnLst>
+        </p:cTn>
+      </p:par>
+    </p:tnLst>
+    <p:bldLst>
+      <p:bldP spid="5" grpId="0"/>
+      <p:bldP spid="11" grpId="0"/>
+    </p:bldLst>
+  </p:timing>
 </p:sld>
 </file>
 
@@ -6975,7 +10369,7 @@
         </p:nvSpPr>
         <p:spPr>
           <a:xfrm>
-            <a:off x="416347" y="1387380"/>
+            <a:off x="416347" y="1058766"/>
             <a:ext cx="4789721" cy="1200329"/>
           </a:xfrm>
           <a:prstGeom prst="rect">
@@ -6991,7 +10385,7 @@
           <a:p>
             <a:r>
               <a:rPr lang="fr-FR" sz="2400" dirty="0" smtClean="0"/>
-              <a:t>Vérification de la présence des champs pseudo et mail dans la BDD au niveau du contrôleur</a:t>
+              <a:t>Création de l’utilisateur en BDD avec vérification de la réussite de la création dans le contrôleur</a:t>
             </a:r>
           </a:p>
         </p:txBody>
@@ -7020,230 +10414,19 @@
           <a:p>
             <a:r>
               <a:rPr lang="fr-FR" sz="2400" dirty="0" smtClean="0"/>
-              <a:t>La fonction de vérification utilisée </a:t>
-            </a:r>
-            <a:r>
-              <a:rPr lang="fr-FR" sz="2400" dirty="0" smtClean="0"/>
-              <a:t>ci-dessus tirée </a:t>
-            </a:r>
-            <a:r>
-              <a:rPr lang="fr-FR" sz="2400" dirty="0" smtClean="0"/>
-              <a:t>du modèle « </a:t>
-            </a:r>
-            <a:r>
-              <a:rPr lang="fr-FR" sz="2400" dirty="0" err="1" smtClean="0"/>
-              <a:t>user_model</a:t>
-            </a:r>
-            <a:r>
-              <a:rPr lang="fr-FR" sz="2400" dirty="0" smtClean="0"/>
-              <a:t> »</a:t>
-            </a:r>
-            <a:endParaRPr lang="fr-FR" sz="2400" dirty="0"/>
-          </a:p>
-        </p:txBody>
-      </p:sp>
-      <p:pic>
-        <p:nvPicPr>
-          <p:cNvPr id="15" name="Image 14"/>
-          <p:cNvPicPr/>
-          <p:nvPr/>
-        </p:nvPicPr>
-        <p:blipFill>
-          <a:blip r:embed="rId2"/>
-          <a:stretch>
-            <a:fillRect/>
-          </a:stretch>
-        </p:blipFill>
-        <p:spPr>
-          <a:xfrm>
-            <a:off x="5447814" y="1254120"/>
-            <a:ext cx="5848350" cy="1466850"/>
-          </a:xfrm>
-          <a:prstGeom prst="rect">
-            <a:avLst/>
-          </a:prstGeom>
-        </p:spPr>
-      </p:pic>
-      <p:pic>
-        <p:nvPicPr>
-          <p:cNvPr id="16" name="Image 15"/>
-          <p:cNvPicPr/>
-          <p:nvPr/>
-        </p:nvPicPr>
-        <p:blipFill>
-          <a:blip r:embed="rId3"/>
-          <a:stretch>
-            <a:fillRect/>
-          </a:stretch>
-        </p:blipFill>
-        <p:spPr>
-          <a:xfrm>
-            <a:off x="6300301" y="3134932"/>
-            <a:ext cx="4143375" cy="2800350"/>
-          </a:xfrm>
-          <a:prstGeom prst="rect">
-            <a:avLst/>
-          </a:prstGeom>
-        </p:spPr>
-      </p:pic>
-    </p:spTree>
-    <p:extLst>
-      <p:ext uri="{BB962C8B-B14F-4D97-AF65-F5344CB8AC3E}">
-        <p14:creationId xmlns:p14="http://schemas.microsoft.com/office/powerpoint/2010/main" val="1585817587"/>
-      </p:ext>
-    </p:extLst>
-  </p:cSld>
-  <p:clrMapOvr>
-    <a:masterClrMapping/>
-  </p:clrMapOvr>
-  <mc:AlternateContent xmlns:mc="http://schemas.openxmlformats.org/markup-compatibility/2006" xmlns:p14="http://schemas.microsoft.com/office/powerpoint/2010/main">
-    <mc:Choice Requires="p14">
-      <p:transition spd="med" p14:dur="700">
-        <p:fade/>
-      </p:transition>
-    </mc:Choice>
-    <mc:Fallback xmlns="">
-      <p:transition spd="med">
-        <p:fade/>
-      </p:transition>
-    </mc:Fallback>
-  </mc:AlternateContent>
-</p:sld>
-</file>
-
-<file path=ppt/slides/slide26.xml><?xml version="1.0" encoding="utf-8"?>
-<p:sld xmlns:a="http://schemas.openxmlformats.org/drawingml/2006/main" xmlns:r="http://schemas.openxmlformats.org/officeDocument/2006/relationships" xmlns:p="http://schemas.openxmlformats.org/presentationml/2006/main">
-  <p:cSld>
-    <p:bg>
-      <p:bgPr>
-        <a:gradFill>
-          <a:gsLst>
-            <a:gs pos="0">
-              <a:schemeClr val="accent1">
-                <a:lumMod val="5000"/>
-                <a:lumOff val="95000"/>
-              </a:schemeClr>
-            </a:gs>
-            <a:gs pos="100000">
-              <a:schemeClr val="accent4">
-                <a:lumMod val="75000"/>
-              </a:schemeClr>
-            </a:gs>
-            <a:gs pos="30000">
-              <a:schemeClr val="accent4"/>
-            </a:gs>
-            <a:gs pos="100000">
-              <a:schemeClr val="bg1"/>
-            </a:gs>
-          </a:gsLst>
-          <a:lin ang="5400000" scaled="1"/>
-        </a:gradFill>
-        <a:effectLst/>
-      </p:bgPr>
-    </p:bg>
-    <p:spTree>
-      <p:nvGrpSpPr>
-        <p:cNvPr id="1" name=""/>
-        <p:cNvGrpSpPr/>
-        <p:nvPr/>
-      </p:nvGrpSpPr>
-      <p:grpSpPr>
-        <a:xfrm>
-          <a:off x="0" y="0"/>
-          <a:ext cx="0" cy="0"/>
-          <a:chOff x="0" y="0"/>
-          <a:chExt cx="0" cy="0"/>
-        </a:xfrm>
-      </p:grpSpPr>
-      <p:sp>
-        <p:nvSpPr>
-          <p:cNvPr id="4" name="Espace réservé du numéro de diapositive 3"/>
-          <p:cNvSpPr>
-            <a:spLocks noGrp="1"/>
-          </p:cNvSpPr>
-          <p:nvPr>
-            <p:ph type="sldNum" sz="quarter" idx="12"/>
-          </p:nvPr>
-        </p:nvSpPr>
-        <p:spPr/>
-        <p:txBody>
-          <a:bodyPr/>
-          <a:lstStyle/>
-          <a:p>
-            <a:fld id="{C71BCE76-17DE-481D-8B88-0224F5084139}" type="slidenum">
-              <a:rPr lang="fr-FR" smtClean="0"/>
-              <a:t>26</a:t>
-            </a:fld>
-            <a:endParaRPr lang="fr-FR"/>
-          </a:p>
-        </p:txBody>
-      </p:sp>
-      <p:sp>
-        <p:nvSpPr>
-          <p:cNvPr id="5" name="ZoneTexte 4"/>
-          <p:cNvSpPr txBox="1"/>
-          <p:nvPr/>
-        </p:nvSpPr>
-        <p:spPr>
-          <a:xfrm>
-            <a:off x="416347" y="1058766"/>
-            <a:ext cx="4789721" cy="1200329"/>
-          </a:xfrm>
-          <a:prstGeom prst="rect">
-            <a:avLst/>
-          </a:prstGeom>
-          <a:noFill/>
-        </p:spPr>
-        <p:txBody>
-          <a:bodyPr wrap="square" rtlCol="0">
-            <a:spAutoFit/>
-          </a:bodyPr>
-          <a:lstStyle/>
-          <a:p>
-            <a:r>
-              <a:rPr lang="fr-FR" sz="2400" dirty="0" smtClean="0"/>
-              <a:t>Création de l’utilisateur en BDD avec vérification de la réussite de la création dans le contrôleur</a:t>
-            </a:r>
-          </a:p>
-        </p:txBody>
-      </p:sp>
-      <p:sp>
-        <p:nvSpPr>
-          <p:cNvPr id="11" name="ZoneTexte 10"/>
-          <p:cNvSpPr txBox="1"/>
-          <p:nvPr/>
-        </p:nvSpPr>
-        <p:spPr>
-          <a:xfrm>
-            <a:off x="416347" y="4123161"/>
-            <a:ext cx="5183519" cy="830997"/>
-          </a:xfrm>
-          <a:prstGeom prst="rect">
-            <a:avLst/>
-          </a:prstGeom>
-          <a:noFill/>
-        </p:spPr>
-        <p:txBody>
-          <a:bodyPr wrap="square" rtlCol="0">
-            <a:spAutoFit/>
-          </a:bodyPr>
-          <a:lstStyle/>
-          <a:p>
-            <a:r>
-              <a:rPr lang="fr-FR" sz="2400" dirty="0" smtClean="0"/>
-              <a:t>La fonction de création utilisée </a:t>
-            </a:r>
-            <a:r>
-              <a:rPr lang="fr-FR" sz="2400" dirty="0" smtClean="0"/>
-              <a:t>ci-dessus tirée </a:t>
-            </a:r>
-            <a:r>
-              <a:rPr lang="fr-FR" sz="2400" dirty="0" smtClean="0"/>
-              <a:t>du modèle « </a:t>
-            </a:r>
-            <a:r>
-              <a:rPr lang="fr-FR" sz="2400" dirty="0" err="1" smtClean="0"/>
-              <a:t>user_model</a:t>
+              <a:t>La fonction de création utilisée ci-dessus tirée du modèle « </a:t>
+            </a:r>
+            <a:r>
+              <a:rPr lang="fr-FR" sz="2400" dirty="0"/>
+              <a:t> </a:t>
+            </a:r>
+            <a:r>
+              <a:rPr lang="fr-FR" sz="2400" dirty="0" err="1"/>
+              <a:t>Utilisateur_model</a:t>
+            </a:r>
+            <a:r>
+              <a:rPr lang="fr-FR" sz="2400" dirty="0"/>
+              <a:t> </a:t>
             </a:r>
             <a:r>
               <a:rPr lang="fr-FR" sz="2400" dirty="0" smtClean="0"/>
@@ -7319,6 +10502,826 @@
       </p:transition>
     </mc:Fallback>
   </mc:AlternateContent>
+  <p:timing>
+    <p:tnLst>
+      <p:par>
+        <p:cTn id="1" dur="indefinite" restart="never" nodeType="tmRoot">
+          <p:childTnLst>
+            <p:seq concurrent="1" nextAc="seek">
+              <p:cTn id="2" dur="indefinite" nodeType="mainSeq">
+                <p:childTnLst>
+                  <p:par>
+                    <p:cTn id="3" fill="hold">
+                      <p:stCondLst>
+                        <p:cond delay="indefinite"/>
+                      </p:stCondLst>
+                      <p:childTnLst>
+                        <p:par>
+                          <p:cTn id="4" fill="hold">
+                            <p:stCondLst>
+                              <p:cond delay="0"/>
+                            </p:stCondLst>
+                            <p:childTnLst>
+                              <p:par>
+                                <p:cTn id="5" presetID="10" presetClass="entr" presetSubtype="0" fill="hold" grpId="0" nodeType="clickEffect">
+                                  <p:stCondLst>
+                                    <p:cond delay="0"/>
+                                  </p:stCondLst>
+                                  <p:childTnLst>
+                                    <p:set>
+                                      <p:cBhvr>
+                                        <p:cTn id="6" dur="1" fill="hold">
+                                          <p:stCondLst>
+                                            <p:cond delay="0"/>
+                                          </p:stCondLst>
+                                        </p:cTn>
+                                        <p:tgtEl>
+                                          <p:spTgt spid="5"/>
+                                        </p:tgtEl>
+                                        <p:attrNameLst>
+                                          <p:attrName>style.visibility</p:attrName>
+                                        </p:attrNameLst>
+                                      </p:cBhvr>
+                                      <p:to>
+                                        <p:strVal val="visible"/>
+                                      </p:to>
+                                    </p:set>
+                                    <p:animEffect transition="in" filter="fade">
+                                      <p:cBhvr>
+                                        <p:cTn id="7" dur="500"/>
+                                        <p:tgtEl>
+                                          <p:spTgt spid="5"/>
+                                        </p:tgtEl>
+                                      </p:cBhvr>
+                                    </p:animEffect>
+                                  </p:childTnLst>
+                                </p:cTn>
+                              </p:par>
+                              <p:par>
+                                <p:cTn id="8" presetID="10" presetClass="entr" presetSubtype="0" fill="hold" nodeType="withEffect">
+                                  <p:stCondLst>
+                                    <p:cond delay="0"/>
+                                  </p:stCondLst>
+                                  <p:childTnLst>
+                                    <p:set>
+                                      <p:cBhvr>
+                                        <p:cTn id="9" dur="1" fill="hold">
+                                          <p:stCondLst>
+                                            <p:cond delay="0"/>
+                                          </p:stCondLst>
+                                        </p:cTn>
+                                        <p:tgtEl>
+                                          <p:spTgt spid="7"/>
+                                        </p:tgtEl>
+                                        <p:attrNameLst>
+                                          <p:attrName>style.visibility</p:attrName>
+                                        </p:attrNameLst>
+                                      </p:cBhvr>
+                                      <p:to>
+                                        <p:strVal val="visible"/>
+                                      </p:to>
+                                    </p:set>
+                                    <p:animEffect transition="in" filter="fade">
+                                      <p:cBhvr>
+                                        <p:cTn id="10" dur="500"/>
+                                        <p:tgtEl>
+                                          <p:spTgt spid="7"/>
+                                        </p:tgtEl>
+                                      </p:cBhvr>
+                                    </p:animEffect>
+                                  </p:childTnLst>
+                                </p:cTn>
+                              </p:par>
+                            </p:childTnLst>
+                          </p:cTn>
+                        </p:par>
+                      </p:childTnLst>
+                    </p:cTn>
+                  </p:par>
+                  <p:par>
+                    <p:cTn id="11" fill="hold">
+                      <p:stCondLst>
+                        <p:cond delay="indefinite"/>
+                      </p:stCondLst>
+                      <p:childTnLst>
+                        <p:par>
+                          <p:cTn id="12" fill="hold">
+                            <p:stCondLst>
+                              <p:cond delay="0"/>
+                            </p:stCondLst>
+                            <p:childTnLst>
+                              <p:par>
+                                <p:cTn id="13" presetID="10" presetClass="entr" presetSubtype="0" fill="hold" grpId="0" nodeType="clickEffect">
+                                  <p:stCondLst>
+                                    <p:cond delay="0"/>
+                                  </p:stCondLst>
+                                  <p:childTnLst>
+                                    <p:set>
+                                      <p:cBhvr>
+                                        <p:cTn id="14" dur="1" fill="hold">
+                                          <p:stCondLst>
+                                            <p:cond delay="0"/>
+                                          </p:stCondLst>
+                                        </p:cTn>
+                                        <p:tgtEl>
+                                          <p:spTgt spid="11"/>
+                                        </p:tgtEl>
+                                        <p:attrNameLst>
+                                          <p:attrName>style.visibility</p:attrName>
+                                        </p:attrNameLst>
+                                      </p:cBhvr>
+                                      <p:to>
+                                        <p:strVal val="visible"/>
+                                      </p:to>
+                                    </p:set>
+                                    <p:animEffect transition="in" filter="fade">
+                                      <p:cBhvr>
+                                        <p:cTn id="15" dur="500"/>
+                                        <p:tgtEl>
+                                          <p:spTgt spid="11"/>
+                                        </p:tgtEl>
+                                      </p:cBhvr>
+                                    </p:animEffect>
+                                  </p:childTnLst>
+                                </p:cTn>
+                              </p:par>
+                              <p:par>
+                                <p:cTn id="16" presetID="10" presetClass="entr" presetSubtype="0" fill="hold" nodeType="withEffect">
+                                  <p:stCondLst>
+                                    <p:cond delay="0"/>
+                                  </p:stCondLst>
+                                  <p:childTnLst>
+                                    <p:set>
+                                      <p:cBhvr>
+                                        <p:cTn id="17" dur="1" fill="hold">
+                                          <p:stCondLst>
+                                            <p:cond delay="0"/>
+                                          </p:stCondLst>
+                                        </p:cTn>
+                                        <p:tgtEl>
+                                          <p:spTgt spid="8"/>
+                                        </p:tgtEl>
+                                        <p:attrNameLst>
+                                          <p:attrName>style.visibility</p:attrName>
+                                        </p:attrNameLst>
+                                      </p:cBhvr>
+                                      <p:to>
+                                        <p:strVal val="visible"/>
+                                      </p:to>
+                                    </p:set>
+                                    <p:animEffect transition="in" filter="fade">
+                                      <p:cBhvr>
+                                        <p:cTn id="18" dur="500"/>
+                                        <p:tgtEl>
+                                          <p:spTgt spid="8"/>
+                                        </p:tgtEl>
+                                      </p:cBhvr>
+                                    </p:animEffect>
+                                  </p:childTnLst>
+                                </p:cTn>
+                              </p:par>
+                            </p:childTnLst>
+                          </p:cTn>
+                        </p:par>
+                      </p:childTnLst>
+                    </p:cTn>
+                  </p:par>
+                </p:childTnLst>
+              </p:cTn>
+              <p:prevCondLst>
+                <p:cond evt="onPrev" delay="0">
+                  <p:tgtEl>
+                    <p:sldTgt/>
+                  </p:tgtEl>
+                </p:cond>
+              </p:prevCondLst>
+              <p:nextCondLst>
+                <p:cond evt="onNext" delay="0">
+                  <p:tgtEl>
+                    <p:sldTgt/>
+                  </p:tgtEl>
+                </p:cond>
+              </p:nextCondLst>
+            </p:seq>
+          </p:childTnLst>
+        </p:cTn>
+      </p:par>
+    </p:tnLst>
+    <p:bldLst>
+      <p:bldP spid="5" grpId="0"/>
+      <p:bldP spid="11" grpId="0"/>
+    </p:bldLst>
+  </p:timing>
+</p:sld>
+</file>
+
+<file path=ppt/slides/slide26.xml><?xml version="1.0" encoding="utf-8"?>
+<p:sld xmlns:a="http://schemas.openxmlformats.org/drawingml/2006/main" xmlns:r="http://schemas.openxmlformats.org/officeDocument/2006/relationships" xmlns:p="http://schemas.openxmlformats.org/presentationml/2006/main">
+  <p:cSld>
+    <p:bg>
+      <p:bgPr>
+        <a:gradFill>
+          <a:gsLst>
+            <a:gs pos="0">
+              <a:schemeClr val="accent1">
+                <a:lumMod val="5000"/>
+                <a:lumOff val="95000"/>
+              </a:schemeClr>
+            </a:gs>
+            <a:gs pos="100000">
+              <a:schemeClr val="accent4">
+                <a:lumMod val="75000"/>
+              </a:schemeClr>
+            </a:gs>
+            <a:gs pos="30000">
+              <a:schemeClr val="accent4"/>
+            </a:gs>
+            <a:gs pos="100000">
+              <a:schemeClr val="bg1"/>
+            </a:gs>
+          </a:gsLst>
+          <a:lin ang="5400000" scaled="1"/>
+        </a:gradFill>
+        <a:effectLst/>
+      </p:bgPr>
+    </p:bg>
+    <p:spTree>
+      <p:nvGrpSpPr>
+        <p:cNvPr id="1" name=""/>
+        <p:cNvGrpSpPr/>
+        <p:nvPr/>
+      </p:nvGrpSpPr>
+      <p:grpSpPr>
+        <a:xfrm>
+          <a:off x="0" y="0"/>
+          <a:ext cx="0" cy="0"/>
+          <a:chOff x="0" y="0"/>
+          <a:chExt cx="0" cy="0"/>
+        </a:xfrm>
+      </p:grpSpPr>
+      <p:sp>
+        <p:nvSpPr>
+          <p:cNvPr id="2" name="Titre 1"/>
+          <p:cNvSpPr>
+            <a:spLocks noGrp="1"/>
+          </p:cNvSpPr>
+          <p:nvPr>
+            <p:ph type="title"/>
+          </p:nvPr>
+        </p:nvSpPr>
+        <p:spPr/>
+        <p:txBody>
+          <a:bodyPr/>
+          <a:lstStyle/>
+          <a:p>
+            <a:r>
+              <a:rPr lang="fr-FR" dirty="0" smtClean="0"/>
+              <a:t>Connexion</a:t>
+            </a:r>
+            <a:endParaRPr lang="fr-FR" dirty="0"/>
+          </a:p>
+        </p:txBody>
+      </p:sp>
+      <p:sp>
+        <p:nvSpPr>
+          <p:cNvPr id="4" name="Espace réservé du numéro de diapositive 3"/>
+          <p:cNvSpPr>
+            <a:spLocks noGrp="1"/>
+          </p:cNvSpPr>
+          <p:nvPr>
+            <p:ph type="sldNum" sz="quarter" idx="12"/>
+          </p:nvPr>
+        </p:nvSpPr>
+        <p:spPr/>
+        <p:txBody>
+          <a:bodyPr/>
+          <a:lstStyle/>
+          <a:p>
+            <a:fld id="{C71BCE76-17DE-481D-8B88-0224F5084139}" type="slidenum">
+              <a:rPr lang="fr-FR" smtClean="0">
+                <a:solidFill>
+                  <a:schemeClr val="tx1"/>
+                </a:solidFill>
+              </a:rPr>
+              <a:t>26</a:t>
+            </a:fld>
+            <a:endParaRPr lang="fr-FR" dirty="0">
+              <a:solidFill>
+                <a:schemeClr val="tx1"/>
+              </a:solidFill>
+            </a:endParaRPr>
+          </a:p>
+        </p:txBody>
+      </p:sp>
+      <p:sp>
+        <p:nvSpPr>
+          <p:cNvPr id="6" name="ZoneTexte 5"/>
+          <p:cNvSpPr txBox="1"/>
+          <p:nvPr/>
+        </p:nvSpPr>
+        <p:spPr>
+          <a:xfrm>
+            <a:off x="1265366" y="5161303"/>
+            <a:ext cx="5582623" cy="830997"/>
+          </a:xfrm>
+          <a:prstGeom prst="rect">
+            <a:avLst/>
+          </a:prstGeom>
+          <a:noFill/>
+        </p:spPr>
+        <p:txBody>
+          <a:bodyPr wrap="square" rtlCol="0">
+            <a:spAutoFit/>
+          </a:bodyPr>
+          <a:lstStyle/>
+          <a:p>
+            <a:r>
+              <a:rPr lang="fr-FR" sz="2400" dirty="0" smtClean="0"/>
+              <a:t>La fonction « </a:t>
+            </a:r>
+            <a:r>
+              <a:rPr lang="fr-FR" sz="2400" dirty="0" err="1" smtClean="0"/>
+              <a:t>getSingleUser</a:t>
+            </a:r>
+            <a:r>
+              <a:rPr lang="fr-FR" sz="2400" dirty="0" smtClean="0"/>
+              <a:t> » du modèle « </a:t>
+            </a:r>
+            <a:r>
+              <a:rPr lang="fr-FR" sz="2400" dirty="0"/>
+              <a:t> </a:t>
+            </a:r>
+            <a:r>
+              <a:rPr lang="fr-FR" sz="2400" dirty="0" err="1"/>
+              <a:t>Utilisateur_model</a:t>
+            </a:r>
+            <a:r>
+              <a:rPr lang="fr-FR" sz="2400" dirty="0"/>
+              <a:t> </a:t>
+            </a:r>
+            <a:r>
+              <a:rPr lang="fr-FR" sz="2400" dirty="0" smtClean="0"/>
+              <a:t> »</a:t>
+            </a:r>
+            <a:endParaRPr lang="fr-FR" sz="2800" dirty="0"/>
+          </a:p>
+        </p:txBody>
+      </p:sp>
+      <p:pic>
+        <p:nvPicPr>
+          <p:cNvPr id="8" name="Image 7"/>
+          <p:cNvPicPr/>
+          <p:nvPr/>
+        </p:nvPicPr>
+        <p:blipFill>
+          <a:blip r:embed="rId3"/>
+          <a:stretch>
+            <a:fillRect/>
+          </a:stretch>
+        </p:blipFill>
+        <p:spPr>
+          <a:xfrm>
+            <a:off x="6994757" y="479784"/>
+            <a:ext cx="3722119" cy="1855693"/>
+          </a:xfrm>
+          <a:prstGeom prst="rect">
+            <a:avLst/>
+          </a:prstGeom>
+        </p:spPr>
+      </p:pic>
+      <p:pic>
+        <p:nvPicPr>
+          <p:cNvPr id="9" name="Image 8"/>
+          <p:cNvPicPr/>
+          <p:nvPr/>
+        </p:nvPicPr>
+        <p:blipFill>
+          <a:blip r:embed="rId4"/>
+          <a:stretch>
+            <a:fillRect/>
+          </a:stretch>
+        </p:blipFill>
+        <p:spPr>
+          <a:xfrm>
+            <a:off x="6994757" y="2520824"/>
+            <a:ext cx="2828368" cy="1763788"/>
+          </a:xfrm>
+          <a:prstGeom prst="rect">
+            <a:avLst/>
+          </a:prstGeom>
+        </p:spPr>
+      </p:pic>
+      <p:pic>
+        <p:nvPicPr>
+          <p:cNvPr id="10" name="Image 9"/>
+          <p:cNvPicPr/>
+          <p:nvPr/>
+        </p:nvPicPr>
+        <p:blipFill>
+          <a:blip r:embed="rId5"/>
+          <a:stretch>
+            <a:fillRect/>
+          </a:stretch>
+        </p:blipFill>
+        <p:spPr>
+          <a:xfrm>
+            <a:off x="6994757" y="4430013"/>
+            <a:ext cx="3678875" cy="2293579"/>
+          </a:xfrm>
+          <a:prstGeom prst="rect">
+            <a:avLst/>
+          </a:prstGeom>
+        </p:spPr>
+      </p:pic>
+      <p:sp>
+        <p:nvSpPr>
+          <p:cNvPr id="11" name="ZoneTexte 10"/>
+          <p:cNvSpPr txBox="1"/>
+          <p:nvPr/>
+        </p:nvSpPr>
+        <p:spPr>
+          <a:xfrm>
+            <a:off x="1390999" y="2782580"/>
+            <a:ext cx="5456990" cy="1200329"/>
+          </a:xfrm>
+          <a:prstGeom prst="rect">
+            <a:avLst/>
+          </a:prstGeom>
+          <a:noFill/>
+        </p:spPr>
+        <p:txBody>
+          <a:bodyPr wrap="square" rtlCol="0">
+            <a:spAutoFit/>
+          </a:bodyPr>
+          <a:lstStyle/>
+          <a:p>
+            <a:r>
+              <a:rPr lang="fr-FR" sz="2400" dirty="0" smtClean="0"/>
+              <a:t>Utilisation de la fonction « </a:t>
+            </a:r>
+            <a:r>
+              <a:rPr lang="fr-FR" sz="2400" dirty="0" err="1" smtClean="0"/>
+              <a:t>getSingleUser</a:t>
+            </a:r>
+            <a:r>
+              <a:rPr lang="fr-FR" sz="2400" dirty="0" smtClean="0"/>
+              <a:t> » dans le contrôleur pour récupérer l’utilisateur</a:t>
+            </a:r>
+            <a:endParaRPr lang="fr-FR" sz="2800" dirty="0"/>
+          </a:p>
+        </p:txBody>
+      </p:sp>
+      <p:sp>
+        <p:nvSpPr>
+          <p:cNvPr id="12" name="ZoneTexte 11"/>
+          <p:cNvSpPr txBox="1"/>
+          <p:nvPr/>
+        </p:nvSpPr>
+        <p:spPr>
+          <a:xfrm>
+            <a:off x="3560999" y="1176797"/>
+            <a:ext cx="3286990" cy="461665"/>
+          </a:xfrm>
+          <a:prstGeom prst="rect">
+            <a:avLst/>
+          </a:prstGeom>
+          <a:noFill/>
+        </p:spPr>
+        <p:txBody>
+          <a:bodyPr wrap="none" rtlCol="0">
+            <a:spAutoFit/>
+          </a:bodyPr>
+          <a:lstStyle/>
+          <a:p>
+            <a:r>
+              <a:rPr lang="fr-FR" sz="2400" dirty="0" smtClean="0"/>
+              <a:t>Formulaire de connexion</a:t>
+            </a:r>
+            <a:endParaRPr lang="fr-FR" sz="2800" dirty="0"/>
+          </a:p>
+        </p:txBody>
+      </p:sp>
+    </p:spTree>
+    <p:extLst>
+      <p:ext uri="{BB962C8B-B14F-4D97-AF65-F5344CB8AC3E}">
+        <p14:creationId xmlns:p14="http://schemas.microsoft.com/office/powerpoint/2010/main" val="2647973324"/>
+      </p:ext>
+    </p:extLst>
+  </p:cSld>
+  <p:clrMapOvr>
+    <a:masterClrMapping/>
+  </p:clrMapOvr>
+  <mc:AlternateContent xmlns:mc="http://schemas.openxmlformats.org/markup-compatibility/2006" xmlns:p14="http://schemas.microsoft.com/office/powerpoint/2010/main">
+    <mc:Choice Requires="p14">
+      <p:transition spd="med" p14:dur="700">
+        <p:fade/>
+      </p:transition>
+    </mc:Choice>
+    <mc:Fallback xmlns="">
+      <p:transition spd="med">
+        <p:fade/>
+      </p:transition>
+    </mc:Fallback>
+  </mc:AlternateContent>
+  <p:timing>
+    <p:tnLst>
+      <p:par>
+        <p:cTn id="1" dur="indefinite" restart="never" nodeType="tmRoot">
+          <p:childTnLst>
+            <p:seq concurrent="1" nextAc="seek">
+              <p:cTn id="2" dur="indefinite" nodeType="mainSeq">
+                <p:childTnLst>
+                  <p:par>
+                    <p:cTn id="3" fill="hold">
+                      <p:stCondLst>
+                        <p:cond delay="indefinite"/>
+                      </p:stCondLst>
+                      <p:childTnLst>
+                        <p:par>
+                          <p:cTn id="4" fill="hold">
+                            <p:stCondLst>
+                              <p:cond delay="0"/>
+                            </p:stCondLst>
+                            <p:childTnLst>
+                              <p:par>
+                                <p:cTn id="5" presetID="10" presetClass="entr" presetSubtype="0" fill="hold" grpId="0" nodeType="clickEffect">
+                                  <p:stCondLst>
+                                    <p:cond delay="0"/>
+                                  </p:stCondLst>
+                                  <p:childTnLst>
+                                    <p:set>
+                                      <p:cBhvr>
+                                        <p:cTn id="6" dur="1" fill="hold">
+                                          <p:stCondLst>
+                                            <p:cond delay="0"/>
+                                          </p:stCondLst>
+                                        </p:cTn>
+                                        <p:tgtEl>
+                                          <p:spTgt spid="12"/>
+                                        </p:tgtEl>
+                                        <p:attrNameLst>
+                                          <p:attrName>style.visibility</p:attrName>
+                                        </p:attrNameLst>
+                                      </p:cBhvr>
+                                      <p:to>
+                                        <p:strVal val="visible"/>
+                                      </p:to>
+                                    </p:set>
+                                    <p:animEffect transition="in" filter="fade">
+                                      <p:cBhvr>
+                                        <p:cTn id="7" dur="500"/>
+                                        <p:tgtEl>
+                                          <p:spTgt spid="12"/>
+                                        </p:tgtEl>
+                                      </p:cBhvr>
+                                    </p:animEffect>
+                                  </p:childTnLst>
+                                </p:cTn>
+                              </p:par>
+                              <p:par>
+                                <p:cTn id="8" presetID="10" presetClass="entr" presetSubtype="0" fill="hold" nodeType="withEffect">
+                                  <p:stCondLst>
+                                    <p:cond delay="0"/>
+                                  </p:stCondLst>
+                                  <p:childTnLst>
+                                    <p:set>
+                                      <p:cBhvr>
+                                        <p:cTn id="9" dur="1" fill="hold">
+                                          <p:stCondLst>
+                                            <p:cond delay="0"/>
+                                          </p:stCondLst>
+                                        </p:cTn>
+                                        <p:tgtEl>
+                                          <p:spTgt spid="8"/>
+                                        </p:tgtEl>
+                                        <p:attrNameLst>
+                                          <p:attrName>style.visibility</p:attrName>
+                                        </p:attrNameLst>
+                                      </p:cBhvr>
+                                      <p:to>
+                                        <p:strVal val="visible"/>
+                                      </p:to>
+                                    </p:set>
+                                    <p:animEffect transition="in" filter="fade">
+                                      <p:cBhvr>
+                                        <p:cTn id="10" dur="500"/>
+                                        <p:tgtEl>
+                                          <p:spTgt spid="8"/>
+                                        </p:tgtEl>
+                                      </p:cBhvr>
+                                    </p:animEffect>
+                                  </p:childTnLst>
+                                </p:cTn>
+                              </p:par>
+                            </p:childTnLst>
+                          </p:cTn>
+                        </p:par>
+                      </p:childTnLst>
+                    </p:cTn>
+                  </p:par>
+                  <p:par>
+                    <p:cTn id="11" fill="hold">
+                      <p:stCondLst>
+                        <p:cond delay="indefinite"/>
+                      </p:stCondLst>
+                      <p:childTnLst>
+                        <p:par>
+                          <p:cTn id="12" fill="hold">
+                            <p:stCondLst>
+                              <p:cond delay="0"/>
+                            </p:stCondLst>
+                            <p:childTnLst>
+                              <p:par>
+                                <p:cTn id="13" presetID="10" presetClass="entr" presetSubtype="0" fill="hold" grpId="0" nodeType="clickEffect">
+                                  <p:stCondLst>
+                                    <p:cond delay="0"/>
+                                  </p:stCondLst>
+                                  <p:childTnLst>
+                                    <p:set>
+                                      <p:cBhvr>
+                                        <p:cTn id="14" dur="1" fill="hold">
+                                          <p:stCondLst>
+                                            <p:cond delay="0"/>
+                                          </p:stCondLst>
+                                        </p:cTn>
+                                        <p:tgtEl>
+                                          <p:spTgt spid="11"/>
+                                        </p:tgtEl>
+                                        <p:attrNameLst>
+                                          <p:attrName>style.visibility</p:attrName>
+                                        </p:attrNameLst>
+                                      </p:cBhvr>
+                                      <p:to>
+                                        <p:strVal val="visible"/>
+                                      </p:to>
+                                    </p:set>
+                                    <p:animEffect transition="in" filter="fade">
+                                      <p:cBhvr>
+                                        <p:cTn id="15" dur="500"/>
+                                        <p:tgtEl>
+                                          <p:spTgt spid="11"/>
+                                        </p:tgtEl>
+                                      </p:cBhvr>
+                                    </p:animEffect>
+                                  </p:childTnLst>
+                                </p:cTn>
+                              </p:par>
+                              <p:par>
+                                <p:cTn id="16" presetID="10" presetClass="entr" presetSubtype="0" fill="hold" nodeType="withEffect">
+                                  <p:stCondLst>
+                                    <p:cond delay="0"/>
+                                  </p:stCondLst>
+                                  <p:childTnLst>
+                                    <p:set>
+                                      <p:cBhvr>
+                                        <p:cTn id="17" dur="1" fill="hold">
+                                          <p:stCondLst>
+                                            <p:cond delay="0"/>
+                                          </p:stCondLst>
+                                        </p:cTn>
+                                        <p:tgtEl>
+                                          <p:spTgt spid="9"/>
+                                        </p:tgtEl>
+                                        <p:attrNameLst>
+                                          <p:attrName>style.visibility</p:attrName>
+                                        </p:attrNameLst>
+                                      </p:cBhvr>
+                                      <p:to>
+                                        <p:strVal val="visible"/>
+                                      </p:to>
+                                    </p:set>
+                                    <p:animEffect transition="in" filter="fade">
+                                      <p:cBhvr>
+                                        <p:cTn id="18" dur="500"/>
+                                        <p:tgtEl>
+                                          <p:spTgt spid="9"/>
+                                        </p:tgtEl>
+                                      </p:cBhvr>
+                                    </p:animEffect>
+                                  </p:childTnLst>
+                                </p:cTn>
+                              </p:par>
+                            </p:childTnLst>
+                          </p:cTn>
+                        </p:par>
+                      </p:childTnLst>
+                    </p:cTn>
+                  </p:par>
+                  <p:par>
+                    <p:cTn id="19" fill="hold">
+                      <p:stCondLst>
+                        <p:cond delay="indefinite"/>
+                      </p:stCondLst>
+                      <p:childTnLst>
+                        <p:par>
+                          <p:cTn id="20" fill="hold">
+                            <p:stCondLst>
+                              <p:cond delay="0"/>
+                            </p:stCondLst>
+                            <p:childTnLst>
+                              <p:par>
+                                <p:cTn id="21" presetID="10" presetClass="entr" presetSubtype="0" fill="hold" grpId="0" nodeType="clickEffect">
+                                  <p:stCondLst>
+                                    <p:cond delay="0"/>
+                                  </p:stCondLst>
+                                  <p:childTnLst>
+                                    <p:set>
+                                      <p:cBhvr>
+                                        <p:cTn id="22" dur="1" fill="hold">
+                                          <p:stCondLst>
+                                            <p:cond delay="0"/>
+                                          </p:stCondLst>
+                                        </p:cTn>
+                                        <p:tgtEl>
+                                          <p:spTgt spid="6"/>
+                                        </p:tgtEl>
+                                        <p:attrNameLst>
+                                          <p:attrName>style.visibility</p:attrName>
+                                        </p:attrNameLst>
+                                      </p:cBhvr>
+                                      <p:to>
+                                        <p:strVal val="visible"/>
+                                      </p:to>
+                                    </p:set>
+                                    <p:animEffect transition="in" filter="fade">
+                                      <p:cBhvr>
+                                        <p:cTn id="23" dur="500"/>
+                                        <p:tgtEl>
+                                          <p:spTgt spid="6"/>
+                                        </p:tgtEl>
+                                      </p:cBhvr>
+                                    </p:animEffect>
+                                  </p:childTnLst>
+                                </p:cTn>
+                              </p:par>
+                              <p:par>
+                                <p:cTn id="24" presetID="10" presetClass="entr" presetSubtype="0" fill="hold" nodeType="withEffect">
+                                  <p:stCondLst>
+                                    <p:cond delay="0"/>
+                                  </p:stCondLst>
+                                  <p:childTnLst>
+                                    <p:set>
+                                      <p:cBhvr>
+                                        <p:cTn id="25" dur="1" fill="hold">
+                                          <p:stCondLst>
+                                            <p:cond delay="0"/>
+                                          </p:stCondLst>
+                                        </p:cTn>
+                                        <p:tgtEl>
+                                          <p:spTgt spid="10"/>
+                                        </p:tgtEl>
+                                        <p:attrNameLst>
+                                          <p:attrName>style.visibility</p:attrName>
+                                        </p:attrNameLst>
+                                      </p:cBhvr>
+                                      <p:to>
+                                        <p:strVal val="visible"/>
+                                      </p:to>
+                                    </p:set>
+                                    <p:animEffect transition="in" filter="fade">
+                                      <p:cBhvr>
+                                        <p:cTn id="26" dur="500"/>
+                                        <p:tgtEl>
+                                          <p:spTgt spid="10"/>
+                                        </p:tgtEl>
+                                      </p:cBhvr>
+                                    </p:animEffect>
+                                  </p:childTnLst>
+                                </p:cTn>
+                              </p:par>
+                            </p:childTnLst>
+                          </p:cTn>
+                        </p:par>
+                      </p:childTnLst>
+                    </p:cTn>
+                  </p:par>
+                </p:childTnLst>
+              </p:cTn>
+              <p:prevCondLst>
+                <p:cond evt="onPrev" delay="0">
+                  <p:tgtEl>
+                    <p:sldTgt/>
+                  </p:tgtEl>
+                </p:cond>
+              </p:prevCondLst>
+              <p:nextCondLst>
+                <p:cond evt="onNext" delay="0">
+                  <p:tgtEl>
+                    <p:sldTgt/>
+                  </p:tgtEl>
+                </p:cond>
+              </p:nextCondLst>
+            </p:seq>
+          </p:childTnLst>
+        </p:cTn>
+      </p:par>
+    </p:tnLst>
+    <p:bldLst>
+      <p:bldP spid="6" grpId="0"/>
+      <p:bldP spid="11" grpId="0"/>
+      <p:bldP spid="12" grpId="0"/>
+    </p:bldLst>
+  </p:timing>
 </p:sld>
 </file>
 
@@ -7368,29 +11371,6 @@
       </p:grpSpPr>
       <p:sp>
         <p:nvSpPr>
-          <p:cNvPr id="2" name="Titre 1"/>
-          <p:cNvSpPr>
-            <a:spLocks noGrp="1"/>
-          </p:cNvSpPr>
-          <p:nvPr>
-            <p:ph type="title"/>
-          </p:nvPr>
-        </p:nvSpPr>
-        <p:spPr/>
-        <p:txBody>
-          <a:bodyPr/>
-          <a:lstStyle/>
-          <a:p>
-            <a:r>
-              <a:rPr lang="fr-FR" dirty="0" smtClean="0"/>
-              <a:t>Connexion</a:t>
-            </a:r>
-            <a:endParaRPr lang="fr-FR" dirty="0"/>
-          </a:p>
-        </p:txBody>
-      </p:sp>
-      <p:sp>
-        <p:nvSpPr>
           <p:cNvPr id="4" name="Espace réservé du numéro de diapositive 3"/>
           <p:cNvSpPr>
             <a:spLocks noGrp="1"/>
@@ -7411,297 +11391,6 @@
                 </a:solidFill>
               </a:rPr>
               <a:t>27</a:t>
-            </a:fld>
-            <a:endParaRPr lang="fr-FR" dirty="0">
-              <a:solidFill>
-                <a:schemeClr val="tx1"/>
-              </a:solidFill>
-            </a:endParaRPr>
-          </a:p>
-        </p:txBody>
-      </p:sp>
-      <p:sp>
-        <p:nvSpPr>
-          <p:cNvPr id="6" name="ZoneTexte 5"/>
-          <p:cNvSpPr txBox="1"/>
-          <p:nvPr/>
-        </p:nvSpPr>
-        <p:spPr>
-          <a:xfrm>
-            <a:off x="1265366" y="5161303"/>
-            <a:ext cx="5582623" cy="830997"/>
-          </a:xfrm>
-          <a:prstGeom prst="rect">
-            <a:avLst/>
-          </a:prstGeom>
-          <a:noFill/>
-        </p:spPr>
-        <p:txBody>
-          <a:bodyPr wrap="square" rtlCol="0">
-            <a:spAutoFit/>
-          </a:bodyPr>
-          <a:lstStyle/>
-          <a:p>
-            <a:r>
-              <a:rPr lang="fr-FR" sz="2400" dirty="0" smtClean="0"/>
-              <a:t>La fonction « </a:t>
-            </a:r>
-            <a:r>
-              <a:rPr lang="fr-FR" sz="2400" dirty="0" err="1" smtClean="0"/>
-              <a:t>getSingleUser</a:t>
-            </a:r>
-            <a:r>
-              <a:rPr lang="fr-FR" sz="2400" dirty="0" smtClean="0"/>
-              <a:t> » du modèle « </a:t>
-            </a:r>
-            <a:r>
-              <a:rPr lang="fr-FR" sz="2400" dirty="0" err="1" smtClean="0"/>
-              <a:t>user_model</a:t>
-            </a:r>
-            <a:r>
-              <a:rPr lang="fr-FR" sz="2400" dirty="0" smtClean="0"/>
-              <a:t> »</a:t>
-            </a:r>
-            <a:endParaRPr lang="fr-FR" sz="2800" dirty="0"/>
-          </a:p>
-        </p:txBody>
-      </p:sp>
-      <p:pic>
-        <p:nvPicPr>
-          <p:cNvPr id="8" name="Image 7"/>
-          <p:cNvPicPr/>
-          <p:nvPr/>
-        </p:nvPicPr>
-        <p:blipFill>
-          <a:blip r:embed="rId2"/>
-          <a:stretch>
-            <a:fillRect/>
-          </a:stretch>
-        </p:blipFill>
-        <p:spPr>
-          <a:xfrm>
-            <a:off x="6994757" y="479784"/>
-            <a:ext cx="3722119" cy="1855693"/>
-          </a:xfrm>
-          <a:prstGeom prst="rect">
-            <a:avLst/>
-          </a:prstGeom>
-        </p:spPr>
-      </p:pic>
-      <p:pic>
-        <p:nvPicPr>
-          <p:cNvPr id="9" name="Image 8"/>
-          <p:cNvPicPr/>
-          <p:nvPr/>
-        </p:nvPicPr>
-        <p:blipFill>
-          <a:blip r:embed="rId3"/>
-          <a:stretch>
-            <a:fillRect/>
-          </a:stretch>
-        </p:blipFill>
-        <p:spPr>
-          <a:xfrm>
-            <a:off x="6994757" y="2520824"/>
-            <a:ext cx="2828368" cy="1763788"/>
-          </a:xfrm>
-          <a:prstGeom prst="rect">
-            <a:avLst/>
-          </a:prstGeom>
-        </p:spPr>
-      </p:pic>
-      <p:pic>
-        <p:nvPicPr>
-          <p:cNvPr id="10" name="Image 9"/>
-          <p:cNvPicPr/>
-          <p:nvPr/>
-        </p:nvPicPr>
-        <p:blipFill>
-          <a:blip r:embed="rId4"/>
-          <a:stretch>
-            <a:fillRect/>
-          </a:stretch>
-        </p:blipFill>
-        <p:spPr>
-          <a:xfrm>
-            <a:off x="6994757" y="4430013"/>
-            <a:ext cx="3678875" cy="2293579"/>
-          </a:xfrm>
-          <a:prstGeom prst="rect">
-            <a:avLst/>
-          </a:prstGeom>
-        </p:spPr>
-      </p:pic>
-      <p:sp>
-        <p:nvSpPr>
-          <p:cNvPr id="11" name="ZoneTexte 10"/>
-          <p:cNvSpPr txBox="1"/>
-          <p:nvPr/>
-        </p:nvSpPr>
-        <p:spPr>
-          <a:xfrm>
-            <a:off x="1390999" y="2782580"/>
-            <a:ext cx="5456990" cy="1200329"/>
-          </a:xfrm>
-          <a:prstGeom prst="rect">
-            <a:avLst/>
-          </a:prstGeom>
-          <a:noFill/>
-        </p:spPr>
-        <p:txBody>
-          <a:bodyPr wrap="square" rtlCol="0">
-            <a:spAutoFit/>
-          </a:bodyPr>
-          <a:lstStyle/>
-          <a:p>
-            <a:r>
-              <a:rPr lang="fr-FR" sz="2400" dirty="0" smtClean="0"/>
-              <a:t>Utilisation de la fonction « </a:t>
-            </a:r>
-            <a:r>
-              <a:rPr lang="fr-FR" sz="2400" dirty="0" err="1" smtClean="0"/>
-              <a:t>getSingle</a:t>
-            </a:r>
-            <a:r>
-              <a:rPr lang="fr-FR" sz="2400" dirty="0" err="1" smtClean="0"/>
-              <a:t>User</a:t>
-            </a:r>
-            <a:r>
-              <a:rPr lang="fr-FR" sz="2400" dirty="0" smtClean="0"/>
-              <a:t> » dans le contrôleur pour récupérer l’utilisateur</a:t>
-            </a:r>
-            <a:endParaRPr lang="fr-FR" sz="2800" dirty="0"/>
-          </a:p>
-        </p:txBody>
-      </p:sp>
-      <p:sp>
-        <p:nvSpPr>
-          <p:cNvPr id="12" name="ZoneTexte 11"/>
-          <p:cNvSpPr txBox="1"/>
-          <p:nvPr/>
-        </p:nvSpPr>
-        <p:spPr>
-          <a:xfrm>
-            <a:off x="3560999" y="1176797"/>
-            <a:ext cx="3286990" cy="461665"/>
-          </a:xfrm>
-          <a:prstGeom prst="rect">
-            <a:avLst/>
-          </a:prstGeom>
-          <a:noFill/>
-        </p:spPr>
-        <p:txBody>
-          <a:bodyPr wrap="none" rtlCol="0">
-            <a:spAutoFit/>
-          </a:bodyPr>
-          <a:lstStyle/>
-          <a:p>
-            <a:r>
-              <a:rPr lang="fr-FR" sz="2400" dirty="0" smtClean="0"/>
-              <a:t>Formulaire de connexion</a:t>
-            </a:r>
-            <a:endParaRPr lang="fr-FR" sz="2800" dirty="0"/>
-          </a:p>
-        </p:txBody>
-      </p:sp>
-    </p:spTree>
-    <p:extLst>
-      <p:ext uri="{BB962C8B-B14F-4D97-AF65-F5344CB8AC3E}">
-        <p14:creationId xmlns:p14="http://schemas.microsoft.com/office/powerpoint/2010/main" val="2647973324"/>
-      </p:ext>
-    </p:extLst>
-  </p:cSld>
-  <p:clrMapOvr>
-    <a:masterClrMapping/>
-  </p:clrMapOvr>
-  <mc:AlternateContent xmlns:mc="http://schemas.openxmlformats.org/markup-compatibility/2006" xmlns:p14="http://schemas.microsoft.com/office/powerpoint/2010/main">
-    <mc:Choice Requires="p14">
-      <p:transition spd="med" p14:dur="700">
-        <p:fade/>
-      </p:transition>
-    </mc:Choice>
-    <mc:Fallback xmlns="">
-      <p:transition spd="med">
-        <p:fade/>
-      </p:transition>
-    </mc:Fallback>
-  </mc:AlternateContent>
-  <p:timing>
-    <p:tnLst>
-      <p:par>
-        <p:cTn id="1" dur="indefinite" restart="never" nodeType="tmRoot"/>
-      </p:par>
-    </p:tnLst>
-  </p:timing>
-</p:sld>
-</file>
-
-<file path=ppt/slides/slide28.xml><?xml version="1.0" encoding="utf-8"?>
-<p:sld xmlns:a="http://schemas.openxmlformats.org/drawingml/2006/main" xmlns:r="http://schemas.openxmlformats.org/officeDocument/2006/relationships" xmlns:p="http://schemas.openxmlformats.org/presentationml/2006/main">
-  <p:cSld>
-    <p:bg>
-      <p:bgPr>
-        <a:gradFill>
-          <a:gsLst>
-            <a:gs pos="0">
-              <a:schemeClr val="accent1">
-                <a:lumMod val="5000"/>
-                <a:lumOff val="95000"/>
-              </a:schemeClr>
-            </a:gs>
-            <a:gs pos="100000">
-              <a:schemeClr val="accent4">
-                <a:lumMod val="75000"/>
-              </a:schemeClr>
-            </a:gs>
-            <a:gs pos="30000">
-              <a:schemeClr val="accent4"/>
-            </a:gs>
-            <a:gs pos="100000">
-              <a:schemeClr val="bg1"/>
-            </a:gs>
-          </a:gsLst>
-          <a:lin ang="5400000" scaled="1"/>
-        </a:gradFill>
-        <a:effectLst/>
-      </p:bgPr>
-    </p:bg>
-    <p:spTree>
-      <p:nvGrpSpPr>
-        <p:cNvPr id="1" name=""/>
-        <p:cNvGrpSpPr/>
-        <p:nvPr/>
-      </p:nvGrpSpPr>
-      <p:grpSpPr>
-        <a:xfrm>
-          <a:off x="0" y="0"/>
-          <a:ext cx="0" cy="0"/>
-          <a:chOff x="0" y="0"/>
-          <a:chExt cx="0" cy="0"/>
-        </a:xfrm>
-      </p:grpSpPr>
-      <p:sp>
-        <p:nvSpPr>
-          <p:cNvPr id="4" name="Espace réservé du numéro de diapositive 3"/>
-          <p:cNvSpPr>
-            <a:spLocks noGrp="1"/>
-          </p:cNvSpPr>
-          <p:nvPr>
-            <p:ph type="sldNum" sz="quarter" idx="12"/>
-          </p:nvPr>
-        </p:nvSpPr>
-        <p:spPr/>
-        <p:txBody>
-          <a:bodyPr/>
-          <a:lstStyle/>
-          <a:p>
-            <a:fld id="{C71BCE76-17DE-481D-8B88-0224F5084139}" type="slidenum">
-              <a:rPr lang="fr-FR" smtClean="0">
-                <a:solidFill>
-                  <a:schemeClr val="tx1"/>
-                </a:solidFill>
-              </a:rPr>
-              <a:t>28</a:t>
             </a:fld>
             <a:endParaRPr lang="fr-FR" dirty="0">
               <a:solidFill>
@@ -7899,11 +11588,7 @@
           <a:p>
             <a:r>
               <a:rPr lang="fr-FR" sz="2400" dirty="0" smtClean="0"/>
-              <a:t>Mise à jour des boutons du header pour l’accès à l’espace mon compt</a:t>
-            </a:r>
-            <a:r>
-              <a:rPr lang="fr-FR" sz="2400" dirty="0" smtClean="0"/>
-              <a:t>e et à la déconnexion</a:t>
+              <a:t>Mise à jour des boutons du header pour l’accès à l’espace mon compte et à la déconnexion</a:t>
             </a:r>
             <a:endParaRPr lang="fr-FR" sz="2800" dirty="0"/>
           </a:p>
@@ -7913,6 +11598,513 @@
     <p:extLst>
       <p:ext uri="{BB962C8B-B14F-4D97-AF65-F5344CB8AC3E}">
         <p14:creationId xmlns:p14="http://schemas.microsoft.com/office/powerpoint/2010/main" val="4177279932"/>
+      </p:ext>
+    </p:extLst>
+  </p:cSld>
+  <p:clrMapOvr>
+    <a:masterClrMapping/>
+  </p:clrMapOvr>
+  <mc:AlternateContent xmlns:mc="http://schemas.openxmlformats.org/markup-compatibility/2006" xmlns:p14="http://schemas.microsoft.com/office/powerpoint/2010/main">
+    <mc:Choice Requires="p14">
+      <p:transition spd="med" p14:dur="700">
+        <p:fade/>
+      </p:transition>
+    </mc:Choice>
+    <mc:Fallback xmlns="">
+      <p:transition spd="med">
+        <p:fade/>
+      </p:transition>
+    </mc:Fallback>
+  </mc:AlternateContent>
+  <p:timing>
+    <p:tnLst>
+      <p:par>
+        <p:cTn id="1" dur="indefinite" restart="never" nodeType="tmRoot">
+          <p:childTnLst>
+            <p:seq concurrent="1" nextAc="seek">
+              <p:cTn id="2" dur="indefinite" nodeType="mainSeq">
+                <p:childTnLst>
+                  <p:par>
+                    <p:cTn id="3" fill="hold">
+                      <p:stCondLst>
+                        <p:cond delay="indefinite"/>
+                      </p:stCondLst>
+                      <p:childTnLst>
+                        <p:par>
+                          <p:cTn id="4" fill="hold">
+                            <p:stCondLst>
+                              <p:cond delay="0"/>
+                            </p:stCondLst>
+                            <p:childTnLst>
+                              <p:par>
+                                <p:cTn id="5" presetID="10" presetClass="entr" presetSubtype="0" fill="hold" grpId="0" nodeType="clickEffect">
+                                  <p:stCondLst>
+                                    <p:cond delay="0"/>
+                                  </p:stCondLst>
+                                  <p:childTnLst>
+                                    <p:set>
+                                      <p:cBhvr>
+                                        <p:cTn id="6" dur="1" fill="hold">
+                                          <p:stCondLst>
+                                            <p:cond delay="0"/>
+                                          </p:stCondLst>
+                                        </p:cTn>
+                                        <p:tgtEl>
+                                          <p:spTgt spid="11"/>
+                                        </p:tgtEl>
+                                        <p:attrNameLst>
+                                          <p:attrName>style.visibility</p:attrName>
+                                        </p:attrNameLst>
+                                      </p:cBhvr>
+                                      <p:to>
+                                        <p:strVal val="visible"/>
+                                      </p:to>
+                                    </p:set>
+                                    <p:animEffect transition="in" filter="fade">
+                                      <p:cBhvr>
+                                        <p:cTn id="7" dur="500"/>
+                                        <p:tgtEl>
+                                          <p:spTgt spid="11"/>
+                                        </p:tgtEl>
+                                      </p:cBhvr>
+                                    </p:animEffect>
+                                  </p:childTnLst>
+                                </p:cTn>
+                              </p:par>
+                              <p:par>
+                                <p:cTn id="8" presetID="10" presetClass="entr" presetSubtype="0" fill="hold" nodeType="withEffect">
+                                  <p:stCondLst>
+                                    <p:cond delay="0"/>
+                                  </p:stCondLst>
+                                  <p:childTnLst>
+                                    <p:set>
+                                      <p:cBhvr>
+                                        <p:cTn id="9" dur="1" fill="hold">
+                                          <p:stCondLst>
+                                            <p:cond delay="0"/>
+                                          </p:stCondLst>
+                                        </p:cTn>
+                                        <p:tgtEl>
+                                          <p:spTgt spid="7"/>
+                                        </p:tgtEl>
+                                        <p:attrNameLst>
+                                          <p:attrName>style.visibility</p:attrName>
+                                        </p:attrNameLst>
+                                      </p:cBhvr>
+                                      <p:to>
+                                        <p:strVal val="visible"/>
+                                      </p:to>
+                                    </p:set>
+                                    <p:animEffect transition="in" filter="fade">
+                                      <p:cBhvr>
+                                        <p:cTn id="10" dur="500"/>
+                                        <p:tgtEl>
+                                          <p:spTgt spid="7"/>
+                                        </p:tgtEl>
+                                      </p:cBhvr>
+                                    </p:animEffect>
+                                  </p:childTnLst>
+                                </p:cTn>
+                              </p:par>
+                            </p:childTnLst>
+                          </p:cTn>
+                        </p:par>
+                      </p:childTnLst>
+                    </p:cTn>
+                  </p:par>
+                  <p:par>
+                    <p:cTn id="11" fill="hold">
+                      <p:stCondLst>
+                        <p:cond delay="indefinite"/>
+                      </p:stCondLst>
+                      <p:childTnLst>
+                        <p:par>
+                          <p:cTn id="12" fill="hold">
+                            <p:stCondLst>
+                              <p:cond delay="0"/>
+                            </p:stCondLst>
+                            <p:childTnLst>
+                              <p:par>
+                                <p:cTn id="13" presetID="10" presetClass="entr" presetSubtype="0" fill="hold" grpId="0" nodeType="clickEffect">
+                                  <p:stCondLst>
+                                    <p:cond delay="0"/>
+                                  </p:stCondLst>
+                                  <p:childTnLst>
+                                    <p:set>
+                                      <p:cBhvr>
+                                        <p:cTn id="14" dur="1" fill="hold">
+                                          <p:stCondLst>
+                                            <p:cond delay="0"/>
+                                          </p:stCondLst>
+                                        </p:cTn>
+                                        <p:tgtEl>
+                                          <p:spTgt spid="13"/>
+                                        </p:tgtEl>
+                                        <p:attrNameLst>
+                                          <p:attrName>style.visibility</p:attrName>
+                                        </p:attrNameLst>
+                                      </p:cBhvr>
+                                      <p:to>
+                                        <p:strVal val="visible"/>
+                                      </p:to>
+                                    </p:set>
+                                    <p:animEffect transition="in" filter="fade">
+                                      <p:cBhvr>
+                                        <p:cTn id="15" dur="500"/>
+                                        <p:tgtEl>
+                                          <p:spTgt spid="13"/>
+                                        </p:tgtEl>
+                                      </p:cBhvr>
+                                    </p:animEffect>
+                                  </p:childTnLst>
+                                </p:cTn>
+                              </p:par>
+                              <p:par>
+                                <p:cTn id="16" presetID="10" presetClass="entr" presetSubtype="0" fill="hold" nodeType="withEffect">
+                                  <p:stCondLst>
+                                    <p:cond delay="0"/>
+                                  </p:stCondLst>
+                                  <p:childTnLst>
+                                    <p:set>
+                                      <p:cBhvr>
+                                        <p:cTn id="17" dur="1" fill="hold">
+                                          <p:stCondLst>
+                                            <p:cond delay="0"/>
+                                          </p:stCondLst>
+                                        </p:cTn>
+                                        <p:tgtEl>
+                                          <p:spTgt spid="9"/>
+                                        </p:tgtEl>
+                                        <p:attrNameLst>
+                                          <p:attrName>style.visibility</p:attrName>
+                                        </p:attrNameLst>
+                                      </p:cBhvr>
+                                      <p:to>
+                                        <p:strVal val="visible"/>
+                                      </p:to>
+                                    </p:set>
+                                    <p:animEffect transition="in" filter="fade">
+                                      <p:cBhvr>
+                                        <p:cTn id="18" dur="500"/>
+                                        <p:tgtEl>
+                                          <p:spTgt spid="9"/>
+                                        </p:tgtEl>
+                                      </p:cBhvr>
+                                    </p:animEffect>
+                                  </p:childTnLst>
+                                </p:cTn>
+                              </p:par>
+                            </p:childTnLst>
+                          </p:cTn>
+                        </p:par>
+                      </p:childTnLst>
+                    </p:cTn>
+                  </p:par>
+                  <p:par>
+                    <p:cTn id="19" fill="hold">
+                      <p:stCondLst>
+                        <p:cond delay="indefinite"/>
+                      </p:stCondLst>
+                      <p:childTnLst>
+                        <p:par>
+                          <p:cTn id="20" fill="hold">
+                            <p:stCondLst>
+                              <p:cond delay="0"/>
+                            </p:stCondLst>
+                            <p:childTnLst>
+                              <p:par>
+                                <p:cTn id="21" presetID="10" presetClass="entr" presetSubtype="0" fill="hold" grpId="0" nodeType="clickEffect">
+                                  <p:stCondLst>
+                                    <p:cond delay="0"/>
+                                  </p:stCondLst>
+                                  <p:childTnLst>
+                                    <p:set>
+                                      <p:cBhvr>
+                                        <p:cTn id="22" dur="1" fill="hold">
+                                          <p:stCondLst>
+                                            <p:cond delay="0"/>
+                                          </p:stCondLst>
+                                        </p:cTn>
+                                        <p:tgtEl>
+                                          <p:spTgt spid="14"/>
+                                        </p:tgtEl>
+                                        <p:attrNameLst>
+                                          <p:attrName>style.visibility</p:attrName>
+                                        </p:attrNameLst>
+                                      </p:cBhvr>
+                                      <p:to>
+                                        <p:strVal val="visible"/>
+                                      </p:to>
+                                    </p:set>
+                                    <p:animEffect transition="in" filter="fade">
+                                      <p:cBhvr>
+                                        <p:cTn id="23" dur="500"/>
+                                        <p:tgtEl>
+                                          <p:spTgt spid="14"/>
+                                        </p:tgtEl>
+                                      </p:cBhvr>
+                                    </p:animEffect>
+                                  </p:childTnLst>
+                                </p:cTn>
+                              </p:par>
+                              <p:par>
+                                <p:cTn id="24" presetID="10" presetClass="entr" presetSubtype="0" fill="hold" nodeType="withEffect">
+                                  <p:stCondLst>
+                                    <p:cond delay="0"/>
+                                  </p:stCondLst>
+                                  <p:childTnLst>
+                                    <p:set>
+                                      <p:cBhvr>
+                                        <p:cTn id="25" dur="1" fill="hold">
+                                          <p:stCondLst>
+                                            <p:cond delay="0"/>
+                                          </p:stCondLst>
+                                        </p:cTn>
+                                        <p:tgtEl>
+                                          <p:spTgt spid="10"/>
+                                        </p:tgtEl>
+                                        <p:attrNameLst>
+                                          <p:attrName>style.visibility</p:attrName>
+                                        </p:attrNameLst>
+                                      </p:cBhvr>
+                                      <p:to>
+                                        <p:strVal val="visible"/>
+                                      </p:to>
+                                    </p:set>
+                                    <p:animEffect transition="in" filter="fade">
+                                      <p:cBhvr>
+                                        <p:cTn id="26" dur="500"/>
+                                        <p:tgtEl>
+                                          <p:spTgt spid="10"/>
+                                        </p:tgtEl>
+                                      </p:cBhvr>
+                                    </p:animEffect>
+                                  </p:childTnLst>
+                                </p:cTn>
+                              </p:par>
+                            </p:childTnLst>
+                          </p:cTn>
+                        </p:par>
+                      </p:childTnLst>
+                    </p:cTn>
+                  </p:par>
+                </p:childTnLst>
+              </p:cTn>
+              <p:prevCondLst>
+                <p:cond evt="onPrev" delay="0">
+                  <p:tgtEl>
+                    <p:sldTgt/>
+                  </p:tgtEl>
+                </p:cond>
+              </p:prevCondLst>
+              <p:nextCondLst>
+                <p:cond evt="onNext" delay="0">
+                  <p:tgtEl>
+                    <p:sldTgt/>
+                  </p:tgtEl>
+                </p:cond>
+              </p:nextCondLst>
+            </p:seq>
+          </p:childTnLst>
+        </p:cTn>
+      </p:par>
+    </p:tnLst>
+    <p:bldLst>
+      <p:bldP spid="11" grpId="0"/>
+      <p:bldP spid="13" grpId="0"/>
+      <p:bldP spid="14" grpId="0"/>
+    </p:bldLst>
+  </p:timing>
+</p:sld>
+</file>
+
+<file path=ppt/slides/slide28.xml><?xml version="1.0" encoding="utf-8"?>
+<p:sld xmlns:a="http://schemas.openxmlformats.org/drawingml/2006/main" xmlns:r="http://schemas.openxmlformats.org/officeDocument/2006/relationships" xmlns:p="http://schemas.openxmlformats.org/presentationml/2006/main">
+  <p:cSld>
+    <p:bg>
+      <p:bgPr>
+        <a:gradFill>
+          <a:gsLst>
+            <a:gs pos="0">
+              <a:schemeClr val="accent1">
+                <a:lumMod val="5000"/>
+                <a:lumOff val="95000"/>
+              </a:schemeClr>
+            </a:gs>
+            <a:gs pos="100000">
+              <a:schemeClr val="accent4">
+                <a:lumMod val="75000"/>
+              </a:schemeClr>
+            </a:gs>
+            <a:gs pos="30000">
+              <a:schemeClr val="accent4"/>
+            </a:gs>
+            <a:gs pos="100000">
+              <a:schemeClr val="bg1"/>
+            </a:gs>
+          </a:gsLst>
+          <a:lin ang="5400000" scaled="1"/>
+        </a:gradFill>
+        <a:effectLst/>
+      </p:bgPr>
+    </p:bg>
+    <p:spTree>
+      <p:nvGrpSpPr>
+        <p:cNvPr id="1" name=""/>
+        <p:cNvGrpSpPr/>
+        <p:nvPr/>
+      </p:nvGrpSpPr>
+      <p:grpSpPr>
+        <a:xfrm>
+          <a:off x="0" y="0"/>
+          <a:ext cx="0" cy="0"/>
+          <a:chOff x="0" y="0"/>
+          <a:chExt cx="0" cy="0"/>
+        </a:xfrm>
+      </p:grpSpPr>
+      <p:sp>
+        <p:nvSpPr>
+          <p:cNvPr id="4" name="Espace réservé du numéro de diapositive 3"/>
+          <p:cNvSpPr>
+            <a:spLocks noGrp="1"/>
+          </p:cNvSpPr>
+          <p:nvPr>
+            <p:ph type="sldNum" sz="quarter" idx="12"/>
+          </p:nvPr>
+        </p:nvSpPr>
+        <p:spPr/>
+        <p:txBody>
+          <a:bodyPr/>
+          <a:lstStyle/>
+          <a:p>
+            <a:fld id="{C71BCE76-17DE-481D-8B88-0224F5084139}" type="slidenum">
+              <a:rPr lang="fr-FR" smtClean="0">
+                <a:solidFill>
+                  <a:schemeClr val="tx1"/>
+                </a:solidFill>
+              </a:rPr>
+              <a:t>28</a:t>
+            </a:fld>
+            <a:endParaRPr lang="fr-FR" dirty="0">
+              <a:solidFill>
+                <a:schemeClr val="tx1"/>
+              </a:solidFill>
+            </a:endParaRPr>
+          </a:p>
+        </p:txBody>
+      </p:sp>
+      <p:sp>
+        <p:nvSpPr>
+          <p:cNvPr id="12" name="ZoneTexte 11"/>
+          <p:cNvSpPr txBox="1"/>
+          <p:nvPr/>
+        </p:nvSpPr>
+        <p:spPr>
+          <a:xfrm>
+            <a:off x="230396" y="1514173"/>
+            <a:ext cx="2546403" cy="461665"/>
+          </a:xfrm>
+          <a:prstGeom prst="rect">
+            <a:avLst/>
+          </a:prstGeom>
+          <a:noFill/>
+        </p:spPr>
+        <p:txBody>
+          <a:bodyPr wrap="none" rtlCol="0">
+            <a:spAutoFit/>
+          </a:bodyPr>
+          <a:lstStyle/>
+          <a:p>
+            <a:r>
+              <a:rPr lang="fr-FR" sz="2400" dirty="0" smtClean="0"/>
+              <a:t>Avant la connexion</a:t>
+            </a:r>
+            <a:endParaRPr lang="fr-FR" sz="2800" dirty="0"/>
+          </a:p>
+        </p:txBody>
+      </p:sp>
+      <p:sp>
+        <p:nvSpPr>
+          <p:cNvPr id="8" name="ZoneTexte 7"/>
+          <p:cNvSpPr txBox="1"/>
+          <p:nvPr/>
+        </p:nvSpPr>
+        <p:spPr>
+          <a:xfrm>
+            <a:off x="229884" y="3608212"/>
+            <a:ext cx="2547429" cy="461665"/>
+          </a:xfrm>
+          <a:prstGeom prst="rect">
+            <a:avLst/>
+          </a:prstGeom>
+          <a:noFill/>
+        </p:spPr>
+        <p:txBody>
+          <a:bodyPr wrap="none" rtlCol="0">
+            <a:spAutoFit/>
+          </a:bodyPr>
+          <a:lstStyle/>
+          <a:p>
+            <a:r>
+              <a:rPr lang="fr-FR" sz="2400" dirty="0" smtClean="0"/>
+              <a:t>Après la connexion</a:t>
+            </a:r>
+            <a:endParaRPr lang="fr-FR" sz="2800" dirty="0"/>
+          </a:p>
+        </p:txBody>
+      </p:sp>
+      <p:pic>
+        <p:nvPicPr>
+          <p:cNvPr id="6" name="Image 5"/>
+          <p:cNvPicPr>
+            <a:picLocks noChangeAspect="1"/>
+          </p:cNvPicPr>
+          <p:nvPr/>
+        </p:nvPicPr>
+        <p:blipFill>
+          <a:blip r:embed="rId2"/>
+          <a:stretch>
+            <a:fillRect/>
+          </a:stretch>
+        </p:blipFill>
+        <p:spPr>
+          <a:xfrm>
+            <a:off x="2776287" y="3338981"/>
+            <a:ext cx="8210550" cy="1000125"/>
+          </a:xfrm>
+          <a:prstGeom prst="rect">
+            <a:avLst/>
+          </a:prstGeom>
+        </p:spPr>
+      </p:pic>
+      <p:pic>
+        <p:nvPicPr>
+          <p:cNvPr id="9" name="Image 8"/>
+          <p:cNvPicPr>
+            <a:picLocks noChangeAspect="1"/>
+          </p:cNvPicPr>
+          <p:nvPr/>
+        </p:nvPicPr>
+        <p:blipFill>
+          <a:blip r:embed="rId3"/>
+          <a:stretch>
+            <a:fillRect/>
+          </a:stretch>
+        </p:blipFill>
+        <p:spPr>
+          <a:xfrm>
+            <a:off x="2776287" y="1225894"/>
+            <a:ext cx="8124825" cy="1038225"/>
+          </a:xfrm>
+          <a:prstGeom prst="rect">
+            <a:avLst/>
+          </a:prstGeom>
+        </p:spPr>
+      </p:pic>
+    </p:spTree>
+    <p:extLst>
+      <p:ext uri="{BB962C8B-B14F-4D97-AF65-F5344CB8AC3E}">
+        <p14:creationId xmlns:p14="http://schemas.microsoft.com/office/powerpoint/2010/main" val="1283374007"/>
       </p:ext>
     </p:extLst>
   </p:cSld>
@@ -7985,30 +12177,6 @@
           <a:chExt cx="0" cy="0"/>
         </a:xfrm>
       </p:grpSpPr>
-      <p:pic>
-        <p:nvPicPr>
-          <p:cNvPr id="6" name="Image 5"/>
-          <p:cNvPicPr>
-            <a:picLocks noChangeAspect="1"/>
-          </p:cNvPicPr>
-          <p:nvPr/>
-        </p:nvPicPr>
-        <p:blipFill>
-          <a:blip r:embed="rId2"/>
-          <a:stretch>
-            <a:fillRect/>
-          </a:stretch>
-        </p:blipFill>
-        <p:spPr>
-          <a:xfrm>
-            <a:off x="6935788" y="0"/>
-            <a:ext cx="4797424" cy="6867706"/>
-          </a:xfrm>
-          <a:prstGeom prst="rect">
-            <a:avLst/>
-          </a:prstGeom>
-        </p:spPr>
-      </p:pic>
       <p:sp>
         <p:nvSpPr>
           <p:cNvPr id="2" name="Titre 1"/>
@@ -8026,7 +12194,7 @@
           <a:p>
             <a:r>
               <a:rPr lang="fr-FR" dirty="0" smtClean="0"/>
-              <a:t>Modification de compte</a:t>
+              <a:t>Déconnexion</a:t>
             </a:r>
             <a:endParaRPr lang="fr-FR" dirty="0"/>
           </a:p>
@@ -8050,25 +12218,61 @@
             <a:fld id="{C71BCE76-17DE-481D-8B88-0224F5084139}" type="slidenum">
               <a:rPr lang="fr-FR" smtClean="0">
                 <a:solidFill>
-                  <a:schemeClr val="bg1"/>
+                  <a:schemeClr val="tx1"/>
                 </a:solidFill>
               </a:rPr>
               <a:t>29</a:t>
             </a:fld>
             <a:endParaRPr lang="fr-FR" dirty="0">
               <a:solidFill>
-                <a:schemeClr val="bg1"/>
+                <a:schemeClr val="tx1"/>
               </a:solidFill>
             </a:endParaRPr>
           </a:p>
         </p:txBody>
       </p:sp>
+      <p:sp>
+        <p:nvSpPr>
+          <p:cNvPr id="12" name="ZoneTexte 11"/>
+          <p:cNvSpPr txBox="1"/>
+          <p:nvPr/>
+        </p:nvSpPr>
+        <p:spPr>
+          <a:xfrm>
+            <a:off x="3167206" y="2022939"/>
+            <a:ext cx="5027530" cy="461665"/>
+          </a:xfrm>
+          <a:prstGeom prst="rect">
+            <a:avLst/>
+          </a:prstGeom>
+          <a:noFill/>
+        </p:spPr>
+        <p:txBody>
+          <a:bodyPr wrap="none" rtlCol="0">
+            <a:spAutoFit/>
+          </a:bodyPr>
+          <a:lstStyle/>
+          <a:p>
+            <a:r>
+              <a:rPr lang="fr-FR" sz="2400" dirty="0" smtClean="0"/>
+              <a:t>Contrôleur « </a:t>
+            </a:r>
+            <a:r>
+              <a:rPr lang="fr-FR" sz="2400" dirty="0" err="1" smtClean="0"/>
+              <a:t>deconnexion_controller</a:t>
+            </a:r>
+            <a:r>
+              <a:rPr lang="fr-FR" sz="2400" dirty="0" smtClean="0"/>
+              <a:t> »</a:t>
+            </a:r>
+            <a:endParaRPr lang="fr-FR" sz="2800" dirty="0"/>
+          </a:p>
+        </p:txBody>
+      </p:sp>
       <p:pic>
         <p:nvPicPr>
-          <p:cNvPr id="5" name="Image 4"/>
-          <p:cNvPicPr>
-            <a:picLocks noChangeAspect="1"/>
-          </p:cNvPicPr>
+          <p:cNvPr id="13" name="Image 12"/>
+          <p:cNvPicPr/>
           <p:nvPr/>
         </p:nvPicPr>
         <p:blipFill>
@@ -8079,48 +12283,18 @@
         </p:blipFill>
         <p:spPr>
           <a:xfrm>
-            <a:off x="1035050" y="1308894"/>
-            <a:ext cx="2705100" cy="5429250"/>
+            <a:off x="2586616" y="2816855"/>
+            <a:ext cx="6188710" cy="991870"/>
           </a:xfrm>
           <a:prstGeom prst="rect">
             <a:avLst/>
           </a:prstGeom>
         </p:spPr>
       </p:pic>
-      <p:sp>
-        <p:nvSpPr>
-          <p:cNvPr id="7" name="ZoneTexte 6"/>
-          <p:cNvSpPr txBox="1"/>
-          <p:nvPr/>
-        </p:nvSpPr>
-        <p:spPr>
-          <a:xfrm>
-            <a:off x="5867276" y="4196965"/>
-            <a:ext cx="902683" cy="523220"/>
-          </a:xfrm>
-          <a:prstGeom prst="rect">
-            <a:avLst/>
-          </a:prstGeom>
-          <a:noFill/>
-        </p:spPr>
-        <p:txBody>
-          <a:bodyPr wrap="none" rtlCol="0">
-            <a:spAutoFit/>
-          </a:bodyPr>
-          <a:lstStyle/>
-          <a:p>
-            <a:r>
-              <a:rPr lang="fr-FR" sz="2800" dirty="0" err="1" smtClean="0"/>
-              <a:t>View</a:t>
-            </a:r>
-            <a:endParaRPr lang="fr-FR" dirty="0"/>
-          </a:p>
-        </p:txBody>
-      </p:sp>
     </p:spTree>
     <p:extLst>
       <p:ext uri="{BB962C8B-B14F-4D97-AF65-F5344CB8AC3E}">
-        <p14:creationId xmlns:p14="http://schemas.microsoft.com/office/powerpoint/2010/main" val="3199918637"/>
+        <p14:creationId xmlns:p14="http://schemas.microsoft.com/office/powerpoint/2010/main" val="4012334322"/>
       </p:ext>
     </p:extLst>
   </p:cSld>
@@ -8233,7 +12407,7 @@
           <p:nvPr/>
         </p:nvPicPr>
         <p:blipFill>
-          <a:blip r:embed="rId2">
+          <a:blip r:embed="rId3">
             <a:extLst>
               <a:ext uri="{28A0092B-C50C-407E-A947-70E740481C1C}">
                 <a14:useLocalDpi xmlns:a14="http://schemas.microsoft.com/office/drawing/2010/main" val="0"/>
@@ -8274,7 +12448,7 @@
           <p:nvPr/>
         </p:nvPicPr>
         <p:blipFill>
-          <a:blip r:embed="rId3" cstate="print">
+          <a:blip r:embed="rId4" cstate="print">
             <a:extLst>
               <a:ext uri="{28A0092B-C50C-407E-A947-70E740481C1C}">
                 <a14:useLocalDpi xmlns:a14="http://schemas.microsoft.com/office/drawing/2010/main" val="0"/>
@@ -8384,6 +12558,34 @@
       </p:grpSpPr>
       <p:sp>
         <p:nvSpPr>
+          <p:cNvPr id="2" name="Titre 1"/>
+          <p:cNvSpPr>
+            <a:spLocks noGrp="1"/>
+          </p:cNvSpPr>
+          <p:nvPr>
+            <p:ph type="title"/>
+          </p:nvPr>
+        </p:nvSpPr>
+        <p:spPr>
+          <a:xfrm>
+            <a:off x="439439" y="364240"/>
+            <a:ext cx="10515600" cy="1325563"/>
+          </a:xfrm>
+        </p:spPr>
+        <p:txBody>
+          <a:bodyPr/>
+          <a:lstStyle/>
+          <a:p>
+            <a:r>
+              <a:rPr lang="fr-FR" dirty="0" smtClean="0"/>
+              <a:t>Modification de compte</a:t>
+            </a:r>
+            <a:endParaRPr lang="fr-FR" dirty="0"/>
+          </a:p>
+        </p:txBody>
+      </p:sp>
+      <p:sp>
+        <p:nvSpPr>
           <p:cNvPr id="4" name="Espace réservé du numéro de diapositive 3"/>
           <p:cNvSpPr>
             <a:spLocks noGrp="1"/>
@@ -8392,7 +12594,12 @@
             <p:ph type="sldNum" sz="quarter" idx="12"/>
           </p:nvPr>
         </p:nvSpPr>
-        <p:spPr/>
+        <p:spPr>
+          <a:xfrm>
+            <a:off x="8664892" y="6420388"/>
+            <a:ext cx="2743200" cy="365125"/>
+          </a:xfrm>
+        </p:spPr>
         <p:txBody>
           <a:bodyPr/>
           <a:lstStyle/>
@@ -8415,14 +12622,14 @@
       </p:sp>
       <p:sp>
         <p:nvSpPr>
-          <p:cNvPr id="6" name="ZoneTexte 5"/>
+          <p:cNvPr id="10" name="ZoneTexte 9"/>
           <p:cNvSpPr txBox="1"/>
           <p:nvPr/>
         </p:nvSpPr>
         <p:spPr>
           <a:xfrm>
-            <a:off x="355600" y="2921000"/>
-            <a:ext cx="2292102" cy="646331"/>
+            <a:off x="1087842" y="2763802"/>
+            <a:ext cx="4482695" cy="1200329"/>
           </a:xfrm>
           <a:prstGeom prst="rect">
             <a:avLst/>
@@ -8430,25 +12637,23 @@
           <a:noFill/>
         </p:spPr>
         <p:txBody>
-          <a:bodyPr wrap="none" rtlCol="0">
+          <a:bodyPr wrap="square" rtlCol="0">
             <a:spAutoFit/>
           </a:bodyPr>
           <a:lstStyle/>
           <a:p>
             <a:r>
-              <a:rPr lang="fr-FR" sz="3600" dirty="0" smtClean="0"/>
-              <a:t>Controller :</a:t>
-            </a:r>
-            <a:endParaRPr lang="fr-FR" dirty="0"/>
+              <a:rPr lang="fr-FR" sz="2400" dirty="0" smtClean="0"/>
+              <a:t>Vérification présence session et récupération des infos du compte dans le contrôleur</a:t>
+            </a:r>
+            <a:endParaRPr lang="fr-FR" sz="2400" dirty="0"/>
           </a:p>
         </p:txBody>
       </p:sp>
       <p:pic>
         <p:nvPicPr>
-          <p:cNvPr id="7" name="Image 6"/>
-          <p:cNvPicPr>
-            <a:picLocks noChangeAspect="1"/>
-          </p:cNvPicPr>
+          <p:cNvPr id="8" name="Image 7"/>
+          <p:cNvPicPr/>
           <p:nvPr/>
         </p:nvPicPr>
         <p:blipFill>
@@ -8459,18 +12664,122 @@
         </p:blipFill>
         <p:spPr>
           <a:xfrm>
-            <a:off x="3863974" y="416170"/>
-            <a:ext cx="6334125" cy="5649668"/>
+            <a:off x="5570537" y="2497510"/>
+            <a:ext cx="6080125" cy="1732915"/>
           </a:xfrm>
           <a:prstGeom prst="rect">
             <a:avLst/>
           </a:prstGeom>
         </p:spPr>
       </p:pic>
+      <p:pic>
+        <p:nvPicPr>
+          <p:cNvPr id="11" name="Image 10"/>
+          <p:cNvPicPr/>
+          <p:nvPr/>
+        </p:nvPicPr>
+        <p:blipFill>
+          <a:blip r:embed="rId3"/>
+          <a:stretch>
+            <a:fillRect/>
+          </a:stretch>
+        </p:blipFill>
+        <p:spPr>
+          <a:xfrm>
+            <a:off x="5570537" y="4361083"/>
+            <a:ext cx="6188710" cy="2021840"/>
+          </a:xfrm>
+          <a:prstGeom prst="rect">
+            <a:avLst/>
+          </a:prstGeom>
+        </p:spPr>
+      </p:pic>
+      <p:pic>
+        <p:nvPicPr>
+          <p:cNvPr id="12" name="Image 11"/>
+          <p:cNvPicPr/>
+          <p:nvPr/>
+        </p:nvPicPr>
+        <p:blipFill>
+          <a:blip r:embed="rId4"/>
+          <a:stretch>
+            <a:fillRect/>
+          </a:stretch>
+        </p:blipFill>
+        <p:spPr>
+          <a:xfrm>
+            <a:off x="5976173" y="953342"/>
+            <a:ext cx="2785110" cy="1413510"/>
+          </a:xfrm>
+          <a:prstGeom prst="rect">
+            <a:avLst/>
+          </a:prstGeom>
+        </p:spPr>
+      </p:pic>
+      <p:sp>
+        <p:nvSpPr>
+          <p:cNvPr id="13" name="ZoneTexte 12"/>
+          <p:cNvSpPr txBox="1"/>
+          <p:nvPr/>
+        </p:nvSpPr>
+        <p:spPr>
+          <a:xfrm>
+            <a:off x="1087842" y="4771838"/>
+            <a:ext cx="4251720" cy="1200329"/>
+          </a:xfrm>
+          <a:prstGeom prst="rect">
+            <a:avLst/>
+          </a:prstGeom>
+          <a:noFill/>
+        </p:spPr>
+        <p:txBody>
+          <a:bodyPr wrap="square" rtlCol="0">
+            <a:spAutoFit/>
+          </a:bodyPr>
+          <a:lstStyle/>
+          <a:p>
+            <a:r>
+              <a:rPr lang="fr-FR" sz="2400" dirty="0" smtClean="0"/>
+              <a:t>Affichage des informations du compte avec les boutons de modification dans le contrôleur</a:t>
+            </a:r>
+            <a:endParaRPr lang="fr-FR" sz="2400" dirty="0"/>
+          </a:p>
+        </p:txBody>
+      </p:sp>
+      <p:sp>
+        <p:nvSpPr>
+          <p:cNvPr id="14" name="ZoneTexte 13"/>
+          <p:cNvSpPr txBox="1"/>
+          <p:nvPr/>
+        </p:nvSpPr>
+        <p:spPr>
+          <a:xfrm>
+            <a:off x="1087842" y="1401675"/>
+            <a:ext cx="4325139" cy="830997"/>
+          </a:xfrm>
+          <a:prstGeom prst="rect">
+            <a:avLst/>
+          </a:prstGeom>
+          <a:noFill/>
+        </p:spPr>
+        <p:txBody>
+          <a:bodyPr wrap="square" rtlCol="0">
+            <a:spAutoFit/>
+          </a:bodyPr>
+          <a:lstStyle/>
+          <a:p>
+            <a:r>
+              <a:rPr lang="fr-FR" sz="2400" dirty="0" smtClean="0"/>
+              <a:t>Une modale de modification avec le formulaire</a:t>
+            </a:r>
+            <a:endParaRPr lang="fr-FR" sz="2400" dirty="0"/>
+          </a:p>
+        </p:txBody>
+      </p:sp>
     </p:spTree>
     <p:extLst>
       <p:ext uri="{BB962C8B-B14F-4D97-AF65-F5344CB8AC3E}">
-        <p14:creationId xmlns:p14="http://schemas.microsoft.com/office/powerpoint/2010/main" val="1211003087"/>
+        <p14:creationId xmlns:p14="http://schemas.microsoft.com/office/powerpoint/2010/main" val="3561779285"/>
       </p:ext>
     </p:extLst>
   </p:cSld>
@@ -8492,9 +12801,301 @@
   <p:timing>
     <p:tnLst>
       <p:par>
-        <p:cTn id="1" dur="indefinite" restart="never" nodeType="tmRoot"/>
+        <p:cTn id="1" dur="indefinite" restart="never" nodeType="tmRoot">
+          <p:childTnLst>
+            <p:seq concurrent="1" nextAc="seek">
+              <p:cTn id="2" dur="indefinite" nodeType="mainSeq">
+                <p:childTnLst>
+                  <p:par>
+                    <p:cTn id="3" fill="hold">
+                      <p:stCondLst>
+                        <p:cond delay="indefinite"/>
+                      </p:stCondLst>
+                      <p:childTnLst>
+                        <p:par>
+                          <p:cTn id="4" fill="hold">
+                            <p:stCondLst>
+                              <p:cond delay="0"/>
+                            </p:stCondLst>
+                            <p:childTnLst>
+                              <p:par>
+                                <p:cTn id="5" presetID="10" presetClass="entr" presetSubtype="0" fill="hold" grpId="0" nodeType="clickEffect">
+                                  <p:stCondLst>
+                                    <p:cond delay="0"/>
+                                  </p:stCondLst>
+                                  <p:childTnLst>
+                                    <p:set>
+                                      <p:cBhvr>
+                                        <p:cTn id="6" dur="1" fill="hold">
+                                          <p:stCondLst>
+                                            <p:cond delay="0"/>
+                                          </p:stCondLst>
+                                        </p:cTn>
+                                        <p:tgtEl>
+                                          <p:spTgt spid="14"/>
+                                        </p:tgtEl>
+                                        <p:attrNameLst>
+                                          <p:attrName>style.visibility</p:attrName>
+                                        </p:attrNameLst>
+                                      </p:cBhvr>
+                                      <p:to>
+                                        <p:strVal val="visible"/>
+                                      </p:to>
+                                    </p:set>
+                                    <p:animEffect transition="in" filter="fade">
+                                      <p:cBhvr>
+                                        <p:cTn id="7" dur="500"/>
+                                        <p:tgtEl>
+                                          <p:spTgt spid="14"/>
+                                        </p:tgtEl>
+                                      </p:cBhvr>
+                                    </p:animEffect>
+                                  </p:childTnLst>
+                                </p:cTn>
+                              </p:par>
+                              <p:par>
+                                <p:cTn id="8" presetID="10" presetClass="entr" presetSubtype="0" fill="hold" nodeType="withEffect">
+                                  <p:stCondLst>
+                                    <p:cond delay="0"/>
+                                  </p:stCondLst>
+                                  <p:childTnLst>
+                                    <p:set>
+                                      <p:cBhvr>
+                                        <p:cTn id="9" dur="1" fill="hold">
+                                          <p:stCondLst>
+                                            <p:cond delay="0"/>
+                                          </p:stCondLst>
+                                        </p:cTn>
+                                        <p:tgtEl>
+                                          <p:spTgt spid="12"/>
+                                        </p:tgtEl>
+                                        <p:attrNameLst>
+                                          <p:attrName>style.visibility</p:attrName>
+                                        </p:attrNameLst>
+                                      </p:cBhvr>
+                                      <p:to>
+                                        <p:strVal val="visible"/>
+                                      </p:to>
+                                    </p:set>
+                                    <p:animEffect transition="in" filter="fade">
+                                      <p:cBhvr>
+                                        <p:cTn id="10" dur="500"/>
+                                        <p:tgtEl>
+                                          <p:spTgt spid="12"/>
+                                        </p:tgtEl>
+                                      </p:cBhvr>
+                                    </p:animEffect>
+                                  </p:childTnLst>
+                                </p:cTn>
+                              </p:par>
+                            </p:childTnLst>
+                          </p:cTn>
+                        </p:par>
+                      </p:childTnLst>
+                    </p:cTn>
+                  </p:par>
+                  <p:par>
+                    <p:cTn id="11" fill="hold">
+                      <p:stCondLst>
+                        <p:cond delay="indefinite"/>
+                      </p:stCondLst>
+                      <p:childTnLst>
+                        <p:par>
+                          <p:cTn id="12" fill="hold">
+                            <p:stCondLst>
+                              <p:cond delay="0"/>
+                            </p:stCondLst>
+                            <p:childTnLst>
+                              <p:par>
+                                <p:cTn id="13" presetID="10" presetClass="entr" presetSubtype="0" fill="hold" grpId="0" nodeType="clickEffect">
+                                  <p:stCondLst>
+                                    <p:cond delay="0"/>
+                                  </p:stCondLst>
+                                  <p:childTnLst>
+                                    <p:set>
+                                      <p:cBhvr>
+                                        <p:cTn id="14" dur="1" fill="hold">
+                                          <p:stCondLst>
+                                            <p:cond delay="0"/>
+                                          </p:stCondLst>
+                                        </p:cTn>
+                                        <p:tgtEl>
+                                          <p:spTgt spid="10"/>
+                                        </p:tgtEl>
+                                        <p:attrNameLst>
+                                          <p:attrName>style.visibility</p:attrName>
+                                        </p:attrNameLst>
+                                      </p:cBhvr>
+                                      <p:to>
+                                        <p:strVal val="visible"/>
+                                      </p:to>
+                                    </p:set>
+                                    <p:animEffect transition="in" filter="fade">
+                                      <p:cBhvr>
+                                        <p:cTn id="15" dur="500"/>
+                                        <p:tgtEl>
+                                          <p:spTgt spid="10"/>
+                                        </p:tgtEl>
+                                      </p:cBhvr>
+                                    </p:animEffect>
+                                  </p:childTnLst>
+                                </p:cTn>
+                              </p:par>
+                              <p:par>
+                                <p:cTn id="16" presetID="10" presetClass="entr" presetSubtype="0" fill="hold" nodeType="withEffect">
+                                  <p:stCondLst>
+                                    <p:cond delay="0"/>
+                                  </p:stCondLst>
+                                  <p:childTnLst>
+                                    <p:set>
+                                      <p:cBhvr>
+                                        <p:cTn id="17" dur="1" fill="hold">
+                                          <p:stCondLst>
+                                            <p:cond delay="0"/>
+                                          </p:stCondLst>
+                                        </p:cTn>
+                                        <p:tgtEl>
+                                          <p:spTgt spid="8"/>
+                                        </p:tgtEl>
+                                        <p:attrNameLst>
+                                          <p:attrName>style.visibility</p:attrName>
+                                        </p:attrNameLst>
+                                      </p:cBhvr>
+                                      <p:to>
+                                        <p:strVal val="visible"/>
+                                      </p:to>
+                                    </p:set>
+                                    <p:animEffect transition="in" filter="fade">
+                                      <p:cBhvr>
+                                        <p:cTn id="18" dur="500"/>
+                                        <p:tgtEl>
+                                          <p:spTgt spid="8"/>
+                                        </p:tgtEl>
+                                      </p:cBhvr>
+                                    </p:animEffect>
+                                  </p:childTnLst>
+                                </p:cTn>
+                              </p:par>
+                            </p:childTnLst>
+                          </p:cTn>
+                        </p:par>
+                      </p:childTnLst>
+                    </p:cTn>
+                  </p:par>
+                  <p:par>
+                    <p:cTn id="19" fill="hold">
+                      <p:stCondLst>
+                        <p:cond delay="indefinite"/>
+                      </p:stCondLst>
+                      <p:childTnLst>
+                        <p:par>
+                          <p:cTn id="20" fill="hold">
+                            <p:stCondLst>
+                              <p:cond delay="0"/>
+                            </p:stCondLst>
+                            <p:childTnLst>
+                              <p:par>
+                                <p:cTn id="21" presetID="10" presetClass="entr" presetSubtype="0" fill="hold" grpId="0" nodeType="clickEffect">
+                                  <p:stCondLst>
+                                    <p:cond delay="0"/>
+                                  </p:stCondLst>
+                                  <p:childTnLst>
+                                    <p:set>
+                                      <p:cBhvr>
+                                        <p:cTn id="22" dur="1" fill="hold">
+                                          <p:stCondLst>
+                                            <p:cond delay="0"/>
+                                          </p:stCondLst>
+                                        </p:cTn>
+                                        <p:tgtEl>
+                                          <p:spTgt spid="13"/>
+                                        </p:tgtEl>
+                                        <p:attrNameLst>
+                                          <p:attrName>style.visibility</p:attrName>
+                                        </p:attrNameLst>
+                                      </p:cBhvr>
+                                      <p:to>
+                                        <p:strVal val="visible"/>
+                                      </p:to>
+                                    </p:set>
+                                    <p:animEffect transition="in" filter="fade">
+                                      <p:cBhvr>
+                                        <p:cTn id="23" dur="500"/>
+                                        <p:tgtEl>
+                                          <p:spTgt spid="13"/>
+                                        </p:tgtEl>
+                                      </p:cBhvr>
+                                    </p:animEffect>
+                                  </p:childTnLst>
+                                </p:cTn>
+                              </p:par>
+                              <p:par>
+                                <p:cTn id="24" presetID="10" presetClass="entr" presetSubtype="0" fill="hold" nodeType="withEffect">
+                                  <p:stCondLst>
+                                    <p:cond delay="0"/>
+                                  </p:stCondLst>
+                                  <p:childTnLst>
+                                    <p:set>
+                                      <p:cBhvr>
+                                        <p:cTn id="25" dur="1" fill="hold">
+                                          <p:stCondLst>
+                                            <p:cond delay="0"/>
+                                          </p:stCondLst>
+                                        </p:cTn>
+                                        <p:tgtEl>
+                                          <p:spTgt spid="11"/>
+                                        </p:tgtEl>
+                                        <p:attrNameLst>
+                                          <p:attrName>style.visibility</p:attrName>
+                                        </p:attrNameLst>
+                                      </p:cBhvr>
+                                      <p:to>
+                                        <p:strVal val="visible"/>
+                                      </p:to>
+                                    </p:set>
+                                    <p:animEffect transition="in" filter="fade">
+                                      <p:cBhvr>
+                                        <p:cTn id="26" dur="500"/>
+                                        <p:tgtEl>
+                                          <p:spTgt spid="11"/>
+                                        </p:tgtEl>
+                                      </p:cBhvr>
+                                    </p:animEffect>
+                                  </p:childTnLst>
+                                </p:cTn>
+                              </p:par>
+                            </p:childTnLst>
+                          </p:cTn>
+                        </p:par>
+                      </p:childTnLst>
+                    </p:cTn>
+                  </p:par>
+                </p:childTnLst>
+              </p:cTn>
+              <p:prevCondLst>
+                <p:cond evt="onPrev" delay="0">
+                  <p:tgtEl>
+                    <p:sldTgt/>
+                  </p:tgtEl>
+                </p:cond>
+              </p:prevCondLst>
+              <p:nextCondLst>
+                <p:cond evt="onNext" delay="0">
+                  <p:tgtEl>
+                    <p:sldTgt/>
+                  </p:tgtEl>
+                </p:cond>
+              </p:nextCondLst>
+            </p:seq>
+          </p:childTnLst>
+        </p:cTn>
       </p:par>
     </p:tnLst>
+    <p:bldLst>
+      <p:bldP spid="10" grpId="0"/>
+      <p:bldP spid="13" grpId="0"/>
+      <p:bldP spid="14" grpId="0"/>
+    </p:bldLst>
   </p:timing>
 </p:sld>
 </file>
@@ -8543,30 +13144,6 @@
           <a:chExt cx="0" cy="0"/>
         </a:xfrm>
       </p:grpSpPr>
-      <p:pic>
-        <p:nvPicPr>
-          <p:cNvPr id="2" name="Image 1"/>
-          <p:cNvPicPr>
-            <a:picLocks noChangeAspect="1"/>
-          </p:cNvPicPr>
-          <p:nvPr/>
-        </p:nvPicPr>
-        <p:blipFill>
-          <a:blip r:embed="rId2"/>
-          <a:stretch>
-            <a:fillRect/>
-          </a:stretch>
-        </p:blipFill>
-        <p:spPr>
-          <a:xfrm>
-            <a:off x="7785100" y="46624"/>
-            <a:ext cx="4191000" cy="6811376"/>
-          </a:xfrm>
-          <a:prstGeom prst="rect">
-            <a:avLst/>
-          </a:prstGeom>
-        </p:spPr>
-      </p:pic>
       <p:sp>
         <p:nvSpPr>
           <p:cNvPr id="4" name="Espace réservé du numéro de diapositive 3"/>
@@ -8585,14 +13162,14 @@
             <a:fld id="{C71BCE76-17DE-481D-8B88-0224F5084139}" type="slidenum">
               <a:rPr lang="fr-FR" smtClean="0">
                 <a:solidFill>
-                  <a:schemeClr val="bg1"/>
+                  <a:schemeClr val="tx1"/>
                 </a:solidFill>
               </a:rPr>
               <a:t>31</a:t>
             </a:fld>
             <a:endParaRPr lang="fr-FR" dirty="0">
               <a:solidFill>
-                <a:schemeClr val="bg1"/>
+                <a:schemeClr val="tx1"/>
               </a:solidFill>
             </a:endParaRPr>
           </a:p>
@@ -8600,14 +13177,14 @@
       </p:sp>
       <p:sp>
         <p:nvSpPr>
-          <p:cNvPr id="6" name="ZoneTexte 5"/>
+          <p:cNvPr id="5" name="ZoneTexte 4"/>
           <p:cNvSpPr txBox="1"/>
           <p:nvPr/>
         </p:nvSpPr>
         <p:spPr>
           <a:xfrm>
-            <a:off x="2717800" y="723900"/>
-            <a:ext cx="2292102" cy="646331"/>
+            <a:off x="1314773" y="1331085"/>
+            <a:ext cx="4482695" cy="830997"/>
           </a:xfrm>
           <a:prstGeom prst="rect">
             <a:avLst/>
@@ -8615,25 +13192,23 @@
           <a:noFill/>
         </p:spPr>
         <p:txBody>
-          <a:bodyPr wrap="none" rtlCol="0">
+          <a:bodyPr wrap="square" rtlCol="0">
             <a:spAutoFit/>
           </a:bodyPr>
           <a:lstStyle/>
           <a:p>
             <a:r>
-              <a:rPr lang="fr-FR" sz="3600" dirty="0" smtClean="0"/>
-              <a:t>Controller :</a:t>
-            </a:r>
-            <a:endParaRPr lang="fr-FR" dirty="0"/>
+              <a:rPr lang="fr-FR" sz="2400" dirty="0" smtClean="0"/>
+              <a:t>Étapes de la modification du mot de passe dans le contrôleur </a:t>
+            </a:r>
+            <a:endParaRPr lang="fr-FR" sz="2400" dirty="0"/>
           </a:p>
         </p:txBody>
       </p:sp>
       <p:pic>
         <p:nvPicPr>
-          <p:cNvPr id="7" name="Image 6"/>
-          <p:cNvPicPr>
-            <a:picLocks noChangeAspect="1"/>
-          </p:cNvPicPr>
+          <p:cNvPr id="8" name="Image 7"/>
+          <p:cNvPicPr/>
           <p:nvPr/>
         </p:nvPicPr>
         <p:blipFill>
@@ -8644,18 +13219,94 @@
         </p:blipFill>
         <p:spPr>
           <a:xfrm>
-            <a:off x="436562" y="1880687"/>
-            <a:ext cx="7153275" cy="3143250"/>
+            <a:off x="6108819" y="209338"/>
+            <a:ext cx="5244981" cy="3074493"/>
           </a:xfrm>
           <a:prstGeom prst="rect">
             <a:avLst/>
           </a:prstGeom>
         </p:spPr>
       </p:pic>
+      <p:pic>
+        <p:nvPicPr>
+          <p:cNvPr id="9" name="Image 8"/>
+          <p:cNvPicPr/>
+          <p:nvPr/>
+        </p:nvPicPr>
+        <p:blipFill>
+          <a:blip r:embed="rId4"/>
+          <a:stretch>
+            <a:fillRect/>
+          </a:stretch>
+        </p:blipFill>
+        <p:spPr>
+          <a:xfrm>
+            <a:off x="6875307" y="3357250"/>
+            <a:ext cx="3712003" cy="3364225"/>
+          </a:xfrm>
+          <a:prstGeom prst="rect">
+            <a:avLst/>
+          </a:prstGeom>
+        </p:spPr>
+      </p:pic>
+      <p:sp>
+        <p:nvSpPr>
+          <p:cNvPr id="10" name="ZoneTexte 9"/>
+          <p:cNvSpPr txBox="1"/>
+          <p:nvPr/>
+        </p:nvSpPr>
+        <p:spPr>
+          <a:xfrm>
+            <a:off x="1314773" y="4439197"/>
+            <a:ext cx="4482695" cy="1200329"/>
+          </a:xfrm>
+          <a:prstGeom prst="rect">
+            <a:avLst/>
+          </a:prstGeom>
+          <a:noFill/>
+        </p:spPr>
+        <p:txBody>
+          <a:bodyPr wrap="square" rtlCol="0">
+            <a:spAutoFit/>
+          </a:bodyPr>
+          <a:lstStyle/>
+          <a:p>
+            <a:r>
+              <a:rPr lang="fr-FR" sz="2400" dirty="0" smtClean="0"/>
+              <a:t>Fonction « </a:t>
+            </a:r>
+            <a:r>
+              <a:rPr lang="fr-FR" sz="2400" dirty="0" err="1" smtClean="0"/>
+              <a:t>updateUser</a:t>
+            </a:r>
+            <a:r>
+              <a:rPr lang="fr-FR" sz="2400" dirty="0" smtClean="0"/>
+              <a:t> » de la classe user présente dans le modèle «</a:t>
+            </a:r>
+            <a:r>
+              <a:rPr lang="fr-FR" sz="2400" dirty="0"/>
+              <a:t>  </a:t>
+            </a:r>
+            <a:r>
+              <a:rPr lang="fr-FR" sz="2400" dirty="0" err="1"/>
+              <a:t>Utilisateur_model</a:t>
+            </a:r>
+            <a:r>
+              <a:rPr lang="fr-FR" sz="2400" dirty="0"/>
+              <a:t> </a:t>
+            </a:r>
+            <a:r>
+              <a:rPr lang="fr-FR" sz="2400" dirty="0" smtClean="0"/>
+              <a:t> »</a:t>
+            </a:r>
+            <a:endParaRPr lang="fr-FR" sz="2400" dirty="0"/>
+          </a:p>
+        </p:txBody>
+      </p:sp>
     </p:spTree>
     <p:extLst>
       <p:ext uri="{BB962C8B-B14F-4D97-AF65-F5344CB8AC3E}">
-        <p14:creationId xmlns:p14="http://schemas.microsoft.com/office/powerpoint/2010/main" val="323307849"/>
+        <p14:creationId xmlns:p14="http://schemas.microsoft.com/office/powerpoint/2010/main" val="1211003087"/>
       </p:ext>
     </p:extLst>
   </p:cSld>
@@ -8677,9 +13328,212 @@
   <p:timing>
     <p:tnLst>
       <p:par>
-        <p:cTn id="1" dur="indefinite" restart="never" nodeType="tmRoot"/>
+        <p:cTn id="1" dur="indefinite" restart="never" nodeType="tmRoot">
+          <p:childTnLst>
+            <p:seq concurrent="1" nextAc="seek">
+              <p:cTn id="2" dur="indefinite" nodeType="mainSeq">
+                <p:childTnLst>
+                  <p:par>
+                    <p:cTn id="3" fill="hold">
+                      <p:stCondLst>
+                        <p:cond delay="indefinite"/>
+                      </p:stCondLst>
+                      <p:childTnLst>
+                        <p:par>
+                          <p:cTn id="4" fill="hold">
+                            <p:stCondLst>
+                              <p:cond delay="0"/>
+                            </p:stCondLst>
+                            <p:childTnLst>
+                              <p:par>
+                                <p:cTn id="5" presetID="10" presetClass="entr" presetSubtype="0" fill="hold" grpId="0" nodeType="clickEffect">
+                                  <p:stCondLst>
+                                    <p:cond delay="0"/>
+                                  </p:stCondLst>
+                                  <p:childTnLst>
+                                    <p:set>
+                                      <p:cBhvr>
+                                        <p:cTn id="6" dur="1" fill="hold">
+                                          <p:stCondLst>
+                                            <p:cond delay="0"/>
+                                          </p:stCondLst>
+                                        </p:cTn>
+                                        <p:tgtEl>
+                                          <p:spTgt spid="5"/>
+                                        </p:tgtEl>
+                                        <p:attrNameLst>
+                                          <p:attrName>style.visibility</p:attrName>
+                                        </p:attrNameLst>
+                                      </p:cBhvr>
+                                      <p:to>
+                                        <p:strVal val="visible"/>
+                                      </p:to>
+                                    </p:set>
+                                    <p:animEffect transition="in" filter="fade">
+                                      <p:cBhvr>
+                                        <p:cTn id="7" dur="500"/>
+                                        <p:tgtEl>
+                                          <p:spTgt spid="5"/>
+                                        </p:tgtEl>
+                                      </p:cBhvr>
+                                    </p:animEffect>
+                                  </p:childTnLst>
+                                </p:cTn>
+                              </p:par>
+                              <p:par>
+                                <p:cTn id="8" presetID="10" presetClass="entr" presetSubtype="0" fill="hold" nodeType="withEffect">
+                                  <p:stCondLst>
+                                    <p:cond delay="0"/>
+                                  </p:stCondLst>
+                                  <p:childTnLst>
+                                    <p:set>
+                                      <p:cBhvr>
+                                        <p:cTn id="9" dur="1" fill="hold">
+                                          <p:stCondLst>
+                                            <p:cond delay="0"/>
+                                          </p:stCondLst>
+                                        </p:cTn>
+                                        <p:tgtEl>
+                                          <p:spTgt spid="8"/>
+                                        </p:tgtEl>
+                                        <p:attrNameLst>
+                                          <p:attrName>style.visibility</p:attrName>
+                                        </p:attrNameLst>
+                                      </p:cBhvr>
+                                      <p:to>
+                                        <p:strVal val="visible"/>
+                                      </p:to>
+                                    </p:set>
+                                    <p:animEffect transition="in" filter="fade">
+                                      <p:cBhvr>
+                                        <p:cTn id="10" dur="500"/>
+                                        <p:tgtEl>
+                                          <p:spTgt spid="8"/>
+                                        </p:tgtEl>
+                                      </p:cBhvr>
+                                    </p:animEffect>
+                                  </p:childTnLst>
+                                </p:cTn>
+                              </p:par>
+                            </p:childTnLst>
+                          </p:cTn>
+                        </p:par>
+                      </p:childTnLst>
+                    </p:cTn>
+                  </p:par>
+                  <p:par>
+                    <p:cTn id="11" fill="hold">
+                      <p:stCondLst>
+                        <p:cond delay="indefinite"/>
+                      </p:stCondLst>
+                      <p:childTnLst>
+                        <p:par>
+                          <p:cTn id="12" fill="hold">
+                            <p:stCondLst>
+                              <p:cond delay="0"/>
+                            </p:stCondLst>
+                            <p:childTnLst>
+                              <p:par>
+                                <p:cTn id="13" presetID="10" presetClass="entr" presetSubtype="0" fill="hold" grpId="0" nodeType="clickEffect">
+                                  <p:stCondLst>
+                                    <p:cond delay="0"/>
+                                  </p:stCondLst>
+                                  <p:childTnLst>
+                                    <p:set>
+                                      <p:cBhvr>
+                                        <p:cTn id="14" dur="1" fill="hold">
+                                          <p:stCondLst>
+                                            <p:cond delay="0"/>
+                                          </p:stCondLst>
+                                        </p:cTn>
+                                        <p:tgtEl>
+                                          <p:spTgt spid="10"/>
+                                        </p:tgtEl>
+                                        <p:attrNameLst>
+                                          <p:attrName>style.visibility</p:attrName>
+                                        </p:attrNameLst>
+                                      </p:cBhvr>
+                                      <p:to>
+                                        <p:strVal val="visible"/>
+                                      </p:to>
+                                    </p:set>
+                                    <p:animEffect transition="in" filter="fade">
+                                      <p:cBhvr>
+                                        <p:cTn id="15" dur="500"/>
+                                        <p:tgtEl>
+                                          <p:spTgt spid="10"/>
+                                        </p:tgtEl>
+                                      </p:cBhvr>
+                                    </p:animEffect>
+                                  </p:childTnLst>
+                                </p:cTn>
+                              </p:par>
+                              <p:par>
+                                <p:cTn id="16" presetID="10" presetClass="entr" presetSubtype="0" fill="hold" nodeType="withEffect">
+                                  <p:stCondLst>
+                                    <p:cond delay="0"/>
+                                  </p:stCondLst>
+                                  <p:childTnLst>
+                                    <p:set>
+                                      <p:cBhvr>
+                                        <p:cTn id="17" dur="1" fill="hold">
+                                          <p:stCondLst>
+                                            <p:cond delay="0"/>
+                                          </p:stCondLst>
+                                        </p:cTn>
+                                        <p:tgtEl>
+                                          <p:spTgt spid="9"/>
+                                        </p:tgtEl>
+                                        <p:attrNameLst>
+                                          <p:attrName>style.visibility</p:attrName>
+                                        </p:attrNameLst>
+                                      </p:cBhvr>
+                                      <p:to>
+                                        <p:strVal val="visible"/>
+                                      </p:to>
+                                    </p:set>
+                                    <p:animEffect transition="in" filter="fade">
+                                      <p:cBhvr>
+                                        <p:cTn id="18" dur="500"/>
+                                        <p:tgtEl>
+                                          <p:spTgt spid="9"/>
+                                        </p:tgtEl>
+                                      </p:cBhvr>
+                                    </p:animEffect>
+                                  </p:childTnLst>
+                                </p:cTn>
+                              </p:par>
+                            </p:childTnLst>
+                          </p:cTn>
+                        </p:par>
+                      </p:childTnLst>
+                    </p:cTn>
+                  </p:par>
+                </p:childTnLst>
+              </p:cTn>
+              <p:prevCondLst>
+                <p:cond evt="onPrev" delay="0">
+                  <p:tgtEl>
+                    <p:sldTgt/>
+                  </p:tgtEl>
+                </p:cond>
+              </p:prevCondLst>
+              <p:nextCondLst>
+                <p:cond evt="onNext" delay="0">
+                  <p:tgtEl>
+                    <p:sldTgt/>
+                  </p:tgtEl>
+                </p:cond>
+              </p:nextCondLst>
+            </p:seq>
+          </p:childTnLst>
+        </p:cTn>
       </p:par>
     </p:tnLst>
+    <p:bldLst>
+      <p:bldP spid="5" grpId="0"/>
+      <p:bldP spid="10" grpId="0"/>
+    </p:bldLst>
   </p:timing>
 </p:sld>
 </file>
@@ -8745,7 +13599,7 @@
           <a:p>
             <a:r>
               <a:rPr lang="fr-FR" dirty="0" smtClean="0"/>
-              <a:t>À venir</a:t>
+              <a:t>Suppression de compte</a:t>
             </a:r>
             <a:endParaRPr lang="fr-FR" dirty="0"/>
           </a:p>
@@ -8753,47 +13607,6 @@
       </p:sp>
       <p:sp>
         <p:nvSpPr>
-          <p:cNvPr id="3" name="Espace réservé du contenu 2"/>
-          <p:cNvSpPr>
-            <a:spLocks noGrp="1"/>
-          </p:cNvSpPr>
-          <p:nvPr>
-            <p:ph idx="1"/>
-          </p:nvPr>
-        </p:nvSpPr>
-        <p:spPr/>
-        <p:txBody>
-          <a:bodyPr/>
-          <a:lstStyle/>
-          <a:p>
-            <a:r>
-              <a:rPr lang="fr-FR" dirty="0" smtClean="0"/>
-              <a:t>Création de compte utilisateur et connexion</a:t>
-            </a:r>
-          </a:p>
-          <a:p>
-            <a:r>
-              <a:rPr lang="fr-FR" dirty="0" smtClean="0"/>
-              <a:t>Affichage des jeux</a:t>
-            </a:r>
-          </a:p>
-          <a:p>
-            <a:r>
-              <a:rPr lang="fr-FR" dirty="0" smtClean="0"/>
-              <a:t>Notation et critique avec modification possible pour les utilisateurs</a:t>
-            </a:r>
-          </a:p>
-          <a:p>
-            <a:r>
-              <a:rPr lang="fr-FR" dirty="0" smtClean="0"/>
-              <a:t>Breakpoint pour interface mobile</a:t>
-            </a:r>
-            <a:endParaRPr lang="fr-FR" dirty="0"/>
-          </a:p>
-        </p:txBody>
-      </p:sp>
-      <p:sp>
-        <p:nvSpPr>
           <p:cNvPr id="4" name="Espace réservé du numéro de diapositive 3"/>
           <p:cNvSpPr>
             <a:spLocks noGrp="1"/>
@@ -8802,7 +13615,12 @@
             <p:ph type="sldNum" sz="quarter" idx="12"/>
           </p:nvPr>
         </p:nvSpPr>
-        <p:spPr/>
+        <p:spPr>
+          <a:xfrm>
+            <a:off x="8664892" y="6420388"/>
+            <a:ext cx="2743200" cy="365125"/>
+          </a:xfrm>
+        </p:spPr>
         <p:txBody>
           <a:bodyPr/>
           <a:lstStyle/>
@@ -8823,10 +13641,1608 @@
           </a:p>
         </p:txBody>
       </p:sp>
+      <p:sp>
+        <p:nvSpPr>
+          <p:cNvPr id="10" name="ZoneTexte 9"/>
+          <p:cNvSpPr txBox="1"/>
+          <p:nvPr/>
+        </p:nvSpPr>
+        <p:spPr>
+          <a:xfrm>
+            <a:off x="1374843" y="1375784"/>
+            <a:ext cx="4482695" cy="830997"/>
+          </a:xfrm>
+          <a:prstGeom prst="rect">
+            <a:avLst/>
+          </a:prstGeom>
+          <a:noFill/>
+        </p:spPr>
+        <p:txBody>
+          <a:bodyPr wrap="square" rtlCol="0">
+            <a:spAutoFit/>
+          </a:bodyPr>
+          <a:lstStyle/>
+          <a:p>
+            <a:r>
+              <a:rPr lang="fr-FR" sz="2400" dirty="0" smtClean="0"/>
+              <a:t>La modale de suppression avec le formulaire nécessaire</a:t>
+            </a:r>
+            <a:endParaRPr lang="fr-FR" sz="2400" dirty="0"/>
+          </a:p>
+        </p:txBody>
+      </p:sp>
+      <p:sp>
+        <p:nvSpPr>
+          <p:cNvPr id="13" name="ZoneTexte 12"/>
+          <p:cNvSpPr txBox="1"/>
+          <p:nvPr/>
+        </p:nvSpPr>
+        <p:spPr>
+          <a:xfrm>
+            <a:off x="1374843" y="2785888"/>
+            <a:ext cx="4251720" cy="1200329"/>
+          </a:xfrm>
+          <a:prstGeom prst="rect">
+            <a:avLst/>
+          </a:prstGeom>
+          <a:noFill/>
+        </p:spPr>
+        <p:txBody>
+          <a:bodyPr wrap="square" rtlCol="0">
+            <a:spAutoFit/>
+          </a:bodyPr>
+          <a:lstStyle/>
+          <a:p>
+            <a:r>
+              <a:rPr lang="fr-FR" sz="2400" dirty="0" smtClean="0"/>
+              <a:t>Vérification du mot de passe avant d’utiliser la fonction de suppression dans le contrôleur</a:t>
+            </a:r>
+            <a:endParaRPr lang="fr-FR" sz="2400" dirty="0"/>
+          </a:p>
+        </p:txBody>
+      </p:sp>
+      <p:sp>
+        <p:nvSpPr>
+          <p:cNvPr id="14" name="ZoneTexte 13"/>
+          <p:cNvSpPr txBox="1"/>
+          <p:nvPr/>
+        </p:nvSpPr>
+        <p:spPr>
+          <a:xfrm>
+            <a:off x="1374843" y="5168639"/>
+            <a:ext cx="4325139" cy="830997"/>
+          </a:xfrm>
+          <a:prstGeom prst="rect">
+            <a:avLst/>
+          </a:prstGeom>
+          <a:noFill/>
+        </p:spPr>
+        <p:txBody>
+          <a:bodyPr wrap="square" rtlCol="0">
+            <a:spAutoFit/>
+          </a:bodyPr>
+          <a:lstStyle/>
+          <a:p>
+            <a:r>
+              <a:rPr lang="fr-FR" sz="2400" dirty="0" smtClean="0"/>
+              <a:t>La fonction « </a:t>
+            </a:r>
+            <a:r>
+              <a:rPr lang="fr-FR" sz="2400" dirty="0" err="1" smtClean="0"/>
+              <a:t>deleteUser</a:t>
+            </a:r>
+            <a:r>
+              <a:rPr lang="fr-FR" sz="2400" dirty="0" smtClean="0"/>
+              <a:t> » du modèle « </a:t>
+            </a:r>
+            <a:r>
+              <a:rPr lang="fr-FR" sz="2400" dirty="0" err="1" smtClean="0"/>
+              <a:t>Utilisateur_model</a:t>
+            </a:r>
+            <a:r>
+              <a:rPr lang="fr-FR" sz="2400" dirty="0" smtClean="0"/>
+              <a:t> »</a:t>
+            </a:r>
+            <a:endParaRPr lang="fr-FR" sz="2400" dirty="0"/>
+          </a:p>
+        </p:txBody>
+      </p:sp>
+      <p:pic>
+        <p:nvPicPr>
+          <p:cNvPr id="15" name="Image 14"/>
+          <p:cNvPicPr/>
+          <p:nvPr/>
+        </p:nvPicPr>
+        <p:blipFill>
+          <a:blip r:embed="rId2"/>
+          <a:stretch>
+            <a:fillRect/>
+          </a:stretch>
+        </p:blipFill>
+        <p:spPr>
+          <a:xfrm>
+            <a:off x="6896734" y="867567"/>
+            <a:ext cx="3536315" cy="1339215"/>
+          </a:xfrm>
+          <a:prstGeom prst="rect">
+            <a:avLst/>
+          </a:prstGeom>
+        </p:spPr>
+      </p:pic>
+      <p:pic>
+        <p:nvPicPr>
+          <p:cNvPr id="16" name="Image 15"/>
+          <p:cNvPicPr/>
+          <p:nvPr/>
+        </p:nvPicPr>
+        <p:blipFill>
+          <a:blip r:embed="rId3"/>
+          <a:stretch>
+            <a:fillRect/>
+          </a:stretch>
+        </p:blipFill>
+        <p:spPr>
+          <a:xfrm>
+            <a:off x="5756908" y="2303061"/>
+            <a:ext cx="5815965" cy="2165985"/>
+          </a:xfrm>
+          <a:prstGeom prst="rect">
+            <a:avLst/>
+          </a:prstGeom>
+        </p:spPr>
+      </p:pic>
+      <p:pic>
+        <p:nvPicPr>
+          <p:cNvPr id="17" name="Image 16"/>
+          <p:cNvPicPr/>
+          <p:nvPr/>
+        </p:nvPicPr>
+        <p:blipFill>
+          <a:blip r:embed="rId4"/>
+          <a:stretch>
+            <a:fillRect/>
+          </a:stretch>
+        </p:blipFill>
+        <p:spPr>
+          <a:xfrm>
+            <a:off x="7061571" y="4565326"/>
+            <a:ext cx="3165569" cy="2037624"/>
+          </a:xfrm>
+          <a:prstGeom prst="rect">
+            <a:avLst/>
+          </a:prstGeom>
+        </p:spPr>
+      </p:pic>
     </p:spTree>
     <p:extLst>
       <p:ext uri="{BB962C8B-B14F-4D97-AF65-F5344CB8AC3E}">
-        <p14:creationId xmlns:p14="http://schemas.microsoft.com/office/powerpoint/2010/main" val="2333266892"/>
+        <p14:creationId xmlns:p14="http://schemas.microsoft.com/office/powerpoint/2010/main" val="507172968"/>
+      </p:ext>
+    </p:extLst>
+  </p:cSld>
+  <p:clrMapOvr>
+    <a:masterClrMapping/>
+  </p:clrMapOvr>
+  <mc:AlternateContent xmlns:mc="http://schemas.openxmlformats.org/markup-compatibility/2006" xmlns:p14="http://schemas.microsoft.com/office/powerpoint/2010/main">
+    <mc:Choice Requires="p14">
+      <p:transition spd="med" p14:dur="700">
+        <p:fade/>
+      </p:transition>
+    </mc:Choice>
+    <mc:Fallback xmlns="">
+      <p:transition spd="med">
+        <p:fade/>
+      </p:transition>
+    </mc:Fallback>
+  </mc:AlternateContent>
+  <p:timing>
+    <p:tnLst>
+      <p:par>
+        <p:cTn id="1" dur="indefinite" restart="never" nodeType="tmRoot">
+          <p:childTnLst>
+            <p:seq concurrent="1" nextAc="seek">
+              <p:cTn id="2" dur="indefinite" nodeType="mainSeq">
+                <p:childTnLst>
+                  <p:par>
+                    <p:cTn id="3" fill="hold">
+                      <p:stCondLst>
+                        <p:cond delay="indefinite"/>
+                      </p:stCondLst>
+                      <p:childTnLst>
+                        <p:par>
+                          <p:cTn id="4" fill="hold">
+                            <p:stCondLst>
+                              <p:cond delay="0"/>
+                            </p:stCondLst>
+                            <p:childTnLst>
+                              <p:par>
+                                <p:cTn id="5" presetID="10" presetClass="entr" presetSubtype="0" fill="hold" grpId="0" nodeType="clickEffect">
+                                  <p:stCondLst>
+                                    <p:cond delay="0"/>
+                                  </p:stCondLst>
+                                  <p:childTnLst>
+                                    <p:set>
+                                      <p:cBhvr>
+                                        <p:cTn id="6" dur="1" fill="hold">
+                                          <p:stCondLst>
+                                            <p:cond delay="0"/>
+                                          </p:stCondLst>
+                                        </p:cTn>
+                                        <p:tgtEl>
+                                          <p:spTgt spid="10"/>
+                                        </p:tgtEl>
+                                        <p:attrNameLst>
+                                          <p:attrName>style.visibility</p:attrName>
+                                        </p:attrNameLst>
+                                      </p:cBhvr>
+                                      <p:to>
+                                        <p:strVal val="visible"/>
+                                      </p:to>
+                                    </p:set>
+                                    <p:animEffect transition="in" filter="fade">
+                                      <p:cBhvr>
+                                        <p:cTn id="7" dur="500"/>
+                                        <p:tgtEl>
+                                          <p:spTgt spid="10"/>
+                                        </p:tgtEl>
+                                      </p:cBhvr>
+                                    </p:animEffect>
+                                  </p:childTnLst>
+                                </p:cTn>
+                              </p:par>
+                              <p:par>
+                                <p:cTn id="8" presetID="10" presetClass="entr" presetSubtype="0" fill="hold" nodeType="withEffect">
+                                  <p:stCondLst>
+                                    <p:cond delay="0"/>
+                                  </p:stCondLst>
+                                  <p:childTnLst>
+                                    <p:set>
+                                      <p:cBhvr>
+                                        <p:cTn id="9" dur="1" fill="hold">
+                                          <p:stCondLst>
+                                            <p:cond delay="0"/>
+                                          </p:stCondLst>
+                                        </p:cTn>
+                                        <p:tgtEl>
+                                          <p:spTgt spid="15"/>
+                                        </p:tgtEl>
+                                        <p:attrNameLst>
+                                          <p:attrName>style.visibility</p:attrName>
+                                        </p:attrNameLst>
+                                      </p:cBhvr>
+                                      <p:to>
+                                        <p:strVal val="visible"/>
+                                      </p:to>
+                                    </p:set>
+                                    <p:animEffect transition="in" filter="fade">
+                                      <p:cBhvr>
+                                        <p:cTn id="10" dur="500"/>
+                                        <p:tgtEl>
+                                          <p:spTgt spid="15"/>
+                                        </p:tgtEl>
+                                      </p:cBhvr>
+                                    </p:animEffect>
+                                  </p:childTnLst>
+                                </p:cTn>
+                              </p:par>
+                            </p:childTnLst>
+                          </p:cTn>
+                        </p:par>
+                      </p:childTnLst>
+                    </p:cTn>
+                  </p:par>
+                  <p:par>
+                    <p:cTn id="11" fill="hold">
+                      <p:stCondLst>
+                        <p:cond delay="indefinite"/>
+                      </p:stCondLst>
+                      <p:childTnLst>
+                        <p:par>
+                          <p:cTn id="12" fill="hold">
+                            <p:stCondLst>
+                              <p:cond delay="0"/>
+                            </p:stCondLst>
+                            <p:childTnLst>
+                              <p:par>
+                                <p:cTn id="13" presetID="10" presetClass="entr" presetSubtype="0" fill="hold" grpId="0" nodeType="clickEffect">
+                                  <p:stCondLst>
+                                    <p:cond delay="0"/>
+                                  </p:stCondLst>
+                                  <p:childTnLst>
+                                    <p:set>
+                                      <p:cBhvr>
+                                        <p:cTn id="14" dur="1" fill="hold">
+                                          <p:stCondLst>
+                                            <p:cond delay="0"/>
+                                          </p:stCondLst>
+                                        </p:cTn>
+                                        <p:tgtEl>
+                                          <p:spTgt spid="13"/>
+                                        </p:tgtEl>
+                                        <p:attrNameLst>
+                                          <p:attrName>style.visibility</p:attrName>
+                                        </p:attrNameLst>
+                                      </p:cBhvr>
+                                      <p:to>
+                                        <p:strVal val="visible"/>
+                                      </p:to>
+                                    </p:set>
+                                    <p:animEffect transition="in" filter="fade">
+                                      <p:cBhvr>
+                                        <p:cTn id="15" dur="500"/>
+                                        <p:tgtEl>
+                                          <p:spTgt spid="13"/>
+                                        </p:tgtEl>
+                                      </p:cBhvr>
+                                    </p:animEffect>
+                                  </p:childTnLst>
+                                </p:cTn>
+                              </p:par>
+                              <p:par>
+                                <p:cTn id="16" presetID="10" presetClass="entr" presetSubtype="0" fill="hold" nodeType="withEffect">
+                                  <p:stCondLst>
+                                    <p:cond delay="0"/>
+                                  </p:stCondLst>
+                                  <p:childTnLst>
+                                    <p:set>
+                                      <p:cBhvr>
+                                        <p:cTn id="17" dur="1" fill="hold">
+                                          <p:stCondLst>
+                                            <p:cond delay="0"/>
+                                          </p:stCondLst>
+                                        </p:cTn>
+                                        <p:tgtEl>
+                                          <p:spTgt spid="16"/>
+                                        </p:tgtEl>
+                                        <p:attrNameLst>
+                                          <p:attrName>style.visibility</p:attrName>
+                                        </p:attrNameLst>
+                                      </p:cBhvr>
+                                      <p:to>
+                                        <p:strVal val="visible"/>
+                                      </p:to>
+                                    </p:set>
+                                    <p:animEffect transition="in" filter="fade">
+                                      <p:cBhvr>
+                                        <p:cTn id="18" dur="500"/>
+                                        <p:tgtEl>
+                                          <p:spTgt spid="16"/>
+                                        </p:tgtEl>
+                                      </p:cBhvr>
+                                    </p:animEffect>
+                                  </p:childTnLst>
+                                </p:cTn>
+                              </p:par>
+                            </p:childTnLst>
+                          </p:cTn>
+                        </p:par>
+                      </p:childTnLst>
+                    </p:cTn>
+                  </p:par>
+                  <p:par>
+                    <p:cTn id="19" fill="hold">
+                      <p:stCondLst>
+                        <p:cond delay="indefinite"/>
+                      </p:stCondLst>
+                      <p:childTnLst>
+                        <p:par>
+                          <p:cTn id="20" fill="hold">
+                            <p:stCondLst>
+                              <p:cond delay="0"/>
+                            </p:stCondLst>
+                            <p:childTnLst>
+                              <p:par>
+                                <p:cTn id="21" presetID="10" presetClass="entr" presetSubtype="0" fill="hold" grpId="0" nodeType="clickEffect">
+                                  <p:stCondLst>
+                                    <p:cond delay="0"/>
+                                  </p:stCondLst>
+                                  <p:childTnLst>
+                                    <p:set>
+                                      <p:cBhvr>
+                                        <p:cTn id="22" dur="1" fill="hold">
+                                          <p:stCondLst>
+                                            <p:cond delay="0"/>
+                                          </p:stCondLst>
+                                        </p:cTn>
+                                        <p:tgtEl>
+                                          <p:spTgt spid="14"/>
+                                        </p:tgtEl>
+                                        <p:attrNameLst>
+                                          <p:attrName>style.visibility</p:attrName>
+                                        </p:attrNameLst>
+                                      </p:cBhvr>
+                                      <p:to>
+                                        <p:strVal val="visible"/>
+                                      </p:to>
+                                    </p:set>
+                                    <p:animEffect transition="in" filter="fade">
+                                      <p:cBhvr>
+                                        <p:cTn id="23" dur="500"/>
+                                        <p:tgtEl>
+                                          <p:spTgt spid="14"/>
+                                        </p:tgtEl>
+                                      </p:cBhvr>
+                                    </p:animEffect>
+                                  </p:childTnLst>
+                                </p:cTn>
+                              </p:par>
+                              <p:par>
+                                <p:cTn id="24" presetID="10" presetClass="entr" presetSubtype="0" fill="hold" nodeType="withEffect">
+                                  <p:stCondLst>
+                                    <p:cond delay="0"/>
+                                  </p:stCondLst>
+                                  <p:childTnLst>
+                                    <p:set>
+                                      <p:cBhvr>
+                                        <p:cTn id="25" dur="1" fill="hold">
+                                          <p:stCondLst>
+                                            <p:cond delay="0"/>
+                                          </p:stCondLst>
+                                        </p:cTn>
+                                        <p:tgtEl>
+                                          <p:spTgt spid="17"/>
+                                        </p:tgtEl>
+                                        <p:attrNameLst>
+                                          <p:attrName>style.visibility</p:attrName>
+                                        </p:attrNameLst>
+                                      </p:cBhvr>
+                                      <p:to>
+                                        <p:strVal val="visible"/>
+                                      </p:to>
+                                    </p:set>
+                                    <p:animEffect transition="in" filter="fade">
+                                      <p:cBhvr>
+                                        <p:cTn id="26" dur="500"/>
+                                        <p:tgtEl>
+                                          <p:spTgt spid="17"/>
+                                        </p:tgtEl>
+                                      </p:cBhvr>
+                                    </p:animEffect>
+                                  </p:childTnLst>
+                                </p:cTn>
+                              </p:par>
+                            </p:childTnLst>
+                          </p:cTn>
+                        </p:par>
+                      </p:childTnLst>
+                    </p:cTn>
+                  </p:par>
+                </p:childTnLst>
+              </p:cTn>
+              <p:prevCondLst>
+                <p:cond evt="onPrev" delay="0">
+                  <p:tgtEl>
+                    <p:sldTgt/>
+                  </p:tgtEl>
+                </p:cond>
+              </p:prevCondLst>
+              <p:nextCondLst>
+                <p:cond evt="onNext" delay="0">
+                  <p:tgtEl>
+                    <p:sldTgt/>
+                  </p:tgtEl>
+                </p:cond>
+              </p:nextCondLst>
+            </p:seq>
+          </p:childTnLst>
+        </p:cTn>
+      </p:par>
+    </p:tnLst>
+    <p:bldLst>
+      <p:bldP spid="10" grpId="0"/>
+      <p:bldP spid="13" grpId="0"/>
+      <p:bldP spid="14" grpId="0"/>
+    </p:bldLst>
+  </p:timing>
+</p:sld>
+</file>
+
+<file path=ppt/slides/slide33.xml><?xml version="1.0" encoding="utf-8"?>
+<p:sld xmlns:a="http://schemas.openxmlformats.org/drawingml/2006/main" xmlns:r="http://schemas.openxmlformats.org/officeDocument/2006/relationships" xmlns:p="http://schemas.openxmlformats.org/presentationml/2006/main">
+  <p:cSld>
+    <p:bg>
+      <p:bgPr>
+        <a:gradFill>
+          <a:gsLst>
+            <a:gs pos="0">
+              <a:schemeClr val="accent1">
+                <a:lumMod val="5000"/>
+                <a:lumOff val="95000"/>
+              </a:schemeClr>
+            </a:gs>
+            <a:gs pos="100000">
+              <a:schemeClr val="accent4">
+                <a:lumMod val="75000"/>
+              </a:schemeClr>
+            </a:gs>
+            <a:gs pos="30000">
+              <a:schemeClr val="accent4"/>
+            </a:gs>
+            <a:gs pos="100000">
+              <a:schemeClr val="bg1"/>
+            </a:gs>
+          </a:gsLst>
+          <a:lin ang="5400000" scaled="1"/>
+        </a:gradFill>
+        <a:effectLst/>
+      </p:bgPr>
+    </p:bg>
+    <p:spTree>
+      <p:nvGrpSpPr>
+        <p:cNvPr id="1" name=""/>
+        <p:cNvGrpSpPr/>
+        <p:nvPr/>
+      </p:nvGrpSpPr>
+      <p:grpSpPr>
+        <a:xfrm>
+          <a:off x="0" y="0"/>
+          <a:ext cx="0" cy="0"/>
+          <a:chOff x="0" y="0"/>
+          <a:chExt cx="0" cy="0"/>
+        </a:xfrm>
+      </p:grpSpPr>
+      <p:sp>
+        <p:nvSpPr>
+          <p:cNvPr id="2" name="Titre 1"/>
+          <p:cNvSpPr>
+            <a:spLocks noGrp="1"/>
+          </p:cNvSpPr>
+          <p:nvPr>
+            <p:ph type="title"/>
+          </p:nvPr>
+        </p:nvSpPr>
+        <p:spPr/>
+        <p:txBody>
+          <a:bodyPr/>
+          <a:lstStyle/>
+          <a:p>
+            <a:r>
+              <a:rPr lang="fr-FR" dirty="0" smtClean="0"/>
+              <a:t>Fonctionnalité supplémentaire</a:t>
+            </a:r>
+            <a:endParaRPr lang="fr-FR" dirty="0"/>
+          </a:p>
+        </p:txBody>
+      </p:sp>
+      <p:sp>
+        <p:nvSpPr>
+          <p:cNvPr id="4" name="Espace réservé du numéro de diapositive 3"/>
+          <p:cNvSpPr>
+            <a:spLocks noGrp="1"/>
+          </p:cNvSpPr>
+          <p:nvPr>
+            <p:ph type="sldNum" sz="quarter" idx="12"/>
+          </p:nvPr>
+        </p:nvSpPr>
+        <p:spPr>
+          <a:xfrm>
+            <a:off x="8664892" y="6420388"/>
+            <a:ext cx="2743200" cy="365125"/>
+          </a:xfrm>
+        </p:spPr>
+        <p:txBody>
+          <a:bodyPr/>
+          <a:lstStyle/>
+          <a:p>
+            <a:fld id="{C71BCE76-17DE-481D-8B88-0224F5084139}" type="slidenum">
+              <a:rPr lang="fr-FR" smtClean="0">
+                <a:solidFill>
+                  <a:schemeClr val="tx1"/>
+                </a:solidFill>
+              </a:rPr>
+              <a:t>33</a:t>
+            </a:fld>
+            <a:endParaRPr lang="fr-FR" dirty="0">
+              <a:solidFill>
+                <a:schemeClr val="tx1"/>
+              </a:solidFill>
+            </a:endParaRPr>
+          </a:p>
+        </p:txBody>
+      </p:sp>
+      <p:pic>
+        <p:nvPicPr>
+          <p:cNvPr id="5" name="Image 4"/>
+          <p:cNvPicPr>
+            <a:picLocks noChangeAspect="1"/>
+          </p:cNvPicPr>
+          <p:nvPr/>
+        </p:nvPicPr>
+        <p:blipFill>
+          <a:blip r:embed="rId3"/>
+          <a:stretch>
+            <a:fillRect/>
+          </a:stretch>
+        </p:blipFill>
+        <p:spPr>
+          <a:xfrm>
+            <a:off x="2932336" y="1326709"/>
+            <a:ext cx="6327328" cy="5358743"/>
+          </a:xfrm>
+          <a:prstGeom prst="rect">
+            <a:avLst/>
+          </a:prstGeom>
+        </p:spPr>
+      </p:pic>
+    </p:spTree>
+    <p:extLst>
+      <p:ext uri="{BB962C8B-B14F-4D97-AF65-F5344CB8AC3E}">
+        <p14:creationId xmlns:p14="http://schemas.microsoft.com/office/powerpoint/2010/main" val="185797339"/>
+      </p:ext>
+    </p:extLst>
+  </p:cSld>
+  <p:clrMapOvr>
+    <a:masterClrMapping/>
+  </p:clrMapOvr>
+  <mc:AlternateContent xmlns:mc="http://schemas.openxmlformats.org/markup-compatibility/2006" xmlns:p14="http://schemas.microsoft.com/office/powerpoint/2010/main">
+    <mc:Choice Requires="p14">
+      <p:transition spd="med" p14:dur="700">
+        <p:fade/>
+      </p:transition>
+    </mc:Choice>
+    <mc:Fallback xmlns="">
+      <p:transition spd="med">
+        <p:fade/>
+      </p:transition>
+    </mc:Fallback>
+  </mc:AlternateContent>
+  <p:timing>
+    <p:tnLst>
+      <p:par>
+        <p:cTn id="1" dur="indefinite" restart="never" nodeType="tmRoot"/>
+      </p:par>
+    </p:tnLst>
+  </p:timing>
+</p:sld>
+</file>
+
+<file path=ppt/slides/slide34.xml><?xml version="1.0" encoding="utf-8"?>
+<p:sld xmlns:a="http://schemas.openxmlformats.org/drawingml/2006/main" xmlns:r="http://schemas.openxmlformats.org/officeDocument/2006/relationships" xmlns:p="http://schemas.openxmlformats.org/presentationml/2006/main">
+  <p:cSld>
+    <p:bg>
+      <p:bgPr>
+        <a:gradFill>
+          <a:gsLst>
+            <a:gs pos="0">
+              <a:schemeClr val="accent1">
+                <a:lumMod val="5000"/>
+                <a:lumOff val="95000"/>
+              </a:schemeClr>
+            </a:gs>
+            <a:gs pos="100000">
+              <a:schemeClr val="accent4">
+                <a:lumMod val="75000"/>
+              </a:schemeClr>
+            </a:gs>
+            <a:gs pos="30000">
+              <a:schemeClr val="accent4"/>
+            </a:gs>
+            <a:gs pos="100000">
+              <a:schemeClr val="bg1"/>
+            </a:gs>
+          </a:gsLst>
+          <a:lin ang="5400000" scaled="1"/>
+        </a:gradFill>
+        <a:effectLst/>
+      </p:bgPr>
+    </p:bg>
+    <p:spTree>
+      <p:nvGrpSpPr>
+        <p:cNvPr id="1" name=""/>
+        <p:cNvGrpSpPr/>
+        <p:nvPr/>
+      </p:nvGrpSpPr>
+      <p:grpSpPr>
+        <a:xfrm>
+          <a:off x="0" y="0"/>
+          <a:ext cx="0" cy="0"/>
+          <a:chOff x="0" y="0"/>
+          <a:chExt cx="0" cy="0"/>
+        </a:xfrm>
+      </p:grpSpPr>
+      <p:sp>
+        <p:nvSpPr>
+          <p:cNvPr id="4" name="Espace réservé du numéro de diapositive 3"/>
+          <p:cNvSpPr>
+            <a:spLocks noGrp="1"/>
+          </p:cNvSpPr>
+          <p:nvPr>
+            <p:ph type="sldNum" sz="quarter" idx="12"/>
+          </p:nvPr>
+        </p:nvSpPr>
+        <p:spPr>
+          <a:xfrm>
+            <a:off x="8664892" y="6420388"/>
+            <a:ext cx="2743200" cy="365125"/>
+          </a:xfrm>
+        </p:spPr>
+        <p:txBody>
+          <a:bodyPr/>
+          <a:lstStyle/>
+          <a:p>
+            <a:fld id="{C71BCE76-17DE-481D-8B88-0224F5084139}" type="slidenum">
+              <a:rPr lang="fr-FR" smtClean="0">
+                <a:solidFill>
+                  <a:schemeClr val="tx1"/>
+                </a:solidFill>
+              </a:rPr>
+              <a:t>34</a:t>
+            </a:fld>
+            <a:endParaRPr lang="fr-FR" dirty="0">
+              <a:solidFill>
+                <a:schemeClr val="tx1"/>
+              </a:solidFill>
+            </a:endParaRPr>
+          </a:p>
+        </p:txBody>
+      </p:sp>
+      <p:pic>
+        <p:nvPicPr>
+          <p:cNvPr id="6" name="Image 5"/>
+          <p:cNvPicPr>
+            <a:picLocks noChangeAspect="1"/>
+          </p:cNvPicPr>
+          <p:nvPr/>
+        </p:nvPicPr>
+        <p:blipFill>
+          <a:blip r:embed="rId3"/>
+          <a:stretch>
+            <a:fillRect/>
+          </a:stretch>
+        </p:blipFill>
+        <p:spPr>
+          <a:xfrm>
+            <a:off x="76676" y="806139"/>
+            <a:ext cx="12030529" cy="5250719"/>
+          </a:xfrm>
+          <a:prstGeom prst="rect">
+            <a:avLst/>
+          </a:prstGeom>
+        </p:spPr>
+      </p:pic>
+    </p:spTree>
+    <p:extLst>
+      <p:ext uri="{BB962C8B-B14F-4D97-AF65-F5344CB8AC3E}">
+        <p14:creationId xmlns:p14="http://schemas.microsoft.com/office/powerpoint/2010/main" val="743942826"/>
+      </p:ext>
+    </p:extLst>
+  </p:cSld>
+  <p:clrMapOvr>
+    <a:masterClrMapping/>
+  </p:clrMapOvr>
+  <mc:AlternateContent xmlns:mc="http://schemas.openxmlformats.org/markup-compatibility/2006" xmlns:p14="http://schemas.microsoft.com/office/powerpoint/2010/main">
+    <mc:Choice Requires="p14">
+      <p:transition spd="med" p14:dur="700">
+        <p:fade/>
+      </p:transition>
+    </mc:Choice>
+    <mc:Fallback xmlns="">
+      <p:transition spd="med">
+        <p:fade/>
+      </p:transition>
+    </mc:Fallback>
+  </mc:AlternateContent>
+  <p:timing>
+    <p:tnLst>
+      <p:par>
+        <p:cTn id="1" dur="indefinite" restart="never" nodeType="tmRoot"/>
+      </p:par>
+    </p:tnLst>
+  </p:timing>
+</p:sld>
+</file>
+
+<file path=ppt/slides/slide35.xml><?xml version="1.0" encoding="utf-8"?>
+<p:sld xmlns:a="http://schemas.openxmlformats.org/drawingml/2006/main" xmlns:r="http://schemas.openxmlformats.org/officeDocument/2006/relationships" xmlns:p="http://schemas.openxmlformats.org/presentationml/2006/main">
+  <p:cSld>
+    <p:bg>
+      <p:bgPr>
+        <a:gradFill>
+          <a:gsLst>
+            <a:gs pos="0">
+              <a:schemeClr val="accent1">
+                <a:lumMod val="5000"/>
+                <a:lumOff val="95000"/>
+              </a:schemeClr>
+            </a:gs>
+            <a:gs pos="100000">
+              <a:schemeClr val="accent4">
+                <a:lumMod val="75000"/>
+              </a:schemeClr>
+            </a:gs>
+            <a:gs pos="30000">
+              <a:schemeClr val="accent4"/>
+            </a:gs>
+            <a:gs pos="100000">
+              <a:schemeClr val="bg1"/>
+            </a:gs>
+          </a:gsLst>
+          <a:lin ang="5400000" scaled="1"/>
+        </a:gradFill>
+        <a:effectLst/>
+      </p:bgPr>
+    </p:bg>
+    <p:spTree>
+      <p:nvGrpSpPr>
+        <p:cNvPr id="1" name=""/>
+        <p:cNvGrpSpPr/>
+        <p:nvPr/>
+      </p:nvGrpSpPr>
+      <p:grpSpPr>
+        <a:xfrm>
+          <a:off x="0" y="0"/>
+          <a:ext cx="0" cy="0"/>
+          <a:chOff x="0" y="0"/>
+          <a:chExt cx="0" cy="0"/>
+        </a:xfrm>
+      </p:grpSpPr>
+      <p:sp>
+        <p:nvSpPr>
+          <p:cNvPr id="4" name="Espace réservé du numéro de diapositive 3"/>
+          <p:cNvSpPr>
+            <a:spLocks noGrp="1"/>
+          </p:cNvSpPr>
+          <p:nvPr>
+            <p:ph type="sldNum" sz="quarter" idx="12"/>
+          </p:nvPr>
+        </p:nvSpPr>
+        <p:spPr>
+          <a:xfrm>
+            <a:off x="8664892" y="6420388"/>
+            <a:ext cx="2743200" cy="365125"/>
+          </a:xfrm>
+        </p:spPr>
+        <p:txBody>
+          <a:bodyPr/>
+          <a:lstStyle/>
+          <a:p>
+            <a:fld id="{C71BCE76-17DE-481D-8B88-0224F5084139}" type="slidenum">
+              <a:rPr lang="fr-FR" smtClean="0">
+                <a:solidFill>
+                  <a:schemeClr val="tx1"/>
+                </a:solidFill>
+              </a:rPr>
+              <a:t>35</a:t>
+            </a:fld>
+            <a:endParaRPr lang="fr-FR" dirty="0">
+              <a:solidFill>
+                <a:schemeClr val="tx1"/>
+              </a:solidFill>
+            </a:endParaRPr>
+          </a:p>
+        </p:txBody>
+      </p:sp>
+      <p:sp>
+        <p:nvSpPr>
+          <p:cNvPr id="10" name="ZoneTexte 9"/>
+          <p:cNvSpPr txBox="1"/>
+          <p:nvPr/>
+        </p:nvSpPr>
+        <p:spPr>
+          <a:xfrm>
+            <a:off x="1106521" y="1721862"/>
+            <a:ext cx="4482695" cy="830997"/>
+          </a:xfrm>
+          <a:prstGeom prst="rect">
+            <a:avLst/>
+          </a:prstGeom>
+          <a:noFill/>
+        </p:spPr>
+        <p:txBody>
+          <a:bodyPr wrap="square" rtlCol="0">
+            <a:spAutoFit/>
+          </a:bodyPr>
+          <a:lstStyle/>
+          <a:p>
+            <a:r>
+              <a:rPr lang="fr-FR" sz="2400" dirty="0" smtClean="0"/>
+              <a:t>Récupération des données du jeu via le nom dans l’url</a:t>
+            </a:r>
+            <a:endParaRPr lang="fr-FR" sz="2400" dirty="0"/>
+          </a:p>
+        </p:txBody>
+      </p:sp>
+      <p:pic>
+        <p:nvPicPr>
+          <p:cNvPr id="11" name="Image 10"/>
+          <p:cNvPicPr/>
+          <p:nvPr/>
+        </p:nvPicPr>
+        <p:blipFill>
+          <a:blip r:embed="rId3"/>
+          <a:stretch>
+            <a:fillRect/>
+          </a:stretch>
+        </p:blipFill>
+        <p:spPr>
+          <a:xfrm>
+            <a:off x="5857537" y="1330799"/>
+            <a:ext cx="5901709" cy="1613124"/>
+          </a:xfrm>
+          <a:prstGeom prst="rect">
+            <a:avLst/>
+          </a:prstGeom>
+        </p:spPr>
+      </p:pic>
+      <p:pic>
+        <p:nvPicPr>
+          <p:cNvPr id="18" name="Image 17"/>
+          <p:cNvPicPr/>
+          <p:nvPr/>
+        </p:nvPicPr>
+        <p:blipFill>
+          <a:blip r:embed="rId4"/>
+          <a:stretch>
+            <a:fillRect/>
+          </a:stretch>
+        </p:blipFill>
+        <p:spPr>
+          <a:xfrm>
+            <a:off x="4497485" y="3330494"/>
+            <a:ext cx="3494396" cy="2411219"/>
+          </a:xfrm>
+          <a:prstGeom prst="rect">
+            <a:avLst/>
+          </a:prstGeom>
+        </p:spPr>
+      </p:pic>
+      <p:sp>
+        <p:nvSpPr>
+          <p:cNvPr id="19" name="ZoneTexte 18"/>
+          <p:cNvSpPr txBox="1"/>
+          <p:nvPr/>
+        </p:nvSpPr>
+        <p:spPr>
+          <a:xfrm>
+            <a:off x="125214" y="3566607"/>
+            <a:ext cx="4298103" cy="1938992"/>
+          </a:xfrm>
+          <a:prstGeom prst="rect">
+            <a:avLst/>
+          </a:prstGeom>
+          <a:noFill/>
+        </p:spPr>
+        <p:txBody>
+          <a:bodyPr wrap="square" rtlCol="0">
+            <a:spAutoFit/>
+          </a:bodyPr>
+          <a:lstStyle/>
+          <a:p>
+            <a:r>
+              <a:rPr lang="fr-FR" sz="2400" dirty="0" smtClean="0"/>
+              <a:t>Fonctions de lecture des données d’un jeu et des informations présentes dans les tables associées nom présentes dans le modèle « </a:t>
+            </a:r>
+            <a:r>
+              <a:rPr lang="fr-FR" sz="2400" dirty="0" err="1" smtClean="0"/>
+              <a:t>jeu_model</a:t>
+            </a:r>
+            <a:r>
+              <a:rPr lang="fr-FR" sz="2400" dirty="0" smtClean="0"/>
+              <a:t> »</a:t>
+            </a:r>
+            <a:endParaRPr lang="fr-FR" sz="2400" dirty="0"/>
+          </a:p>
+        </p:txBody>
+      </p:sp>
+      <p:pic>
+        <p:nvPicPr>
+          <p:cNvPr id="20" name="Image 19"/>
+          <p:cNvPicPr/>
+          <p:nvPr/>
+        </p:nvPicPr>
+        <p:blipFill>
+          <a:blip r:embed="rId5"/>
+          <a:stretch>
+            <a:fillRect/>
+          </a:stretch>
+        </p:blipFill>
+        <p:spPr>
+          <a:xfrm>
+            <a:off x="8150542" y="3469304"/>
+            <a:ext cx="3257550" cy="2133600"/>
+          </a:xfrm>
+          <a:prstGeom prst="rect">
+            <a:avLst/>
+          </a:prstGeom>
+        </p:spPr>
+      </p:pic>
+    </p:spTree>
+    <p:extLst>
+      <p:ext uri="{BB962C8B-B14F-4D97-AF65-F5344CB8AC3E}">
+        <p14:creationId xmlns:p14="http://schemas.microsoft.com/office/powerpoint/2010/main" val="1359989192"/>
+      </p:ext>
+    </p:extLst>
+  </p:cSld>
+  <p:clrMapOvr>
+    <a:masterClrMapping/>
+  </p:clrMapOvr>
+  <mc:AlternateContent xmlns:mc="http://schemas.openxmlformats.org/markup-compatibility/2006" xmlns:p14="http://schemas.microsoft.com/office/powerpoint/2010/main">
+    <mc:Choice Requires="p14">
+      <p:transition spd="med" p14:dur="700">
+        <p:fade/>
+      </p:transition>
+    </mc:Choice>
+    <mc:Fallback xmlns="">
+      <p:transition spd="med">
+        <p:fade/>
+      </p:transition>
+    </mc:Fallback>
+  </mc:AlternateContent>
+  <p:timing>
+    <p:tnLst>
+      <p:par>
+        <p:cTn id="1" dur="indefinite" restart="never" nodeType="tmRoot">
+          <p:childTnLst>
+            <p:seq concurrent="1" nextAc="seek">
+              <p:cTn id="2" dur="indefinite" nodeType="mainSeq">
+                <p:childTnLst>
+                  <p:par>
+                    <p:cTn id="3" fill="hold">
+                      <p:stCondLst>
+                        <p:cond delay="indefinite"/>
+                      </p:stCondLst>
+                      <p:childTnLst>
+                        <p:par>
+                          <p:cTn id="4" fill="hold">
+                            <p:stCondLst>
+                              <p:cond delay="0"/>
+                            </p:stCondLst>
+                            <p:childTnLst>
+                              <p:par>
+                                <p:cTn id="5" presetID="10" presetClass="entr" presetSubtype="0" fill="hold" grpId="0" nodeType="clickEffect">
+                                  <p:stCondLst>
+                                    <p:cond delay="0"/>
+                                  </p:stCondLst>
+                                  <p:childTnLst>
+                                    <p:set>
+                                      <p:cBhvr>
+                                        <p:cTn id="6" dur="1" fill="hold">
+                                          <p:stCondLst>
+                                            <p:cond delay="0"/>
+                                          </p:stCondLst>
+                                        </p:cTn>
+                                        <p:tgtEl>
+                                          <p:spTgt spid="10"/>
+                                        </p:tgtEl>
+                                        <p:attrNameLst>
+                                          <p:attrName>style.visibility</p:attrName>
+                                        </p:attrNameLst>
+                                      </p:cBhvr>
+                                      <p:to>
+                                        <p:strVal val="visible"/>
+                                      </p:to>
+                                    </p:set>
+                                    <p:animEffect transition="in" filter="fade">
+                                      <p:cBhvr>
+                                        <p:cTn id="7" dur="500"/>
+                                        <p:tgtEl>
+                                          <p:spTgt spid="10"/>
+                                        </p:tgtEl>
+                                      </p:cBhvr>
+                                    </p:animEffect>
+                                  </p:childTnLst>
+                                </p:cTn>
+                              </p:par>
+                              <p:par>
+                                <p:cTn id="8" presetID="10" presetClass="entr" presetSubtype="0" fill="hold" nodeType="withEffect">
+                                  <p:stCondLst>
+                                    <p:cond delay="0"/>
+                                  </p:stCondLst>
+                                  <p:childTnLst>
+                                    <p:set>
+                                      <p:cBhvr>
+                                        <p:cTn id="9" dur="1" fill="hold">
+                                          <p:stCondLst>
+                                            <p:cond delay="0"/>
+                                          </p:stCondLst>
+                                        </p:cTn>
+                                        <p:tgtEl>
+                                          <p:spTgt spid="11"/>
+                                        </p:tgtEl>
+                                        <p:attrNameLst>
+                                          <p:attrName>style.visibility</p:attrName>
+                                        </p:attrNameLst>
+                                      </p:cBhvr>
+                                      <p:to>
+                                        <p:strVal val="visible"/>
+                                      </p:to>
+                                    </p:set>
+                                    <p:animEffect transition="in" filter="fade">
+                                      <p:cBhvr>
+                                        <p:cTn id="10" dur="500"/>
+                                        <p:tgtEl>
+                                          <p:spTgt spid="11"/>
+                                        </p:tgtEl>
+                                      </p:cBhvr>
+                                    </p:animEffect>
+                                  </p:childTnLst>
+                                </p:cTn>
+                              </p:par>
+                            </p:childTnLst>
+                          </p:cTn>
+                        </p:par>
+                      </p:childTnLst>
+                    </p:cTn>
+                  </p:par>
+                  <p:par>
+                    <p:cTn id="11" fill="hold">
+                      <p:stCondLst>
+                        <p:cond delay="indefinite"/>
+                      </p:stCondLst>
+                      <p:childTnLst>
+                        <p:par>
+                          <p:cTn id="12" fill="hold">
+                            <p:stCondLst>
+                              <p:cond delay="0"/>
+                            </p:stCondLst>
+                            <p:childTnLst>
+                              <p:par>
+                                <p:cTn id="13" presetID="10" presetClass="entr" presetSubtype="0" fill="hold" grpId="0" nodeType="clickEffect">
+                                  <p:stCondLst>
+                                    <p:cond delay="0"/>
+                                  </p:stCondLst>
+                                  <p:childTnLst>
+                                    <p:set>
+                                      <p:cBhvr>
+                                        <p:cTn id="14" dur="1" fill="hold">
+                                          <p:stCondLst>
+                                            <p:cond delay="0"/>
+                                          </p:stCondLst>
+                                        </p:cTn>
+                                        <p:tgtEl>
+                                          <p:spTgt spid="19"/>
+                                        </p:tgtEl>
+                                        <p:attrNameLst>
+                                          <p:attrName>style.visibility</p:attrName>
+                                        </p:attrNameLst>
+                                      </p:cBhvr>
+                                      <p:to>
+                                        <p:strVal val="visible"/>
+                                      </p:to>
+                                    </p:set>
+                                    <p:animEffect transition="in" filter="fade">
+                                      <p:cBhvr>
+                                        <p:cTn id="15" dur="500"/>
+                                        <p:tgtEl>
+                                          <p:spTgt spid="19"/>
+                                        </p:tgtEl>
+                                      </p:cBhvr>
+                                    </p:animEffect>
+                                  </p:childTnLst>
+                                </p:cTn>
+                              </p:par>
+                              <p:par>
+                                <p:cTn id="16" presetID="10" presetClass="entr" presetSubtype="0" fill="hold" nodeType="withEffect">
+                                  <p:stCondLst>
+                                    <p:cond delay="0"/>
+                                  </p:stCondLst>
+                                  <p:childTnLst>
+                                    <p:set>
+                                      <p:cBhvr>
+                                        <p:cTn id="17" dur="1" fill="hold">
+                                          <p:stCondLst>
+                                            <p:cond delay="0"/>
+                                          </p:stCondLst>
+                                        </p:cTn>
+                                        <p:tgtEl>
+                                          <p:spTgt spid="18"/>
+                                        </p:tgtEl>
+                                        <p:attrNameLst>
+                                          <p:attrName>style.visibility</p:attrName>
+                                        </p:attrNameLst>
+                                      </p:cBhvr>
+                                      <p:to>
+                                        <p:strVal val="visible"/>
+                                      </p:to>
+                                    </p:set>
+                                    <p:animEffect transition="in" filter="fade">
+                                      <p:cBhvr>
+                                        <p:cTn id="18" dur="500"/>
+                                        <p:tgtEl>
+                                          <p:spTgt spid="18"/>
+                                        </p:tgtEl>
+                                      </p:cBhvr>
+                                    </p:animEffect>
+                                  </p:childTnLst>
+                                </p:cTn>
+                              </p:par>
+                              <p:par>
+                                <p:cTn id="19" presetID="10" presetClass="entr" presetSubtype="0" fill="hold" nodeType="withEffect">
+                                  <p:stCondLst>
+                                    <p:cond delay="0"/>
+                                  </p:stCondLst>
+                                  <p:childTnLst>
+                                    <p:set>
+                                      <p:cBhvr>
+                                        <p:cTn id="20" dur="1" fill="hold">
+                                          <p:stCondLst>
+                                            <p:cond delay="0"/>
+                                          </p:stCondLst>
+                                        </p:cTn>
+                                        <p:tgtEl>
+                                          <p:spTgt spid="20"/>
+                                        </p:tgtEl>
+                                        <p:attrNameLst>
+                                          <p:attrName>style.visibility</p:attrName>
+                                        </p:attrNameLst>
+                                      </p:cBhvr>
+                                      <p:to>
+                                        <p:strVal val="visible"/>
+                                      </p:to>
+                                    </p:set>
+                                    <p:animEffect transition="in" filter="fade">
+                                      <p:cBhvr>
+                                        <p:cTn id="21" dur="500"/>
+                                        <p:tgtEl>
+                                          <p:spTgt spid="20"/>
+                                        </p:tgtEl>
+                                      </p:cBhvr>
+                                    </p:animEffect>
+                                  </p:childTnLst>
+                                </p:cTn>
+                              </p:par>
+                            </p:childTnLst>
+                          </p:cTn>
+                        </p:par>
+                      </p:childTnLst>
+                    </p:cTn>
+                  </p:par>
+                </p:childTnLst>
+              </p:cTn>
+              <p:prevCondLst>
+                <p:cond evt="onPrev" delay="0">
+                  <p:tgtEl>
+                    <p:sldTgt/>
+                  </p:tgtEl>
+                </p:cond>
+              </p:prevCondLst>
+              <p:nextCondLst>
+                <p:cond evt="onNext" delay="0">
+                  <p:tgtEl>
+                    <p:sldTgt/>
+                  </p:tgtEl>
+                </p:cond>
+              </p:nextCondLst>
+            </p:seq>
+          </p:childTnLst>
+        </p:cTn>
+      </p:par>
+    </p:tnLst>
+    <p:bldLst>
+      <p:bldP spid="10" grpId="0"/>
+      <p:bldP spid="19" grpId="0"/>
+    </p:bldLst>
+  </p:timing>
+</p:sld>
+</file>
+
+<file path=ppt/slides/slide36.xml><?xml version="1.0" encoding="utf-8"?>
+<p:sld xmlns:a="http://schemas.openxmlformats.org/drawingml/2006/main" xmlns:r="http://schemas.openxmlformats.org/officeDocument/2006/relationships" xmlns:p="http://schemas.openxmlformats.org/presentationml/2006/main">
+  <p:cSld>
+    <p:bg>
+      <p:bgPr>
+        <a:gradFill>
+          <a:gsLst>
+            <a:gs pos="0">
+              <a:schemeClr val="accent1">
+                <a:lumMod val="5000"/>
+                <a:lumOff val="95000"/>
+              </a:schemeClr>
+            </a:gs>
+            <a:gs pos="100000">
+              <a:schemeClr val="accent4">
+                <a:lumMod val="75000"/>
+              </a:schemeClr>
+            </a:gs>
+            <a:gs pos="30000">
+              <a:schemeClr val="accent4"/>
+            </a:gs>
+            <a:gs pos="100000">
+              <a:schemeClr val="bg1"/>
+            </a:gs>
+          </a:gsLst>
+          <a:lin ang="5400000" scaled="1"/>
+        </a:gradFill>
+        <a:effectLst/>
+      </p:bgPr>
+    </p:bg>
+    <p:spTree>
+      <p:nvGrpSpPr>
+        <p:cNvPr id="1" name=""/>
+        <p:cNvGrpSpPr/>
+        <p:nvPr/>
+      </p:nvGrpSpPr>
+      <p:grpSpPr>
+        <a:xfrm>
+          <a:off x="0" y="0"/>
+          <a:ext cx="0" cy="0"/>
+          <a:chOff x="0" y="0"/>
+          <a:chExt cx="0" cy="0"/>
+        </a:xfrm>
+      </p:grpSpPr>
+      <p:sp>
+        <p:nvSpPr>
+          <p:cNvPr id="4" name="Espace réservé du numéro de diapositive 3"/>
+          <p:cNvSpPr>
+            <a:spLocks noGrp="1"/>
+          </p:cNvSpPr>
+          <p:nvPr>
+            <p:ph type="sldNum" sz="quarter" idx="12"/>
+          </p:nvPr>
+        </p:nvSpPr>
+        <p:spPr/>
+        <p:txBody>
+          <a:bodyPr/>
+          <a:lstStyle/>
+          <a:p>
+            <a:fld id="{C71BCE76-17DE-481D-8B88-0224F5084139}" type="slidenum">
+              <a:rPr lang="fr-FR" smtClean="0">
+                <a:solidFill>
+                  <a:schemeClr val="tx1"/>
+                </a:solidFill>
+              </a:rPr>
+              <a:t>36</a:t>
+            </a:fld>
+            <a:endParaRPr lang="fr-FR" dirty="0">
+              <a:solidFill>
+                <a:schemeClr val="tx1"/>
+              </a:solidFill>
+            </a:endParaRPr>
+          </a:p>
+        </p:txBody>
+      </p:sp>
+      <p:pic>
+        <p:nvPicPr>
+          <p:cNvPr id="11" name="Image 10"/>
+          <p:cNvPicPr/>
+          <p:nvPr/>
+        </p:nvPicPr>
+        <p:blipFill>
+          <a:blip r:embed="rId2"/>
+          <a:stretch>
+            <a:fillRect/>
+          </a:stretch>
+        </p:blipFill>
+        <p:spPr>
+          <a:xfrm>
+            <a:off x="484699" y="1673542"/>
+            <a:ext cx="4933315" cy="3431540"/>
+          </a:xfrm>
+          <a:prstGeom prst="rect">
+            <a:avLst/>
+          </a:prstGeom>
+        </p:spPr>
+      </p:pic>
+      <p:pic>
+        <p:nvPicPr>
+          <p:cNvPr id="12" name="Image 11"/>
+          <p:cNvPicPr/>
+          <p:nvPr/>
+        </p:nvPicPr>
+        <p:blipFill>
+          <a:blip r:embed="rId3"/>
+          <a:stretch>
+            <a:fillRect/>
+          </a:stretch>
+        </p:blipFill>
+        <p:spPr>
+          <a:xfrm>
+            <a:off x="6318242" y="1673542"/>
+            <a:ext cx="5220335" cy="4120515"/>
+          </a:xfrm>
+          <a:prstGeom prst="rect">
+            <a:avLst/>
+          </a:prstGeom>
+        </p:spPr>
+      </p:pic>
+      <p:sp>
+        <p:nvSpPr>
+          <p:cNvPr id="13" name="ZoneTexte 12"/>
+          <p:cNvSpPr txBox="1"/>
+          <p:nvPr/>
+        </p:nvSpPr>
+        <p:spPr>
+          <a:xfrm>
+            <a:off x="710008" y="420886"/>
+            <a:ext cx="4482695" cy="1200329"/>
+          </a:xfrm>
+          <a:prstGeom prst="rect">
+            <a:avLst/>
+          </a:prstGeom>
+          <a:noFill/>
+        </p:spPr>
+        <p:txBody>
+          <a:bodyPr wrap="square" rtlCol="0">
+            <a:spAutoFit/>
+          </a:bodyPr>
+          <a:lstStyle/>
+          <a:p>
+            <a:r>
+              <a:rPr lang="fr-FR" sz="2400" dirty="0" smtClean="0"/>
+              <a:t>Fonction de lecture du nom du studio via le nom du jeu, présente dans le modèle « </a:t>
+            </a:r>
+            <a:r>
+              <a:rPr lang="fr-FR" sz="2400" dirty="0" err="1" smtClean="0"/>
+              <a:t>jeu_model</a:t>
+            </a:r>
+            <a:r>
+              <a:rPr lang="fr-FR" sz="2400" dirty="0" smtClean="0"/>
+              <a:t> »</a:t>
+            </a:r>
+            <a:endParaRPr lang="fr-FR" sz="2400" dirty="0"/>
+          </a:p>
+        </p:txBody>
+      </p:sp>
+      <p:sp>
+        <p:nvSpPr>
+          <p:cNvPr id="14" name="ZoneTexte 13"/>
+          <p:cNvSpPr txBox="1"/>
+          <p:nvPr/>
+        </p:nvSpPr>
+        <p:spPr>
+          <a:xfrm>
+            <a:off x="6350642" y="420885"/>
+            <a:ext cx="5155534" cy="1200329"/>
+          </a:xfrm>
+          <a:prstGeom prst="rect">
+            <a:avLst/>
+          </a:prstGeom>
+          <a:noFill/>
+        </p:spPr>
+        <p:txBody>
+          <a:bodyPr wrap="square" rtlCol="0">
+            <a:spAutoFit/>
+          </a:bodyPr>
+          <a:lstStyle/>
+          <a:p>
+            <a:r>
+              <a:rPr lang="fr-FR" sz="2400" dirty="0" smtClean="0"/>
+              <a:t>Fonction de lecture du nom d’une plateforme via le nom du jeu, présente dans le modèle « </a:t>
+            </a:r>
+            <a:r>
+              <a:rPr lang="fr-FR" sz="2400" dirty="0" err="1" smtClean="0"/>
+              <a:t>jeu_model</a:t>
+            </a:r>
+            <a:r>
+              <a:rPr lang="fr-FR" sz="2400" dirty="0" smtClean="0"/>
+              <a:t> »</a:t>
+            </a:r>
+            <a:endParaRPr lang="fr-FR" sz="2400" dirty="0"/>
+          </a:p>
+        </p:txBody>
+      </p:sp>
+    </p:spTree>
+    <p:extLst>
+      <p:ext uri="{BB962C8B-B14F-4D97-AF65-F5344CB8AC3E}">
+        <p14:creationId xmlns:p14="http://schemas.microsoft.com/office/powerpoint/2010/main" val="4020999139"/>
+      </p:ext>
+    </p:extLst>
+  </p:cSld>
+  <p:clrMapOvr>
+    <a:masterClrMapping/>
+  </p:clrMapOvr>
+  <mc:AlternateContent xmlns:mc="http://schemas.openxmlformats.org/markup-compatibility/2006" xmlns:p14="http://schemas.microsoft.com/office/powerpoint/2010/main">
+    <mc:Choice Requires="p14">
+      <p:transition spd="med" p14:dur="700">
+        <p:fade/>
+      </p:transition>
+    </mc:Choice>
+    <mc:Fallback xmlns="">
+      <p:transition spd="med">
+        <p:fade/>
+      </p:transition>
+    </mc:Fallback>
+  </mc:AlternateContent>
+  <p:timing>
+    <p:tnLst>
+      <p:par>
+        <p:cTn id="1" dur="indefinite" restart="never" nodeType="tmRoot"/>
+      </p:par>
+    </p:tnLst>
+  </p:timing>
+</p:sld>
+</file>
+
+<file path=ppt/slides/slide37.xml><?xml version="1.0" encoding="utf-8"?>
+<p:sld xmlns:a="http://schemas.openxmlformats.org/drawingml/2006/main" xmlns:r="http://schemas.openxmlformats.org/officeDocument/2006/relationships" xmlns:p="http://schemas.openxmlformats.org/presentationml/2006/main">
+  <p:cSld>
+    <p:bg>
+      <p:bgPr>
+        <a:gradFill>
+          <a:gsLst>
+            <a:gs pos="0">
+              <a:schemeClr val="accent1">
+                <a:lumMod val="5000"/>
+                <a:lumOff val="95000"/>
+              </a:schemeClr>
+            </a:gs>
+            <a:gs pos="100000">
+              <a:schemeClr val="accent4">
+                <a:lumMod val="75000"/>
+              </a:schemeClr>
+            </a:gs>
+            <a:gs pos="30000">
+              <a:schemeClr val="accent4"/>
+            </a:gs>
+            <a:gs pos="100000">
+              <a:schemeClr val="bg1"/>
+            </a:gs>
+          </a:gsLst>
+          <a:lin ang="5400000" scaled="1"/>
+        </a:gradFill>
+        <a:effectLst/>
+      </p:bgPr>
+    </p:bg>
+    <p:spTree>
+      <p:nvGrpSpPr>
+        <p:cNvPr id="1" name=""/>
+        <p:cNvGrpSpPr/>
+        <p:nvPr/>
+      </p:nvGrpSpPr>
+      <p:grpSpPr>
+        <a:xfrm>
+          <a:off x="0" y="0"/>
+          <a:ext cx="0" cy="0"/>
+          <a:chOff x="0" y="0"/>
+          <a:chExt cx="0" cy="0"/>
+        </a:xfrm>
+      </p:grpSpPr>
+      <p:sp>
+        <p:nvSpPr>
+          <p:cNvPr id="4" name="Espace réservé du numéro de diapositive 3"/>
+          <p:cNvSpPr>
+            <a:spLocks noGrp="1"/>
+          </p:cNvSpPr>
+          <p:nvPr>
+            <p:ph type="sldNum" sz="quarter" idx="12"/>
+          </p:nvPr>
+        </p:nvSpPr>
+        <p:spPr/>
+        <p:txBody>
+          <a:bodyPr/>
+          <a:lstStyle/>
+          <a:p>
+            <a:fld id="{C71BCE76-17DE-481D-8B88-0224F5084139}" type="slidenum">
+              <a:rPr lang="fr-FR" smtClean="0"/>
+              <a:t>37</a:t>
+            </a:fld>
+            <a:endParaRPr lang="fr-FR"/>
+          </a:p>
+        </p:txBody>
+      </p:sp>
+      <p:sp>
+        <p:nvSpPr>
+          <p:cNvPr id="5" name="Titre 4"/>
+          <p:cNvSpPr>
+            <a:spLocks noGrp="1"/>
+          </p:cNvSpPr>
+          <p:nvPr>
+            <p:ph type="title"/>
+          </p:nvPr>
+        </p:nvSpPr>
+        <p:spPr>
+          <a:xfrm>
+            <a:off x="838200" y="2300716"/>
+            <a:ext cx="10515600" cy="1325563"/>
+          </a:xfrm>
+        </p:spPr>
+        <p:txBody>
+          <a:bodyPr/>
+          <a:lstStyle/>
+          <a:p>
+            <a:pPr algn="ctr"/>
+            <a:r>
+              <a:rPr lang="fr-FR" dirty="0" smtClean="0"/>
+              <a:t>Conclusion</a:t>
+            </a:r>
+            <a:endParaRPr lang="fr-FR" dirty="0"/>
+          </a:p>
+        </p:txBody>
+      </p:sp>
+    </p:spTree>
+    <p:extLst>
+      <p:ext uri="{BB962C8B-B14F-4D97-AF65-F5344CB8AC3E}">
+        <p14:creationId xmlns:p14="http://schemas.microsoft.com/office/powerpoint/2010/main" val="1958336730"/>
       </p:ext>
     </p:extLst>
   </p:cSld>
@@ -8939,7 +15355,7 @@
           <p:nvPr/>
         </p:nvPicPr>
         <p:blipFill>
-          <a:blip r:embed="rId2"/>
+          <a:blip r:embed="rId3"/>
           <a:stretch>
             <a:fillRect/>
           </a:stretch>
@@ -8963,7 +15379,7 @@
           <p:nvPr/>
         </p:nvPicPr>
         <p:blipFill>
-          <a:blip r:embed="rId3"/>
+          <a:blip r:embed="rId4"/>
           <a:stretch>
             <a:fillRect/>
           </a:stretch>
@@ -9128,7 +15544,7 @@
           <p:nvPr/>
         </p:nvPicPr>
         <p:blipFill>
-          <a:blip r:embed="rId2" cstate="print">
+          <a:blip r:embed="rId3" cstate="print">
             <a:extLst>
               <a:ext uri="{28A0092B-C50C-407E-A947-70E740481C1C}">
                 <a14:useLocalDpi xmlns:a14="http://schemas.microsoft.com/office/drawing/2010/main" val="0"/>
@@ -9293,7 +15709,6 @@
               <a:rPr lang="fr-FR" sz="2800" dirty="0"/>
               <a:t>Création de compte</a:t>
             </a:r>
-            <a:endParaRPr lang="fr-FR" sz="2800" dirty="0"/>
           </a:p>
         </p:txBody>
       </p:sp>
@@ -9304,7 +15719,7 @@
           <p:nvPr/>
         </p:nvPicPr>
         <p:blipFill>
-          <a:blip r:embed="rId2" cstate="print">
+          <a:blip r:embed="rId3" cstate="print">
             <a:extLst>
               <a:ext uri="{28A0092B-C50C-407E-A947-70E740481C1C}">
                 <a14:useLocalDpi xmlns:a14="http://schemas.microsoft.com/office/drawing/2010/main" val="0"/>
@@ -9475,7 +15890,7 @@
           <p:nvPr/>
         </p:nvPicPr>
         <p:blipFill>
-          <a:blip r:embed="rId2">
+          <a:blip r:embed="rId3">
             <a:extLst>
               <a:ext uri="{28A0092B-C50C-407E-A947-70E740481C1C}">
                 <a14:useLocalDpi xmlns:a14="http://schemas.microsoft.com/office/drawing/2010/main" val="0"/>
@@ -9841,7 +16256,6 @@
               <a:rPr lang="fr-FR" sz="2800" dirty="0"/>
               <a:t>Déconnexion</a:t>
             </a:r>
-            <a:endParaRPr lang="fr-FR" sz="2800" dirty="0"/>
           </a:p>
         </p:txBody>
       </p:sp>
